--- a/Project/Context/NutrIA.context.pptx
+++ b/Project/Context/NutrIA.context.pptx
@@ -1,27 +1,31 @@
 
 <file path=ppt/presentation.xml><?xml version="1.0" encoding="utf-8"?>
-<p:presentation xmlns:a="http://schemas.openxmlformats.org/drawingml/2006/main" xmlns:r="http://schemas.openxmlformats.org/officeDocument/2006/relationships" xmlns:p="http://schemas.openxmlformats.org/presentationml/2006/main" saveSubsetFonts="1" embedTrueTypeFonts="true">
+<p:presentation xmlns:a="http://schemas.openxmlformats.org/drawingml/2006/main" xmlns:r="http://schemas.openxmlformats.org/officeDocument/2006/relationships" xmlns:p="http://schemas.openxmlformats.org/presentationml/2006/main" embedTrueTypeFonts="1" saveSubsetFonts="1">
   <p:sldMasterIdLst>
     <p:sldMasterId id="2147483648" r:id="rId1"/>
   </p:sldMasterIdLst>
   <p:sldIdLst>
-    <p:sldId id="256" r:id="rId6"/>
-    <p:sldId id="257" r:id="rId7"/>
-    <p:sldId id="258" r:id="rId8"/>
+    <p:sldId id="256" r:id="rId2"/>
+    <p:sldId id="257" r:id="rId3"/>
+    <p:sldId id="258" r:id="rId4"/>
+    <p:sldId id="261" r:id="rId5"/>
+    <p:sldId id="262" r:id="rId6"/>
+    <p:sldId id="263" r:id="rId7"/>
+    <p:sldId id="264" r:id="rId8"/>
   </p:sldIdLst>
   <p:sldSz cx="18288000" cy="10287000"/>
   <p:notesSz cx="6858000" cy="9144000"/>
   <p:embeddedFontLst>
     <p:embeddedFont>
-      <p:font typeface="Glacial Indifference" charset="1" panose="00000000000000000000"/>
+      <p:font typeface="Glacial Indifference" panose="020B0604020202020204" charset="0"/>
       <p:regular r:id="rId9"/>
     </p:embeddedFont>
     <p:embeddedFont>
-      <p:font typeface="League Spartan" charset="1" panose="00000800000000000000"/>
+      <p:font typeface="Glacial Indifference Bold" panose="020B0604020202020204" charset="0"/>
       <p:regular r:id="rId10"/>
     </p:embeddedFont>
     <p:embeddedFont>
-      <p:font typeface="Glacial Indifference Bold" charset="1" panose="00000800000000000000"/>
+      <p:font typeface="League Spartan" panose="020B0604020202020204" charset="0"/>
       <p:regular r:id="rId11"/>
     </p:embeddedFont>
   </p:embeddedFontLst>
@@ -120,6 +124,22 @@
       </a:defRPr>
     </a:lvl9pPr>
   </p:defaultTextStyle>
+  <p:extLst>
+    <p:ext uri="{EFAFB233-063F-42B5-8137-9DF3F51BA10A}">
+      <p15:sldGuideLst xmlns:p15="http://schemas.microsoft.com/office/powerpoint/2012/main">
+        <p15:guide id="1" orient="horz" pos="2160">
+          <p15:clr>
+            <a:srgbClr val="A4A3A4"/>
+          </p15:clr>
+        </p15:guide>
+        <p15:guide id="2" pos="2880">
+          <p15:clr>
+            <a:srgbClr val="A4A3A4"/>
+          </p15:clr>
+        </p15:guide>
+      </p15:sldGuideLst>
+    </p:ext>
+  </p:extLst>
 </p:presentation>
 </file>
 
@@ -161,10 +181,9 @@
           <a:lstStyle/>
           <a:p>
             <a:r>
-              <a:rPr lang="en-US" smtClean="0"/>
+              <a:rPr lang="en-US"/>
               <a:t>Click to edit Master title style</a:t>
             </a:r>
-            <a:endParaRPr lang="en-US"/>
           </a:p>
         </p:txBody>
       </p:sp>
@@ -280,10 +299,9 @@
           </a:lstStyle>
           <a:p>
             <a:r>
-              <a:rPr lang="en-US" smtClean="0"/>
+              <a:rPr lang="en-US"/>
               <a:t>Click to edit Master subtitle style</a:t>
             </a:r>
-            <a:endParaRPr lang="en-US"/>
           </a:p>
         </p:txBody>
       </p:sp>
@@ -305,7 +323,7 @@
             <a:fld id="{1D8BD707-D9CF-40AE-B4C6-C98DA3205C09}" type="datetimeFigureOut">
               <a:rPr lang="en-US" smtClean="0"/>
               <a:pPr/>
-              <a:t>8/1/2011</a:t>
+              <a:t>4/8/2025</a:t>
             </a:fld>
             <a:endParaRPr lang="en-US"/>
           </a:p>
@@ -348,7 +366,7 @@
             <a:fld id="{B6F15528-21DE-4FAA-801E-634DDDAF4B2B}" type="slidenum">
               <a:rPr lang="en-US" smtClean="0"/>
               <a:pPr/>
-              <a:t>‹#›</a:t>
+              <a:t>‹Nº›</a:t>
             </a:fld>
             <a:endParaRPr lang="en-US"/>
           </a:p>
@@ -395,10 +413,9 @@
           <a:lstStyle/>
           <a:p>
             <a:r>
-              <a:rPr lang="en-US" smtClean="0"/>
+              <a:rPr lang="en-US"/>
               <a:t>Click to edit Master title style</a:t>
             </a:r>
-            <a:endParaRPr lang="en-US"/>
           </a:p>
         </p:txBody>
       </p:sp>
@@ -419,38 +436,37 @@
           <a:p>
             <a:pPr lvl="0"/>
             <a:r>
-              <a:rPr lang="en-US" smtClean="0"/>
+              <a:rPr lang="en-US"/>
               <a:t>Click to edit Master text styles</a:t>
             </a:r>
           </a:p>
           <a:p>
             <a:pPr lvl="1"/>
             <a:r>
-              <a:rPr lang="en-US" smtClean="0"/>
+              <a:rPr lang="en-US"/>
               <a:t>Second level</a:t>
             </a:r>
           </a:p>
           <a:p>
             <a:pPr lvl="2"/>
             <a:r>
-              <a:rPr lang="en-US" smtClean="0"/>
+              <a:rPr lang="en-US"/>
               <a:t>Third level</a:t>
             </a:r>
           </a:p>
           <a:p>
             <a:pPr lvl="3"/>
             <a:r>
-              <a:rPr lang="en-US" smtClean="0"/>
+              <a:rPr lang="en-US"/>
               <a:t>Fourth level</a:t>
             </a:r>
           </a:p>
           <a:p>
             <a:pPr lvl="4"/>
             <a:r>
-              <a:rPr lang="en-US" smtClean="0"/>
+              <a:rPr lang="en-US"/>
               <a:t>Fifth level</a:t>
             </a:r>
-            <a:endParaRPr lang="en-US"/>
           </a:p>
         </p:txBody>
       </p:sp>
@@ -472,7 +488,7 @@
             <a:fld id="{1D8BD707-D9CF-40AE-B4C6-C98DA3205C09}" type="datetimeFigureOut">
               <a:rPr lang="en-US" smtClean="0"/>
               <a:pPr/>
-              <a:t>8/1/2011</a:t>
+              <a:t>4/8/2025</a:t>
             </a:fld>
             <a:endParaRPr lang="en-US"/>
           </a:p>
@@ -515,7 +531,7 @@
             <a:fld id="{B6F15528-21DE-4FAA-801E-634DDDAF4B2B}" type="slidenum">
               <a:rPr lang="en-US" smtClean="0"/>
               <a:pPr/>
-              <a:t>‹#›</a:t>
+              <a:t>‹Nº›</a:t>
             </a:fld>
             <a:endParaRPr lang="en-US"/>
           </a:p>
@@ -567,10 +583,9 @@
           <a:lstStyle/>
           <a:p>
             <a:r>
-              <a:rPr lang="en-US" smtClean="0"/>
+              <a:rPr lang="en-US"/>
               <a:t>Click to edit Master title style</a:t>
             </a:r>
-            <a:endParaRPr lang="en-US"/>
           </a:p>
         </p:txBody>
       </p:sp>
@@ -596,38 +611,37 @@
           <a:p>
             <a:pPr lvl="0"/>
             <a:r>
-              <a:rPr lang="en-US" smtClean="0"/>
+              <a:rPr lang="en-US"/>
               <a:t>Click to edit Master text styles</a:t>
             </a:r>
           </a:p>
           <a:p>
             <a:pPr lvl="1"/>
             <a:r>
-              <a:rPr lang="en-US" smtClean="0"/>
+              <a:rPr lang="en-US"/>
               <a:t>Second level</a:t>
             </a:r>
           </a:p>
           <a:p>
             <a:pPr lvl="2"/>
             <a:r>
-              <a:rPr lang="en-US" smtClean="0"/>
+              <a:rPr lang="en-US"/>
               <a:t>Third level</a:t>
             </a:r>
           </a:p>
           <a:p>
             <a:pPr lvl="3"/>
             <a:r>
-              <a:rPr lang="en-US" smtClean="0"/>
+              <a:rPr lang="en-US"/>
               <a:t>Fourth level</a:t>
             </a:r>
           </a:p>
           <a:p>
             <a:pPr lvl="4"/>
             <a:r>
-              <a:rPr lang="en-US" smtClean="0"/>
+              <a:rPr lang="en-US"/>
               <a:t>Fifth level</a:t>
             </a:r>
-            <a:endParaRPr lang="en-US"/>
           </a:p>
         </p:txBody>
       </p:sp>
@@ -649,7 +663,7 @@
             <a:fld id="{1D8BD707-D9CF-40AE-B4C6-C98DA3205C09}" type="datetimeFigureOut">
               <a:rPr lang="en-US" smtClean="0"/>
               <a:pPr/>
-              <a:t>8/1/2011</a:t>
+              <a:t>4/8/2025</a:t>
             </a:fld>
             <a:endParaRPr lang="en-US"/>
           </a:p>
@@ -692,7 +706,7 @@
             <a:fld id="{B6F15528-21DE-4FAA-801E-634DDDAF4B2B}" type="slidenum">
               <a:rPr lang="en-US" smtClean="0"/>
               <a:pPr/>
-              <a:t>‹#›</a:t>
+              <a:t>‹Nº›</a:t>
             </a:fld>
             <a:endParaRPr lang="en-US"/>
           </a:p>
@@ -739,10 +753,9 @@
           <a:lstStyle/>
           <a:p>
             <a:r>
-              <a:rPr lang="en-US" smtClean="0"/>
+              <a:rPr lang="en-US"/>
               <a:t>Click to edit Master title style</a:t>
             </a:r>
-            <a:endParaRPr lang="en-US"/>
           </a:p>
         </p:txBody>
       </p:sp>
@@ -763,38 +776,37 @@
           <a:p>
             <a:pPr lvl="0"/>
             <a:r>
-              <a:rPr lang="en-US" smtClean="0"/>
+              <a:rPr lang="en-US"/>
               <a:t>Click to edit Master text styles</a:t>
             </a:r>
           </a:p>
           <a:p>
             <a:pPr lvl="1"/>
             <a:r>
-              <a:rPr lang="en-US" smtClean="0"/>
+              <a:rPr lang="en-US"/>
               <a:t>Second level</a:t>
             </a:r>
           </a:p>
           <a:p>
             <a:pPr lvl="2"/>
             <a:r>
-              <a:rPr lang="en-US" smtClean="0"/>
+              <a:rPr lang="en-US"/>
               <a:t>Third level</a:t>
             </a:r>
           </a:p>
           <a:p>
             <a:pPr lvl="3"/>
             <a:r>
-              <a:rPr lang="en-US" smtClean="0"/>
+              <a:rPr lang="en-US"/>
               <a:t>Fourth level</a:t>
             </a:r>
           </a:p>
           <a:p>
             <a:pPr lvl="4"/>
             <a:r>
-              <a:rPr lang="en-US" smtClean="0"/>
+              <a:rPr lang="en-US"/>
               <a:t>Fifth level</a:t>
             </a:r>
-            <a:endParaRPr lang="en-US"/>
           </a:p>
         </p:txBody>
       </p:sp>
@@ -816,7 +828,7 @@
             <a:fld id="{1D8BD707-D9CF-40AE-B4C6-C98DA3205C09}" type="datetimeFigureOut">
               <a:rPr lang="en-US" smtClean="0"/>
               <a:pPr/>
-              <a:t>8/1/2011</a:t>
+              <a:t>4/8/2025</a:t>
             </a:fld>
             <a:endParaRPr lang="en-US"/>
           </a:p>
@@ -859,7 +871,7 @@
             <a:fld id="{B6F15528-21DE-4FAA-801E-634DDDAF4B2B}" type="slidenum">
               <a:rPr lang="en-US" smtClean="0"/>
               <a:pPr/>
-              <a:t>‹#›</a:t>
+              <a:t>‹Nº›</a:t>
             </a:fld>
             <a:endParaRPr lang="en-US"/>
           </a:p>
@@ -915,10 +927,9 @@
           </a:lstStyle>
           <a:p>
             <a:r>
-              <a:rPr lang="en-US" smtClean="0"/>
+              <a:rPr lang="en-US"/>
               <a:t>Click to edit Master title style</a:t>
             </a:r>
-            <a:endParaRPr lang="en-US"/>
           </a:p>
         </p:txBody>
       </p:sp>
@@ -1035,7 +1046,7 @@
           <a:p>
             <a:pPr lvl="0"/>
             <a:r>
-              <a:rPr lang="en-US" smtClean="0"/>
+              <a:rPr lang="en-US"/>
               <a:t>Click to edit Master text styles</a:t>
             </a:r>
           </a:p>
@@ -1059,7 +1070,7 @@
             <a:fld id="{1D8BD707-D9CF-40AE-B4C6-C98DA3205C09}" type="datetimeFigureOut">
               <a:rPr lang="en-US" smtClean="0"/>
               <a:pPr/>
-              <a:t>8/1/2011</a:t>
+              <a:t>4/8/2025</a:t>
             </a:fld>
             <a:endParaRPr lang="en-US"/>
           </a:p>
@@ -1102,7 +1113,7 @@
             <a:fld id="{B6F15528-21DE-4FAA-801E-634DDDAF4B2B}" type="slidenum">
               <a:rPr lang="en-US" smtClean="0"/>
               <a:pPr/>
-              <a:t>‹#›</a:t>
+              <a:t>‹Nº›</a:t>
             </a:fld>
             <a:endParaRPr lang="en-US"/>
           </a:p>
@@ -1149,10 +1160,9 @@
           <a:lstStyle/>
           <a:p>
             <a:r>
-              <a:rPr lang="en-US" smtClean="0"/>
+              <a:rPr lang="en-US"/>
               <a:t>Click to edit Master title style</a:t>
             </a:r>
-            <a:endParaRPr lang="en-US"/>
           </a:p>
         </p:txBody>
       </p:sp>
@@ -1206,38 +1216,37 @@
           <a:p>
             <a:pPr lvl="0"/>
             <a:r>
-              <a:rPr lang="en-US" smtClean="0"/>
+              <a:rPr lang="en-US"/>
               <a:t>Click to edit Master text styles</a:t>
             </a:r>
           </a:p>
           <a:p>
             <a:pPr lvl="1"/>
             <a:r>
-              <a:rPr lang="en-US" smtClean="0"/>
+              <a:rPr lang="en-US"/>
               <a:t>Second level</a:t>
             </a:r>
           </a:p>
           <a:p>
             <a:pPr lvl="2"/>
             <a:r>
-              <a:rPr lang="en-US" smtClean="0"/>
+              <a:rPr lang="en-US"/>
               <a:t>Third level</a:t>
             </a:r>
           </a:p>
           <a:p>
             <a:pPr lvl="3"/>
             <a:r>
-              <a:rPr lang="en-US" smtClean="0"/>
+              <a:rPr lang="en-US"/>
               <a:t>Fourth level</a:t>
             </a:r>
           </a:p>
           <a:p>
             <a:pPr lvl="4"/>
             <a:r>
-              <a:rPr lang="en-US" smtClean="0"/>
+              <a:rPr lang="en-US"/>
               <a:t>Fifth level</a:t>
             </a:r>
-            <a:endParaRPr lang="en-US"/>
           </a:p>
         </p:txBody>
       </p:sp>
@@ -1291,38 +1300,37 @@
           <a:p>
             <a:pPr lvl="0"/>
             <a:r>
-              <a:rPr lang="en-US" smtClean="0"/>
+              <a:rPr lang="en-US"/>
               <a:t>Click to edit Master text styles</a:t>
             </a:r>
           </a:p>
           <a:p>
             <a:pPr lvl="1"/>
             <a:r>
-              <a:rPr lang="en-US" smtClean="0"/>
+              <a:rPr lang="en-US"/>
               <a:t>Second level</a:t>
             </a:r>
           </a:p>
           <a:p>
             <a:pPr lvl="2"/>
             <a:r>
-              <a:rPr lang="en-US" smtClean="0"/>
+              <a:rPr lang="en-US"/>
               <a:t>Third level</a:t>
             </a:r>
           </a:p>
           <a:p>
             <a:pPr lvl="3"/>
             <a:r>
-              <a:rPr lang="en-US" smtClean="0"/>
+              <a:rPr lang="en-US"/>
               <a:t>Fourth level</a:t>
             </a:r>
           </a:p>
           <a:p>
             <a:pPr lvl="4"/>
             <a:r>
-              <a:rPr lang="en-US" smtClean="0"/>
+              <a:rPr lang="en-US"/>
               <a:t>Fifth level</a:t>
             </a:r>
-            <a:endParaRPr lang="en-US"/>
           </a:p>
         </p:txBody>
       </p:sp>
@@ -1344,7 +1352,7 @@
             <a:fld id="{1D8BD707-D9CF-40AE-B4C6-C98DA3205C09}" type="datetimeFigureOut">
               <a:rPr lang="en-US" smtClean="0"/>
               <a:pPr/>
-              <a:t>8/1/2011</a:t>
+              <a:t>4/8/2025</a:t>
             </a:fld>
             <a:endParaRPr lang="en-US"/>
           </a:p>
@@ -1387,7 +1395,7 @@
             <a:fld id="{B6F15528-21DE-4FAA-801E-634DDDAF4B2B}" type="slidenum">
               <a:rPr lang="en-US" smtClean="0"/>
               <a:pPr/>
-              <a:t>‹#›</a:t>
+              <a:t>‹Nº›</a:t>
             </a:fld>
             <a:endParaRPr lang="en-US"/>
           </a:p>
@@ -1438,10 +1446,9 @@
           </a:lstStyle>
           <a:p>
             <a:r>
-              <a:rPr lang="en-US" smtClean="0"/>
+              <a:rPr lang="en-US"/>
               <a:t>Click to edit Master title style</a:t>
             </a:r>
-            <a:endParaRPr lang="en-US"/>
           </a:p>
         </p:txBody>
       </p:sp>
@@ -1504,7 +1511,7 @@
           <a:p>
             <a:pPr lvl="0"/>
             <a:r>
-              <a:rPr lang="en-US" smtClean="0"/>
+              <a:rPr lang="en-US"/>
               <a:t>Click to edit Master text styles</a:t>
             </a:r>
           </a:p>
@@ -1560,38 +1567,37 @@
           <a:p>
             <a:pPr lvl="0"/>
             <a:r>
-              <a:rPr lang="en-US" smtClean="0"/>
+              <a:rPr lang="en-US"/>
               <a:t>Click to edit Master text styles</a:t>
             </a:r>
           </a:p>
           <a:p>
             <a:pPr lvl="1"/>
             <a:r>
-              <a:rPr lang="en-US" smtClean="0"/>
+              <a:rPr lang="en-US"/>
               <a:t>Second level</a:t>
             </a:r>
           </a:p>
           <a:p>
             <a:pPr lvl="2"/>
             <a:r>
-              <a:rPr lang="en-US" smtClean="0"/>
+              <a:rPr lang="en-US"/>
               <a:t>Third level</a:t>
             </a:r>
           </a:p>
           <a:p>
             <a:pPr lvl="3"/>
             <a:r>
-              <a:rPr lang="en-US" smtClean="0"/>
+              <a:rPr lang="en-US"/>
               <a:t>Fourth level</a:t>
             </a:r>
           </a:p>
           <a:p>
             <a:pPr lvl="4"/>
             <a:r>
-              <a:rPr lang="en-US" smtClean="0"/>
+              <a:rPr lang="en-US"/>
               <a:t>Fifth level</a:t>
             </a:r>
-            <a:endParaRPr lang="en-US"/>
           </a:p>
         </p:txBody>
       </p:sp>
@@ -1654,7 +1660,7 @@
           <a:p>
             <a:pPr lvl="0"/>
             <a:r>
-              <a:rPr lang="en-US" smtClean="0"/>
+              <a:rPr lang="en-US"/>
               <a:t>Click to edit Master text styles</a:t>
             </a:r>
           </a:p>
@@ -1710,38 +1716,37 @@
           <a:p>
             <a:pPr lvl="0"/>
             <a:r>
-              <a:rPr lang="en-US" smtClean="0"/>
+              <a:rPr lang="en-US"/>
               <a:t>Click to edit Master text styles</a:t>
             </a:r>
           </a:p>
           <a:p>
             <a:pPr lvl="1"/>
             <a:r>
-              <a:rPr lang="en-US" smtClean="0"/>
+              <a:rPr lang="en-US"/>
               <a:t>Second level</a:t>
             </a:r>
           </a:p>
           <a:p>
             <a:pPr lvl="2"/>
             <a:r>
-              <a:rPr lang="en-US" smtClean="0"/>
+              <a:rPr lang="en-US"/>
               <a:t>Third level</a:t>
             </a:r>
           </a:p>
           <a:p>
             <a:pPr lvl="3"/>
             <a:r>
-              <a:rPr lang="en-US" smtClean="0"/>
+              <a:rPr lang="en-US"/>
               <a:t>Fourth level</a:t>
             </a:r>
           </a:p>
           <a:p>
             <a:pPr lvl="4"/>
             <a:r>
-              <a:rPr lang="en-US" smtClean="0"/>
+              <a:rPr lang="en-US"/>
               <a:t>Fifth level</a:t>
             </a:r>
-            <a:endParaRPr lang="en-US"/>
           </a:p>
         </p:txBody>
       </p:sp>
@@ -1763,7 +1768,7 @@
             <a:fld id="{1D8BD707-D9CF-40AE-B4C6-C98DA3205C09}" type="datetimeFigureOut">
               <a:rPr lang="en-US" smtClean="0"/>
               <a:pPr/>
-              <a:t>8/1/2011</a:t>
+              <a:t>4/8/2025</a:t>
             </a:fld>
             <a:endParaRPr lang="en-US"/>
           </a:p>
@@ -1806,7 +1811,7 @@
             <a:fld id="{B6F15528-21DE-4FAA-801E-634DDDAF4B2B}" type="slidenum">
               <a:rPr lang="en-US" smtClean="0"/>
               <a:pPr/>
-              <a:t>‹#›</a:t>
+              <a:t>‹Nº›</a:t>
             </a:fld>
             <a:endParaRPr lang="en-US"/>
           </a:p>
@@ -1853,10 +1858,9 @@
           <a:lstStyle/>
           <a:p>
             <a:r>
-              <a:rPr lang="en-US" smtClean="0"/>
+              <a:rPr lang="en-US"/>
               <a:t>Click to edit Master title style</a:t>
             </a:r>
-            <a:endParaRPr lang="en-US"/>
           </a:p>
         </p:txBody>
       </p:sp>
@@ -1878,7 +1882,7 @@
             <a:fld id="{1D8BD707-D9CF-40AE-B4C6-C98DA3205C09}" type="datetimeFigureOut">
               <a:rPr lang="en-US" smtClean="0"/>
               <a:pPr/>
-              <a:t>8/1/2011</a:t>
+              <a:t>4/8/2025</a:t>
             </a:fld>
             <a:endParaRPr lang="en-US"/>
           </a:p>
@@ -1921,7 +1925,7 @@
             <a:fld id="{B6F15528-21DE-4FAA-801E-634DDDAF4B2B}" type="slidenum">
               <a:rPr lang="en-US" smtClean="0"/>
               <a:pPr/>
-              <a:t>‹#›</a:t>
+              <a:t>‹Nº›</a:t>
             </a:fld>
             <a:endParaRPr lang="en-US"/>
           </a:p>
@@ -1970,7 +1974,7 @@
             <a:fld id="{1D8BD707-D9CF-40AE-B4C6-C98DA3205C09}" type="datetimeFigureOut">
               <a:rPr lang="en-US" smtClean="0"/>
               <a:pPr/>
-              <a:t>8/1/2011</a:t>
+              <a:t>4/8/2025</a:t>
             </a:fld>
             <a:endParaRPr lang="en-US"/>
           </a:p>
@@ -2013,7 +2017,7 @@
             <a:fld id="{B6F15528-21DE-4FAA-801E-634DDDAF4B2B}" type="slidenum">
               <a:rPr lang="en-US" smtClean="0"/>
               <a:pPr/>
-              <a:t>‹#›</a:t>
+              <a:t>‹Nº›</a:t>
             </a:fld>
             <a:endParaRPr lang="en-US"/>
           </a:p>
@@ -2069,10 +2073,9 @@
           </a:lstStyle>
           <a:p>
             <a:r>
-              <a:rPr lang="en-US" smtClean="0"/>
+              <a:rPr lang="en-US"/>
               <a:t>Click to edit Master title style</a:t>
             </a:r>
-            <a:endParaRPr lang="en-US"/>
           </a:p>
         </p:txBody>
       </p:sp>
@@ -2126,38 +2129,37 @@
           <a:p>
             <a:pPr lvl="0"/>
             <a:r>
-              <a:rPr lang="en-US" smtClean="0"/>
+              <a:rPr lang="en-US"/>
               <a:t>Click to edit Master text styles</a:t>
             </a:r>
           </a:p>
           <a:p>
             <a:pPr lvl="1"/>
             <a:r>
-              <a:rPr lang="en-US" smtClean="0"/>
+              <a:rPr lang="en-US"/>
               <a:t>Second level</a:t>
             </a:r>
           </a:p>
           <a:p>
             <a:pPr lvl="2"/>
             <a:r>
-              <a:rPr lang="en-US" smtClean="0"/>
+              <a:rPr lang="en-US"/>
               <a:t>Third level</a:t>
             </a:r>
           </a:p>
           <a:p>
             <a:pPr lvl="3"/>
             <a:r>
-              <a:rPr lang="en-US" smtClean="0"/>
+              <a:rPr lang="en-US"/>
               <a:t>Fourth level</a:t>
             </a:r>
           </a:p>
           <a:p>
             <a:pPr lvl="4"/>
             <a:r>
-              <a:rPr lang="en-US" smtClean="0"/>
+              <a:rPr lang="en-US"/>
               <a:t>Fifth level</a:t>
             </a:r>
-            <a:endParaRPr lang="en-US"/>
           </a:p>
         </p:txBody>
       </p:sp>
@@ -2220,7 +2222,7 @@
           <a:p>
             <a:pPr lvl="0"/>
             <a:r>
-              <a:rPr lang="en-US" smtClean="0"/>
+              <a:rPr lang="en-US"/>
               <a:t>Click to edit Master text styles</a:t>
             </a:r>
           </a:p>
@@ -2244,7 +2246,7 @@
             <a:fld id="{1D8BD707-D9CF-40AE-B4C6-C98DA3205C09}" type="datetimeFigureOut">
               <a:rPr lang="en-US" smtClean="0"/>
               <a:pPr/>
-              <a:t>8/1/2011</a:t>
+              <a:t>4/8/2025</a:t>
             </a:fld>
             <a:endParaRPr lang="en-US"/>
           </a:p>
@@ -2287,7 +2289,7 @@
             <a:fld id="{B6F15528-21DE-4FAA-801E-634DDDAF4B2B}" type="slidenum">
               <a:rPr lang="en-US" smtClean="0"/>
               <a:pPr/>
-              <a:t>‹#›</a:t>
+              <a:t>‹Nº›</a:t>
             </a:fld>
             <a:endParaRPr lang="en-US"/>
           </a:p>
@@ -2343,10 +2345,9 @@
           </a:lstStyle>
           <a:p>
             <a:r>
-              <a:rPr lang="en-US" smtClean="0"/>
+              <a:rPr lang="en-US"/>
               <a:t>Click to edit Master title style</a:t>
             </a:r>
-            <a:endParaRPr lang="en-US"/>
           </a:p>
         </p:txBody>
       </p:sp>
@@ -2470,7 +2471,7 @@
           <a:p>
             <a:pPr lvl="0"/>
             <a:r>
-              <a:rPr lang="en-US" smtClean="0"/>
+              <a:rPr lang="en-US"/>
               <a:t>Click to edit Master text styles</a:t>
             </a:r>
           </a:p>
@@ -2494,7 +2495,7 @@
             <a:fld id="{1D8BD707-D9CF-40AE-B4C6-C98DA3205C09}" type="datetimeFigureOut">
               <a:rPr lang="en-US" smtClean="0"/>
               <a:pPr/>
-              <a:t>8/1/2011</a:t>
+              <a:t>4/8/2025</a:t>
             </a:fld>
             <a:endParaRPr lang="en-US"/>
           </a:p>
@@ -2537,7 +2538,7 @@
             <a:fld id="{B6F15528-21DE-4FAA-801E-634DDDAF4B2B}" type="slidenum">
               <a:rPr lang="en-US" smtClean="0"/>
               <a:pPr/>
-              <a:t>‹#›</a:t>
+              <a:t>‹Nº›</a:t>
             </a:fld>
             <a:endParaRPr lang="en-US"/>
           </a:p>
@@ -2599,10 +2600,9 @@
           <a:lstStyle/>
           <a:p>
             <a:r>
-              <a:rPr lang="en-US" smtClean="0"/>
+              <a:rPr lang="en-US"/>
               <a:t>Click to edit Master title style</a:t>
             </a:r>
-            <a:endParaRPr lang="en-US"/>
           </a:p>
         </p:txBody>
       </p:sp>
@@ -2633,38 +2633,37 @@
           <a:p>
             <a:pPr lvl="0"/>
             <a:r>
-              <a:rPr lang="en-US" smtClean="0"/>
+              <a:rPr lang="en-US"/>
               <a:t>Click to edit Master text styles</a:t>
             </a:r>
           </a:p>
           <a:p>
             <a:pPr lvl="1"/>
             <a:r>
-              <a:rPr lang="en-US" smtClean="0"/>
+              <a:rPr lang="en-US"/>
               <a:t>Second level</a:t>
             </a:r>
           </a:p>
           <a:p>
             <a:pPr lvl="2"/>
             <a:r>
-              <a:rPr lang="en-US" smtClean="0"/>
+              <a:rPr lang="en-US"/>
               <a:t>Third level</a:t>
             </a:r>
           </a:p>
           <a:p>
             <a:pPr lvl="3"/>
             <a:r>
-              <a:rPr lang="en-US" smtClean="0"/>
+              <a:rPr lang="en-US"/>
               <a:t>Fourth level</a:t>
             </a:r>
           </a:p>
           <a:p>
             <a:pPr lvl="4"/>
             <a:r>
-              <a:rPr lang="en-US" smtClean="0"/>
+              <a:rPr lang="en-US"/>
               <a:t>Fifth level</a:t>
             </a:r>
-            <a:endParaRPr lang="en-US"/>
           </a:p>
         </p:txBody>
       </p:sp>
@@ -2704,7 +2703,7 @@
             <a:fld id="{1D8BD707-D9CF-40AE-B4C6-C98DA3205C09}" type="datetimeFigureOut">
               <a:rPr lang="en-US" smtClean="0"/>
               <a:pPr/>
-              <a:t>8/1/2011</a:t>
+              <a:t>4/8/2025</a:t>
             </a:fld>
             <a:endParaRPr lang="en-US"/>
           </a:p>
@@ -2783,7 +2782,7 @@
             <a:fld id="{B6F15528-21DE-4FAA-801E-634DDDAF4B2B}" type="slidenum">
               <a:rPr lang="en-US" smtClean="0"/>
               <a:pPr/>
-              <a:t>‹#›</a:t>
+              <a:t>‹Nº›</a:t>
             </a:fld>
             <a:endParaRPr lang="en-US"/>
           </a:p>
@@ -3059,13 +3058,14 @@
 </file>
 
 <file path=ppt/slides/slide1.xml><?xml version="1.0" encoding="utf-8"?>
-<p:sld xmlns:p="http://schemas.openxmlformats.org/presentationml/2006/main" xmlns:a="http://schemas.openxmlformats.org/drawingml/2006/main" xmlns:r="http://schemas.openxmlformats.org/officeDocument/2006/relationships">
+<p:sld xmlns:a="http://schemas.openxmlformats.org/drawingml/2006/main" xmlns:r="http://schemas.openxmlformats.org/officeDocument/2006/relationships" xmlns:p="http://schemas.openxmlformats.org/presentationml/2006/main">
   <p:cSld>
     <p:bg>
       <p:bgPr>
         <a:solidFill>
           <a:srgbClr val="D8D9D9"/>
         </a:solidFill>
+        <a:effectLst/>
       </p:bgPr>
     </p:bg>
     <p:spTree>
@@ -3084,12 +3084,12 @@
       </p:grpSpPr>
       <p:sp>
         <p:nvSpPr>
-          <p:cNvPr name="TextBox 2" id="2"/>
-          <p:cNvSpPr txBox="true"/>
+          <p:cNvPr id="2" name="TextBox 2"/>
+          <p:cNvSpPr txBox="1"/>
           <p:nvPr/>
         </p:nvSpPr>
         <p:spPr>
-          <a:xfrm rot="0">
+          <a:xfrm>
             <a:off x="10151953" y="6877759"/>
             <a:ext cx="5804852" cy="1208165"/>
           </a:xfrm>
@@ -3098,12 +3098,12 @@
           </a:prstGeom>
         </p:spPr>
         <p:txBody>
-          <a:bodyPr anchor="t" rtlCol="false" tIns="0" lIns="0" bIns="0" rIns="0">
+          <a:bodyPr lIns="0" tIns="0" rIns="0" bIns="0" rtlCol="0" anchor="t">
             <a:spAutoFit/>
           </a:bodyPr>
           <a:lstStyle/>
           <a:p>
-            <a:pPr algn="ctr" marL="0" indent="0" lvl="0">
+            <a:pPr marL="0" lvl="0" indent="0" algn="ctr">
               <a:lnSpc>
                 <a:spcPts val="4808"/>
               </a:lnSpc>
@@ -3112,7 +3112,7 @@
               </a:spcBef>
             </a:pPr>
             <a:r>
-              <a:rPr lang="en-US" sz="3434" spc="75">
+              <a:rPr lang="es-CO" sz="3434" spc="75" noProof="0" dirty="0">
                 <a:solidFill>
                   <a:srgbClr val="152540"/>
                 </a:solidFill>
@@ -3121,19 +3121,19 @@
                 <a:cs typeface="Glacial Indifference"/>
                 <a:sym typeface="Glacial Indifference"/>
               </a:rPr>
-              <a:t>Jhonatan Andres Ortega Jhon Angel Fuentes</a:t>
+              <a:t>Jhonatan Andrés Ortega Jhon Ángel Fuentes</a:t>
             </a:r>
           </a:p>
         </p:txBody>
       </p:sp>
       <p:sp>
         <p:nvSpPr>
-          <p:cNvPr name="TextBox 3" id="3"/>
-          <p:cNvSpPr txBox="true"/>
+          <p:cNvPr id="3" name="TextBox 3"/>
+          <p:cNvSpPr txBox="1"/>
           <p:nvPr/>
         </p:nvSpPr>
         <p:spPr>
-          <a:xfrm rot="0">
+          <a:xfrm>
             <a:off x="8849459" y="2124876"/>
             <a:ext cx="8409841" cy="4594966"/>
           </a:xfrm>
@@ -3142,12 +3142,12 @@
           </a:prstGeom>
         </p:spPr>
         <p:txBody>
-          <a:bodyPr anchor="t" rtlCol="false" tIns="0" lIns="0" bIns="0" rIns="0">
+          <a:bodyPr lIns="0" tIns="0" rIns="0" bIns="0" rtlCol="0" anchor="t">
             <a:spAutoFit/>
           </a:bodyPr>
           <a:lstStyle/>
           <a:p>
-            <a:pPr algn="ctr" marL="0" indent="0" lvl="0">
+            <a:pPr marL="0" lvl="0" indent="0" algn="ctr">
               <a:lnSpc>
                 <a:spcPts val="6084"/>
               </a:lnSpc>
@@ -3156,7 +3156,7 @@
               </a:spcBef>
             </a:pPr>
             <a:r>
-              <a:rPr lang="en-US" sz="4345" spc="408">
+              <a:rPr lang="es-CO" sz="4345" spc="408" noProof="0" dirty="0">
                 <a:solidFill>
                   <a:srgbClr val="152540"/>
                 </a:solidFill>
@@ -3172,12 +3172,12 @@
       </p:sp>
       <p:sp>
         <p:nvSpPr>
-          <p:cNvPr name="Freeform 4" id="4"/>
+          <p:cNvPr id="4" name="Freeform 4"/>
           <p:cNvSpPr/>
           <p:nvPr/>
         </p:nvSpPr>
         <p:spPr>
-          <a:xfrm flipH="false" flipV="false" rot="0">
+          <a:xfrm>
             <a:off x="1028700" y="-19784"/>
             <a:ext cx="7594975" cy="10306784"/>
           </a:xfrm>
@@ -3186,9 +3186,9 @@
             <a:gdLst/>
             <a:ahLst/>
             <a:cxnLst/>
-            <a:rect r="r" b="b" t="t" l="l"/>
+            <a:rect l="l" t="t" r="r" b="b"/>
             <a:pathLst>
-              <a:path h="10306784" w="7594975">
+              <a:path w="7594975" h="10306784">
                 <a:moveTo>
                   <a:pt x="0" y="0"/>
                 </a:moveTo>
@@ -3211,10 +3211,17 @@
           <a:blipFill>
             <a:blip r:embed="rId2"/>
             <a:stretch>
-              <a:fillRect l="-19188" t="0" r="-16517" b="0"/>
+              <a:fillRect l="-19188" r="-16517"/>
             </a:stretch>
           </a:blipFill>
         </p:spPr>
+        <p:txBody>
+          <a:bodyPr/>
+          <a:lstStyle/>
+          <a:p>
+            <a:endParaRPr lang="es-CO" noProof="0" dirty="0"/>
+          </a:p>
+        </p:txBody>
       </p:sp>
     </p:spTree>
   </p:cSld>
@@ -3225,13 +3232,14 @@
 </file>
 
 <file path=ppt/slides/slide2.xml><?xml version="1.0" encoding="utf-8"?>
-<p:sld xmlns:p="http://schemas.openxmlformats.org/presentationml/2006/main" xmlns:a="http://schemas.openxmlformats.org/drawingml/2006/main" xmlns:r="http://schemas.openxmlformats.org/officeDocument/2006/relationships">
+<p:sld xmlns:a="http://schemas.openxmlformats.org/drawingml/2006/main" xmlns:r="http://schemas.openxmlformats.org/officeDocument/2006/relationships" xmlns:p="http://schemas.openxmlformats.org/presentationml/2006/main">
   <p:cSld>
     <p:bg>
       <p:bgPr>
         <a:solidFill>
           <a:srgbClr val="D8D9D9"/>
         </a:solidFill>
+        <a:effectLst/>
       </p:bgPr>
     </p:bg>
     <p:spTree>
@@ -3250,12 +3258,12 @@
       </p:grpSpPr>
       <p:sp>
         <p:nvSpPr>
-          <p:cNvPr name="Freeform 2" id="2"/>
+          <p:cNvPr id="2" name="Freeform 2"/>
           <p:cNvSpPr/>
           <p:nvPr/>
         </p:nvSpPr>
         <p:spPr>
-          <a:xfrm flipH="false" flipV="false" rot="-6501204">
+          <a:xfrm rot="-6501204">
             <a:off x="-4899086" y="-8147683"/>
             <a:ext cx="9798172" cy="13143890"/>
           </a:xfrm>
@@ -3264,9 +3272,9 @@
             <a:gdLst/>
             <a:ahLst/>
             <a:cxnLst/>
-            <a:rect r="r" b="b" t="t" l="l"/>
+            <a:rect l="l" t="t" r="r" b="b"/>
             <a:pathLst>
-              <a:path h="13143890" w="9798172">
+              <a:path w="9798172" h="13143890">
                 <a:moveTo>
                   <a:pt x="0" y="0"/>
                 </a:moveTo>
@@ -3295,7 +3303,7 @@
               </a:extLst>
             </a:blip>
             <a:stretch>
-              <a:fillRect l="0" t="0" r="0" b="0"/>
+              <a:fillRect/>
             </a:stretch>
           </a:blipFill>
           <a:ln cap="sq">
@@ -3304,15 +3312,22 @@
             <a:miter/>
           </a:ln>
         </p:spPr>
-      </p:sp>
-      <p:sp>
-        <p:nvSpPr>
-          <p:cNvPr name="Freeform 3" id="3"/>
+        <p:txBody>
+          <a:bodyPr/>
+          <a:lstStyle/>
+          <a:p>
+            <a:endParaRPr lang="es-CO" noProof="0" dirty="0"/>
+          </a:p>
+        </p:txBody>
+      </p:sp>
+      <p:sp>
+        <p:nvSpPr>
+          <p:cNvPr id="3" name="Freeform 3"/>
           <p:cNvSpPr/>
           <p:nvPr/>
         </p:nvSpPr>
         <p:spPr>
-          <a:xfrm flipH="false" flipV="false" rot="-8798399">
+          <a:xfrm rot="-8798399">
             <a:off x="11434890" y="2417332"/>
             <a:ext cx="9798172" cy="13143890"/>
           </a:xfrm>
@@ -3321,9 +3336,9 @@
             <a:gdLst/>
             <a:ahLst/>
             <a:cxnLst/>
-            <a:rect r="r" b="b" t="t" l="l"/>
+            <a:rect l="l" t="t" r="r" b="b"/>
             <a:pathLst>
-              <a:path h="13143890" w="9798172">
+              <a:path w="9798172" h="13143890">
                 <a:moveTo>
                   <a:pt x="0" y="0"/>
                 </a:moveTo>
@@ -3352,7 +3367,7 @@
               </a:extLst>
             </a:blip>
             <a:stretch>
-              <a:fillRect l="0" t="0" r="0" b="0"/>
+              <a:fillRect/>
             </a:stretch>
           </a:blipFill>
           <a:ln cap="sq">
@@ -3361,15 +3376,22 @@
             <a:miter/>
           </a:ln>
         </p:spPr>
-      </p:sp>
-      <p:sp>
-        <p:nvSpPr>
-          <p:cNvPr name="Freeform 4" id="4"/>
+        <p:txBody>
+          <a:bodyPr/>
+          <a:lstStyle/>
+          <a:p>
+            <a:endParaRPr lang="es-CO" noProof="0" dirty="0"/>
+          </a:p>
+        </p:txBody>
+      </p:sp>
+      <p:sp>
+        <p:nvSpPr>
+          <p:cNvPr id="4" name="Freeform 4"/>
           <p:cNvSpPr/>
           <p:nvPr/>
         </p:nvSpPr>
         <p:spPr>
-          <a:xfrm flipH="false" flipV="false" rot="-10301337">
+          <a:xfrm rot="-10301337">
             <a:off x="9883234" y="-2150579"/>
             <a:ext cx="12901483" cy="11165647"/>
           </a:xfrm>
@@ -3378,9 +3400,9 @@
             <a:gdLst/>
             <a:ahLst/>
             <a:cxnLst/>
-            <a:rect r="r" b="b" t="t" l="l"/>
+            <a:rect l="l" t="t" r="r" b="b"/>
             <a:pathLst>
-              <a:path h="11165647" w="12901483">
+              <a:path w="12901483" h="11165647">
                 <a:moveTo>
                   <a:pt x="0" y="0"/>
                 </a:moveTo>
@@ -3409,7 +3431,7 @@
               </a:extLst>
             </a:blip>
             <a:stretch>
-              <a:fillRect l="0" t="0" r="0" b="0"/>
+              <a:fillRect/>
             </a:stretch>
           </a:blipFill>
           <a:ln cap="sq">
@@ -3418,15 +3440,22 @@
             <a:miter/>
           </a:ln>
         </p:spPr>
-      </p:sp>
-      <p:sp>
-        <p:nvSpPr>
-          <p:cNvPr name="Freeform 5" id="5"/>
+        <p:txBody>
+          <a:bodyPr/>
+          <a:lstStyle/>
+          <a:p>
+            <a:endParaRPr lang="es-CO" noProof="0" dirty="0"/>
+          </a:p>
+        </p:txBody>
+      </p:sp>
+      <p:sp>
+        <p:nvSpPr>
+          <p:cNvPr id="5" name="Freeform 5"/>
           <p:cNvSpPr/>
           <p:nvPr/>
         </p:nvSpPr>
         <p:spPr>
-          <a:xfrm flipH="false" flipV="false" rot="458160">
+          <a:xfrm rot="458160">
             <a:off x="-3775194" y="6616870"/>
             <a:ext cx="8481393" cy="7340260"/>
           </a:xfrm>
@@ -3435,9 +3464,9 @@
             <a:gdLst/>
             <a:ahLst/>
             <a:cxnLst/>
-            <a:rect r="r" b="b" t="t" l="l"/>
+            <a:rect l="l" t="t" r="r" b="b"/>
             <a:pathLst>
-              <a:path h="7340260" w="8481393">
+              <a:path w="8481393" h="7340260">
                 <a:moveTo>
                   <a:pt x="0" y="0"/>
                 </a:moveTo>
@@ -3466,7 +3495,7 @@
               </a:extLst>
             </a:blip>
             <a:stretch>
-              <a:fillRect l="0" t="0" r="0" b="0"/>
+              <a:fillRect/>
             </a:stretch>
           </a:blipFill>
           <a:ln cap="sq">
@@ -3475,15 +3504,22 @@
             <a:miter/>
           </a:ln>
         </p:spPr>
-      </p:sp>
-      <p:sp>
-        <p:nvSpPr>
-          <p:cNvPr name="TextBox 6" id="6"/>
-          <p:cNvSpPr txBox="true"/>
+        <p:txBody>
+          <a:bodyPr/>
+          <a:lstStyle/>
+          <a:p>
+            <a:endParaRPr lang="es-CO" noProof="0" dirty="0"/>
+          </a:p>
+        </p:txBody>
+      </p:sp>
+      <p:sp>
+        <p:nvSpPr>
+          <p:cNvPr id="6" name="TextBox 6"/>
+          <p:cNvSpPr txBox="1"/>
           <p:nvPr/>
         </p:nvSpPr>
         <p:spPr>
-          <a:xfrm rot="0">
+          <a:xfrm>
             <a:off x="3087654" y="3157988"/>
             <a:ext cx="6411555" cy="1319860"/>
           </a:xfrm>
@@ -3492,7 +3528,7 @@
           </a:prstGeom>
         </p:spPr>
         <p:txBody>
-          <a:bodyPr anchor="t" rtlCol="false" tIns="0" lIns="0" bIns="0" rIns="0">
+          <a:bodyPr lIns="0" tIns="0" rIns="0" bIns="0" rtlCol="0" anchor="t">
             <a:spAutoFit/>
           </a:bodyPr>
           <a:lstStyle/>
@@ -3503,7 +3539,7 @@
               </a:lnSpc>
             </a:pPr>
             <a:r>
-              <a:rPr lang="en-US" b="true" sz="7662" spc="720">
+              <a:rPr lang="es-CO" sz="7662" b="1" spc="720" noProof="0" dirty="0">
                 <a:solidFill>
                   <a:srgbClr val="152540"/>
                 </a:solidFill>
@@ -3519,12 +3555,12 @@
       </p:sp>
       <p:sp>
         <p:nvSpPr>
-          <p:cNvPr name="TextBox 7" id="7"/>
-          <p:cNvSpPr txBox="true"/>
+          <p:cNvPr id="7" name="TextBox 7"/>
+          <p:cNvSpPr txBox="1"/>
           <p:nvPr/>
         </p:nvSpPr>
         <p:spPr>
-          <a:xfrm rot="0">
+          <a:xfrm>
             <a:off x="3087654" y="2330064"/>
             <a:ext cx="4756100" cy="980324"/>
           </a:xfrm>
@@ -3533,7 +3569,7 @@
           </a:prstGeom>
         </p:spPr>
         <p:txBody>
-          <a:bodyPr anchor="t" rtlCol="false" tIns="0" lIns="0" bIns="0" rIns="0">
+          <a:bodyPr lIns="0" tIns="0" rIns="0" bIns="0" rtlCol="0" anchor="t">
             <a:spAutoFit/>
           </a:bodyPr>
           <a:lstStyle/>
@@ -3544,7 +3580,7 @@
               </a:lnSpc>
             </a:pPr>
             <a:r>
-              <a:rPr lang="en-US" sz="5683" spc="534">
+              <a:rPr lang="es-CO" sz="5683" spc="534" noProof="0" dirty="0">
                 <a:solidFill>
                   <a:srgbClr val="152540"/>
                 </a:solidFill>
@@ -3560,26 +3596,26 @@
       </p:sp>
       <p:sp>
         <p:nvSpPr>
-          <p:cNvPr name="TextBox 8" id="8"/>
-          <p:cNvSpPr txBox="true"/>
+          <p:cNvPr id="8" name="TextBox 8"/>
+          <p:cNvSpPr txBox="1"/>
           <p:nvPr/>
         </p:nvSpPr>
         <p:spPr>
-          <a:xfrm rot="0">
+          <a:xfrm>
             <a:off x="3087654" y="4805671"/>
-            <a:ext cx="5799806" cy="3017915"/>
+            <a:ext cx="5799806" cy="3636701"/>
           </a:xfrm>
           <a:prstGeom prst="rect">
             <a:avLst/>
           </a:prstGeom>
         </p:spPr>
         <p:txBody>
-          <a:bodyPr anchor="t" rtlCol="false" tIns="0" lIns="0" bIns="0" rIns="0">
+          <a:bodyPr lIns="0" tIns="0" rIns="0" bIns="0" rtlCol="0" anchor="t">
             <a:spAutoFit/>
           </a:bodyPr>
           <a:lstStyle/>
           <a:p>
-            <a:pPr algn="l" marL="741495" indent="-370748" lvl="1">
+            <a:pPr marL="741495" lvl="1" indent="-370748" algn="l">
               <a:lnSpc>
                 <a:spcPts val="4808"/>
               </a:lnSpc>
@@ -3587,7 +3623,7 @@
               <a:buChar char="•"/>
             </a:pPr>
             <a:r>
-              <a:rPr lang="en-US" sz="3434" spc="75">
+              <a:rPr lang="es-CO" sz="3434" spc="75" noProof="0" dirty="0">
                 <a:solidFill>
                   <a:srgbClr val="152540"/>
                 </a:solidFill>
@@ -3600,7 +3636,7 @@
             </a:r>
           </a:p>
           <a:p>
-            <a:pPr algn="l" marL="741495" indent="-370748" lvl="1">
+            <a:pPr marL="741495" lvl="1" indent="-370748" algn="l">
               <a:lnSpc>
                 <a:spcPts val="4808"/>
               </a:lnSpc>
@@ -3608,7 +3644,7 @@
               <a:buChar char="•"/>
             </a:pPr>
             <a:r>
-              <a:rPr lang="en-US" sz="3434" spc="75" strike="noStrike" u="none">
+              <a:rPr lang="es-CO" sz="3434" u="none" strike="noStrike" spc="75" noProof="0" dirty="0">
                 <a:solidFill>
                   <a:srgbClr val="152540"/>
                 </a:solidFill>
@@ -3621,7 +3657,7 @@
             </a:r>
           </a:p>
           <a:p>
-            <a:pPr algn="l" marL="719906" indent="-359953" lvl="1">
+            <a:pPr marL="719906" lvl="1" indent="-359953" algn="l">
               <a:lnSpc>
                 <a:spcPts val="4668"/>
               </a:lnSpc>
@@ -3629,7 +3665,7 @@
               <a:buChar char="•"/>
             </a:pPr>
             <a:r>
-              <a:rPr lang="en-US" sz="3334" spc="73" strike="noStrike" u="none">
+              <a:rPr lang="es-CO" sz="3334" u="none" strike="noStrike" spc="73" noProof="0" dirty="0">
                 <a:solidFill>
                   <a:srgbClr val="152540"/>
                 </a:solidFill>
@@ -3642,7 +3678,7 @@
             </a:r>
           </a:p>
           <a:p>
-            <a:pPr algn="l" marL="741495" indent="-370748" lvl="1">
+            <a:pPr marL="741495" lvl="1" indent="-370748" algn="l">
               <a:lnSpc>
                 <a:spcPts val="4808"/>
               </a:lnSpc>
@@ -3650,7 +3686,7 @@
               <a:buChar char="•"/>
             </a:pPr>
             <a:r>
-              <a:rPr lang="en-US" sz="3434" spc="75" strike="noStrike" u="none">
+              <a:rPr lang="es-CO" sz="3434" u="none" strike="noStrike" spc="75" noProof="0" dirty="0">
                 <a:solidFill>
                   <a:srgbClr val="152540"/>
                 </a:solidFill>
@@ -3663,7 +3699,7 @@
             </a:r>
           </a:p>
           <a:p>
-            <a:pPr algn="l" marL="741495" indent="-370748" lvl="1">
+            <a:pPr marL="741495" lvl="1" indent="-370748" algn="l">
               <a:lnSpc>
                 <a:spcPts val="4808"/>
               </a:lnSpc>
@@ -3671,7 +3707,7 @@
               <a:buChar char="•"/>
             </a:pPr>
             <a:r>
-              <a:rPr lang="en-US" sz="3434" spc="75" strike="noStrike" u="none">
+              <a:rPr lang="es-CO" sz="3434" u="none" strike="noStrike" spc="75" noProof="0" dirty="0">
                 <a:solidFill>
                   <a:srgbClr val="152540"/>
                 </a:solidFill>
@@ -3680,19 +3716,37 @@
                 <a:cs typeface="Glacial Indifference"/>
                 <a:sym typeface="Glacial Indifference"/>
               </a:rPr>
-              <a:t>Ponderación</a:t>
+              <a:t>Drivers Arquitectónicos</a:t>
             </a:r>
           </a:p>
-        </p:txBody>
-      </p:sp>
-      <p:sp>
-        <p:nvSpPr>
-          <p:cNvPr name="TextBox 9" id="9"/>
-          <p:cNvSpPr txBox="true"/>
+          <a:p>
+            <a:pPr marL="741495" lvl="1" indent="-370748" algn="l">
+              <a:lnSpc>
+                <a:spcPts val="4808"/>
+              </a:lnSpc>
+              <a:buFont typeface="Arial"/>
+              <a:buChar char="•"/>
+            </a:pPr>
+            <a:endParaRPr lang="es-CO" sz="3434" u="none" strike="noStrike" spc="75" noProof="0" dirty="0">
+              <a:solidFill>
+                <a:srgbClr val="152540"/>
+              </a:solidFill>
+              <a:latin typeface="Glacial Indifference"/>
+              <a:ea typeface="Glacial Indifference"/>
+              <a:cs typeface="Glacial Indifference"/>
+              <a:sym typeface="Glacial Indifference"/>
+            </a:endParaRPr>
+          </a:p>
+        </p:txBody>
+      </p:sp>
+      <p:sp>
+        <p:nvSpPr>
+          <p:cNvPr id="9" name="TextBox 9"/>
+          <p:cNvSpPr txBox="1"/>
           <p:nvPr/>
         </p:nvSpPr>
         <p:spPr>
-          <a:xfrm rot="0">
+          <a:xfrm>
             <a:off x="9072998" y="4805671"/>
             <a:ext cx="813952" cy="3036965"/>
           </a:xfrm>
@@ -3701,7 +3755,7 @@
           </a:prstGeom>
         </p:spPr>
         <p:txBody>
-          <a:bodyPr anchor="t" rtlCol="false" tIns="0" lIns="0" bIns="0" rIns="0">
+          <a:bodyPr lIns="0" tIns="0" rIns="0" bIns="0" rtlCol="0" anchor="t">
             <a:spAutoFit/>
           </a:bodyPr>
           <a:lstStyle/>
@@ -3712,7 +3766,7 @@
               </a:lnSpc>
             </a:pPr>
             <a:r>
-              <a:rPr lang="en-US" b="true" sz="3434" spc="75">
+              <a:rPr lang="es-CO" sz="3434" b="1" spc="75" noProof="0" dirty="0">
                 <a:solidFill>
                   <a:srgbClr val="152540"/>
                 </a:solidFill>
@@ -3731,7 +3785,7 @@
               </a:lnSpc>
             </a:pPr>
             <a:r>
-              <a:rPr lang="en-US" b="true" sz="3434" spc="75">
+              <a:rPr lang="es-CO" sz="3434" b="1" spc="75" noProof="0" dirty="0">
                 <a:solidFill>
                   <a:srgbClr val="152540"/>
                 </a:solidFill>
@@ -3750,7 +3804,7 @@
               </a:lnSpc>
             </a:pPr>
             <a:r>
-              <a:rPr lang="en-US" b="true" sz="3434" spc="75">
+              <a:rPr lang="es-CO" sz="3434" b="1" spc="75" noProof="0" dirty="0">
                 <a:solidFill>
                   <a:srgbClr val="152540"/>
                 </a:solidFill>
@@ -3769,7 +3823,7 @@
               </a:lnSpc>
             </a:pPr>
             <a:r>
-              <a:rPr lang="en-US" b="true" sz="3434" spc="75">
+              <a:rPr lang="es-CO" sz="3434" b="1" spc="75" noProof="0" dirty="0">
                 <a:solidFill>
                   <a:srgbClr val="152540"/>
                 </a:solidFill>
@@ -3782,7 +3836,7 @@
             </a:r>
           </a:p>
           <a:p>
-            <a:pPr algn="ctr" marL="0" indent="0" lvl="0">
+            <a:pPr marL="0" lvl="0" indent="0" algn="ctr">
               <a:lnSpc>
                 <a:spcPts val="4808"/>
               </a:lnSpc>
@@ -3791,7 +3845,7 @@
               </a:spcBef>
             </a:pPr>
             <a:r>
-              <a:rPr lang="en-US" b="true" sz="3434" spc="75">
+              <a:rPr lang="es-CO" sz="3434" b="1" spc="75" noProof="0" dirty="0">
                 <a:solidFill>
                   <a:srgbClr val="152540"/>
                 </a:solidFill>
@@ -3814,13 +3868,14 @@
 </file>
 
 <file path=ppt/slides/slide3.xml><?xml version="1.0" encoding="utf-8"?>
-<p:sld xmlns:p="http://schemas.openxmlformats.org/presentationml/2006/main" xmlns:a="http://schemas.openxmlformats.org/drawingml/2006/main" xmlns:r="http://schemas.openxmlformats.org/officeDocument/2006/relationships">
+<p:sld xmlns:a="http://schemas.openxmlformats.org/drawingml/2006/main" xmlns:r="http://schemas.openxmlformats.org/officeDocument/2006/relationships" xmlns:p="http://schemas.openxmlformats.org/presentationml/2006/main">
   <p:cSld>
     <p:bg>
       <p:bgPr>
         <a:solidFill>
           <a:srgbClr val="D8D9D9"/>
         </a:solidFill>
+        <a:effectLst/>
       </p:bgPr>
     </p:bg>
     <p:spTree>
@@ -3839,58 +3894,12 @@
       </p:grpSpPr>
       <p:sp>
         <p:nvSpPr>
-          <p:cNvPr name="Freeform 2" id="2"/>
-          <p:cNvSpPr/>
+          <p:cNvPr id="3" name="TextBox 3"/>
+          <p:cNvSpPr txBox="1"/>
           <p:nvPr/>
         </p:nvSpPr>
         <p:spPr>
-          <a:xfrm flipH="false" flipV="false" rot="0">
-            <a:off x="8847590" y="2674962"/>
-            <a:ext cx="9142762" cy="6091365"/>
-          </a:xfrm>
-          <a:custGeom>
-            <a:avLst/>
-            <a:gdLst/>
-            <a:ahLst/>
-            <a:cxnLst/>
-            <a:rect r="r" b="b" t="t" l="l"/>
-            <a:pathLst>
-              <a:path h="6091365" w="9142762">
-                <a:moveTo>
-                  <a:pt x="0" y="0"/>
-                </a:moveTo>
-                <a:lnTo>
-                  <a:pt x="9142763" y="0"/>
-                </a:lnTo>
-                <a:lnTo>
-                  <a:pt x="9142763" y="6091366"/>
-                </a:lnTo>
-                <a:lnTo>
-                  <a:pt x="0" y="6091366"/>
-                </a:lnTo>
-                <a:lnTo>
-                  <a:pt x="0" y="0"/>
-                </a:lnTo>
-                <a:close/>
-              </a:path>
-            </a:pathLst>
-          </a:custGeom>
-          <a:blipFill>
-            <a:blip r:embed="rId2"/>
-            <a:stretch>
-              <a:fillRect l="0" t="0" r="0" b="0"/>
-            </a:stretch>
-          </a:blipFill>
-        </p:spPr>
-      </p:sp>
-      <p:sp>
-        <p:nvSpPr>
-          <p:cNvPr name="TextBox 3" id="3"/>
-          <p:cNvSpPr txBox="true"/>
-          <p:nvPr/>
-        </p:nvSpPr>
-        <p:spPr>
-          <a:xfrm rot="0">
+          <a:xfrm>
             <a:off x="667059" y="2125840"/>
             <a:ext cx="7882212" cy="7132460"/>
           </a:xfrm>
@@ -3899,7 +3908,7 @@
           </a:prstGeom>
         </p:spPr>
         <p:txBody>
-          <a:bodyPr anchor="t" rtlCol="false" tIns="0" lIns="0" bIns="0" rIns="0">
+          <a:bodyPr lIns="0" tIns="0" rIns="0" bIns="0" rtlCol="0" anchor="t">
             <a:spAutoFit/>
           </a:bodyPr>
           <a:lstStyle/>
@@ -3910,7 +3919,7 @@
               </a:lnSpc>
             </a:pPr>
             <a:r>
-              <a:rPr lang="en-US" sz="2694" spc="59">
+              <a:rPr lang="es-CO" sz="2694" spc="59" noProof="0" dirty="0">
                 <a:solidFill>
                   <a:srgbClr val="152540"/>
                 </a:solidFill>
@@ -3922,7 +3931,7 @@
               <a:t>Este pr</a:t>
             </a:r>
             <a:r>
-              <a:rPr lang="en-US" sz="2694" spc="59" strike="noStrike" u="none">
+              <a:rPr lang="es-CO" sz="2694" u="none" strike="noStrike" spc="59" noProof="0" dirty="0">
                 <a:solidFill>
                   <a:srgbClr val="152540"/>
                 </a:solidFill>
@@ -3940,17 +3949,26 @@
                 <a:spcPts val="3772"/>
               </a:lnSpc>
             </a:pPr>
-          </a:p>
-        </p:txBody>
-      </p:sp>
-      <p:sp>
-        <p:nvSpPr>
-          <p:cNvPr name="TextBox 4" id="4"/>
-          <p:cNvSpPr txBox="true"/>
+            <a:endParaRPr lang="es-CO" sz="2694" u="none" strike="noStrike" spc="59" noProof="0" dirty="0">
+              <a:solidFill>
+                <a:srgbClr val="152540"/>
+              </a:solidFill>
+              <a:latin typeface="Glacial Indifference"/>
+              <a:ea typeface="Glacial Indifference"/>
+              <a:cs typeface="Glacial Indifference"/>
+              <a:sym typeface="Glacial Indifference"/>
+            </a:endParaRPr>
+          </a:p>
+        </p:txBody>
+      </p:sp>
+      <p:sp>
+        <p:nvSpPr>
+          <p:cNvPr id="4" name="TextBox 4"/>
+          <p:cNvSpPr txBox="1"/>
           <p:nvPr/>
         </p:nvSpPr>
         <p:spPr>
-          <a:xfrm rot="0">
+          <a:xfrm>
             <a:off x="5956833" y="327601"/>
             <a:ext cx="5781515" cy="1259324"/>
           </a:xfrm>
@@ -3959,7 +3977,7 @@
           </a:prstGeom>
         </p:spPr>
         <p:txBody>
-          <a:bodyPr anchor="t" rtlCol="false" tIns="0" lIns="0" bIns="0" rIns="0">
+          <a:bodyPr lIns="0" tIns="0" rIns="0" bIns="0" rtlCol="0" anchor="t">
             <a:spAutoFit/>
           </a:bodyPr>
           <a:lstStyle/>
@@ -3970,7 +3988,7 @@
               </a:lnSpc>
             </a:pPr>
             <a:r>
-              <a:rPr lang="en-US" b="true" sz="7327" spc="688">
+              <a:rPr lang="es-CO" sz="7327" b="1" spc="688" noProof="0" dirty="0">
                 <a:solidFill>
                   <a:srgbClr val="152540"/>
                 </a:solidFill>
@@ -3986,12 +4004,12 @@
       </p:sp>
       <p:sp>
         <p:nvSpPr>
-          <p:cNvPr name="Freeform 5" id="5"/>
+          <p:cNvPr id="5" name="Freeform 5"/>
           <p:cNvSpPr/>
           <p:nvPr/>
         </p:nvSpPr>
         <p:spPr>
-          <a:xfrm flipH="false" flipV="false" rot="-2047318">
+          <a:xfrm rot="-2047318">
             <a:off x="-3775194" y="6616870"/>
             <a:ext cx="8481393" cy="7340260"/>
           </a:xfrm>
@@ -4000,9 +4018,9 @@
             <a:gdLst/>
             <a:ahLst/>
             <a:cxnLst/>
-            <a:rect r="r" b="b" t="t" l="l"/>
+            <a:rect l="l" t="t" r="r" b="b"/>
             <a:pathLst>
-              <a:path h="7340260" w="8481393">
+              <a:path w="8481393" h="7340260">
                 <a:moveTo>
                   <a:pt x="0" y="0"/>
                 </a:moveTo>
@@ -4023,15 +4041,15 @@
             </a:pathLst>
           </a:custGeom>
           <a:blipFill>
-            <a:blip r:embed="rId3">
+            <a:blip r:embed="rId2">
               <a:extLst>
                 <a:ext uri="{96DAC541-7B7A-43D3-8B79-37D633B846F1}">
-                  <asvg:svgBlip xmlns:asvg="http://schemas.microsoft.com/office/drawing/2016/SVG/main" r:embed="rId4"/>
+                  <asvg:svgBlip xmlns:asvg="http://schemas.microsoft.com/office/drawing/2016/SVG/main" r:embed="rId3"/>
                 </a:ext>
               </a:extLst>
             </a:blip>
             <a:stretch>
-              <a:fillRect l="0" t="0" r="0" b="0"/>
+              <a:fillRect/>
             </a:stretch>
           </a:blipFill>
           <a:ln cap="sq">
@@ -4040,15 +4058,22 @@
             <a:miter/>
           </a:ln>
         </p:spPr>
-      </p:sp>
-      <p:sp>
-        <p:nvSpPr>
-          <p:cNvPr name="Freeform 6" id="6"/>
+        <p:txBody>
+          <a:bodyPr/>
+          <a:lstStyle/>
+          <a:p>
+            <a:endParaRPr lang="es-CO" noProof="0" dirty="0"/>
+          </a:p>
+        </p:txBody>
+      </p:sp>
+      <p:sp>
+        <p:nvSpPr>
+          <p:cNvPr id="6" name="Freeform 6"/>
           <p:cNvSpPr/>
           <p:nvPr/>
         </p:nvSpPr>
         <p:spPr>
-          <a:xfrm flipH="false" flipV="false" rot="10330417">
+          <a:xfrm rot="10330417">
             <a:off x="12083509" y="-4554124"/>
             <a:ext cx="12901483" cy="11165647"/>
           </a:xfrm>
@@ -4057,9 +4082,9 @@
             <a:gdLst/>
             <a:ahLst/>
             <a:cxnLst/>
-            <a:rect r="r" b="b" t="t" l="l"/>
+            <a:rect l="l" t="t" r="r" b="b"/>
             <a:pathLst>
-              <a:path h="11165647" w="12901483">
+              <a:path w="12901483" h="11165647">
                 <a:moveTo>
                   <a:pt x="0" y="0"/>
                 </a:moveTo>
@@ -4080,15 +4105,15 @@
             </a:pathLst>
           </a:custGeom>
           <a:blipFill>
-            <a:blip r:embed="rId3">
+            <a:blip r:embed="rId2">
               <a:extLst>
                 <a:ext uri="{96DAC541-7B7A-43D3-8B79-37D633B846F1}">
-                  <asvg:svgBlip xmlns:asvg="http://schemas.microsoft.com/office/drawing/2016/SVG/main" r:embed="rId4"/>
+                  <asvg:svgBlip xmlns:asvg="http://schemas.microsoft.com/office/drawing/2016/SVG/main" r:embed="rId3"/>
                 </a:ext>
               </a:extLst>
             </a:blip>
             <a:stretch>
-              <a:fillRect l="0" t="0" r="0" b="0"/>
+              <a:fillRect/>
             </a:stretch>
           </a:blipFill>
           <a:ln cap="sq">
@@ -4097,15 +4122,22 @@
             <a:miter/>
           </a:ln>
         </p:spPr>
-      </p:sp>
-      <p:sp>
-        <p:nvSpPr>
-          <p:cNvPr name="Freeform 7" id="7"/>
+        <p:txBody>
+          <a:bodyPr/>
+          <a:lstStyle/>
+          <a:p>
+            <a:endParaRPr lang="es-CO" noProof="0" dirty="0"/>
+          </a:p>
+        </p:txBody>
+      </p:sp>
+      <p:sp>
+        <p:nvSpPr>
+          <p:cNvPr id="7" name="Freeform 7"/>
           <p:cNvSpPr/>
           <p:nvPr/>
         </p:nvSpPr>
         <p:spPr>
-          <a:xfrm flipH="false" flipV="false" rot="-6501204">
+          <a:xfrm rot="-6501204">
             <a:off x="-7156511" y="-8421330"/>
             <a:ext cx="9798172" cy="13143890"/>
           </a:xfrm>
@@ -4114,9 +4146,9 @@
             <a:gdLst/>
             <a:ahLst/>
             <a:cxnLst/>
-            <a:rect r="r" b="b" t="t" l="l"/>
+            <a:rect l="l" t="t" r="r" b="b"/>
             <a:pathLst>
-              <a:path h="13143890" w="9798172">
+              <a:path w="9798172" h="13143890">
                 <a:moveTo>
                   <a:pt x="0" y="0"/>
                 </a:moveTo>
@@ -4137,15 +4169,15 @@
             </a:pathLst>
           </a:custGeom>
           <a:blipFill>
-            <a:blip r:embed="rId5">
+            <a:blip r:embed="rId4">
               <a:extLst>
                 <a:ext uri="{96DAC541-7B7A-43D3-8B79-37D633B846F1}">
-                  <asvg:svgBlip xmlns:asvg="http://schemas.microsoft.com/office/drawing/2016/SVG/main" r:embed="rId6"/>
+                  <asvg:svgBlip xmlns:asvg="http://schemas.microsoft.com/office/drawing/2016/SVG/main" r:embed="rId5"/>
                 </a:ext>
               </a:extLst>
             </a:blip>
             <a:stretch>
-              <a:fillRect l="0" t="0" r="0" b="0"/>
+              <a:fillRect/>
             </a:stretch>
           </a:blipFill>
           <a:ln cap="sq">
@@ -4154,8 +4186,4562 @@
             <a:miter/>
           </a:ln>
         </p:spPr>
-      </p:sp>
+        <p:txBody>
+          <a:bodyPr/>
+          <a:lstStyle/>
+          <a:p>
+            <a:endParaRPr lang="es-CO" noProof="0" dirty="0"/>
+          </a:p>
+        </p:txBody>
+      </p:sp>
+      <p:pic>
+        <p:nvPicPr>
+          <p:cNvPr id="11" name="Imagen 10" descr="Interfaz de usuario gráfica, Aplicación&#10;&#10;El contenido generado por IA puede ser incorrecto.">
+            <a:extLst>
+              <a:ext uri="{FF2B5EF4-FFF2-40B4-BE49-F238E27FC236}">
+                <a16:creationId xmlns:a16="http://schemas.microsoft.com/office/drawing/2014/main" id="{9934C324-1A7A-8F33-B488-567ABE90BA24}"/>
+              </a:ext>
+            </a:extLst>
+          </p:cNvPr>
+          <p:cNvPicPr>
+            <a:picLocks noChangeAspect="1"/>
+          </p:cNvPicPr>
+          <p:nvPr/>
+        </p:nvPicPr>
+        <p:blipFill>
+          <a:blip r:embed="rId6">
+            <a:extLst>
+              <a:ext uri="{28A0092B-C50C-407E-A947-70E740481C1C}">
+                <a14:useLocalDpi xmlns:a14="http://schemas.microsoft.com/office/drawing/2010/main" val="0"/>
+              </a:ext>
+            </a:extLst>
+          </a:blip>
+          <a:stretch>
+            <a:fillRect/>
+          </a:stretch>
+        </p:blipFill>
+        <p:spPr>
+          <a:xfrm>
+            <a:off x="8882884" y="3086100"/>
+            <a:ext cx="9105619" cy="5410200"/>
+          </a:xfrm>
+          <a:prstGeom prst="rect">
+            <a:avLst/>
+          </a:prstGeom>
+        </p:spPr>
+      </p:pic>
     </p:spTree>
+  </p:cSld>
+  <p:clrMapOvr>
+    <a:masterClrMapping/>
+  </p:clrMapOvr>
+</p:sld>
+</file>
+
+<file path=ppt/slides/slide4.xml><?xml version="1.0" encoding="utf-8"?>
+<p:sld xmlns:a="http://schemas.openxmlformats.org/drawingml/2006/main" xmlns:r="http://schemas.openxmlformats.org/officeDocument/2006/relationships" xmlns:p="http://schemas.openxmlformats.org/presentationml/2006/main">
+  <p:cSld>
+    <p:bg>
+      <p:bgPr>
+        <a:solidFill>
+          <a:srgbClr val="D8D9D9"/>
+        </a:solidFill>
+        <a:effectLst/>
+      </p:bgPr>
+    </p:bg>
+    <p:spTree>
+      <p:nvGrpSpPr>
+        <p:cNvPr id="1" name="">
+          <a:extLst>
+            <a:ext uri="{FF2B5EF4-FFF2-40B4-BE49-F238E27FC236}">
+              <a16:creationId xmlns:a16="http://schemas.microsoft.com/office/drawing/2014/main" id="{B6632555-A1FF-5F95-E3C8-93044A2FD00F}"/>
+            </a:ext>
+          </a:extLst>
+        </p:cNvPr>
+        <p:cNvGrpSpPr/>
+        <p:nvPr/>
+      </p:nvGrpSpPr>
+      <p:grpSpPr>
+        <a:xfrm>
+          <a:off x="0" y="0"/>
+          <a:ext cx="0" cy="0"/>
+          <a:chOff x="0" y="0"/>
+          <a:chExt cx="0" cy="0"/>
+        </a:xfrm>
+      </p:grpSpPr>
+      <p:sp>
+        <p:nvSpPr>
+          <p:cNvPr id="4" name="TextBox 4">
+            <a:extLst>
+              <a:ext uri="{FF2B5EF4-FFF2-40B4-BE49-F238E27FC236}">
+                <a16:creationId xmlns:a16="http://schemas.microsoft.com/office/drawing/2014/main" id="{3C59B3E9-A6AE-FA73-8717-6149F3A18F14}"/>
+              </a:ext>
+            </a:extLst>
+          </p:cNvPr>
+          <p:cNvSpPr txBox="1"/>
+          <p:nvPr/>
+        </p:nvSpPr>
+        <p:spPr>
+          <a:xfrm>
+            <a:off x="2654799" y="1250855"/>
+            <a:ext cx="12978402" cy="1225592"/>
+          </a:xfrm>
+          <a:prstGeom prst="rect">
+            <a:avLst/>
+          </a:prstGeom>
+        </p:spPr>
+        <p:txBody>
+          <a:bodyPr wrap="square" lIns="0" tIns="0" rIns="0" bIns="0" rtlCol="0" anchor="t">
+            <a:spAutoFit/>
+          </a:bodyPr>
+          <a:lstStyle/>
+          <a:p>
+            <a:pPr marL="0" marR="0" lvl="0" indent="0" algn="l" defTabSz="914400" rtl="0" eaLnBrk="1" fontAlgn="auto" latinLnBrk="0" hangingPunct="1">
+              <a:lnSpc>
+                <a:spcPts val="10258"/>
+              </a:lnSpc>
+              <a:spcBef>
+                <a:spcPts val="0"/>
+              </a:spcBef>
+              <a:spcAft>
+                <a:spcPts val="0"/>
+              </a:spcAft>
+              <a:buClrTx/>
+              <a:buSzTx/>
+              <a:buFontTx/>
+              <a:buNone/>
+              <a:tabLst/>
+              <a:defRPr/>
+            </a:pPr>
+            <a:r>
+              <a:rPr kumimoji="0" lang="es-CO" sz="7000" b="1" i="0" u="none" strike="noStrike" kern="1200" cap="none" spc="688" normalizeH="0" baseline="0" noProof="0" dirty="0">
+                <a:ln>
+                  <a:noFill/>
+                </a:ln>
+                <a:solidFill>
+                  <a:srgbClr val="152540"/>
+                </a:solidFill>
+                <a:effectLst/>
+                <a:uLnTx/>
+                <a:uFillTx/>
+                <a:latin typeface="Glacial Indifference Bold"/>
+                <a:ea typeface="Glacial Indifference Bold"/>
+                <a:cs typeface="Glacial Indifference Bold"/>
+                <a:sym typeface="Glacial Indifference Bold"/>
+              </a:rPr>
+              <a:t>REQUISITOS FUNCIONALES</a:t>
+            </a:r>
+          </a:p>
+        </p:txBody>
+      </p:sp>
+      <p:sp>
+        <p:nvSpPr>
+          <p:cNvPr id="5" name="Freeform 5">
+            <a:extLst>
+              <a:ext uri="{FF2B5EF4-FFF2-40B4-BE49-F238E27FC236}">
+                <a16:creationId xmlns:a16="http://schemas.microsoft.com/office/drawing/2014/main" id="{07841688-CD5B-D7D9-AB92-3480702A183E}"/>
+              </a:ext>
+            </a:extLst>
+          </p:cNvPr>
+          <p:cNvSpPr/>
+          <p:nvPr/>
+        </p:nvSpPr>
+        <p:spPr>
+          <a:xfrm rot="20682368">
+            <a:off x="-2025492" y="7610416"/>
+            <a:ext cx="5503332" cy="4762884"/>
+          </a:xfrm>
+          <a:custGeom>
+            <a:avLst/>
+            <a:gdLst/>
+            <a:ahLst/>
+            <a:cxnLst/>
+            <a:rect l="l" t="t" r="r" b="b"/>
+            <a:pathLst>
+              <a:path w="8481393" h="7340260">
+                <a:moveTo>
+                  <a:pt x="0" y="0"/>
+                </a:moveTo>
+                <a:lnTo>
+                  <a:pt x="8481393" y="0"/>
+                </a:lnTo>
+                <a:lnTo>
+                  <a:pt x="8481393" y="7340260"/>
+                </a:lnTo>
+                <a:lnTo>
+                  <a:pt x="0" y="7340260"/>
+                </a:lnTo>
+                <a:lnTo>
+                  <a:pt x="0" y="0"/>
+                </a:lnTo>
+                <a:close/>
+              </a:path>
+            </a:pathLst>
+          </a:custGeom>
+          <a:blipFill>
+            <a:blip r:embed="rId2">
+              <a:extLst>
+                <a:ext uri="{96DAC541-7B7A-43D3-8B79-37D633B846F1}">
+                  <asvg:svgBlip xmlns:asvg="http://schemas.microsoft.com/office/drawing/2016/SVG/main" r:embed="rId3"/>
+                </a:ext>
+              </a:extLst>
+            </a:blip>
+            <a:stretch>
+              <a:fillRect/>
+            </a:stretch>
+          </a:blipFill>
+          <a:ln cap="sq">
+            <a:noFill/>
+            <a:prstDash val="solid"/>
+            <a:miter/>
+          </a:ln>
+        </p:spPr>
+        <p:txBody>
+          <a:bodyPr/>
+          <a:lstStyle/>
+          <a:p>
+            <a:pPr marL="0" marR="0" lvl="0" indent="0" algn="l" defTabSz="914400" rtl="0" eaLnBrk="1" fontAlgn="auto" latinLnBrk="0" hangingPunct="1">
+              <a:lnSpc>
+                <a:spcPct val="100000"/>
+              </a:lnSpc>
+              <a:spcBef>
+                <a:spcPts val="0"/>
+              </a:spcBef>
+              <a:spcAft>
+                <a:spcPts val="0"/>
+              </a:spcAft>
+              <a:buClrTx/>
+              <a:buSzTx/>
+              <a:buFontTx/>
+              <a:buNone/>
+              <a:tabLst/>
+              <a:defRPr/>
+            </a:pPr>
+            <a:endParaRPr kumimoji="0" lang="es-CO" sz="1800" b="0" i="0" u="none" strike="noStrike" kern="1200" cap="none" spc="0" normalizeH="0" baseline="0" noProof="0" dirty="0">
+              <a:ln>
+                <a:noFill/>
+              </a:ln>
+              <a:solidFill>
+                <a:prstClr val="black"/>
+              </a:solidFill>
+              <a:effectLst/>
+              <a:uLnTx/>
+              <a:uFillTx/>
+              <a:latin typeface="Calibri"/>
+              <a:ea typeface="+mn-ea"/>
+              <a:cs typeface="+mn-cs"/>
+            </a:endParaRPr>
+          </a:p>
+        </p:txBody>
+      </p:sp>
+      <p:sp>
+        <p:nvSpPr>
+          <p:cNvPr id="6" name="Freeform 6">
+            <a:extLst>
+              <a:ext uri="{FF2B5EF4-FFF2-40B4-BE49-F238E27FC236}">
+                <a16:creationId xmlns:a16="http://schemas.microsoft.com/office/drawing/2014/main" id="{1317081F-2FE9-CDD7-1ECC-F14D76C7D4A0}"/>
+              </a:ext>
+            </a:extLst>
+          </p:cNvPr>
+          <p:cNvSpPr/>
+          <p:nvPr/>
+        </p:nvSpPr>
+        <p:spPr>
+          <a:xfrm rot="11103181">
+            <a:off x="13967606" y="-2181860"/>
+            <a:ext cx="6956119" cy="6020205"/>
+          </a:xfrm>
+          <a:custGeom>
+            <a:avLst/>
+            <a:gdLst/>
+            <a:ahLst/>
+            <a:cxnLst/>
+            <a:rect l="l" t="t" r="r" b="b"/>
+            <a:pathLst>
+              <a:path w="12901483" h="11165647">
+                <a:moveTo>
+                  <a:pt x="0" y="0"/>
+                </a:moveTo>
+                <a:lnTo>
+                  <a:pt x="12901483" y="0"/>
+                </a:lnTo>
+                <a:lnTo>
+                  <a:pt x="12901483" y="11165648"/>
+                </a:lnTo>
+                <a:lnTo>
+                  <a:pt x="0" y="11165648"/>
+                </a:lnTo>
+                <a:lnTo>
+                  <a:pt x="0" y="0"/>
+                </a:lnTo>
+                <a:close/>
+              </a:path>
+            </a:pathLst>
+          </a:custGeom>
+          <a:blipFill>
+            <a:blip r:embed="rId2">
+              <a:extLst>
+                <a:ext uri="{96DAC541-7B7A-43D3-8B79-37D633B846F1}">
+                  <asvg:svgBlip xmlns:asvg="http://schemas.microsoft.com/office/drawing/2016/SVG/main" r:embed="rId3"/>
+                </a:ext>
+              </a:extLst>
+            </a:blip>
+            <a:stretch>
+              <a:fillRect/>
+            </a:stretch>
+          </a:blipFill>
+          <a:ln cap="sq">
+            <a:noFill/>
+            <a:prstDash val="solid"/>
+            <a:miter/>
+          </a:ln>
+        </p:spPr>
+        <p:txBody>
+          <a:bodyPr/>
+          <a:lstStyle/>
+          <a:p>
+            <a:pPr marL="0" marR="0" lvl="0" indent="0" algn="l" defTabSz="914400" rtl="0" eaLnBrk="1" fontAlgn="auto" latinLnBrk="0" hangingPunct="1">
+              <a:lnSpc>
+                <a:spcPct val="100000"/>
+              </a:lnSpc>
+              <a:spcBef>
+                <a:spcPts val="0"/>
+              </a:spcBef>
+              <a:spcAft>
+                <a:spcPts val="0"/>
+              </a:spcAft>
+              <a:buClrTx/>
+              <a:buSzTx/>
+              <a:buFontTx/>
+              <a:buNone/>
+              <a:tabLst/>
+              <a:defRPr/>
+            </a:pPr>
+            <a:endParaRPr kumimoji="0" lang="es-CO" sz="1800" b="0" i="0" u="none" strike="noStrike" kern="1200" cap="none" spc="0" normalizeH="0" baseline="0" noProof="0" dirty="0">
+              <a:ln>
+                <a:noFill/>
+              </a:ln>
+              <a:solidFill>
+                <a:prstClr val="black"/>
+              </a:solidFill>
+              <a:effectLst/>
+              <a:uLnTx/>
+              <a:uFillTx/>
+              <a:latin typeface="Calibri"/>
+              <a:ea typeface="+mn-ea"/>
+              <a:cs typeface="+mn-cs"/>
+            </a:endParaRPr>
+          </a:p>
+        </p:txBody>
+      </p:sp>
+      <p:sp>
+        <p:nvSpPr>
+          <p:cNvPr id="7" name="Freeform 7">
+            <a:extLst>
+              <a:ext uri="{FF2B5EF4-FFF2-40B4-BE49-F238E27FC236}">
+                <a16:creationId xmlns:a16="http://schemas.microsoft.com/office/drawing/2014/main" id="{D8696A13-1C45-556E-3F0C-3E7AC5626487}"/>
+              </a:ext>
+            </a:extLst>
+          </p:cNvPr>
+          <p:cNvSpPr/>
+          <p:nvPr/>
+        </p:nvSpPr>
+        <p:spPr>
+          <a:xfrm rot="13568729">
+            <a:off x="-2900414" y="-2457732"/>
+            <a:ext cx="4899087" cy="6571946"/>
+          </a:xfrm>
+          <a:custGeom>
+            <a:avLst/>
+            <a:gdLst/>
+            <a:ahLst/>
+            <a:cxnLst/>
+            <a:rect l="l" t="t" r="r" b="b"/>
+            <a:pathLst>
+              <a:path w="9798172" h="13143890">
+                <a:moveTo>
+                  <a:pt x="0" y="0"/>
+                </a:moveTo>
+                <a:lnTo>
+                  <a:pt x="9798172" y="0"/>
+                </a:lnTo>
+                <a:lnTo>
+                  <a:pt x="9798172" y="13143890"/>
+                </a:lnTo>
+                <a:lnTo>
+                  <a:pt x="0" y="13143890"/>
+                </a:lnTo>
+                <a:lnTo>
+                  <a:pt x="0" y="0"/>
+                </a:lnTo>
+                <a:close/>
+              </a:path>
+            </a:pathLst>
+          </a:custGeom>
+          <a:blipFill>
+            <a:blip r:embed="rId4">
+              <a:extLst>
+                <a:ext uri="{96DAC541-7B7A-43D3-8B79-37D633B846F1}">
+                  <asvg:svgBlip xmlns:asvg="http://schemas.microsoft.com/office/drawing/2016/SVG/main" r:embed="rId5"/>
+                </a:ext>
+              </a:extLst>
+            </a:blip>
+            <a:stretch>
+              <a:fillRect/>
+            </a:stretch>
+          </a:blipFill>
+          <a:ln cap="sq">
+            <a:noFill/>
+            <a:prstDash val="solid"/>
+            <a:miter/>
+          </a:ln>
+        </p:spPr>
+        <p:txBody>
+          <a:bodyPr/>
+          <a:lstStyle/>
+          <a:p>
+            <a:pPr marL="0" marR="0" lvl="0" indent="0" algn="l" defTabSz="914400" rtl="0" eaLnBrk="1" fontAlgn="auto" latinLnBrk="0" hangingPunct="1">
+              <a:lnSpc>
+                <a:spcPct val="100000"/>
+              </a:lnSpc>
+              <a:spcBef>
+                <a:spcPts val="0"/>
+              </a:spcBef>
+              <a:spcAft>
+                <a:spcPts val="0"/>
+              </a:spcAft>
+              <a:buClrTx/>
+              <a:buSzTx/>
+              <a:buFontTx/>
+              <a:buNone/>
+              <a:tabLst/>
+              <a:defRPr/>
+            </a:pPr>
+            <a:endParaRPr kumimoji="0" lang="es-CO" sz="1800" b="0" i="0" u="none" strike="noStrike" kern="1200" cap="none" spc="0" normalizeH="0" baseline="0" noProof="0" dirty="0">
+              <a:ln>
+                <a:noFill/>
+              </a:ln>
+              <a:solidFill>
+                <a:prstClr val="black"/>
+              </a:solidFill>
+              <a:effectLst/>
+              <a:uLnTx/>
+              <a:uFillTx/>
+              <a:latin typeface="Calibri"/>
+              <a:ea typeface="+mn-ea"/>
+              <a:cs typeface="+mn-cs"/>
+            </a:endParaRPr>
+          </a:p>
+        </p:txBody>
+      </p:sp>
+      <p:graphicFrame>
+        <p:nvGraphicFramePr>
+          <p:cNvPr id="9" name="Tabla 8">
+            <a:extLst>
+              <a:ext uri="{FF2B5EF4-FFF2-40B4-BE49-F238E27FC236}">
+                <a16:creationId xmlns:a16="http://schemas.microsoft.com/office/drawing/2014/main" id="{4C79182A-041C-A972-C6B4-5463406B2AB6}"/>
+              </a:ext>
+            </a:extLst>
+          </p:cNvPr>
+          <p:cNvGraphicFramePr>
+            <a:graphicFrameLocks noGrp="1"/>
+          </p:cNvGraphicFramePr>
+          <p:nvPr>
+            <p:extLst>
+              <p:ext uri="{D42A27DB-BD31-4B8C-83A1-F6EECF244321}">
+                <p14:modId xmlns:p14="http://schemas.microsoft.com/office/powerpoint/2010/main" val="2302683250"/>
+              </p:ext>
+            </p:extLst>
+          </p:nvPr>
+        </p:nvGraphicFramePr>
+        <p:xfrm>
+          <a:off x="1728198" y="2980759"/>
+          <a:ext cx="14831604" cy="5815872"/>
+        </p:xfrm>
+        <a:graphic>
+          <a:graphicData uri="http://schemas.openxmlformats.org/drawingml/2006/table">
+            <a:tbl>
+              <a:tblPr firstRow="1" bandRow="1">
+                <a:tableStyleId>{69C7853C-536D-4A76-A0AE-DD22124D55A5}</a:tableStyleId>
+              </a:tblPr>
+              <a:tblGrid>
+                <a:gridCol w="2591459">
+                  <a:extLst>
+                    <a:ext uri="{9D8B030D-6E8A-4147-A177-3AD203B41FA5}">
+                      <a16:colId xmlns:a16="http://schemas.microsoft.com/office/drawing/2014/main" val="2397876962"/>
+                    </a:ext>
+                  </a:extLst>
+                </a:gridCol>
+                <a:gridCol w="3657600">
+                  <a:extLst>
+                    <a:ext uri="{9D8B030D-6E8A-4147-A177-3AD203B41FA5}">
+                      <a16:colId xmlns:a16="http://schemas.microsoft.com/office/drawing/2014/main" val="3832847364"/>
+                    </a:ext>
+                  </a:extLst>
+                </a:gridCol>
+                <a:gridCol w="4874644">
+                  <a:extLst>
+                    <a:ext uri="{9D8B030D-6E8A-4147-A177-3AD203B41FA5}">
+                      <a16:colId xmlns:a16="http://schemas.microsoft.com/office/drawing/2014/main" val="2243068901"/>
+                    </a:ext>
+                  </a:extLst>
+                </a:gridCol>
+                <a:gridCol w="3707901">
+                  <a:extLst>
+                    <a:ext uri="{9D8B030D-6E8A-4147-A177-3AD203B41FA5}">
+                      <a16:colId xmlns:a16="http://schemas.microsoft.com/office/drawing/2014/main" val="3382976668"/>
+                    </a:ext>
+                  </a:extLst>
+                </a:gridCol>
+              </a:tblGrid>
+              <a:tr h="969312">
+                <a:tc>
+                  <a:txBody>
+                    <a:bodyPr/>
+                    <a:lstStyle/>
+                    <a:p>
+                      <a:pPr algn="ctr">
+                        <a:lnSpc>
+                          <a:spcPct val="100000"/>
+                        </a:lnSpc>
+                      </a:pPr>
+                      <a:r>
+                        <a:rPr lang="es-CO" sz="2800" noProof="0" dirty="0"/>
+                        <a:t>ID</a:t>
+                      </a:r>
+                    </a:p>
+                  </a:txBody>
+                  <a:tcPr anchor="ctr"/>
+                </a:tc>
+                <a:tc>
+                  <a:txBody>
+                    <a:bodyPr/>
+                    <a:lstStyle/>
+                    <a:p>
+                      <a:pPr algn="ctr">
+                        <a:lnSpc>
+                          <a:spcPct val="100000"/>
+                        </a:lnSpc>
+                      </a:pPr>
+                      <a:r>
+                        <a:rPr lang="es-CO" sz="2800" noProof="0" dirty="0"/>
+                        <a:t>DESCIRPCIÓN</a:t>
+                      </a:r>
+                    </a:p>
+                  </a:txBody>
+                  <a:tcPr anchor="ctr"/>
+                </a:tc>
+                <a:tc>
+                  <a:txBody>
+                    <a:bodyPr/>
+                    <a:lstStyle/>
+                    <a:p>
+                      <a:pPr algn="ctr">
+                        <a:lnSpc>
+                          <a:spcPct val="100000"/>
+                        </a:lnSpc>
+                      </a:pPr>
+                      <a:r>
+                        <a:rPr lang="es-CO" sz="2800" noProof="0" dirty="0"/>
+                        <a:t>DETALLE</a:t>
+                      </a:r>
+                    </a:p>
+                  </a:txBody>
+                  <a:tcPr anchor="ctr"/>
+                </a:tc>
+                <a:tc>
+                  <a:txBody>
+                    <a:bodyPr/>
+                    <a:lstStyle/>
+                    <a:p>
+                      <a:pPr algn="ctr">
+                        <a:lnSpc>
+                          <a:spcPct val="100000"/>
+                        </a:lnSpc>
+                      </a:pPr>
+                      <a:r>
+                        <a:rPr lang="es-CO" sz="2800" noProof="0" dirty="0"/>
+                        <a:t>INTERESADOS</a:t>
+                      </a:r>
+                    </a:p>
+                  </a:txBody>
+                  <a:tcPr anchor="ctr"/>
+                </a:tc>
+                <a:extLst>
+                  <a:ext uri="{0D108BD9-81ED-4DB2-BD59-A6C34878D82A}">
+                    <a16:rowId xmlns:a16="http://schemas.microsoft.com/office/drawing/2014/main" val="3377063911"/>
+                  </a:ext>
+                </a:extLst>
+              </a:tr>
+              <a:tr h="969312">
+                <a:tc>
+                  <a:txBody>
+                    <a:bodyPr/>
+                    <a:lstStyle/>
+                    <a:p>
+                      <a:pPr algn="ctr"/>
+                      <a:r>
+                        <a:rPr lang="es-CO" noProof="0" dirty="0"/>
+                        <a:t>RF-01</a:t>
+                      </a:r>
+                    </a:p>
+                  </a:txBody>
+                  <a:tcPr anchor="ctr"/>
+                </a:tc>
+                <a:tc>
+                  <a:txBody>
+                    <a:bodyPr/>
+                    <a:lstStyle/>
+                    <a:p>
+                      <a:pPr algn="ctr"/>
+                      <a:r>
+                        <a:rPr lang="es-CO" sz="1800" b="0" i="0" u="none" strike="noStrike" kern="1200" noProof="0" dirty="0">
+                          <a:solidFill>
+                            <a:schemeClr val="dk1"/>
+                          </a:solidFill>
+                          <a:effectLst/>
+                          <a:latin typeface="+mn-lt"/>
+                          <a:ea typeface="+mn-ea"/>
+                          <a:cs typeface="+mn-cs"/>
+                        </a:rPr>
+                        <a:t>Registro de usuario</a:t>
+                      </a:r>
+                      <a:endParaRPr lang="es-CO" noProof="0" dirty="0"/>
+                    </a:p>
+                  </a:txBody>
+                  <a:tcPr anchor="ctr"/>
+                </a:tc>
+                <a:tc>
+                  <a:txBody>
+                    <a:bodyPr/>
+                    <a:lstStyle/>
+                    <a:p>
+                      <a:pPr algn="just"/>
+                      <a:r>
+                        <a:rPr lang="es-CO" noProof="0" dirty="0"/>
+                        <a:t>El sistema debe permitir que los usuarios se registren correctamente para acceder a todas las funcionalidades personalizadas</a:t>
+                      </a:r>
+                    </a:p>
+                  </a:txBody>
+                  <a:tcPr anchor="ctr"/>
+                </a:tc>
+                <a:tc>
+                  <a:txBody>
+                    <a:bodyPr/>
+                    <a:lstStyle/>
+                    <a:p>
+                      <a:pPr algn="ctr"/>
+                      <a:r>
+                        <a:rPr lang="es-CO" noProof="0" dirty="0"/>
+                        <a:t>QA, Analistas, Desarrolladores Backend</a:t>
+                      </a:r>
+                    </a:p>
+                  </a:txBody>
+                  <a:tcPr anchor="ctr"/>
+                </a:tc>
+                <a:extLst>
+                  <a:ext uri="{0D108BD9-81ED-4DB2-BD59-A6C34878D82A}">
+                    <a16:rowId xmlns:a16="http://schemas.microsoft.com/office/drawing/2014/main" val="3784190673"/>
+                  </a:ext>
+                </a:extLst>
+              </a:tr>
+              <a:tr h="969312">
+                <a:tc>
+                  <a:txBody>
+                    <a:bodyPr/>
+                    <a:lstStyle/>
+                    <a:p>
+                      <a:pPr algn="ctr"/>
+                      <a:r>
+                        <a:rPr lang="es-CO" noProof="0" dirty="0"/>
+                        <a:t>RF-02</a:t>
+                      </a:r>
+                    </a:p>
+                  </a:txBody>
+                  <a:tcPr anchor="ctr"/>
+                </a:tc>
+                <a:tc>
+                  <a:txBody>
+                    <a:bodyPr/>
+                    <a:lstStyle/>
+                    <a:p>
+                      <a:pPr algn="ctr"/>
+                      <a:r>
+                        <a:rPr lang="es-CO" sz="1800" b="0" i="0" u="none" strike="noStrike" kern="1200" noProof="0" dirty="0">
+                          <a:solidFill>
+                            <a:schemeClr val="dk1"/>
+                          </a:solidFill>
+                          <a:effectLst/>
+                          <a:latin typeface="+mn-lt"/>
+                          <a:ea typeface="+mn-ea"/>
+                          <a:cs typeface="+mn-cs"/>
+                        </a:rPr>
+                        <a:t>Generación de dieta semanal con IA</a:t>
+                      </a:r>
+                      <a:endParaRPr lang="es-CO" noProof="0" dirty="0"/>
+                    </a:p>
+                  </a:txBody>
+                  <a:tcPr anchor="ctr"/>
+                </a:tc>
+                <a:tc>
+                  <a:txBody>
+                    <a:bodyPr/>
+                    <a:lstStyle/>
+                    <a:p>
+                      <a:pPr algn="just"/>
+                      <a:r>
+                        <a:rPr lang="es-CO" noProof="0" dirty="0"/>
+                        <a:t>El sistema debe generar una dieta semanal personalizada basada en los datos del usuario y sus objetivos nutricionales</a:t>
+                      </a:r>
+                    </a:p>
+                  </a:txBody>
+                  <a:tcPr anchor="ctr"/>
+                </a:tc>
+                <a:tc>
+                  <a:txBody>
+                    <a:bodyPr/>
+                    <a:lstStyle/>
+                    <a:p>
+                      <a:pPr algn="ctr"/>
+                      <a:r>
+                        <a:rPr lang="es-CO" noProof="0" dirty="0"/>
+                        <a:t>IA Nutricional, Analistas, Desarrolladores IA</a:t>
+                      </a:r>
+                    </a:p>
+                  </a:txBody>
+                  <a:tcPr anchor="ctr"/>
+                </a:tc>
+                <a:extLst>
+                  <a:ext uri="{0D108BD9-81ED-4DB2-BD59-A6C34878D82A}">
+                    <a16:rowId xmlns:a16="http://schemas.microsoft.com/office/drawing/2014/main" val="2831257592"/>
+                  </a:ext>
+                </a:extLst>
+              </a:tr>
+              <a:tr h="969312">
+                <a:tc>
+                  <a:txBody>
+                    <a:bodyPr/>
+                    <a:lstStyle/>
+                    <a:p>
+                      <a:pPr algn="ctr"/>
+                      <a:r>
+                        <a:rPr lang="es-CO" noProof="0" dirty="0"/>
+                        <a:t>RF-03</a:t>
+                      </a:r>
+                    </a:p>
+                  </a:txBody>
+                  <a:tcPr anchor="ctr"/>
+                </a:tc>
+                <a:tc>
+                  <a:txBody>
+                    <a:bodyPr/>
+                    <a:lstStyle/>
+                    <a:p>
+                      <a:pPr algn="ctr"/>
+                      <a:r>
+                        <a:rPr lang="es-CO" sz="1800" b="0" i="0" u="none" strike="noStrike" kern="1200" noProof="0" dirty="0">
+                          <a:solidFill>
+                            <a:schemeClr val="dk1"/>
+                          </a:solidFill>
+                          <a:effectLst/>
+                          <a:latin typeface="+mn-lt"/>
+                          <a:ea typeface="+mn-ea"/>
+                          <a:cs typeface="+mn-cs"/>
+                        </a:rPr>
+                        <a:t>Integración de ingredientes disponibles</a:t>
+                      </a:r>
+                      <a:endParaRPr lang="es-CO" noProof="0" dirty="0"/>
+                    </a:p>
+                  </a:txBody>
+                  <a:tcPr anchor="ctr"/>
+                </a:tc>
+                <a:tc>
+                  <a:txBody>
+                    <a:bodyPr/>
+                    <a:lstStyle/>
+                    <a:p>
+                      <a:pPr algn="just"/>
+                      <a:r>
+                        <a:rPr lang="es-CO" noProof="0" dirty="0"/>
+                        <a:t>El sistema debe permitir que los usuarios seleccionen o escaneen los ingredientes disponibles para ajustar sus menús</a:t>
+                      </a:r>
+                    </a:p>
+                  </a:txBody>
+                  <a:tcPr anchor="ctr"/>
+                </a:tc>
+                <a:tc>
+                  <a:txBody>
+                    <a:bodyPr/>
+                    <a:lstStyle/>
+                    <a:p>
+                      <a:pPr algn="ctr"/>
+                      <a:r>
+                        <a:rPr lang="es-CO" noProof="0" dirty="0"/>
+                        <a:t>Usuarios, QA, Desarrolladores Frontend</a:t>
+                      </a:r>
+                    </a:p>
+                  </a:txBody>
+                  <a:tcPr anchor="ctr"/>
+                </a:tc>
+                <a:extLst>
+                  <a:ext uri="{0D108BD9-81ED-4DB2-BD59-A6C34878D82A}">
+                    <a16:rowId xmlns:a16="http://schemas.microsoft.com/office/drawing/2014/main" val="3293755204"/>
+                  </a:ext>
+                </a:extLst>
+              </a:tr>
+              <a:tr h="969312">
+                <a:tc>
+                  <a:txBody>
+                    <a:bodyPr/>
+                    <a:lstStyle/>
+                    <a:p>
+                      <a:pPr algn="ctr"/>
+                      <a:r>
+                        <a:rPr lang="es-CO" noProof="0" dirty="0"/>
+                        <a:t>RF-04</a:t>
+                      </a:r>
+                    </a:p>
+                  </a:txBody>
+                  <a:tcPr anchor="ctr"/>
+                </a:tc>
+                <a:tc>
+                  <a:txBody>
+                    <a:bodyPr/>
+                    <a:lstStyle/>
+                    <a:p>
+                      <a:pPr algn="ctr"/>
+                      <a:r>
+                        <a:rPr lang="es-CO" noProof="0" dirty="0"/>
+                        <a:t>Confirmación diaria del consumo</a:t>
+                      </a:r>
+                    </a:p>
+                  </a:txBody>
+                  <a:tcPr anchor="ctr"/>
+                </a:tc>
+                <a:tc>
+                  <a:txBody>
+                    <a:bodyPr/>
+                    <a:lstStyle/>
+                    <a:p>
+                      <a:pPr algn="just"/>
+                      <a:r>
+                        <a:rPr lang="es-CO" noProof="0" dirty="0"/>
+                        <a:t>El sistema debe permitir que los usuarios registren sus comidas consumidas diariamente para un seguimiento preciso</a:t>
+                      </a:r>
+                    </a:p>
+                  </a:txBody>
+                  <a:tcPr anchor="ctr"/>
+                </a:tc>
+                <a:tc>
+                  <a:txBody>
+                    <a:bodyPr/>
+                    <a:lstStyle/>
+                    <a:p>
+                      <a:pPr algn="ctr"/>
+                      <a:r>
+                        <a:rPr lang="es-CO" noProof="0" dirty="0"/>
+                        <a:t>Usuarios, QA, Desarrolladores Frontend</a:t>
+                      </a:r>
+                    </a:p>
+                  </a:txBody>
+                  <a:tcPr anchor="ctr"/>
+                </a:tc>
+                <a:extLst>
+                  <a:ext uri="{0D108BD9-81ED-4DB2-BD59-A6C34878D82A}">
+                    <a16:rowId xmlns:a16="http://schemas.microsoft.com/office/drawing/2014/main" val="3268018733"/>
+                  </a:ext>
+                </a:extLst>
+              </a:tr>
+              <a:tr h="969312">
+                <a:tc>
+                  <a:txBody>
+                    <a:bodyPr/>
+                    <a:lstStyle/>
+                    <a:p>
+                      <a:pPr algn="ctr"/>
+                      <a:r>
+                        <a:rPr lang="es-CO" noProof="0" dirty="0"/>
+                        <a:t>RF-05</a:t>
+                      </a:r>
+                    </a:p>
+                  </a:txBody>
+                  <a:tcPr anchor="ctr"/>
+                </a:tc>
+                <a:tc>
+                  <a:txBody>
+                    <a:bodyPr/>
+                    <a:lstStyle/>
+                    <a:p>
+                      <a:pPr algn="ctr"/>
+                      <a:r>
+                        <a:rPr lang="es-CO" noProof="0" dirty="0"/>
+                        <a:t>Recomendaciones personalizadas</a:t>
+                      </a:r>
+                    </a:p>
+                  </a:txBody>
+                  <a:tcPr anchor="ctr"/>
+                </a:tc>
+                <a:tc>
+                  <a:txBody>
+                    <a:bodyPr/>
+                    <a:lstStyle/>
+                    <a:p>
+                      <a:pPr algn="just"/>
+                      <a:r>
+                        <a:rPr lang="es-CO" noProof="0" dirty="0"/>
+                        <a:t>El sistema debe ofrecer recomendaciones de mejoras basadas en el historial de cada usuario</a:t>
+                      </a:r>
+                    </a:p>
+                  </a:txBody>
+                  <a:tcPr anchor="ctr"/>
+                </a:tc>
+                <a:tc>
+                  <a:txBody>
+                    <a:bodyPr/>
+                    <a:lstStyle/>
+                    <a:p>
+                      <a:r>
+                        <a:rPr lang="es-CO" noProof="0" dirty="0"/>
+                        <a:t>IA Nutricional, Analistas, Usuarios</a:t>
+                      </a:r>
+                    </a:p>
+                  </a:txBody>
+                  <a:tcPr anchor="ctr"/>
+                </a:tc>
+                <a:extLst>
+                  <a:ext uri="{0D108BD9-81ED-4DB2-BD59-A6C34878D82A}">
+                    <a16:rowId xmlns:a16="http://schemas.microsoft.com/office/drawing/2014/main" val="2556790955"/>
+                  </a:ext>
+                </a:extLst>
+              </a:tr>
+            </a:tbl>
+          </a:graphicData>
+        </a:graphic>
+      </p:graphicFrame>
+      <p:sp>
+        <p:nvSpPr>
+          <p:cNvPr id="10" name="Freeform 7">
+            <a:extLst>
+              <a:ext uri="{FF2B5EF4-FFF2-40B4-BE49-F238E27FC236}">
+                <a16:creationId xmlns:a16="http://schemas.microsoft.com/office/drawing/2014/main" id="{1D36BE33-1B32-6219-9B1A-CED8C9138178}"/>
+              </a:ext>
+            </a:extLst>
+          </p:cNvPr>
+          <p:cNvSpPr/>
+          <p:nvPr/>
+        </p:nvSpPr>
+        <p:spPr>
+          <a:xfrm rot="13568729">
+            <a:off x="15838456" y="7501726"/>
+            <a:ext cx="4899087" cy="6571946"/>
+          </a:xfrm>
+          <a:custGeom>
+            <a:avLst/>
+            <a:gdLst/>
+            <a:ahLst/>
+            <a:cxnLst/>
+            <a:rect l="l" t="t" r="r" b="b"/>
+            <a:pathLst>
+              <a:path w="9798172" h="13143890">
+                <a:moveTo>
+                  <a:pt x="0" y="0"/>
+                </a:moveTo>
+                <a:lnTo>
+                  <a:pt x="9798172" y="0"/>
+                </a:lnTo>
+                <a:lnTo>
+                  <a:pt x="9798172" y="13143890"/>
+                </a:lnTo>
+                <a:lnTo>
+                  <a:pt x="0" y="13143890"/>
+                </a:lnTo>
+                <a:lnTo>
+                  <a:pt x="0" y="0"/>
+                </a:lnTo>
+                <a:close/>
+              </a:path>
+            </a:pathLst>
+          </a:custGeom>
+          <a:blipFill>
+            <a:blip r:embed="rId4">
+              <a:extLst>
+                <a:ext uri="{96DAC541-7B7A-43D3-8B79-37D633B846F1}">
+                  <asvg:svgBlip xmlns:asvg="http://schemas.microsoft.com/office/drawing/2016/SVG/main" r:embed="rId5"/>
+                </a:ext>
+              </a:extLst>
+            </a:blip>
+            <a:stretch>
+              <a:fillRect/>
+            </a:stretch>
+          </a:blipFill>
+          <a:ln cap="sq">
+            <a:noFill/>
+            <a:prstDash val="solid"/>
+            <a:miter/>
+          </a:ln>
+        </p:spPr>
+        <p:txBody>
+          <a:bodyPr/>
+          <a:lstStyle/>
+          <a:p>
+            <a:pPr marL="0" marR="0" lvl="0" indent="0" algn="l" defTabSz="914400" rtl="0" eaLnBrk="1" fontAlgn="auto" latinLnBrk="0" hangingPunct="1">
+              <a:lnSpc>
+                <a:spcPct val="100000"/>
+              </a:lnSpc>
+              <a:spcBef>
+                <a:spcPts val="0"/>
+              </a:spcBef>
+              <a:spcAft>
+                <a:spcPts val="0"/>
+              </a:spcAft>
+              <a:buClrTx/>
+              <a:buSzTx/>
+              <a:buFontTx/>
+              <a:buNone/>
+              <a:tabLst/>
+              <a:defRPr/>
+            </a:pPr>
+            <a:endParaRPr kumimoji="0" lang="es-CO" sz="1800" b="0" i="0" u="none" strike="noStrike" kern="1200" cap="none" spc="0" normalizeH="0" baseline="0" noProof="0" dirty="0">
+              <a:ln>
+                <a:noFill/>
+              </a:ln>
+              <a:solidFill>
+                <a:prstClr val="black"/>
+              </a:solidFill>
+              <a:effectLst/>
+              <a:uLnTx/>
+              <a:uFillTx/>
+              <a:latin typeface="Calibri"/>
+              <a:ea typeface="+mn-ea"/>
+              <a:cs typeface="+mn-cs"/>
+            </a:endParaRPr>
+          </a:p>
+        </p:txBody>
+      </p:sp>
+    </p:spTree>
+    <p:extLst>
+      <p:ext uri="{BB962C8B-B14F-4D97-AF65-F5344CB8AC3E}">
+        <p14:creationId xmlns:p14="http://schemas.microsoft.com/office/powerpoint/2010/main" val="509771651"/>
+      </p:ext>
+    </p:extLst>
+  </p:cSld>
+  <p:clrMapOvr>
+    <a:masterClrMapping/>
+  </p:clrMapOvr>
+</p:sld>
+</file>
+
+<file path=ppt/slides/slide5.xml><?xml version="1.0" encoding="utf-8"?>
+<p:sld xmlns:a="http://schemas.openxmlformats.org/drawingml/2006/main" xmlns:r="http://schemas.openxmlformats.org/officeDocument/2006/relationships" xmlns:p="http://schemas.openxmlformats.org/presentationml/2006/main">
+  <p:cSld>
+    <p:bg>
+      <p:bgPr>
+        <a:solidFill>
+          <a:srgbClr val="D8D9D9"/>
+        </a:solidFill>
+        <a:effectLst/>
+      </p:bgPr>
+    </p:bg>
+    <p:spTree>
+      <p:nvGrpSpPr>
+        <p:cNvPr id="1" name="">
+          <a:extLst>
+            <a:ext uri="{FF2B5EF4-FFF2-40B4-BE49-F238E27FC236}">
+              <a16:creationId xmlns:a16="http://schemas.microsoft.com/office/drawing/2014/main" id="{0610C090-0992-FA49-1AC2-59F0A846CC2E}"/>
+            </a:ext>
+          </a:extLst>
+        </p:cNvPr>
+        <p:cNvGrpSpPr/>
+        <p:nvPr/>
+      </p:nvGrpSpPr>
+      <p:grpSpPr>
+        <a:xfrm>
+          <a:off x="0" y="0"/>
+          <a:ext cx="0" cy="0"/>
+          <a:chOff x="0" y="0"/>
+          <a:chExt cx="0" cy="0"/>
+        </a:xfrm>
+      </p:grpSpPr>
+      <p:sp>
+        <p:nvSpPr>
+          <p:cNvPr id="4" name="TextBox 4">
+            <a:extLst>
+              <a:ext uri="{FF2B5EF4-FFF2-40B4-BE49-F238E27FC236}">
+                <a16:creationId xmlns:a16="http://schemas.microsoft.com/office/drawing/2014/main" id="{7DD7AC0D-5380-EA5A-4100-F245638FF3E7}"/>
+              </a:ext>
+            </a:extLst>
+          </p:cNvPr>
+          <p:cNvSpPr txBox="1"/>
+          <p:nvPr/>
+        </p:nvSpPr>
+        <p:spPr>
+          <a:xfrm>
+            <a:off x="1770403" y="1250855"/>
+            <a:ext cx="14831604" cy="1215076"/>
+          </a:xfrm>
+          <a:prstGeom prst="rect">
+            <a:avLst/>
+          </a:prstGeom>
+        </p:spPr>
+        <p:txBody>
+          <a:bodyPr wrap="square" lIns="0" tIns="0" rIns="0" bIns="0" rtlCol="0" anchor="t">
+            <a:spAutoFit/>
+          </a:bodyPr>
+          <a:lstStyle/>
+          <a:p>
+            <a:pPr marL="0" marR="0" lvl="0" indent="0" algn="ctr" defTabSz="914400" rtl="0" eaLnBrk="1" fontAlgn="auto" latinLnBrk="0" hangingPunct="1">
+              <a:lnSpc>
+                <a:spcPts val="10258"/>
+              </a:lnSpc>
+              <a:spcBef>
+                <a:spcPts val="0"/>
+              </a:spcBef>
+              <a:spcAft>
+                <a:spcPts val="0"/>
+              </a:spcAft>
+              <a:buClrTx/>
+              <a:buSzTx/>
+              <a:buFontTx/>
+              <a:buNone/>
+              <a:tabLst/>
+              <a:defRPr/>
+            </a:pPr>
+            <a:r>
+              <a:rPr kumimoji="0" lang="es-CO" sz="7000" b="1" i="0" u="none" strike="noStrike" kern="1200" cap="none" spc="688" normalizeH="0" baseline="0" noProof="0" dirty="0">
+                <a:ln>
+                  <a:noFill/>
+                </a:ln>
+                <a:solidFill>
+                  <a:srgbClr val="152540"/>
+                </a:solidFill>
+                <a:effectLst/>
+                <a:uLnTx/>
+                <a:uFillTx/>
+                <a:latin typeface="Glacial Indifference Bold"/>
+                <a:ea typeface="Glacial Indifference Bold"/>
+                <a:cs typeface="Glacial Indifference Bold"/>
+                <a:sym typeface="Glacial Indifference Bold"/>
+              </a:rPr>
+              <a:t>REQUISITOS NO FUNCIONALES</a:t>
+            </a:r>
+          </a:p>
+        </p:txBody>
+      </p:sp>
+      <p:sp>
+        <p:nvSpPr>
+          <p:cNvPr id="5" name="Freeform 5">
+            <a:extLst>
+              <a:ext uri="{FF2B5EF4-FFF2-40B4-BE49-F238E27FC236}">
+                <a16:creationId xmlns:a16="http://schemas.microsoft.com/office/drawing/2014/main" id="{B7B64F3D-D728-086B-0898-86112E01CA70}"/>
+              </a:ext>
+            </a:extLst>
+          </p:cNvPr>
+          <p:cNvSpPr/>
+          <p:nvPr/>
+        </p:nvSpPr>
+        <p:spPr>
+          <a:xfrm rot="16200000">
+            <a:off x="13749655" y="7026159"/>
+            <a:ext cx="8481393" cy="7340260"/>
+          </a:xfrm>
+          <a:custGeom>
+            <a:avLst/>
+            <a:gdLst/>
+            <a:ahLst/>
+            <a:cxnLst/>
+            <a:rect l="l" t="t" r="r" b="b"/>
+            <a:pathLst>
+              <a:path w="8481393" h="7340260">
+                <a:moveTo>
+                  <a:pt x="0" y="0"/>
+                </a:moveTo>
+                <a:lnTo>
+                  <a:pt x="8481393" y="0"/>
+                </a:lnTo>
+                <a:lnTo>
+                  <a:pt x="8481393" y="7340260"/>
+                </a:lnTo>
+                <a:lnTo>
+                  <a:pt x="0" y="7340260"/>
+                </a:lnTo>
+                <a:lnTo>
+                  <a:pt x="0" y="0"/>
+                </a:lnTo>
+                <a:close/>
+              </a:path>
+            </a:pathLst>
+          </a:custGeom>
+          <a:blipFill>
+            <a:blip r:embed="rId2">
+              <a:extLst>
+                <a:ext uri="{96DAC541-7B7A-43D3-8B79-37D633B846F1}">
+                  <asvg:svgBlip xmlns:asvg="http://schemas.microsoft.com/office/drawing/2016/SVG/main" r:embed="rId3"/>
+                </a:ext>
+              </a:extLst>
+            </a:blip>
+            <a:stretch>
+              <a:fillRect/>
+            </a:stretch>
+          </a:blipFill>
+          <a:ln cap="sq">
+            <a:noFill/>
+            <a:prstDash val="solid"/>
+            <a:miter/>
+          </a:ln>
+        </p:spPr>
+        <p:txBody>
+          <a:bodyPr/>
+          <a:lstStyle/>
+          <a:p>
+            <a:pPr marL="0" marR="0" lvl="0" indent="0" algn="l" defTabSz="914400" rtl="0" eaLnBrk="1" fontAlgn="auto" latinLnBrk="0" hangingPunct="1">
+              <a:lnSpc>
+                <a:spcPct val="100000"/>
+              </a:lnSpc>
+              <a:spcBef>
+                <a:spcPts val="0"/>
+              </a:spcBef>
+              <a:spcAft>
+                <a:spcPts val="0"/>
+              </a:spcAft>
+              <a:buClrTx/>
+              <a:buSzTx/>
+              <a:buFontTx/>
+              <a:buNone/>
+              <a:tabLst/>
+              <a:defRPr/>
+            </a:pPr>
+            <a:endParaRPr kumimoji="0" lang="es-CO" sz="1800" b="0" i="0" u="none" strike="noStrike" kern="1200" cap="none" spc="0" normalizeH="0" baseline="0" noProof="0" dirty="0">
+              <a:ln>
+                <a:noFill/>
+              </a:ln>
+              <a:solidFill>
+                <a:prstClr val="black"/>
+              </a:solidFill>
+              <a:effectLst/>
+              <a:uLnTx/>
+              <a:uFillTx/>
+              <a:latin typeface="Calibri"/>
+              <a:ea typeface="+mn-ea"/>
+              <a:cs typeface="+mn-cs"/>
+            </a:endParaRPr>
+          </a:p>
+        </p:txBody>
+      </p:sp>
+      <p:sp>
+        <p:nvSpPr>
+          <p:cNvPr id="6" name="Freeform 6">
+            <a:extLst>
+              <a:ext uri="{FF2B5EF4-FFF2-40B4-BE49-F238E27FC236}">
+                <a16:creationId xmlns:a16="http://schemas.microsoft.com/office/drawing/2014/main" id="{F066F143-42CE-E8BE-8D56-E03EDDC6BC92}"/>
+              </a:ext>
+            </a:extLst>
+          </p:cNvPr>
+          <p:cNvSpPr/>
+          <p:nvPr/>
+        </p:nvSpPr>
+        <p:spPr>
+          <a:xfrm rot="4622386">
+            <a:off x="-6450742" y="-5854823"/>
+            <a:ext cx="12901483" cy="11165647"/>
+          </a:xfrm>
+          <a:custGeom>
+            <a:avLst/>
+            <a:gdLst/>
+            <a:ahLst/>
+            <a:cxnLst/>
+            <a:rect l="l" t="t" r="r" b="b"/>
+            <a:pathLst>
+              <a:path w="12901483" h="11165647">
+                <a:moveTo>
+                  <a:pt x="0" y="0"/>
+                </a:moveTo>
+                <a:lnTo>
+                  <a:pt x="12901483" y="0"/>
+                </a:lnTo>
+                <a:lnTo>
+                  <a:pt x="12901483" y="11165648"/>
+                </a:lnTo>
+                <a:lnTo>
+                  <a:pt x="0" y="11165648"/>
+                </a:lnTo>
+                <a:lnTo>
+                  <a:pt x="0" y="0"/>
+                </a:lnTo>
+                <a:close/>
+              </a:path>
+            </a:pathLst>
+          </a:custGeom>
+          <a:blipFill>
+            <a:blip r:embed="rId2">
+              <a:extLst>
+                <a:ext uri="{96DAC541-7B7A-43D3-8B79-37D633B846F1}">
+                  <asvg:svgBlip xmlns:asvg="http://schemas.microsoft.com/office/drawing/2016/SVG/main" r:embed="rId3"/>
+                </a:ext>
+              </a:extLst>
+            </a:blip>
+            <a:stretch>
+              <a:fillRect/>
+            </a:stretch>
+          </a:blipFill>
+          <a:ln cap="sq">
+            <a:noFill/>
+            <a:prstDash val="solid"/>
+            <a:miter/>
+          </a:ln>
+        </p:spPr>
+        <p:txBody>
+          <a:bodyPr/>
+          <a:lstStyle/>
+          <a:p>
+            <a:pPr marL="0" marR="0" lvl="0" indent="0" algn="l" defTabSz="914400" rtl="0" eaLnBrk="1" fontAlgn="auto" latinLnBrk="0" hangingPunct="1">
+              <a:lnSpc>
+                <a:spcPct val="100000"/>
+              </a:lnSpc>
+              <a:spcBef>
+                <a:spcPts val="0"/>
+              </a:spcBef>
+              <a:spcAft>
+                <a:spcPts val="0"/>
+              </a:spcAft>
+              <a:buClrTx/>
+              <a:buSzTx/>
+              <a:buFontTx/>
+              <a:buNone/>
+              <a:tabLst/>
+              <a:defRPr/>
+            </a:pPr>
+            <a:endParaRPr kumimoji="0" lang="es-CO" sz="1800" b="0" i="0" u="none" strike="noStrike" kern="1200" cap="none" spc="0" normalizeH="0" baseline="0" noProof="0" dirty="0">
+              <a:ln>
+                <a:noFill/>
+              </a:ln>
+              <a:solidFill>
+                <a:prstClr val="black"/>
+              </a:solidFill>
+              <a:effectLst/>
+              <a:uLnTx/>
+              <a:uFillTx/>
+              <a:latin typeface="Calibri"/>
+              <a:ea typeface="+mn-ea"/>
+              <a:cs typeface="+mn-cs"/>
+            </a:endParaRPr>
+          </a:p>
+        </p:txBody>
+      </p:sp>
+      <p:sp>
+        <p:nvSpPr>
+          <p:cNvPr id="7" name="Freeform 7">
+            <a:extLst>
+              <a:ext uri="{FF2B5EF4-FFF2-40B4-BE49-F238E27FC236}">
+                <a16:creationId xmlns:a16="http://schemas.microsoft.com/office/drawing/2014/main" id="{32B03A3E-77B6-6699-E7EA-39C4AFC45E96}"/>
+              </a:ext>
+            </a:extLst>
+          </p:cNvPr>
+          <p:cNvSpPr/>
+          <p:nvPr/>
+        </p:nvSpPr>
+        <p:spPr>
+          <a:xfrm rot="16200000">
+            <a:off x="15388859" y="-6571946"/>
+            <a:ext cx="9798172" cy="13143890"/>
+          </a:xfrm>
+          <a:custGeom>
+            <a:avLst/>
+            <a:gdLst/>
+            <a:ahLst/>
+            <a:cxnLst/>
+            <a:rect l="l" t="t" r="r" b="b"/>
+            <a:pathLst>
+              <a:path w="9798172" h="13143890">
+                <a:moveTo>
+                  <a:pt x="0" y="0"/>
+                </a:moveTo>
+                <a:lnTo>
+                  <a:pt x="9798172" y="0"/>
+                </a:lnTo>
+                <a:lnTo>
+                  <a:pt x="9798172" y="13143890"/>
+                </a:lnTo>
+                <a:lnTo>
+                  <a:pt x="0" y="13143890"/>
+                </a:lnTo>
+                <a:lnTo>
+                  <a:pt x="0" y="0"/>
+                </a:lnTo>
+                <a:close/>
+              </a:path>
+            </a:pathLst>
+          </a:custGeom>
+          <a:blipFill>
+            <a:blip r:embed="rId4">
+              <a:extLst>
+                <a:ext uri="{96DAC541-7B7A-43D3-8B79-37D633B846F1}">
+                  <asvg:svgBlip xmlns:asvg="http://schemas.microsoft.com/office/drawing/2016/SVG/main" r:embed="rId5"/>
+                </a:ext>
+              </a:extLst>
+            </a:blip>
+            <a:stretch>
+              <a:fillRect/>
+            </a:stretch>
+          </a:blipFill>
+          <a:ln cap="sq">
+            <a:noFill/>
+            <a:prstDash val="solid"/>
+            <a:miter/>
+          </a:ln>
+        </p:spPr>
+        <p:txBody>
+          <a:bodyPr/>
+          <a:lstStyle/>
+          <a:p>
+            <a:pPr marL="0" marR="0" lvl="0" indent="0" algn="l" defTabSz="914400" rtl="0" eaLnBrk="1" fontAlgn="auto" latinLnBrk="0" hangingPunct="1">
+              <a:lnSpc>
+                <a:spcPct val="100000"/>
+              </a:lnSpc>
+              <a:spcBef>
+                <a:spcPts val="0"/>
+              </a:spcBef>
+              <a:spcAft>
+                <a:spcPts val="0"/>
+              </a:spcAft>
+              <a:buClrTx/>
+              <a:buSzTx/>
+              <a:buFontTx/>
+              <a:buNone/>
+              <a:tabLst/>
+              <a:defRPr/>
+            </a:pPr>
+            <a:endParaRPr kumimoji="0" lang="es-CO" sz="1800" b="0" i="0" u="none" strike="noStrike" kern="1200" cap="none" spc="0" normalizeH="0" baseline="0" noProof="0" dirty="0">
+              <a:ln>
+                <a:noFill/>
+              </a:ln>
+              <a:solidFill>
+                <a:prstClr val="black"/>
+              </a:solidFill>
+              <a:effectLst/>
+              <a:uLnTx/>
+              <a:uFillTx/>
+              <a:latin typeface="Calibri"/>
+              <a:ea typeface="+mn-ea"/>
+              <a:cs typeface="+mn-cs"/>
+            </a:endParaRPr>
+          </a:p>
+        </p:txBody>
+      </p:sp>
+      <p:graphicFrame>
+        <p:nvGraphicFramePr>
+          <p:cNvPr id="9" name="Tabla 8">
+            <a:extLst>
+              <a:ext uri="{FF2B5EF4-FFF2-40B4-BE49-F238E27FC236}">
+                <a16:creationId xmlns:a16="http://schemas.microsoft.com/office/drawing/2014/main" id="{7966878D-7312-66D0-64EE-82B8A5F78F54}"/>
+              </a:ext>
+            </a:extLst>
+          </p:cNvPr>
+          <p:cNvGraphicFramePr>
+            <a:graphicFrameLocks noGrp="1"/>
+          </p:cNvGraphicFramePr>
+          <p:nvPr>
+            <p:extLst>
+              <p:ext uri="{D42A27DB-BD31-4B8C-83A1-F6EECF244321}">
+                <p14:modId xmlns:p14="http://schemas.microsoft.com/office/powerpoint/2010/main" val="490108884"/>
+              </p:ext>
+            </p:extLst>
+          </p:nvPr>
+        </p:nvGraphicFramePr>
+        <p:xfrm>
+          <a:off x="1702299" y="2980759"/>
+          <a:ext cx="14967813" cy="6035280"/>
+        </p:xfrm>
+        <a:graphic>
+          <a:graphicData uri="http://schemas.openxmlformats.org/drawingml/2006/table">
+            <a:tbl>
+              <a:tblPr firstRow="1" bandRow="1">
+                <a:tableStyleId>{69C7853C-536D-4A76-A0AE-DD22124D55A5}</a:tableStyleId>
+              </a:tblPr>
+              <a:tblGrid>
+                <a:gridCol w="1319802">
+                  <a:extLst>
+                    <a:ext uri="{9D8B030D-6E8A-4147-A177-3AD203B41FA5}">
+                      <a16:colId xmlns:a16="http://schemas.microsoft.com/office/drawing/2014/main" val="2397876962"/>
+                    </a:ext>
+                  </a:extLst>
+                </a:gridCol>
+                <a:gridCol w="2971800">
+                  <a:extLst>
+                    <a:ext uri="{9D8B030D-6E8A-4147-A177-3AD203B41FA5}">
+                      <a16:colId xmlns:a16="http://schemas.microsoft.com/office/drawing/2014/main" val="3832847364"/>
+                    </a:ext>
+                  </a:extLst>
+                </a:gridCol>
+                <a:gridCol w="4216690">
+                  <a:extLst>
+                    <a:ext uri="{9D8B030D-6E8A-4147-A177-3AD203B41FA5}">
+                      <a16:colId xmlns:a16="http://schemas.microsoft.com/office/drawing/2014/main" val="2243068901"/>
+                    </a:ext>
+                  </a:extLst>
+                </a:gridCol>
+                <a:gridCol w="3668826">
+                  <a:extLst>
+                    <a:ext uri="{9D8B030D-6E8A-4147-A177-3AD203B41FA5}">
+                      <a16:colId xmlns:a16="http://schemas.microsoft.com/office/drawing/2014/main" val="2152171090"/>
+                    </a:ext>
+                  </a:extLst>
+                </a:gridCol>
+                <a:gridCol w="2790695">
+                  <a:extLst>
+                    <a:ext uri="{9D8B030D-6E8A-4147-A177-3AD203B41FA5}">
+                      <a16:colId xmlns:a16="http://schemas.microsoft.com/office/drawing/2014/main" val="3382976668"/>
+                    </a:ext>
+                  </a:extLst>
+                </a:gridCol>
+              </a:tblGrid>
+              <a:tr h="969312">
+                <a:tc>
+                  <a:txBody>
+                    <a:bodyPr/>
+                    <a:lstStyle/>
+                    <a:p>
+                      <a:pPr algn="ctr">
+                        <a:lnSpc>
+                          <a:spcPct val="100000"/>
+                        </a:lnSpc>
+                      </a:pPr>
+                      <a:r>
+                        <a:rPr lang="es-CO" sz="2800" noProof="0" dirty="0"/>
+                        <a:t>ID</a:t>
+                      </a:r>
+                    </a:p>
+                  </a:txBody>
+                  <a:tcPr anchor="ctr"/>
+                </a:tc>
+                <a:tc>
+                  <a:txBody>
+                    <a:bodyPr/>
+                    <a:lstStyle/>
+                    <a:p>
+                      <a:pPr algn="ctr">
+                        <a:lnSpc>
+                          <a:spcPct val="100000"/>
+                        </a:lnSpc>
+                      </a:pPr>
+                      <a:r>
+                        <a:rPr lang="es-CO" sz="2800" noProof="0" dirty="0"/>
+                        <a:t>DESCIRPCIÓN</a:t>
+                      </a:r>
+                    </a:p>
+                  </a:txBody>
+                  <a:tcPr anchor="ctr"/>
+                </a:tc>
+                <a:tc>
+                  <a:txBody>
+                    <a:bodyPr/>
+                    <a:lstStyle/>
+                    <a:p>
+                      <a:pPr algn="ctr">
+                        <a:lnSpc>
+                          <a:spcPct val="100000"/>
+                        </a:lnSpc>
+                      </a:pPr>
+                      <a:r>
+                        <a:rPr lang="es-CO" sz="2800" noProof="0" dirty="0"/>
+                        <a:t>DETALLE</a:t>
+                      </a:r>
+                    </a:p>
+                  </a:txBody>
+                  <a:tcPr anchor="ctr"/>
+                </a:tc>
+                <a:tc>
+                  <a:txBody>
+                    <a:bodyPr/>
+                    <a:lstStyle/>
+                    <a:p>
+                      <a:pPr algn="ctr">
+                        <a:lnSpc>
+                          <a:spcPct val="100000"/>
+                        </a:lnSpc>
+                      </a:pPr>
+                      <a:r>
+                        <a:rPr lang="es-CO" sz="2800" noProof="0" dirty="0"/>
+                        <a:t>METRICA</a:t>
+                      </a:r>
+                    </a:p>
+                  </a:txBody>
+                  <a:tcPr anchor="ctr"/>
+                </a:tc>
+                <a:tc>
+                  <a:txBody>
+                    <a:bodyPr/>
+                    <a:lstStyle/>
+                    <a:p>
+                      <a:pPr algn="ctr">
+                        <a:lnSpc>
+                          <a:spcPct val="100000"/>
+                        </a:lnSpc>
+                      </a:pPr>
+                      <a:r>
+                        <a:rPr lang="es-CO" sz="2800" noProof="0" dirty="0"/>
+                        <a:t>INTERESADOS</a:t>
+                      </a:r>
+                    </a:p>
+                  </a:txBody>
+                  <a:tcPr anchor="ctr"/>
+                </a:tc>
+                <a:extLst>
+                  <a:ext uri="{0D108BD9-81ED-4DB2-BD59-A6C34878D82A}">
+                    <a16:rowId xmlns:a16="http://schemas.microsoft.com/office/drawing/2014/main" val="3377063911"/>
+                  </a:ext>
+                </a:extLst>
+              </a:tr>
+              <a:tr h="969312">
+                <a:tc>
+                  <a:txBody>
+                    <a:bodyPr/>
+                    <a:lstStyle/>
+                    <a:p>
+                      <a:pPr algn="ctr"/>
+                      <a:r>
+                        <a:rPr lang="es-CO" noProof="0" dirty="0"/>
+                        <a:t>RNF-01</a:t>
+                      </a:r>
+                    </a:p>
+                  </a:txBody>
+                  <a:tcPr anchor="ctr"/>
+                </a:tc>
+                <a:tc>
+                  <a:txBody>
+                    <a:bodyPr/>
+                    <a:lstStyle/>
+                    <a:p>
+                      <a:pPr algn="ctr"/>
+                      <a:r>
+                        <a:rPr lang="es-CO" noProof="0" dirty="0"/>
+                        <a:t>Respuesta rápida</a:t>
+                      </a:r>
+                    </a:p>
+                  </a:txBody>
+                  <a:tcPr anchor="ctr"/>
+                </a:tc>
+                <a:tc>
+                  <a:txBody>
+                    <a:bodyPr/>
+                    <a:lstStyle/>
+                    <a:p>
+                      <a:pPr algn="just"/>
+                      <a:r>
+                        <a:rPr lang="es-CO" noProof="0" dirty="0"/>
+                        <a:t>El sistema debe optimizar las consultas y la carga de datos para garantizar una experiencia de usuario fluida</a:t>
+                      </a:r>
+                    </a:p>
+                  </a:txBody>
+                  <a:tcPr anchor="ctr"/>
+                </a:tc>
+                <a:tc>
+                  <a:txBody>
+                    <a:bodyPr/>
+                    <a:lstStyle/>
+                    <a:p>
+                      <a:pPr algn="ctr"/>
+                      <a:r>
+                        <a:rPr lang="es-CO" noProof="0" dirty="0"/>
+                        <a:t>Tiempo de respuesta &lt; 2 segundos por consulta</a:t>
+                      </a:r>
+                    </a:p>
+                  </a:txBody>
+                  <a:tcPr anchor="ctr"/>
+                </a:tc>
+                <a:tc>
+                  <a:txBody>
+                    <a:bodyPr/>
+                    <a:lstStyle/>
+                    <a:p>
+                      <a:pPr algn="ctr"/>
+                      <a:r>
+                        <a:rPr lang="es-CO" noProof="0" dirty="0"/>
+                        <a:t>QA, Desarrolladores Backend, UX</a:t>
+                      </a:r>
+                    </a:p>
+                  </a:txBody>
+                  <a:tcPr anchor="ctr"/>
+                </a:tc>
+                <a:extLst>
+                  <a:ext uri="{0D108BD9-81ED-4DB2-BD59-A6C34878D82A}">
+                    <a16:rowId xmlns:a16="http://schemas.microsoft.com/office/drawing/2014/main" val="3784190673"/>
+                  </a:ext>
+                </a:extLst>
+              </a:tr>
+              <a:tr h="969312">
+                <a:tc>
+                  <a:txBody>
+                    <a:bodyPr/>
+                    <a:lstStyle/>
+                    <a:p>
+                      <a:pPr algn="ctr"/>
+                      <a:r>
+                        <a:rPr lang="es-CO" noProof="0" dirty="0"/>
+                        <a:t>RNF-02</a:t>
+                      </a:r>
+                    </a:p>
+                  </a:txBody>
+                  <a:tcPr anchor="ctr"/>
+                </a:tc>
+                <a:tc>
+                  <a:txBody>
+                    <a:bodyPr/>
+                    <a:lstStyle/>
+                    <a:p>
+                      <a:pPr algn="ctr"/>
+                      <a:r>
+                        <a:rPr lang="es-CO" noProof="0" dirty="0"/>
+                        <a:t>Protección de datos</a:t>
+                      </a:r>
+                    </a:p>
+                  </a:txBody>
+                  <a:tcPr anchor="ctr"/>
+                </a:tc>
+                <a:tc>
+                  <a:txBody>
+                    <a:bodyPr/>
+                    <a:lstStyle/>
+                    <a:p>
+                      <a:pPr algn="just"/>
+                      <a:r>
+                        <a:rPr lang="es-CO" noProof="0" dirty="0"/>
+                        <a:t>El sistema debe proteger los datos personales de los usuarios cumpliendo con estándares de seguridad como OWASP Top 10 y cifrado</a:t>
+                      </a:r>
+                    </a:p>
+                  </a:txBody>
+                  <a:tcPr anchor="ctr"/>
+                </a:tc>
+                <a:tc>
+                  <a:txBody>
+                    <a:bodyPr/>
+                    <a:lstStyle/>
+                    <a:p>
+                      <a:pPr algn="ctr"/>
+                      <a:r>
+                        <a:rPr lang="es-CO" noProof="0" dirty="0"/>
+                        <a:t>Cumplimiento con estándares de seguridad (OWASP Top 10)</a:t>
+                      </a:r>
+                    </a:p>
+                  </a:txBody>
+                  <a:tcPr anchor="ctr"/>
+                </a:tc>
+                <a:tc>
+                  <a:txBody>
+                    <a:bodyPr/>
+                    <a:lstStyle/>
+                    <a:p>
+                      <a:pPr algn="ctr"/>
+                      <a:r>
+                        <a:rPr lang="es-CO" noProof="0" dirty="0"/>
+                        <a:t>Analistas de Seguridad, Sistemas Legales, Desarrolladores Backend</a:t>
+                      </a:r>
+                    </a:p>
+                  </a:txBody>
+                  <a:tcPr anchor="ctr"/>
+                </a:tc>
+                <a:extLst>
+                  <a:ext uri="{0D108BD9-81ED-4DB2-BD59-A6C34878D82A}">
+                    <a16:rowId xmlns:a16="http://schemas.microsoft.com/office/drawing/2014/main" val="2831257592"/>
+                  </a:ext>
+                </a:extLst>
+              </a:tr>
+              <a:tr h="969312">
+                <a:tc>
+                  <a:txBody>
+                    <a:bodyPr/>
+                    <a:lstStyle/>
+                    <a:p>
+                      <a:pPr algn="ctr"/>
+                      <a:r>
+                        <a:rPr lang="es-CO" noProof="0" dirty="0"/>
+                        <a:t>RNF-03</a:t>
+                      </a:r>
+                    </a:p>
+                  </a:txBody>
+                  <a:tcPr anchor="ctr"/>
+                </a:tc>
+                <a:tc>
+                  <a:txBody>
+                    <a:bodyPr/>
+                    <a:lstStyle/>
+                    <a:p>
+                      <a:pPr algn="ctr"/>
+                      <a:r>
+                        <a:rPr lang="es-CO" noProof="0" dirty="0"/>
+                        <a:t>Sistema siempre disponible</a:t>
+                      </a:r>
+                    </a:p>
+                  </a:txBody>
+                  <a:tcPr anchor="ctr"/>
+                </a:tc>
+                <a:tc>
+                  <a:txBody>
+                    <a:bodyPr/>
+                    <a:lstStyle/>
+                    <a:p>
+                      <a:pPr algn="just"/>
+                      <a:r>
+                        <a:rPr lang="es-CO" noProof="0" dirty="0"/>
+                        <a:t>El sistema debe estar disponible sin caídas importantes, garantizando una alta disponibilidad</a:t>
+                      </a:r>
+                    </a:p>
+                  </a:txBody>
+                  <a:tcPr anchor="ctr"/>
+                </a:tc>
+                <a:tc>
+                  <a:txBody>
+                    <a:bodyPr/>
+                    <a:lstStyle/>
+                    <a:p>
+                      <a:pPr algn="ctr"/>
+                      <a:r>
+                        <a:rPr lang="es-CO" noProof="0" dirty="0"/>
+                        <a:t>Disponibilidad ≥ 95%</a:t>
+                      </a:r>
+                    </a:p>
+                  </a:txBody>
+                  <a:tcPr anchor="ctr"/>
+                </a:tc>
+                <a:tc>
+                  <a:txBody>
+                    <a:bodyPr/>
+                    <a:lstStyle/>
+                    <a:p>
+                      <a:pPr algn="ctr"/>
+                      <a:r>
+                        <a:rPr lang="es-CO" noProof="0" dirty="0"/>
+                        <a:t>Arquitectos, QA, Desarrolladores Backend</a:t>
+                      </a:r>
+                    </a:p>
+                  </a:txBody>
+                  <a:tcPr anchor="ctr"/>
+                </a:tc>
+                <a:extLst>
+                  <a:ext uri="{0D108BD9-81ED-4DB2-BD59-A6C34878D82A}">
+                    <a16:rowId xmlns:a16="http://schemas.microsoft.com/office/drawing/2014/main" val="3293755204"/>
+                  </a:ext>
+                </a:extLst>
+              </a:tr>
+              <a:tr h="969312">
+                <a:tc>
+                  <a:txBody>
+                    <a:bodyPr/>
+                    <a:lstStyle/>
+                    <a:p>
+                      <a:pPr algn="ctr"/>
+                      <a:r>
+                        <a:rPr lang="es-CO" noProof="0" dirty="0"/>
+                        <a:t>RNF-04</a:t>
+                      </a:r>
+                    </a:p>
+                  </a:txBody>
+                  <a:tcPr anchor="ctr"/>
+                </a:tc>
+                <a:tc>
+                  <a:txBody>
+                    <a:bodyPr/>
+                    <a:lstStyle/>
+                    <a:p>
+                      <a:pPr algn="ctr"/>
+                      <a:r>
+                        <a:rPr lang="es-CO" noProof="0" dirty="0"/>
+                        <a:t>Soporte para diversidad de usuarios</a:t>
+                      </a:r>
+                    </a:p>
+                  </a:txBody>
+                  <a:tcPr anchor="ctr"/>
+                </a:tc>
+                <a:tc>
+                  <a:txBody>
+                    <a:bodyPr/>
+                    <a:lstStyle/>
+                    <a:p>
+                      <a:pPr algn="just"/>
+                      <a:r>
+                        <a:rPr lang="es-CO" noProof="0" dirty="0"/>
+                        <a:t>El sistema debe ser accesible para usuarios con discapacidades, cumpliendo con estándares de accesibilidad</a:t>
+                      </a:r>
+                    </a:p>
+                  </a:txBody>
+                  <a:tcPr anchor="ctr"/>
+                </a:tc>
+                <a:tc>
+                  <a:txBody>
+                    <a:bodyPr/>
+                    <a:lstStyle/>
+                    <a:p>
+                      <a:pPr algn="ctr"/>
+                      <a:r>
+                        <a:rPr lang="es-CO" noProof="0" dirty="0"/>
+                        <a:t>Cumplimiento de WCAG 2.1 nivel AA</a:t>
+                      </a:r>
+                    </a:p>
+                  </a:txBody>
+                  <a:tcPr anchor="ctr"/>
+                </a:tc>
+                <a:tc>
+                  <a:txBody>
+                    <a:bodyPr/>
+                    <a:lstStyle/>
+                    <a:p>
+                      <a:pPr algn="ctr"/>
+                      <a:r>
+                        <a:rPr lang="es-CO" noProof="0" dirty="0"/>
+                        <a:t>UX, Analistas, Sistemas Legales, Desarrolladores Frontend</a:t>
+                      </a:r>
+                    </a:p>
+                  </a:txBody>
+                  <a:tcPr anchor="ctr"/>
+                </a:tc>
+                <a:extLst>
+                  <a:ext uri="{0D108BD9-81ED-4DB2-BD59-A6C34878D82A}">
+                    <a16:rowId xmlns:a16="http://schemas.microsoft.com/office/drawing/2014/main" val="3268018733"/>
+                  </a:ext>
+                </a:extLst>
+              </a:tr>
+              <a:tr h="969312">
+                <a:tc>
+                  <a:txBody>
+                    <a:bodyPr/>
+                    <a:lstStyle/>
+                    <a:p>
+                      <a:pPr algn="ctr"/>
+                      <a:r>
+                        <a:rPr lang="es-CO" noProof="0" dirty="0"/>
+                        <a:t>RNF-05</a:t>
+                      </a:r>
+                    </a:p>
+                  </a:txBody>
+                  <a:tcPr anchor="ctr"/>
+                </a:tc>
+                <a:tc>
+                  <a:txBody>
+                    <a:bodyPr/>
+                    <a:lstStyle/>
+                    <a:p>
+                      <a:pPr algn="ctr"/>
+                      <a:r>
+                        <a:rPr lang="es-CO" noProof="0" dirty="0"/>
+                        <a:t>Escalabilidad sin problemas</a:t>
+                      </a:r>
+                    </a:p>
+                  </a:txBody>
+                  <a:tcPr anchor="ctr"/>
+                </a:tc>
+                <a:tc>
+                  <a:txBody>
+                    <a:bodyPr/>
+                    <a:lstStyle/>
+                    <a:p>
+                      <a:pPr algn="just"/>
+                      <a:r>
+                        <a:rPr lang="es-CO" noProof="0" dirty="0"/>
+                        <a:t>El sistema debe ser capaz de escalar según la demanda, manejando picos de tráfico sin perder rendimiento</a:t>
+                      </a:r>
+                    </a:p>
+                  </a:txBody>
+                  <a:tcPr anchor="ctr"/>
+                </a:tc>
+                <a:tc>
+                  <a:txBody>
+                    <a:bodyPr/>
+                    <a:lstStyle/>
+                    <a:p>
+                      <a:pPr algn="ctr"/>
+                      <a:r>
+                        <a:rPr lang="es-CO" noProof="0" dirty="0"/>
+                        <a:t>Soportar tráfico &gt; 10,000 usuarios simultáneos sin pérdida de rendimiento.</a:t>
+                      </a:r>
+                    </a:p>
+                  </a:txBody>
+                  <a:tcPr anchor="ctr"/>
+                </a:tc>
+                <a:tc>
+                  <a:txBody>
+                    <a:bodyPr/>
+                    <a:lstStyle/>
+                    <a:p>
+                      <a:pPr algn="ctr"/>
+                      <a:r>
+                        <a:rPr lang="es-CO" noProof="0" dirty="0"/>
+                        <a:t>Arquitectos, QA, Desarrolladores Backend</a:t>
+                      </a:r>
+                    </a:p>
+                  </a:txBody>
+                  <a:tcPr anchor="ctr"/>
+                </a:tc>
+                <a:extLst>
+                  <a:ext uri="{0D108BD9-81ED-4DB2-BD59-A6C34878D82A}">
+                    <a16:rowId xmlns:a16="http://schemas.microsoft.com/office/drawing/2014/main" val="2556790955"/>
+                  </a:ext>
+                </a:extLst>
+              </a:tr>
+            </a:tbl>
+          </a:graphicData>
+        </a:graphic>
+      </p:graphicFrame>
+    </p:spTree>
+    <p:extLst>
+      <p:ext uri="{BB962C8B-B14F-4D97-AF65-F5344CB8AC3E}">
+        <p14:creationId xmlns:p14="http://schemas.microsoft.com/office/powerpoint/2010/main" val="4263246164"/>
+      </p:ext>
+    </p:extLst>
+  </p:cSld>
+  <p:clrMapOvr>
+    <a:masterClrMapping/>
+  </p:clrMapOvr>
+</p:sld>
+</file>
+
+<file path=ppt/slides/slide6.xml><?xml version="1.0" encoding="utf-8"?>
+<p:sld xmlns:a="http://schemas.openxmlformats.org/drawingml/2006/main" xmlns:r="http://schemas.openxmlformats.org/officeDocument/2006/relationships" xmlns:p="http://schemas.openxmlformats.org/presentationml/2006/main">
+  <p:cSld>
+    <p:bg>
+      <p:bgPr>
+        <a:solidFill>
+          <a:srgbClr val="D8D9D9"/>
+        </a:solidFill>
+        <a:effectLst/>
+      </p:bgPr>
+    </p:bg>
+    <p:spTree>
+      <p:nvGrpSpPr>
+        <p:cNvPr id="1" name="">
+          <a:extLst>
+            <a:ext uri="{FF2B5EF4-FFF2-40B4-BE49-F238E27FC236}">
+              <a16:creationId xmlns:a16="http://schemas.microsoft.com/office/drawing/2014/main" id="{7FAF2C7D-302B-719F-587D-8ECE0790E64D}"/>
+            </a:ext>
+          </a:extLst>
+        </p:cNvPr>
+        <p:cNvGrpSpPr/>
+        <p:nvPr/>
+      </p:nvGrpSpPr>
+      <p:grpSpPr>
+        <a:xfrm>
+          <a:off x="0" y="0"/>
+          <a:ext cx="0" cy="0"/>
+          <a:chOff x="0" y="0"/>
+          <a:chExt cx="0" cy="0"/>
+        </a:xfrm>
+      </p:grpSpPr>
+      <p:sp>
+        <p:nvSpPr>
+          <p:cNvPr id="4" name="TextBox 4">
+            <a:extLst>
+              <a:ext uri="{FF2B5EF4-FFF2-40B4-BE49-F238E27FC236}">
+                <a16:creationId xmlns:a16="http://schemas.microsoft.com/office/drawing/2014/main" id="{8B8D4CC4-CE7C-AB1C-5C08-34673DAD104C}"/>
+              </a:ext>
+            </a:extLst>
+          </p:cNvPr>
+          <p:cNvSpPr txBox="1"/>
+          <p:nvPr/>
+        </p:nvSpPr>
+        <p:spPr>
+          <a:xfrm>
+            <a:off x="3360718" y="1250855"/>
+            <a:ext cx="11566564" cy="1225592"/>
+          </a:xfrm>
+          <a:prstGeom prst="rect">
+            <a:avLst/>
+          </a:prstGeom>
+        </p:spPr>
+        <p:txBody>
+          <a:bodyPr wrap="square" lIns="0" tIns="0" rIns="0" bIns="0" rtlCol="0" anchor="t">
+            <a:spAutoFit/>
+          </a:bodyPr>
+          <a:lstStyle/>
+          <a:p>
+            <a:pPr marL="0" marR="0" lvl="0" indent="0" algn="l" defTabSz="914400" rtl="0" eaLnBrk="1" fontAlgn="auto" latinLnBrk="0" hangingPunct="1">
+              <a:lnSpc>
+                <a:spcPts val="10258"/>
+              </a:lnSpc>
+              <a:spcBef>
+                <a:spcPts val="0"/>
+              </a:spcBef>
+              <a:spcAft>
+                <a:spcPts val="0"/>
+              </a:spcAft>
+              <a:buClrTx/>
+              <a:buSzTx/>
+              <a:buFontTx/>
+              <a:buNone/>
+              <a:tabLst/>
+              <a:defRPr/>
+            </a:pPr>
+            <a:r>
+              <a:rPr kumimoji="0" lang="es-CO" sz="7000" b="1" i="0" u="none" strike="noStrike" kern="1200" cap="none" spc="688" normalizeH="0" baseline="0" noProof="0" dirty="0">
+                <a:ln>
+                  <a:noFill/>
+                </a:ln>
+                <a:solidFill>
+                  <a:srgbClr val="152540"/>
+                </a:solidFill>
+                <a:effectLst/>
+                <a:uLnTx/>
+                <a:uFillTx/>
+                <a:latin typeface="Glacial Indifference Bold"/>
+                <a:ea typeface="Glacial Indifference Bold"/>
+                <a:cs typeface="Glacial Indifference Bold"/>
+                <a:sym typeface="Glacial Indifference Bold"/>
+              </a:rPr>
+              <a:t>ATRIBUTOS DE CALIDAD</a:t>
+            </a:r>
+          </a:p>
+        </p:txBody>
+      </p:sp>
+      <p:sp>
+        <p:nvSpPr>
+          <p:cNvPr id="5" name="Freeform 5">
+            <a:extLst>
+              <a:ext uri="{FF2B5EF4-FFF2-40B4-BE49-F238E27FC236}">
+                <a16:creationId xmlns:a16="http://schemas.microsoft.com/office/drawing/2014/main" id="{69B682A3-5E42-E2FB-C26E-6B316DB1921A}"/>
+              </a:ext>
+            </a:extLst>
+          </p:cNvPr>
+          <p:cNvSpPr/>
+          <p:nvPr/>
+        </p:nvSpPr>
+        <p:spPr>
+          <a:xfrm rot="20682368">
+            <a:off x="-2025492" y="7610416"/>
+            <a:ext cx="5503332" cy="4762884"/>
+          </a:xfrm>
+          <a:custGeom>
+            <a:avLst/>
+            <a:gdLst/>
+            <a:ahLst/>
+            <a:cxnLst/>
+            <a:rect l="l" t="t" r="r" b="b"/>
+            <a:pathLst>
+              <a:path w="8481393" h="7340260">
+                <a:moveTo>
+                  <a:pt x="0" y="0"/>
+                </a:moveTo>
+                <a:lnTo>
+                  <a:pt x="8481393" y="0"/>
+                </a:lnTo>
+                <a:lnTo>
+                  <a:pt x="8481393" y="7340260"/>
+                </a:lnTo>
+                <a:lnTo>
+                  <a:pt x="0" y="7340260"/>
+                </a:lnTo>
+                <a:lnTo>
+                  <a:pt x="0" y="0"/>
+                </a:lnTo>
+                <a:close/>
+              </a:path>
+            </a:pathLst>
+          </a:custGeom>
+          <a:blipFill>
+            <a:blip r:embed="rId2">
+              <a:extLst>
+                <a:ext uri="{96DAC541-7B7A-43D3-8B79-37D633B846F1}">
+                  <asvg:svgBlip xmlns:asvg="http://schemas.microsoft.com/office/drawing/2016/SVG/main" r:embed="rId3"/>
+                </a:ext>
+              </a:extLst>
+            </a:blip>
+            <a:stretch>
+              <a:fillRect/>
+            </a:stretch>
+          </a:blipFill>
+          <a:ln cap="sq">
+            <a:noFill/>
+            <a:prstDash val="solid"/>
+            <a:miter/>
+          </a:ln>
+        </p:spPr>
+        <p:txBody>
+          <a:bodyPr/>
+          <a:lstStyle/>
+          <a:p>
+            <a:pPr marL="0" marR="0" lvl="0" indent="0" algn="l" defTabSz="914400" rtl="0" eaLnBrk="1" fontAlgn="auto" latinLnBrk="0" hangingPunct="1">
+              <a:lnSpc>
+                <a:spcPct val="100000"/>
+              </a:lnSpc>
+              <a:spcBef>
+                <a:spcPts val="0"/>
+              </a:spcBef>
+              <a:spcAft>
+                <a:spcPts val="0"/>
+              </a:spcAft>
+              <a:buClrTx/>
+              <a:buSzTx/>
+              <a:buFontTx/>
+              <a:buNone/>
+              <a:tabLst/>
+              <a:defRPr/>
+            </a:pPr>
+            <a:endParaRPr kumimoji="0" lang="es-CO" sz="1800" b="0" i="0" u="none" strike="noStrike" kern="1200" cap="none" spc="0" normalizeH="0" baseline="0" noProof="0" dirty="0">
+              <a:ln>
+                <a:noFill/>
+              </a:ln>
+              <a:solidFill>
+                <a:prstClr val="black"/>
+              </a:solidFill>
+              <a:effectLst/>
+              <a:uLnTx/>
+              <a:uFillTx/>
+              <a:latin typeface="Calibri"/>
+              <a:ea typeface="+mn-ea"/>
+              <a:cs typeface="+mn-cs"/>
+            </a:endParaRPr>
+          </a:p>
+        </p:txBody>
+      </p:sp>
+      <p:sp>
+        <p:nvSpPr>
+          <p:cNvPr id="6" name="Freeform 6">
+            <a:extLst>
+              <a:ext uri="{FF2B5EF4-FFF2-40B4-BE49-F238E27FC236}">
+                <a16:creationId xmlns:a16="http://schemas.microsoft.com/office/drawing/2014/main" id="{B98F0FA1-688A-5887-4578-901C3AE03384}"/>
+              </a:ext>
+            </a:extLst>
+          </p:cNvPr>
+          <p:cNvSpPr/>
+          <p:nvPr/>
+        </p:nvSpPr>
+        <p:spPr>
+          <a:xfrm rot="11103181">
+            <a:off x="13967606" y="-2181860"/>
+            <a:ext cx="6956119" cy="6020205"/>
+          </a:xfrm>
+          <a:custGeom>
+            <a:avLst/>
+            <a:gdLst/>
+            <a:ahLst/>
+            <a:cxnLst/>
+            <a:rect l="l" t="t" r="r" b="b"/>
+            <a:pathLst>
+              <a:path w="12901483" h="11165647">
+                <a:moveTo>
+                  <a:pt x="0" y="0"/>
+                </a:moveTo>
+                <a:lnTo>
+                  <a:pt x="12901483" y="0"/>
+                </a:lnTo>
+                <a:lnTo>
+                  <a:pt x="12901483" y="11165648"/>
+                </a:lnTo>
+                <a:lnTo>
+                  <a:pt x="0" y="11165648"/>
+                </a:lnTo>
+                <a:lnTo>
+                  <a:pt x="0" y="0"/>
+                </a:lnTo>
+                <a:close/>
+              </a:path>
+            </a:pathLst>
+          </a:custGeom>
+          <a:blipFill>
+            <a:blip r:embed="rId2">
+              <a:extLst>
+                <a:ext uri="{96DAC541-7B7A-43D3-8B79-37D633B846F1}">
+                  <asvg:svgBlip xmlns:asvg="http://schemas.microsoft.com/office/drawing/2016/SVG/main" r:embed="rId3"/>
+                </a:ext>
+              </a:extLst>
+            </a:blip>
+            <a:stretch>
+              <a:fillRect/>
+            </a:stretch>
+          </a:blipFill>
+          <a:ln cap="sq">
+            <a:noFill/>
+            <a:prstDash val="solid"/>
+            <a:miter/>
+          </a:ln>
+        </p:spPr>
+        <p:txBody>
+          <a:bodyPr/>
+          <a:lstStyle/>
+          <a:p>
+            <a:pPr marL="0" marR="0" lvl="0" indent="0" algn="l" defTabSz="914400" rtl="0" eaLnBrk="1" fontAlgn="auto" latinLnBrk="0" hangingPunct="1">
+              <a:lnSpc>
+                <a:spcPct val="100000"/>
+              </a:lnSpc>
+              <a:spcBef>
+                <a:spcPts val="0"/>
+              </a:spcBef>
+              <a:spcAft>
+                <a:spcPts val="0"/>
+              </a:spcAft>
+              <a:buClrTx/>
+              <a:buSzTx/>
+              <a:buFontTx/>
+              <a:buNone/>
+              <a:tabLst/>
+              <a:defRPr/>
+            </a:pPr>
+            <a:endParaRPr kumimoji="0" lang="es-CO" sz="1800" b="0" i="0" u="none" strike="noStrike" kern="1200" cap="none" spc="0" normalizeH="0" baseline="0" noProof="0" dirty="0">
+              <a:ln>
+                <a:noFill/>
+              </a:ln>
+              <a:solidFill>
+                <a:prstClr val="black"/>
+              </a:solidFill>
+              <a:effectLst/>
+              <a:uLnTx/>
+              <a:uFillTx/>
+              <a:latin typeface="Calibri"/>
+              <a:ea typeface="+mn-ea"/>
+              <a:cs typeface="+mn-cs"/>
+            </a:endParaRPr>
+          </a:p>
+        </p:txBody>
+      </p:sp>
+      <p:sp>
+        <p:nvSpPr>
+          <p:cNvPr id="7" name="Freeform 7">
+            <a:extLst>
+              <a:ext uri="{FF2B5EF4-FFF2-40B4-BE49-F238E27FC236}">
+                <a16:creationId xmlns:a16="http://schemas.microsoft.com/office/drawing/2014/main" id="{7004004C-17A6-5FE5-93AC-51E230AA46F8}"/>
+              </a:ext>
+            </a:extLst>
+          </p:cNvPr>
+          <p:cNvSpPr/>
+          <p:nvPr/>
+        </p:nvSpPr>
+        <p:spPr>
+          <a:xfrm rot="13568729">
+            <a:off x="-2900414" y="-2457732"/>
+            <a:ext cx="4899087" cy="6571946"/>
+          </a:xfrm>
+          <a:custGeom>
+            <a:avLst/>
+            <a:gdLst/>
+            <a:ahLst/>
+            <a:cxnLst/>
+            <a:rect l="l" t="t" r="r" b="b"/>
+            <a:pathLst>
+              <a:path w="9798172" h="13143890">
+                <a:moveTo>
+                  <a:pt x="0" y="0"/>
+                </a:moveTo>
+                <a:lnTo>
+                  <a:pt x="9798172" y="0"/>
+                </a:lnTo>
+                <a:lnTo>
+                  <a:pt x="9798172" y="13143890"/>
+                </a:lnTo>
+                <a:lnTo>
+                  <a:pt x="0" y="13143890"/>
+                </a:lnTo>
+                <a:lnTo>
+                  <a:pt x="0" y="0"/>
+                </a:lnTo>
+                <a:close/>
+              </a:path>
+            </a:pathLst>
+          </a:custGeom>
+          <a:blipFill>
+            <a:blip r:embed="rId4">
+              <a:extLst>
+                <a:ext uri="{96DAC541-7B7A-43D3-8B79-37D633B846F1}">
+                  <asvg:svgBlip xmlns:asvg="http://schemas.microsoft.com/office/drawing/2016/SVG/main" r:embed="rId5"/>
+                </a:ext>
+              </a:extLst>
+            </a:blip>
+            <a:stretch>
+              <a:fillRect/>
+            </a:stretch>
+          </a:blipFill>
+          <a:ln cap="sq">
+            <a:noFill/>
+            <a:prstDash val="solid"/>
+            <a:miter/>
+          </a:ln>
+        </p:spPr>
+        <p:txBody>
+          <a:bodyPr/>
+          <a:lstStyle/>
+          <a:p>
+            <a:pPr marL="0" marR="0" lvl="0" indent="0" algn="l" defTabSz="914400" rtl="0" eaLnBrk="1" fontAlgn="auto" latinLnBrk="0" hangingPunct="1">
+              <a:lnSpc>
+                <a:spcPct val="100000"/>
+              </a:lnSpc>
+              <a:spcBef>
+                <a:spcPts val="0"/>
+              </a:spcBef>
+              <a:spcAft>
+                <a:spcPts val="0"/>
+              </a:spcAft>
+              <a:buClrTx/>
+              <a:buSzTx/>
+              <a:buFontTx/>
+              <a:buNone/>
+              <a:tabLst/>
+              <a:defRPr/>
+            </a:pPr>
+            <a:endParaRPr kumimoji="0" lang="es-CO" sz="1800" b="0" i="0" u="none" strike="noStrike" kern="1200" cap="none" spc="0" normalizeH="0" baseline="0" noProof="0" dirty="0">
+              <a:ln>
+                <a:noFill/>
+              </a:ln>
+              <a:solidFill>
+                <a:prstClr val="black"/>
+              </a:solidFill>
+              <a:effectLst/>
+              <a:uLnTx/>
+              <a:uFillTx/>
+              <a:latin typeface="Calibri"/>
+              <a:ea typeface="+mn-ea"/>
+              <a:cs typeface="+mn-cs"/>
+            </a:endParaRPr>
+          </a:p>
+        </p:txBody>
+      </p:sp>
+      <p:graphicFrame>
+        <p:nvGraphicFramePr>
+          <p:cNvPr id="9" name="Tabla 8">
+            <a:extLst>
+              <a:ext uri="{FF2B5EF4-FFF2-40B4-BE49-F238E27FC236}">
+                <a16:creationId xmlns:a16="http://schemas.microsoft.com/office/drawing/2014/main" id="{6D140CCD-111F-63D3-1877-A767A5C5EF92}"/>
+              </a:ext>
+            </a:extLst>
+          </p:cNvPr>
+          <p:cNvGraphicFramePr>
+            <a:graphicFrameLocks noGrp="1"/>
+          </p:cNvGraphicFramePr>
+          <p:nvPr>
+            <p:extLst>
+              <p:ext uri="{D42A27DB-BD31-4B8C-83A1-F6EECF244321}">
+                <p14:modId xmlns:p14="http://schemas.microsoft.com/office/powerpoint/2010/main" val="1715633479"/>
+              </p:ext>
+            </p:extLst>
+          </p:nvPr>
+        </p:nvGraphicFramePr>
+        <p:xfrm>
+          <a:off x="1728198" y="2980759"/>
+          <a:ext cx="14831603" cy="4052501"/>
+        </p:xfrm>
+        <a:graphic>
+          <a:graphicData uri="http://schemas.openxmlformats.org/drawingml/2006/table">
+            <a:tbl>
+              <a:tblPr firstRow="1" bandRow="1">
+                <a:tableStyleId>{69C7853C-536D-4A76-A0AE-DD22124D55A5}</a:tableStyleId>
+              </a:tblPr>
+              <a:tblGrid>
+                <a:gridCol w="2213527">
+                  <a:extLst>
+                    <a:ext uri="{9D8B030D-6E8A-4147-A177-3AD203B41FA5}">
+                      <a16:colId xmlns:a16="http://schemas.microsoft.com/office/drawing/2014/main" val="2397876962"/>
+                    </a:ext>
+                  </a:extLst>
+                </a:gridCol>
+                <a:gridCol w="1741399">
+                  <a:extLst>
+                    <a:ext uri="{9D8B030D-6E8A-4147-A177-3AD203B41FA5}">
+                      <a16:colId xmlns:a16="http://schemas.microsoft.com/office/drawing/2014/main" val="3832847364"/>
+                    </a:ext>
+                  </a:extLst>
+                </a:gridCol>
+                <a:gridCol w="2063880">
+                  <a:extLst>
+                    <a:ext uri="{9D8B030D-6E8A-4147-A177-3AD203B41FA5}">
+                      <a16:colId xmlns:a16="http://schemas.microsoft.com/office/drawing/2014/main" val="2243068901"/>
+                    </a:ext>
+                  </a:extLst>
+                </a:gridCol>
+                <a:gridCol w="2350248">
+                  <a:extLst>
+                    <a:ext uri="{9D8B030D-6E8A-4147-A177-3AD203B41FA5}">
+                      <a16:colId xmlns:a16="http://schemas.microsoft.com/office/drawing/2014/main" val="3382976668"/>
+                    </a:ext>
+                  </a:extLst>
+                </a:gridCol>
+                <a:gridCol w="1906505">
+                  <a:extLst>
+                    <a:ext uri="{9D8B030D-6E8A-4147-A177-3AD203B41FA5}">
+                      <a16:colId xmlns:a16="http://schemas.microsoft.com/office/drawing/2014/main" val="3711637950"/>
+                    </a:ext>
+                  </a:extLst>
+                </a:gridCol>
+                <a:gridCol w="2278022">
+                  <a:extLst>
+                    <a:ext uri="{9D8B030D-6E8A-4147-A177-3AD203B41FA5}">
+                      <a16:colId xmlns:a16="http://schemas.microsoft.com/office/drawing/2014/main" val="197522138"/>
+                    </a:ext>
+                  </a:extLst>
+                </a:gridCol>
+                <a:gridCol w="2278022">
+                  <a:extLst>
+                    <a:ext uri="{9D8B030D-6E8A-4147-A177-3AD203B41FA5}">
+                      <a16:colId xmlns:a16="http://schemas.microsoft.com/office/drawing/2014/main" val="3380335598"/>
+                    </a:ext>
+                  </a:extLst>
+                </a:gridCol>
+              </a:tblGrid>
+              <a:tr h="969312">
+                <a:tc>
+                  <a:txBody>
+                    <a:bodyPr/>
+                    <a:lstStyle/>
+                    <a:p>
+                      <a:pPr algn="ctr">
+                        <a:lnSpc>
+                          <a:spcPct val="100000"/>
+                        </a:lnSpc>
+                      </a:pPr>
+                      <a:r>
+                        <a:rPr lang="es-CO" sz="2400" noProof="0" dirty="0"/>
+                        <a:t>STAKEHOLDERS</a:t>
+                      </a:r>
+                    </a:p>
+                  </a:txBody>
+                  <a:tcPr anchor="ctr"/>
+                </a:tc>
+                <a:tc>
+                  <a:txBody>
+                    <a:bodyPr/>
+                    <a:lstStyle/>
+                    <a:p>
+                      <a:pPr algn="ctr">
+                        <a:lnSpc>
+                          <a:spcPct val="100000"/>
+                        </a:lnSpc>
+                      </a:pPr>
+                      <a:r>
+                        <a:rPr lang="es-MX" sz="2400" noProof="0" dirty="0"/>
+                        <a:t>USABILIDAD</a:t>
+                      </a:r>
+                      <a:endParaRPr lang="es-CO" sz="2400" noProof="0" dirty="0"/>
+                    </a:p>
+                  </a:txBody>
+                  <a:tcPr anchor="ctr"/>
+                </a:tc>
+                <a:tc>
+                  <a:txBody>
+                    <a:bodyPr/>
+                    <a:lstStyle/>
+                    <a:p>
+                      <a:pPr algn="ctr">
+                        <a:lnSpc>
+                          <a:spcPct val="100000"/>
+                        </a:lnSpc>
+                      </a:pPr>
+                      <a:r>
+                        <a:rPr lang="es-MX" sz="2400" noProof="0" dirty="0"/>
+                        <a:t>RENDIMIENTO</a:t>
+                      </a:r>
+                      <a:endParaRPr lang="es-CO" sz="2400" noProof="0" dirty="0"/>
+                    </a:p>
+                  </a:txBody>
+                  <a:tcPr anchor="ctr"/>
+                </a:tc>
+                <a:tc>
+                  <a:txBody>
+                    <a:bodyPr/>
+                    <a:lstStyle/>
+                    <a:p>
+                      <a:pPr algn="ctr">
+                        <a:lnSpc>
+                          <a:spcPct val="100000"/>
+                        </a:lnSpc>
+                      </a:pPr>
+                      <a:r>
+                        <a:rPr lang="es-MX" sz="2400" noProof="0" dirty="0"/>
+                        <a:t>DISPONIBILIDAD</a:t>
+                      </a:r>
+                      <a:endParaRPr lang="es-CO" sz="2400" noProof="0" dirty="0"/>
+                    </a:p>
+                  </a:txBody>
+                  <a:tcPr anchor="ctr"/>
+                </a:tc>
+                <a:tc>
+                  <a:txBody>
+                    <a:bodyPr/>
+                    <a:lstStyle/>
+                    <a:p>
+                      <a:pPr algn="ctr">
+                        <a:lnSpc>
+                          <a:spcPct val="100000"/>
+                        </a:lnSpc>
+                      </a:pPr>
+                      <a:r>
+                        <a:rPr lang="es-MX" sz="2400" noProof="0" dirty="0"/>
+                        <a:t>SEGURIDAD</a:t>
+                      </a:r>
+                      <a:endParaRPr lang="es-CO" sz="2400" noProof="0" dirty="0"/>
+                    </a:p>
+                  </a:txBody>
+                  <a:tcPr anchor="ctr"/>
+                </a:tc>
+                <a:tc>
+                  <a:txBody>
+                    <a:bodyPr/>
+                    <a:lstStyle/>
+                    <a:p>
+                      <a:pPr algn="ctr">
+                        <a:lnSpc>
+                          <a:spcPct val="100000"/>
+                        </a:lnSpc>
+                      </a:pPr>
+                      <a:r>
+                        <a:rPr lang="es-MX" sz="2400" noProof="0" dirty="0"/>
+                        <a:t>ESCALABILIDAD</a:t>
+                      </a:r>
+                      <a:endParaRPr lang="es-CO" sz="2400" noProof="0" dirty="0"/>
+                    </a:p>
+                  </a:txBody>
+                  <a:tcPr anchor="ctr"/>
+                </a:tc>
+                <a:tc>
+                  <a:txBody>
+                    <a:bodyPr/>
+                    <a:lstStyle/>
+                    <a:p>
+                      <a:pPr algn="ctr">
+                        <a:lnSpc>
+                          <a:spcPct val="100000"/>
+                        </a:lnSpc>
+                      </a:pPr>
+                      <a:r>
+                        <a:rPr lang="es-MX" sz="2400" noProof="0" dirty="0"/>
+                        <a:t>TOTAL</a:t>
+                      </a:r>
+                      <a:endParaRPr lang="es-CO" sz="2400" noProof="0" dirty="0"/>
+                    </a:p>
+                  </a:txBody>
+                  <a:tcPr anchor="ctr"/>
+                </a:tc>
+                <a:extLst>
+                  <a:ext uri="{0D108BD9-81ED-4DB2-BD59-A6C34878D82A}">
+                    <a16:rowId xmlns:a16="http://schemas.microsoft.com/office/drawing/2014/main" val="3377063911"/>
+                  </a:ext>
+                </a:extLst>
+              </a:tr>
+              <a:tr h="507629">
+                <a:tc>
+                  <a:txBody>
+                    <a:bodyPr/>
+                    <a:lstStyle/>
+                    <a:p>
+                      <a:pPr algn="ctr"/>
+                      <a:r>
+                        <a:rPr lang="es-MX" noProof="0" dirty="0"/>
+                        <a:t>Usuarios Finales</a:t>
+                      </a:r>
+                      <a:endParaRPr lang="es-CO" noProof="0" dirty="0"/>
+                    </a:p>
+                  </a:txBody>
+                  <a:tcPr anchor="ctr"/>
+                </a:tc>
+                <a:tc>
+                  <a:txBody>
+                    <a:bodyPr/>
+                    <a:lstStyle/>
+                    <a:p>
+                      <a:pPr algn="ctr"/>
+                      <a:r>
+                        <a:rPr lang="es-MX" noProof="0" dirty="0"/>
+                        <a:t>12%</a:t>
+                      </a:r>
+                      <a:endParaRPr lang="es-CO" noProof="0" dirty="0"/>
+                    </a:p>
+                  </a:txBody>
+                  <a:tcPr anchor="ctr"/>
+                </a:tc>
+                <a:tc>
+                  <a:txBody>
+                    <a:bodyPr/>
+                    <a:lstStyle/>
+                    <a:p>
+                      <a:pPr algn="ctr"/>
+                      <a:r>
+                        <a:rPr lang="es-MX" noProof="0" dirty="0"/>
+                        <a:t>6%</a:t>
+                      </a:r>
+                      <a:endParaRPr lang="es-CO" noProof="0" dirty="0"/>
+                    </a:p>
+                  </a:txBody>
+                  <a:tcPr anchor="ctr"/>
+                </a:tc>
+                <a:tc>
+                  <a:txBody>
+                    <a:bodyPr/>
+                    <a:lstStyle/>
+                    <a:p>
+                      <a:pPr algn="ctr"/>
+                      <a:endParaRPr lang="es-CO" noProof="0" dirty="0"/>
+                    </a:p>
+                  </a:txBody>
+                  <a:tcPr anchor="ctr"/>
+                </a:tc>
+                <a:tc>
+                  <a:txBody>
+                    <a:bodyPr/>
+                    <a:lstStyle/>
+                    <a:p>
+                      <a:pPr algn="ctr"/>
+                      <a:r>
+                        <a:rPr lang="es-MX" noProof="0" dirty="0"/>
+                        <a:t>2%</a:t>
+                      </a:r>
+                      <a:endParaRPr lang="es-CO" noProof="0" dirty="0"/>
+                    </a:p>
+                  </a:txBody>
+                  <a:tcPr anchor="ctr"/>
+                </a:tc>
+                <a:tc>
+                  <a:txBody>
+                    <a:bodyPr/>
+                    <a:lstStyle/>
+                    <a:p>
+                      <a:pPr algn="ctr"/>
+                      <a:endParaRPr lang="es-CO" noProof="0" dirty="0"/>
+                    </a:p>
+                  </a:txBody>
+                  <a:tcPr anchor="ctr"/>
+                </a:tc>
+                <a:tc>
+                  <a:txBody>
+                    <a:bodyPr/>
+                    <a:lstStyle/>
+                    <a:p>
+                      <a:pPr algn="ctr"/>
+                      <a:r>
+                        <a:rPr lang="es-MX" noProof="0" dirty="0"/>
+                        <a:t>20%</a:t>
+                      </a:r>
+                      <a:endParaRPr lang="es-CO" noProof="0" dirty="0"/>
+                    </a:p>
+                  </a:txBody>
+                  <a:tcPr anchor="ctr"/>
+                </a:tc>
+                <a:extLst>
+                  <a:ext uri="{0D108BD9-81ED-4DB2-BD59-A6C34878D82A}">
+                    <a16:rowId xmlns:a16="http://schemas.microsoft.com/office/drawing/2014/main" val="3784190673"/>
+                  </a:ext>
+                </a:extLst>
+              </a:tr>
+              <a:tr h="533400">
+                <a:tc>
+                  <a:txBody>
+                    <a:bodyPr/>
+                    <a:lstStyle/>
+                    <a:p>
+                      <a:pPr algn="ctr"/>
+                      <a:r>
+                        <a:rPr lang="es-MX" noProof="0" dirty="0"/>
+                        <a:t>Padres o Cuidadores</a:t>
+                      </a:r>
+                      <a:endParaRPr lang="es-CO" noProof="0" dirty="0"/>
+                    </a:p>
+                  </a:txBody>
+                  <a:tcPr anchor="ctr"/>
+                </a:tc>
+                <a:tc>
+                  <a:txBody>
+                    <a:bodyPr/>
+                    <a:lstStyle/>
+                    <a:p>
+                      <a:pPr algn="ctr"/>
+                      <a:r>
+                        <a:rPr lang="es-MX" noProof="0" dirty="0"/>
+                        <a:t>8%</a:t>
+                      </a:r>
+                      <a:endParaRPr lang="es-CO" noProof="0" dirty="0"/>
+                    </a:p>
+                  </a:txBody>
+                  <a:tcPr anchor="ctr"/>
+                </a:tc>
+                <a:tc>
+                  <a:txBody>
+                    <a:bodyPr/>
+                    <a:lstStyle/>
+                    <a:p>
+                      <a:pPr algn="ctr"/>
+                      <a:r>
+                        <a:rPr lang="es-CO" noProof="0" dirty="0"/>
+                        <a:t>6%</a:t>
+                      </a:r>
+                    </a:p>
+                  </a:txBody>
+                  <a:tcPr anchor="ctr"/>
+                </a:tc>
+                <a:tc>
+                  <a:txBody>
+                    <a:bodyPr/>
+                    <a:lstStyle/>
+                    <a:p>
+                      <a:pPr algn="ctr"/>
+                      <a:r>
+                        <a:rPr lang="es-CO" noProof="0" dirty="0"/>
+                        <a:t>2%</a:t>
+                      </a:r>
+                    </a:p>
+                  </a:txBody>
+                  <a:tcPr anchor="ctr"/>
+                </a:tc>
+                <a:tc>
+                  <a:txBody>
+                    <a:bodyPr/>
+                    <a:lstStyle/>
+                    <a:p>
+                      <a:pPr algn="ctr"/>
+                      <a:r>
+                        <a:rPr lang="es-CO" noProof="0" dirty="0"/>
+                        <a:t>4%</a:t>
+                      </a:r>
+                    </a:p>
+                  </a:txBody>
+                  <a:tcPr anchor="ctr"/>
+                </a:tc>
+                <a:tc>
+                  <a:txBody>
+                    <a:bodyPr/>
+                    <a:lstStyle/>
+                    <a:p>
+                      <a:pPr algn="ctr"/>
+                      <a:endParaRPr lang="es-CO" noProof="0" dirty="0"/>
+                    </a:p>
+                  </a:txBody>
+                  <a:tcPr anchor="ctr"/>
+                </a:tc>
+                <a:tc>
+                  <a:txBody>
+                    <a:bodyPr/>
+                    <a:lstStyle/>
+                    <a:p>
+                      <a:pPr algn="ctr"/>
+                      <a:r>
+                        <a:rPr lang="es-MX" noProof="0" dirty="0"/>
+                        <a:t>20%</a:t>
+                      </a:r>
+                      <a:endParaRPr lang="es-CO" noProof="0" dirty="0"/>
+                    </a:p>
+                  </a:txBody>
+                  <a:tcPr anchor="ctr"/>
+                </a:tc>
+                <a:extLst>
+                  <a:ext uri="{0D108BD9-81ED-4DB2-BD59-A6C34878D82A}">
+                    <a16:rowId xmlns:a16="http://schemas.microsoft.com/office/drawing/2014/main" val="2831257592"/>
+                  </a:ext>
+                </a:extLst>
+              </a:tr>
+              <a:tr h="381000">
+                <a:tc>
+                  <a:txBody>
+                    <a:bodyPr/>
+                    <a:lstStyle/>
+                    <a:p>
+                      <a:pPr algn="ctr"/>
+                      <a:r>
+                        <a:rPr lang="es-MX" noProof="0" dirty="0"/>
+                        <a:t>Nutricionistas o Dietistas</a:t>
+                      </a:r>
+                      <a:endParaRPr lang="es-CO" noProof="0" dirty="0"/>
+                    </a:p>
+                  </a:txBody>
+                  <a:tcPr anchor="ctr"/>
+                </a:tc>
+                <a:tc>
+                  <a:txBody>
+                    <a:bodyPr/>
+                    <a:lstStyle/>
+                    <a:p>
+                      <a:pPr algn="ctr"/>
+                      <a:r>
+                        <a:rPr lang="es-MX" noProof="0" dirty="0"/>
+                        <a:t>6%</a:t>
+                      </a:r>
+                      <a:endParaRPr lang="es-CO" noProof="0" dirty="0"/>
+                    </a:p>
+                  </a:txBody>
+                  <a:tcPr anchor="ctr"/>
+                </a:tc>
+                <a:tc>
+                  <a:txBody>
+                    <a:bodyPr/>
+                    <a:lstStyle/>
+                    <a:p>
+                      <a:pPr algn="ctr"/>
+                      <a:endParaRPr lang="es-CO" noProof="0" dirty="0"/>
+                    </a:p>
+                  </a:txBody>
+                  <a:tcPr anchor="ctr"/>
+                </a:tc>
+                <a:tc>
+                  <a:txBody>
+                    <a:bodyPr/>
+                    <a:lstStyle/>
+                    <a:p>
+                      <a:pPr algn="ctr"/>
+                      <a:r>
+                        <a:rPr lang="es-CO" noProof="0" dirty="0"/>
+                        <a:t>2%</a:t>
+                      </a:r>
+                    </a:p>
+                  </a:txBody>
+                  <a:tcPr anchor="ctr"/>
+                </a:tc>
+                <a:tc>
+                  <a:txBody>
+                    <a:bodyPr/>
+                    <a:lstStyle/>
+                    <a:p>
+                      <a:pPr algn="ctr"/>
+                      <a:r>
+                        <a:rPr lang="es-MX" noProof="0" dirty="0"/>
+                        <a:t>7%</a:t>
+                      </a:r>
+                      <a:endParaRPr lang="es-CO" noProof="0" dirty="0"/>
+                    </a:p>
+                  </a:txBody>
+                  <a:tcPr anchor="ctr"/>
+                </a:tc>
+                <a:tc>
+                  <a:txBody>
+                    <a:bodyPr/>
+                    <a:lstStyle/>
+                    <a:p>
+                      <a:pPr algn="ctr"/>
+                      <a:endParaRPr lang="es-CO" noProof="0" dirty="0"/>
+                    </a:p>
+                  </a:txBody>
+                  <a:tcPr anchor="ctr"/>
+                </a:tc>
+                <a:tc>
+                  <a:txBody>
+                    <a:bodyPr/>
+                    <a:lstStyle/>
+                    <a:p>
+                      <a:pPr algn="ctr"/>
+                      <a:r>
+                        <a:rPr lang="es-MX" noProof="0" dirty="0"/>
+                        <a:t>15%</a:t>
+                      </a:r>
+                      <a:endParaRPr lang="es-CO" noProof="0" dirty="0"/>
+                    </a:p>
+                  </a:txBody>
+                  <a:tcPr anchor="ctr"/>
+                </a:tc>
+                <a:extLst>
+                  <a:ext uri="{0D108BD9-81ED-4DB2-BD59-A6C34878D82A}">
+                    <a16:rowId xmlns:a16="http://schemas.microsoft.com/office/drawing/2014/main" val="3293755204"/>
+                  </a:ext>
+                </a:extLst>
+              </a:tr>
+              <a:tr h="381000">
+                <a:tc>
+                  <a:txBody>
+                    <a:bodyPr/>
+                    <a:lstStyle/>
+                    <a:p>
+                      <a:pPr algn="ctr"/>
+                      <a:r>
+                        <a:rPr lang="es-MX" noProof="0" dirty="0"/>
+                        <a:t>Entidades en salud</a:t>
+                      </a:r>
+                      <a:endParaRPr lang="es-CO" noProof="0" dirty="0"/>
+                    </a:p>
+                  </a:txBody>
+                  <a:tcPr anchor="ctr"/>
+                </a:tc>
+                <a:tc>
+                  <a:txBody>
+                    <a:bodyPr/>
+                    <a:lstStyle/>
+                    <a:p>
+                      <a:pPr algn="ctr"/>
+                      <a:endParaRPr lang="es-CO" noProof="0" dirty="0"/>
+                    </a:p>
+                  </a:txBody>
+                  <a:tcPr anchor="ctr"/>
+                </a:tc>
+                <a:tc>
+                  <a:txBody>
+                    <a:bodyPr/>
+                    <a:lstStyle/>
+                    <a:p>
+                      <a:pPr algn="ctr"/>
+                      <a:r>
+                        <a:rPr lang="es-MX" noProof="0" dirty="0"/>
+                        <a:t>3%</a:t>
+                      </a:r>
+                      <a:endParaRPr lang="es-CO" noProof="0" dirty="0"/>
+                    </a:p>
+                  </a:txBody>
+                  <a:tcPr anchor="ctr"/>
+                </a:tc>
+                <a:tc>
+                  <a:txBody>
+                    <a:bodyPr/>
+                    <a:lstStyle/>
+                    <a:p>
+                      <a:pPr algn="ctr"/>
+                      <a:r>
+                        <a:rPr lang="es-MX" noProof="0" dirty="0"/>
+                        <a:t>6%</a:t>
+                      </a:r>
+                      <a:endParaRPr lang="es-CO" noProof="0" dirty="0"/>
+                    </a:p>
+                  </a:txBody>
+                  <a:tcPr anchor="ctr"/>
+                </a:tc>
+                <a:tc>
+                  <a:txBody>
+                    <a:bodyPr/>
+                    <a:lstStyle/>
+                    <a:p>
+                      <a:pPr algn="ctr"/>
+                      <a:r>
+                        <a:rPr lang="es-CO" noProof="0" dirty="0"/>
+                        <a:t>6%</a:t>
+                      </a:r>
+                    </a:p>
+                  </a:txBody>
+                  <a:tcPr anchor="ctr"/>
+                </a:tc>
+                <a:tc>
+                  <a:txBody>
+                    <a:bodyPr/>
+                    <a:lstStyle/>
+                    <a:p>
+                      <a:pPr algn="ctr"/>
+                      <a:endParaRPr lang="es-CO" noProof="0" dirty="0"/>
+                    </a:p>
+                  </a:txBody>
+                  <a:tcPr anchor="ctr"/>
+                </a:tc>
+                <a:tc>
+                  <a:txBody>
+                    <a:bodyPr/>
+                    <a:lstStyle/>
+                    <a:p>
+                      <a:pPr algn="ctr"/>
+                      <a:r>
+                        <a:rPr lang="es-MX" noProof="0" dirty="0"/>
+                        <a:t>15%</a:t>
+                      </a:r>
+                      <a:endParaRPr lang="es-CO" noProof="0" dirty="0"/>
+                    </a:p>
+                  </a:txBody>
+                  <a:tcPr anchor="ctr"/>
+                </a:tc>
+                <a:extLst>
+                  <a:ext uri="{0D108BD9-81ED-4DB2-BD59-A6C34878D82A}">
+                    <a16:rowId xmlns:a16="http://schemas.microsoft.com/office/drawing/2014/main" val="3268018733"/>
+                  </a:ext>
+                </a:extLst>
+              </a:tr>
+              <a:tr h="381000">
+                <a:tc>
+                  <a:txBody>
+                    <a:bodyPr/>
+                    <a:lstStyle/>
+                    <a:p>
+                      <a:pPr algn="ctr"/>
+                      <a:r>
+                        <a:rPr lang="es-MX" noProof="0" dirty="0"/>
+                        <a:t>Administradores del sistema</a:t>
+                      </a:r>
+                      <a:endParaRPr lang="es-CO" noProof="0" dirty="0"/>
+                    </a:p>
+                  </a:txBody>
+                  <a:tcPr anchor="ctr"/>
+                </a:tc>
+                <a:tc>
+                  <a:txBody>
+                    <a:bodyPr/>
+                    <a:lstStyle/>
+                    <a:p>
+                      <a:pPr algn="ctr"/>
+                      <a:r>
+                        <a:rPr lang="es-CO" noProof="0" dirty="0"/>
+                        <a:t>4%</a:t>
+                      </a:r>
+                    </a:p>
+                  </a:txBody>
+                  <a:tcPr anchor="ctr"/>
+                </a:tc>
+                <a:tc>
+                  <a:txBody>
+                    <a:bodyPr/>
+                    <a:lstStyle/>
+                    <a:p>
+                      <a:pPr algn="ctr"/>
+                      <a:r>
+                        <a:rPr lang="es-MX" noProof="0" dirty="0"/>
+                        <a:t>10%</a:t>
+                      </a:r>
+                      <a:endParaRPr lang="es-CO" noProof="0" dirty="0"/>
+                    </a:p>
+                  </a:txBody>
+                  <a:tcPr anchor="ctr"/>
+                </a:tc>
+                <a:tc>
+                  <a:txBody>
+                    <a:bodyPr/>
+                    <a:lstStyle/>
+                    <a:p>
+                      <a:pPr algn="ctr"/>
+                      <a:r>
+                        <a:rPr lang="es-CO" noProof="0" dirty="0"/>
+                        <a:t>10%</a:t>
+                      </a:r>
+                    </a:p>
+                  </a:txBody>
+                  <a:tcPr anchor="ctr"/>
+                </a:tc>
+                <a:tc>
+                  <a:txBody>
+                    <a:bodyPr/>
+                    <a:lstStyle/>
+                    <a:p>
+                      <a:pPr algn="ctr"/>
+                      <a:endParaRPr lang="es-CO" noProof="0" dirty="0"/>
+                    </a:p>
+                  </a:txBody>
+                  <a:tcPr anchor="ctr"/>
+                </a:tc>
+                <a:tc>
+                  <a:txBody>
+                    <a:bodyPr/>
+                    <a:lstStyle/>
+                    <a:p>
+                      <a:pPr algn="ctr"/>
+                      <a:r>
+                        <a:rPr lang="es-CO" noProof="0" dirty="0"/>
+                        <a:t>6%</a:t>
+                      </a:r>
+                    </a:p>
+                  </a:txBody>
+                  <a:tcPr anchor="ctr"/>
+                </a:tc>
+                <a:tc>
+                  <a:txBody>
+                    <a:bodyPr/>
+                    <a:lstStyle/>
+                    <a:p>
+                      <a:pPr algn="ctr"/>
+                      <a:r>
+                        <a:rPr lang="es-MX" noProof="0" dirty="0"/>
+                        <a:t>30%</a:t>
+                      </a:r>
+                      <a:endParaRPr lang="es-CO" noProof="0" dirty="0"/>
+                    </a:p>
+                  </a:txBody>
+                  <a:tcPr anchor="ctr"/>
+                </a:tc>
+                <a:extLst>
+                  <a:ext uri="{0D108BD9-81ED-4DB2-BD59-A6C34878D82A}">
+                    <a16:rowId xmlns:a16="http://schemas.microsoft.com/office/drawing/2014/main" val="1378272106"/>
+                  </a:ext>
+                </a:extLst>
+              </a:tr>
+              <a:tr h="381000">
+                <a:tc>
+                  <a:txBody>
+                    <a:bodyPr/>
+                    <a:lstStyle/>
+                    <a:p>
+                      <a:pPr algn="ctr"/>
+                      <a:r>
+                        <a:rPr lang="es-MX" noProof="0" dirty="0"/>
+                        <a:t>Total</a:t>
+                      </a:r>
+                      <a:endParaRPr lang="es-CO" noProof="0" dirty="0"/>
+                    </a:p>
+                  </a:txBody>
+                  <a:tcPr anchor="ctr"/>
+                </a:tc>
+                <a:tc>
+                  <a:txBody>
+                    <a:bodyPr/>
+                    <a:lstStyle/>
+                    <a:p>
+                      <a:pPr algn="ctr"/>
+                      <a:r>
+                        <a:rPr lang="es-MX" noProof="0" dirty="0"/>
+                        <a:t>30%</a:t>
+                      </a:r>
+                      <a:endParaRPr lang="es-CO" noProof="0" dirty="0"/>
+                    </a:p>
+                  </a:txBody>
+                  <a:tcPr anchor="ctr"/>
+                </a:tc>
+                <a:tc>
+                  <a:txBody>
+                    <a:bodyPr/>
+                    <a:lstStyle/>
+                    <a:p>
+                      <a:pPr algn="ctr"/>
+                      <a:r>
+                        <a:rPr lang="es-MX" noProof="0" dirty="0"/>
+                        <a:t>25%</a:t>
+                      </a:r>
+                      <a:endParaRPr lang="es-CO" noProof="0" dirty="0"/>
+                    </a:p>
+                  </a:txBody>
+                  <a:tcPr anchor="ctr"/>
+                </a:tc>
+                <a:tc>
+                  <a:txBody>
+                    <a:bodyPr/>
+                    <a:lstStyle/>
+                    <a:p>
+                      <a:pPr algn="ctr"/>
+                      <a:r>
+                        <a:rPr lang="es-MX" noProof="0" dirty="0"/>
+                        <a:t>20%</a:t>
+                      </a:r>
+                      <a:endParaRPr lang="es-CO" noProof="0" dirty="0"/>
+                    </a:p>
+                  </a:txBody>
+                  <a:tcPr anchor="ctr"/>
+                </a:tc>
+                <a:tc>
+                  <a:txBody>
+                    <a:bodyPr/>
+                    <a:lstStyle/>
+                    <a:p>
+                      <a:pPr algn="ctr"/>
+                      <a:r>
+                        <a:rPr lang="es-MX" noProof="0" dirty="0"/>
+                        <a:t>19%</a:t>
+                      </a:r>
+                      <a:endParaRPr lang="es-CO" noProof="0" dirty="0"/>
+                    </a:p>
+                  </a:txBody>
+                  <a:tcPr anchor="ctr"/>
+                </a:tc>
+                <a:tc>
+                  <a:txBody>
+                    <a:bodyPr/>
+                    <a:lstStyle/>
+                    <a:p>
+                      <a:pPr algn="ctr"/>
+                      <a:r>
+                        <a:rPr lang="es-MX" noProof="0" dirty="0"/>
+                        <a:t>6%</a:t>
+                      </a:r>
+                      <a:endParaRPr lang="es-CO" noProof="0" dirty="0"/>
+                    </a:p>
+                  </a:txBody>
+                  <a:tcPr anchor="ctr"/>
+                </a:tc>
+                <a:tc>
+                  <a:txBody>
+                    <a:bodyPr/>
+                    <a:lstStyle/>
+                    <a:p>
+                      <a:pPr algn="ctr"/>
+                      <a:r>
+                        <a:rPr lang="es-MX" noProof="0" dirty="0"/>
+                        <a:t>100%</a:t>
+                      </a:r>
+                      <a:endParaRPr lang="es-CO" noProof="0" dirty="0"/>
+                    </a:p>
+                  </a:txBody>
+                  <a:tcPr anchor="ctr"/>
+                </a:tc>
+                <a:extLst>
+                  <a:ext uri="{0D108BD9-81ED-4DB2-BD59-A6C34878D82A}">
+                    <a16:rowId xmlns:a16="http://schemas.microsoft.com/office/drawing/2014/main" val="3335161990"/>
+                  </a:ext>
+                </a:extLst>
+              </a:tr>
+            </a:tbl>
+          </a:graphicData>
+        </a:graphic>
+      </p:graphicFrame>
+      <p:sp>
+        <p:nvSpPr>
+          <p:cNvPr id="10" name="Freeform 7">
+            <a:extLst>
+              <a:ext uri="{FF2B5EF4-FFF2-40B4-BE49-F238E27FC236}">
+                <a16:creationId xmlns:a16="http://schemas.microsoft.com/office/drawing/2014/main" id="{2ABDC73B-B64D-A3FB-D51F-2D19C5F8E85E}"/>
+              </a:ext>
+            </a:extLst>
+          </p:cNvPr>
+          <p:cNvSpPr/>
+          <p:nvPr/>
+        </p:nvSpPr>
+        <p:spPr>
+          <a:xfrm rot="13568729">
+            <a:off x="15838456" y="7501726"/>
+            <a:ext cx="4899087" cy="6571946"/>
+          </a:xfrm>
+          <a:custGeom>
+            <a:avLst/>
+            <a:gdLst/>
+            <a:ahLst/>
+            <a:cxnLst/>
+            <a:rect l="l" t="t" r="r" b="b"/>
+            <a:pathLst>
+              <a:path w="9798172" h="13143890">
+                <a:moveTo>
+                  <a:pt x="0" y="0"/>
+                </a:moveTo>
+                <a:lnTo>
+                  <a:pt x="9798172" y="0"/>
+                </a:lnTo>
+                <a:lnTo>
+                  <a:pt x="9798172" y="13143890"/>
+                </a:lnTo>
+                <a:lnTo>
+                  <a:pt x="0" y="13143890"/>
+                </a:lnTo>
+                <a:lnTo>
+                  <a:pt x="0" y="0"/>
+                </a:lnTo>
+                <a:close/>
+              </a:path>
+            </a:pathLst>
+          </a:custGeom>
+          <a:blipFill>
+            <a:blip r:embed="rId4">
+              <a:extLst>
+                <a:ext uri="{96DAC541-7B7A-43D3-8B79-37D633B846F1}">
+                  <asvg:svgBlip xmlns:asvg="http://schemas.microsoft.com/office/drawing/2016/SVG/main" r:embed="rId5"/>
+                </a:ext>
+              </a:extLst>
+            </a:blip>
+            <a:stretch>
+              <a:fillRect/>
+            </a:stretch>
+          </a:blipFill>
+          <a:ln cap="sq">
+            <a:noFill/>
+            <a:prstDash val="solid"/>
+            <a:miter/>
+          </a:ln>
+        </p:spPr>
+        <p:txBody>
+          <a:bodyPr/>
+          <a:lstStyle/>
+          <a:p>
+            <a:pPr marL="0" marR="0" lvl="0" indent="0" algn="l" defTabSz="914400" rtl="0" eaLnBrk="1" fontAlgn="auto" latinLnBrk="0" hangingPunct="1">
+              <a:lnSpc>
+                <a:spcPct val="100000"/>
+              </a:lnSpc>
+              <a:spcBef>
+                <a:spcPts val="0"/>
+              </a:spcBef>
+              <a:spcAft>
+                <a:spcPts val="0"/>
+              </a:spcAft>
+              <a:buClrTx/>
+              <a:buSzTx/>
+              <a:buFontTx/>
+              <a:buNone/>
+              <a:tabLst/>
+              <a:defRPr/>
+            </a:pPr>
+            <a:endParaRPr kumimoji="0" lang="es-CO" sz="1800" b="0" i="0" u="none" strike="noStrike" kern="1200" cap="none" spc="0" normalizeH="0" baseline="0" noProof="0" dirty="0">
+              <a:ln>
+                <a:noFill/>
+              </a:ln>
+              <a:solidFill>
+                <a:prstClr val="black"/>
+              </a:solidFill>
+              <a:effectLst/>
+              <a:uLnTx/>
+              <a:uFillTx/>
+              <a:latin typeface="Calibri"/>
+              <a:ea typeface="+mn-ea"/>
+              <a:cs typeface="+mn-cs"/>
+            </a:endParaRPr>
+          </a:p>
+        </p:txBody>
+      </p:sp>
+    </p:spTree>
+    <p:extLst>
+      <p:ext uri="{BB962C8B-B14F-4D97-AF65-F5344CB8AC3E}">
+        <p14:creationId xmlns:p14="http://schemas.microsoft.com/office/powerpoint/2010/main" val="2103040974"/>
+      </p:ext>
+    </p:extLst>
+  </p:cSld>
+  <p:clrMapOvr>
+    <a:masterClrMapping/>
+  </p:clrMapOvr>
+</p:sld>
+</file>
+
+<file path=ppt/slides/slide7.xml><?xml version="1.0" encoding="utf-8"?>
+<p:sld xmlns:a="http://schemas.openxmlformats.org/drawingml/2006/main" xmlns:r="http://schemas.openxmlformats.org/officeDocument/2006/relationships" xmlns:p="http://schemas.openxmlformats.org/presentationml/2006/main">
+  <p:cSld>
+    <p:bg>
+      <p:bgPr>
+        <a:solidFill>
+          <a:srgbClr val="D8D9D9"/>
+        </a:solidFill>
+        <a:effectLst/>
+      </p:bgPr>
+    </p:bg>
+    <p:spTree>
+      <p:nvGrpSpPr>
+        <p:cNvPr id="1" name="">
+          <a:extLst>
+            <a:ext uri="{FF2B5EF4-FFF2-40B4-BE49-F238E27FC236}">
+              <a16:creationId xmlns:a16="http://schemas.microsoft.com/office/drawing/2014/main" id="{E5582668-8D90-E6AC-3EA3-933AB63DC871}"/>
+            </a:ext>
+          </a:extLst>
+        </p:cNvPr>
+        <p:cNvGrpSpPr/>
+        <p:nvPr/>
+      </p:nvGrpSpPr>
+      <p:grpSpPr>
+        <a:xfrm>
+          <a:off x="0" y="0"/>
+          <a:ext cx="0" cy="0"/>
+          <a:chOff x="0" y="0"/>
+          <a:chExt cx="0" cy="0"/>
+        </a:xfrm>
+      </p:grpSpPr>
+      <p:sp>
+        <p:nvSpPr>
+          <p:cNvPr id="4" name="TextBox 4">
+            <a:extLst>
+              <a:ext uri="{FF2B5EF4-FFF2-40B4-BE49-F238E27FC236}">
+                <a16:creationId xmlns:a16="http://schemas.microsoft.com/office/drawing/2014/main" id="{34EDA0C8-45FF-4AFD-61D6-352B45730B32}"/>
+              </a:ext>
+            </a:extLst>
+          </p:cNvPr>
+          <p:cNvSpPr txBox="1"/>
+          <p:nvPr/>
+        </p:nvSpPr>
+        <p:spPr>
+          <a:xfrm>
+            <a:off x="2256654" y="1409700"/>
+            <a:ext cx="13774691" cy="1215076"/>
+          </a:xfrm>
+          <a:prstGeom prst="rect">
+            <a:avLst/>
+          </a:prstGeom>
+        </p:spPr>
+        <p:txBody>
+          <a:bodyPr wrap="square" lIns="0" tIns="0" rIns="0" bIns="0" rtlCol="0" anchor="t">
+            <a:spAutoFit/>
+          </a:bodyPr>
+          <a:lstStyle/>
+          <a:p>
+            <a:pPr marL="0" marR="0" lvl="0" indent="0" algn="ctr" defTabSz="914400" rtl="0" eaLnBrk="1" fontAlgn="auto" latinLnBrk="0" hangingPunct="1">
+              <a:lnSpc>
+                <a:spcPts val="10258"/>
+              </a:lnSpc>
+              <a:spcBef>
+                <a:spcPts val="0"/>
+              </a:spcBef>
+              <a:spcAft>
+                <a:spcPts val="0"/>
+              </a:spcAft>
+              <a:buClrTx/>
+              <a:buSzTx/>
+              <a:buFontTx/>
+              <a:buNone/>
+              <a:tabLst/>
+              <a:defRPr/>
+            </a:pPr>
+            <a:r>
+              <a:rPr kumimoji="0" lang="es-CO" sz="7000" b="1" i="0" u="none" strike="noStrike" kern="1200" cap="none" spc="688" normalizeH="0" baseline="0" noProof="0" dirty="0">
+                <a:ln>
+                  <a:noFill/>
+                </a:ln>
+                <a:solidFill>
+                  <a:srgbClr val="152540"/>
+                </a:solidFill>
+                <a:effectLst/>
+                <a:uLnTx/>
+                <a:uFillTx/>
+                <a:latin typeface="Glacial Indifference Bold"/>
+                <a:ea typeface="Glacial Indifference Bold"/>
+                <a:cs typeface="Glacial Indifference Bold"/>
+                <a:sym typeface="Glacial Indifference Bold"/>
+              </a:rPr>
+              <a:t>DRIVERS ARQUITECTONICOS</a:t>
+            </a:r>
+          </a:p>
+        </p:txBody>
+      </p:sp>
+      <p:sp>
+        <p:nvSpPr>
+          <p:cNvPr id="5" name="Freeform 5">
+            <a:extLst>
+              <a:ext uri="{FF2B5EF4-FFF2-40B4-BE49-F238E27FC236}">
+                <a16:creationId xmlns:a16="http://schemas.microsoft.com/office/drawing/2014/main" id="{25FEFA0F-8E03-32EB-0E2B-42914E0907CB}"/>
+              </a:ext>
+            </a:extLst>
+          </p:cNvPr>
+          <p:cNvSpPr/>
+          <p:nvPr/>
+        </p:nvSpPr>
+        <p:spPr>
+          <a:xfrm rot="16200000">
+            <a:off x="13749655" y="7026159"/>
+            <a:ext cx="8481393" cy="7340260"/>
+          </a:xfrm>
+          <a:custGeom>
+            <a:avLst/>
+            <a:gdLst/>
+            <a:ahLst/>
+            <a:cxnLst/>
+            <a:rect l="l" t="t" r="r" b="b"/>
+            <a:pathLst>
+              <a:path w="8481393" h="7340260">
+                <a:moveTo>
+                  <a:pt x="0" y="0"/>
+                </a:moveTo>
+                <a:lnTo>
+                  <a:pt x="8481393" y="0"/>
+                </a:lnTo>
+                <a:lnTo>
+                  <a:pt x="8481393" y="7340260"/>
+                </a:lnTo>
+                <a:lnTo>
+                  <a:pt x="0" y="7340260"/>
+                </a:lnTo>
+                <a:lnTo>
+                  <a:pt x="0" y="0"/>
+                </a:lnTo>
+                <a:close/>
+              </a:path>
+            </a:pathLst>
+          </a:custGeom>
+          <a:blipFill>
+            <a:blip r:embed="rId2">
+              <a:extLst>
+                <a:ext uri="{96DAC541-7B7A-43D3-8B79-37D633B846F1}">
+                  <asvg:svgBlip xmlns:asvg="http://schemas.microsoft.com/office/drawing/2016/SVG/main" r:embed="rId3"/>
+                </a:ext>
+              </a:extLst>
+            </a:blip>
+            <a:stretch>
+              <a:fillRect/>
+            </a:stretch>
+          </a:blipFill>
+          <a:ln cap="sq">
+            <a:noFill/>
+            <a:prstDash val="solid"/>
+            <a:miter/>
+          </a:ln>
+        </p:spPr>
+        <p:txBody>
+          <a:bodyPr/>
+          <a:lstStyle/>
+          <a:p>
+            <a:pPr marL="0" marR="0" lvl="0" indent="0" algn="l" defTabSz="914400" rtl="0" eaLnBrk="1" fontAlgn="auto" latinLnBrk="0" hangingPunct="1">
+              <a:lnSpc>
+                <a:spcPct val="100000"/>
+              </a:lnSpc>
+              <a:spcBef>
+                <a:spcPts val="0"/>
+              </a:spcBef>
+              <a:spcAft>
+                <a:spcPts val="0"/>
+              </a:spcAft>
+              <a:buClrTx/>
+              <a:buSzTx/>
+              <a:buFontTx/>
+              <a:buNone/>
+              <a:tabLst/>
+              <a:defRPr/>
+            </a:pPr>
+            <a:endParaRPr kumimoji="0" lang="es-CO" sz="1800" b="0" i="0" u="none" strike="noStrike" kern="1200" cap="none" spc="0" normalizeH="0" baseline="0" noProof="0" dirty="0">
+              <a:ln>
+                <a:noFill/>
+              </a:ln>
+              <a:solidFill>
+                <a:prstClr val="black"/>
+              </a:solidFill>
+              <a:effectLst/>
+              <a:uLnTx/>
+              <a:uFillTx/>
+              <a:latin typeface="Calibri"/>
+              <a:ea typeface="+mn-ea"/>
+              <a:cs typeface="+mn-cs"/>
+            </a:endParaRPr>
+          </a:p>
+        </p:txBody>
+      </p:sp>
+      <p:sp>
+        <p:nvSpPr>
+          <p:cNvPr id="6" name="Freeform 6">
+            <a:extLst>
+              <a:ext uri="{FF2B5EF4-FFF2-40B4-BE49-F238E27FC236}">
+                <a16:creationId xmlns:a16="http://schemas.microsoft.com/office/drawing/2014/main" id="{8627C639-FF06-B36F-4F75-4E4AFCBE406B}"/>
+              </a:ext>
+            </a:extLst>
+          </p:cNvPr>
+          <p:cNvSpPr/>
+          <p:nvPr/>
+        </p:nvSpPr>
+        <p:spPr>
+          <a:xfrm rot="4622386">
+            <a:off x="-6450742" y="-5854823"/>
+            <a:ext cx="12901483" cy="11165647"/>
+          </a:xfrm>
+          <a:custGeom>
+            <a:avLst/>
+            <a:gdLst/>
+            <a:ahLst/>
+            <a:cxnLst/>
+            <a:rect l="l" t="t" r="r" b="b"/>
+            <a:pathLst>
+              <a:path w="12901483" h="11165647">
+                <a:moveTo>
+                  <a:pt x="0" y="0"/>
+                </a:moveTo>
+                <a:lnTo>
+                  <a:pt x="12901483" y="0"/>
+                </a:lnTo>
+                <a:lnTo>
+                  <a:pt x="12901483" y="11165648"/>
+                </a:lnTo>
+                <a:lnTo>
+                  <a:pt x="0" y="11165648"/>
+                </a:lnTo>
+                <a:lnTo>
+                  <a:pt x="0" y="0"/>
+                </a:lnTo>
+                <a:close/>
+              </a:path>
+            </a:pathLst>
+          </a:custGeom>
+          <a:blipFill>
+            <a:blip r:embed="rId2">
+              <a:extLst>
+                <a:ext uri="{96DAC541-7B7A-43D3-8B79-37D633B846F1}">
+                  <asvg:svgBlip xmlns:asvg="http://schemas.microsoft.com/office/drawing/2016/SVG/main" r:embed="rId3"/>
+                </a:ext>
+              </a:extLst>
+            </a:blip>
+            <a:stretch>
+              <a:fillRect/>
+            </a:stretch>
+          </a:blipFill>
+          <a:ln cap="sq">
+            <a:noFill/>
+            <a:prstDash val="solid"/>
+            <a:miter/>
+          </a:ln>
+        </p:spPr>
+        <p:txBody>
+          <a:bodyPr/>
+          <a:lstStyle/>
+          <a:p>
+            <a:pPr marL="0" marR="0" lvl="0" indent="0" algn="l" defTabSz="914400" rtl="0" eaLnBrk="1" fontAlgn="auto" latinLnBrk="0" hangingPunct="1">
+              <a:lnSpc>
+                <a:spcPct val="100000"/>
+              </a:lnSpc>
+              <a:spcBef>
+                <a:spcPts val="0"/>
+              </a:spcBef>
+              <a:spcAft>
+                <a:spcPts val="0"/>
+              </a:spcAft>
+              <a:buClrTx/>
+              <a:buSzTx/>
+              <a:buFontTx/>
+              <a:buNone/>
+              <a:tabLst/>
+              <a:defRPr/>
+            </a:pPr>
+            <a:endParaRPr kumimoji="0" lang="es-CO" sz="1800" b="0" i="0" u="none" strike="noStrike" kern="1200" cap="none" spc="0" normalizeH="0" baseline="0" noProof="0" dirty="0">
+              <a:ln>
+                <a:noFill/>
+              </a:ln>
+              <a:solidFill>
+                <a:prstClr val="black"/>
+              </a:solidFill>
+              <a:effectLst/>
+              <a:uLnTx/>
+              <a:uFillTx/>
+              <a:latin typeface="Calibri"/>
+              <a:ea typeface="+mn-ea"/>
+              <a:cs typeface="+mn-cs"/>
+            </a:endParaRPr>
+          </a:p>
+        </p:txBody>
+      </p:sp>
+      <p:sp>
+        <p:nvSpPr>
+          <p:cNvPr id="7" name="Freeform 7">
+            <a:extLst>
+              <a:ext uri="{FF2B5EF4-FFF2-40B4-BE49-F238E27FC236}">
+                <a16:creationId xmlns:a16="http://schemas.microsoft.com/office/drawing/2014/main" id="{E420CE47-6C72-58BA-4204-FF111E32B689}"/>
+              </a:ext>
+            </a:extLst>
+          </p:cNvPr>
+          <p:cNvSpPr/>
+          <p:nvPr/>
+        </p:nvSpPr>
+        <p:spPr>
+          <a:xfrm rot="16200000">
+            <a:off x="15388859" y="-6571946"/>
+            <a:ext cx="9798172" cy="13143890"/>
+          </a:xfrm>
+          <a:custGeom>
+            <a:avLst/>
+            <a:gdLst/>
+            <a:ahLst/>
+            <a:cxnLst/>
+            <a:rect l="l" t="t" r="r" b="b"/>
+            <a:pathLst>
+              <a:path w="9798172" h="13143890">
+                <a:moveTo>
+                  <a:pt x="0" y="0"/>
+                </a:moveTo>
+                <a:lnTo>
+                  <a:pt x="9798172" y="0"/>
+                </a:lnTo>
+                <a:lnTo>
+                  <a:pt x="9798172" y="13143890"/>
+                </a:lnTo>
+                <a:lnTo>
+                  <a:pt x="0" y="13143890"/>
+                </a:lnTo>
+                <a:lnTo>
+                  <a:pt x="0" y="0"/>
+                </a:lnTo>
+                <a:close/>
+              </a:path>
+            </a:pathLst>
+          </a:custGeom>
+          <a:blipFill>
+            <a:blip r:embed="rId4">
+              <a:extLst>
+                <a:ext uri="{96DAC541-7B7A-43D3-8B79-37D633B846F1}">
+                  <asvg:svgBlip xmlns:asvg="http://schemas.microsoft.com/office/drawing/2016/SVG/main" r:embed="rId5"/>
+                </a:ext>
+              </a:extLst>
+            </a:blip>
+            <a:stretch>
+              <a:fillRect/>
+            </a:stretch>
+          </a:blipFill>
+          <a:ln cap="sq">
+            <a:noFill/>
+            <a:prstDash val="solid"/>
+            <a:miter/>
+          </a:ln>
+        </p:spPr>
+        <p:txBody>
+          <a:bodyPr/>
+          <a:lstStyle/>
+          <a:p>
+            <a:pPr marL="0" marR="0" lvl="0" indent="0" algn="l" defTabSz="914400" rtl="0" eaLnBrk="1" fontAlgn="auto" latinLnBrk="0" hangingPunct="1">
+              <a:lnSpc>
+                <a:spcPct val="100000"/>
+              </a:lnSpc>
+              <a:spcBef>
+                <a:spcPts val="0"/>
+              </a:spcBef>
+              <a:spcAft>
+                <a:spcPts val="0"/>
+              </a:spcAft>
+              <a:buClrTx/>
+              <a:buSzTx/>
+              <a:buFontTx/>
+              <a:buNone/>
+              <a:tabLst/>
+              <a:defRPr/>
+            </a:pPr>
+            <a:endParaRPr kumimoji="0" lang="es-CO" sz="1800" b="0" i="0" u="none" strike="noStrike" kern="1200" cap="none" spc="0" normalizeH="0" baseline="0" noProof="0" dirty="0">
+              <a:ln>
+                <a:noFill/>
+              </a:ln>
+              <a:solidFill>
+                <a:prstClr val="black"/>
+              </a:solidFill>
+              <a:effectLst/>
+              <a:uLnTx/>
+              <a:uFillTx/>
+              <a:latin typeface="Calibri"/>
+              <a:ea typeface="+mn-ea"/>
+              <a:cs typeface="+mn-cs"/>
+            </a:endParaRPr>
+          </a:p>
+        </p:txBody>
+      </p:sp>
+      <p:graphicFrame>
+        <p:nvGraphicFramePr>
+          <p:cNvPr id="2" name="Tabla 1">
+            <a:extLst>
+              <a:ext uri="{FF2B5EF4-FFF2-40B4-BE49-F238E27FC236}">
+                <a16:creationId xmlns:a16="http://schemas.microsoft.com/office/drawing/2014/main" id="{E0155518-311A-2C04-28A0-E422151114D2}"/>
+              </a:ext>
+            </a:extLst>
+          </p:cNvPr>
+          <p:cNvGraphicFramePr>
+            <a:graphicFrameLocks noGrp="1"/>
+          </p:cNvGraphicFramePr>
+          <p:nvPr>
+            <p:extLst>
+              <p:ext uri="{D42A27DB-BD31-4B8C-83A1-F6EECF244321}">
+                <p14:modId xmlns:p14="http://schemas.microsoft.com/office/powerpoint/2010/main" val="3950465169"/>
+              </p:ext>
+            </p:extLst>
+          </p:nvPr>
+        </p:nvGraphicFramePr>
+        <p:xfrm>
+          <a:off x="1728198" y="3139604"/>
+          <a:ext cx="14831603" cy="4459272"/>
+        </p:xfrm>
+        <a:graphic>
+          <a:graphicData uri="http://schemas.openxmlformats.org/drawingml/2006/table">
+            <a:tbl>
+              <a:tblPr firstRow="1" bandRow="1">
+                <a:tableStyleId>{69C7853C-536D-4A76-A0AE-DD22124D55A5}</a:tableStyleId>
+              </a:tblPr>
+              <a:tblGrid>
+                <a:gridCol w="1929402">
+                  <a:extLst>
+                    <a:ext uri="{9D8B030D-6E8A-4147-A177-3AD203B41FA5}">
+                      <a16:colId xmlns:a16="http://schemas.microsoft.com/office/drawing/2014/main" val="2397876962"/>
+                    </a:ext>
+                  </a:extLst>
+                </a:gridCol>
+                <a:gridCol w="3048000">
+                  <a:extLst>
+                    <a:ext uri="{9D8B030D-6E8A-4147-A177-3AD203B41FA5}">
+                      <a16:colId xmlns:a16="http://schemas.microsoft.com/office/drawing/2014/main" val="3832847364"/>
+                    </a:ext>
+                  </a:extLst>
+                </a:gridCol>
+                <a:gridCol w="2667000">
+                  <a:extLst>
+                    <a:ext uri="{9D8B030D-6E8A-4147-A177-3AD203B41FA5}">
+                      <a16:colId xmlns:a16="http://schemas.microsoft.com/office/drawing/2014/main" val="2243068901"/>
+                    </a:ext>
+                  </a:extLst>
+                </a:gridCol>
+                <a:gridCol w="1752600">
+                  <a:extLst>
+                    <a:ext uri="{9D8B030D-6E8A-4147-A177-3AD203B41FA5}">
+                      <a16:colId xmlns:a16="http://schemas.microsoft.com/office/drawing/2014/main" val="3382976668"/>
+                    </a:ext>
+                  </a:extLst>
+                </a:gridCol>
+                <a:gridCol w="1828800">
+                  <a:extLst>
+                    <a:ext uri="{9D8B030D-6E8A-4147-A177-3AD203B41FA5}">
+                      <a16:colId xmlns:a16="http://schemas.microsoft.com/office/drawing/2014/main" val="3711637950"/>
+                    </a:ext>
+                  </a:extLst>
+                </a:gridCol>
+                <a:gridCol w="1752600">
+                  <a:extLst>
+                    <a:ext uri="{9D8B030D-6E8A-4147-A177-3AD203B41FA5}">
+                      <a16:colId xmlns:a16="http://schemas.microsoft.com/office/drawing/2014/main" val="197522138"/>
+                    </a:ext>
+                  </a:extLst>
+                </a:gridCol>
+                <a:gridCol w="1853201">
+                  <a:extLst>
+                    <a:ext uri="{9D8B030D-6E8A-4147-A177-3AD203B41FA5}">
+                      <a16:colId xmlns:a16="http://schemas.microsoft.com/office/drawing/2014/main" val="3380335598"/>
+                    </a:ext>
+                  </a:extLst>
+                </a:gridCol>
+              </a:tblGrid>
+              <a:tr h="969312">
+                <a:tc>
+                  <a:txBody>
+                    <a:bodyPr/>
+                    <a:lstStyle/>
+                    <a:p>
+                      <a:pPr algn="ctr">
+                        <a:lnSpc>
+                          <a:spcPct val="100000"/>
+                        </a:lnSpc>
+                      </a:pPr>
+                      <a:r>
+                        <a:rPr lang="es-MX" sz="2400" noProof="0" dirty="0"/>
+                        <a:t>ATRIBUTO</a:t>
+                      </a:r>
+                      <a:endParaRPr lang="es-CO" sz="2400" noProof="0" dirty="0"/>
+                    </a:p>
+                  </a:txBody>
+                  <a:tcPr anchor="ctr"/>
+                </a:tc>
+                <a:tc>
+                  <a:txBody>
+                    <a:bodyPr/>
+                    <a:lstStyle/>
+                    <a:p>
+                      <a:pPr algn="ctr">
+                        <a:lnSpc>
+                          <a:spcPct val="100000"/>
+                        </a:lnSpc>
+                      </a:pPr>
+                      <a:r>
+                        <a:rPr lang="es-MX" sz="2400" noProof="0" dirty="0"/>
+                        <a:t>DESCRIPCIÓN</a:t>
+                      </a:r>
+                      <a:endParaRPr lang="es-CO" sz="2400" noProof="0" dirty="0"/>
+                    </a:p>
+                  </a:txBody>
+                  <a:tcPr anchor="ctr"/>
+                </a:tc>
+                <a:tc>
+                  <a:txBody>
+                    <a:bodyPr/>
+                    <a:lstStyle/>
+                    <a:p>
+                      <a:pPr algn="ctr">
+                        <a:lnSpc>
+                          <a:spcPct val="100000"/>
+                        </a:lnSpc>
+                      </a:pPr>
+                      <a:r>
+                        <a:rPr lang="es-MX" sz="2400" noProof="0" dirty="0"/>
+                        <a:t>METRICA</a:t>
+                      </a:r>
+                      <a:endParaRPr lang="es-CO" sz="2400" noProof="0" dirty="0"/>
+                    </a:p>
+                  </a:txBody>
+                  <a:tcPr anchor="ctr"/>
+                </a:tc>
+                <a:tc>
+                  <a:txBody>
+                    <a:bodyPr/>
+                    <a:lstStyle/>
+                    <a:p>
+                      <a:pPr algn="ctr">
+                        <a:lnSpc>
+                          <a:spcPct val="100000"/>
+                        </a:lnSpc>
+                      </a:pPr>
+                      <a:r>
+                        <a:rPr lang="es-MX" sz="2400" noProof="0" dirty="0"/>
+                        <a:t>IMPACTO</a:t>
+                      </a:r>
+                      <a:endParaRPr lang="es-CO" sz="2400" noProof="0" dirty="0"/>
+                    </a:p>
+                  </a:txBody>
+                  <a:tcPr anchor="ctr"/>
+                </a:tc>
+                <a:tc>
+                  <a:txBody>
+                    <a:bodyPr/>
+                    <a:lstStyle/>
+                    <a:p>
+                      <a:pPr algn="ctr">
+                        <a:lnSpc>
+                          <a:spcPct val="100000"/>
+                        </a:lnSpc>
+                      </a:pPr>
+                      <a:r>
+                        <a:rPr lang="es-MX" sz="2400" noProof="0" dirty="0"/>
+                        <a:t>DIFICULTAD</a:t>
+                      </a:r>
+                      <a:endParaRPr lang="es-CO" sz="2400" noProof="0" dirty="0"/>
+                    </a:p>
+                  </a:txBody>
+                  <a:tcPr anchor="ctr"/>
+                </a:tc>
+                <a:tc>
+                  <a:txBody>
+                    <a:bodyPr/>
+                    <a:lstStyle/>
+                    <a:p>
+                      <a:pPr algn="ctr">
+                        <a:lnSpc>
+                          <a:spcPct val="100000"/>
+                        </a:lnSpc>
+                      </a:pPr>
+                      <a:r>
+                        <a:rPr lang="es-MX" sz="2400" noProof="0" dirty="0"/>
+                        <a:t>% PESO</a:t>
+                      </a:r>
+                      <a:endParaRPr lang="es-CO" sz="2400" noProof="0" dirty="0"/>
+                    </a:p>
+                  </a:txBody>
+                  <a:tcPr anchor="ctr"/>
+                </a:tc>
+                <a:tc>
+                  <a:txBody>
+                    <a:bodyPr/>
+                    <a:lstStyle/>
+                    <a:p>
+                      <a:pPr algn="ctr">
+                        <a:lnSpc>
+                          <a:spcPct val="100000"/>
+                        </a:lnSpc>
+                      </a:pPr>
+                      <a:r>
+                        <a:rPr lang="es-MX" sz="2400" noProof="0" dirty="0"/>
+                        <a:t>VALOR</a:t>
+                      </a:r>
+                      <a:endParaRPr lang="es-CO" sz="2400" noProof="0" dirty="0"/>
+                    </a:p>
+                  </a:txBody>
+                  <a:tcPr anchor="ctr"/>
+                </a:tc>
+                <a:extLst>
+                  <a:ext uri="{0D108BD9-81ED-4DB2-BD59-A6C34878D82A}">
+                    <a16:rowId xmlns:a16="http://schemas.microsoft.com/office/drawing/2014/main" val="3377063911"/>
+                  </a:ext>
+                </a:extLst>
+              </a:tr>
+              <a:tr h="507629">
+                <a:tc>
+                  <a:txBody>
+                    <a:bodyPr/>
+                    <a:lstStyle/>
+                    <a:p>
+                      <a:pPr algn="ctr"/>
+                      <a:r>
+                        <a:rPr lang="es-MX" sz="1800" noProof="0" dirty="0"/>
+                        <a:t>Usabilidad</a:t>
+                      </a:r>
+                      <a:endParaRPr lang="es-CO" noProof="0" dirty="0"/>
+                    </a:p>
+                  </a:txBody>
+                  <a:tcPr anchor="ctr"/>
+                </a:tc>
+                <a:tc>
+                  <a:txBody>
+                    <a:bodyPr/>
+                    <a:lstStyle/>
+                    <a:p>
+                      <a:pPr algn="ctr"/>
+                      <a:r>
+                        <a:rPr lang="es-MX" dirty="0"/>
+                        <a:t>Flujo amigable, navegación intuitiva, estética clara</a:t>
+                      </a:r>
+                      <a:endParaRPr lang="es-CO" noProof="0" dirty="0"/>
+                    </a:p>
+                  </a:txBody>
+                  <a:tcPr anchor="ctr"/>
+                </a:tc>
+                <a:tc>
+                  <a:txBody>
+                    <a:bodyPr/>
+                    <a:lstStyle/>
+                    <a:p>
+                      <a:pPr algn="ctr"/>
+                      <a:r>
+                        <a:rPr lang="es-MX" dirty="0"/>
+                        <a:t>Tiempo de aprendizaje &lt; 5 minutos</a:t>
+                      </a:r>
+                      <a:endParaRPr lang="es-CO" noProof="0" dirty="0"/>
+                    </a:p>
+                  </a:txBody>
+                  <a:tcPr anchor="ctr"/>
+                </a:tc>
+                <a:tc>
+                  <a:txBody>
+                    <a:bodyPr/>
+                    <a:lstStyle/>
+                    <a:p>
+                      <a:pPr algn="ctr"/>
+                      <a:r>
+                        <a:rPr lang="es-CO" dirty="0"/>
+                        <a:t>3</a:t>
+                      </a:r>
+                      <a:endParaRPr lang="es-CO" noProof="0" dirty="0"/>
+                    </a:p>
+                  </a:txBody>
+                  <a:tcPr anchor="ctr"/>
+                </a:tc>
+                <a:tc>
+                  <a:txBody>
+                    <a:bodyPr/>
+                    <a:lstStyle/>
+                    <a:p>
+                      <a:pPr algn="ctr"/>
+                      <a:r>
+                        <a:rPr lang="es-MX" noProof="0" dirty="0"/>
+                        <a:t>2</a:t>
+                      </a:r>
+                      <a:endParaRPr lang="es-CO" noProof="0" dirty="0"/>
+                    </a:p>
+                  </a:txBody>
+                  <a:tcPr anchor="ctr"/>
+                </a:tc>
+                <a:tc>
+                  <a:txBody>
+                    <a:bodyPr/>
+                    <a:lstStyle/>
+                    <a:p>
+                      <a:pPr algn="ctr"/>
+                      <a:r>
+                        <a:rPr lang="es-MX" noProof="0" dirty="0"/>
+                        <a:t>0,30</a:t>
+                      </a:r>
+                      <a:endParaRPr lang="es-CO" noProof="0" dirty="0"/>
+                    </a:p>
+                  </a:txBody>
+                  <a:tcPr anchor="ctr"/>
+                </a:tc>
+                <a:tc>
+                  <a:txBody>
+                    <a:bodyPr/>
+                    <a:lstStyle/>
+                    <a:p>
+                      <a:pPr algn="ctr"/>
+                      <a:r>
+                        <a:rPr lang="es-MX" noProof="0" dirty="0"/>
+                        <a:t>1,5</a:t>
+                      </a:r>
+                      <a:endParaRPr lang="es-CO" noProof="0" dirty="0"/>
+                    </a:p>
+                  </a:txBody>
+                  <a:tcPr anchor="ctr"/>
+                </a:tc>
+                <a:extLst>
+                  <a:ext uri="{0D108BD9-81ED-4DB2-BD59-A6C34878D82A}">
+                    <a16:rowId xmlns:a16="http://schemas.microsoft.com/office/drawing/2014/main" val="3784190673"/>
+                  </a:ext>
+                </a:extLst>
+              </a:tr>
+              <a:tr h="533400">
+                <a:tc>
+                  <a:txBody>
+                    <a:bodyPr/>
+                    <a:lstStyle/>
+                    <a:p>
+                      <a:pPr algn="ctr"/>
+                      <a:r>
+                        <a:rPr lang="es-MX" sz="1800" noProof="0" dirty="0"/>
+                        <a:t>Rendimiento</a:t>
+                      </a:r>
+                      <a:endParaRPr lang="es-CO" noProof="0" dirty="0"/>
+                    </a:p>
+                  </a:txBody>
+                  <a:tcPr anchor="ctr"/>
+                </a:tc>
+                <a:tc>
+                  <a:txBody>
+                    <a:bodyPr/>
+                    <a:lstStyle/>
+                    <a:p>
+                      <a:pPr algn="ctr"/>
+                      <a:r>
+                        <a:rPr lang="es-MX" dirty="0"/>
+                        <a:t>Tiempo de respuesta ante generación de menús o acciones críticas</a:t>
+                      </a:r>
+                      <a:endParaRPr lang="es-CO" noProof="0" dirty="0"/>
+                    </a:p>
+                  </a:txBody>
+                  <a:tcPr anchor="ctr"/>
+                </a:tc>
+                <a:tc>
+                  <a:txBody>
+                    <a:bodyPr/>
+                    <a:lstStyle/>
+                    <a:p>
+                      <a:pPr algn="ctr"/>
+                      <a:r>
+                        <a:rPr lang="es-CO" dirty="0"/>
+                        <a:t>&lt; 2 segundos</a:t>
+                      </a:r>
+                      <a:endParaRPr lang="es-CO" noProof="0" dirty="0"/>
+                    </a:p>
+                  </a:txBody>
+                  <a:tcPr anchor="ctr"/>
+                </a:tc>
+                <a:tc>
+                  <a:txBody>
+                    <a:bodyPr/>
+                    <a:lstStyle/>
+                    <a:p>
+                      <a:pPr algn="ctr"/>
+                      <a:r>
+                        <a:rPr lang="es-MX" noProof="0" dirty="0"/>
+                        <a:t>3</a:t>
+                      </a:r>
+                      <a:endParaRPr lang="es-CO" noProof="0" dirty="0"/>
+                    </a:p>
+                  </a:txBody>
+                  <a:tcPr anchor="ctr"/>
+                </a:tc>
+                <a:tc>
+                  <a:txBody>
+                    <a:bodyPr/>
+                    <a:lstStyle/>
+                    <a:p>
+                      <a:pPr algn="ctr"/>
+                      <a:r>
+                        <a:rPr lang="es-MX" noProof="0" dirty="0"/>
+                        <a:t>3</a:t>
+                      </a:r>
+                      <a:endParaRPr lang="es-CO" noProof="0" dirty="0"/>
+                    </a:p>
+                  </a:txBody>
+                  <a:tcPr anchor="ctr"/>
+                </a:tc>
+                <a:tc>
+                  <a:txBody>
+                    <a:bodyPr/>
+                    <a:lstStyle/>
+                    <a:p>
+                      <a:pPr algn="ctr"/>
+                      <a:r>
+                        <a:rPr lang="es-MX" noProof="0" dirty="0"/>
+                        <a:t>0,25</a:t>
+                      </a:r>
+                      <a:endParaRPr lang="es-CO" noProof="0" dirty="0"/>
+                    </a:p>
+                  </a:txBody>
+                  <a:tcPr anchor="ctr"/>
+                </a:tc>
+                <a:tc>
+                  <a:txBody>
+                    <a:bodyPr/>
+                    <a:lstStyle/>
+                    <a:p>
+                      <a:pPr algn="ctr"/>
+                      <a:r>
+                        <a:rPr lang="es-MX" noProof="0" dirty="0"/>
+                        <a:t>1,5</a:t>
+                      </a:r>
+                      <a:endParaRPr lang="es-CO" noProof="0" dirty="0"/>
+                    </a:p>
+                  </a:txBody>
+                  <a:tcPr anchor="ctr"/>
+                </a:tc>
+                <a:extLst>
+                  <a:ext uri="{0D108BD9-81ED-4DB2-BD59-A6C34878D82A}">
+                    <a16:rowId xmlns:a16="http://schemas.microsoft.com/office/drawing/2014/main" val="2831257592"/>
+                  </a:ext>
+                </a:extLst>
+              </a:tr>
+              <a:tr h="381000">
+                <a:tc>
+                  <a:txBody>
+                    <a:bodyPr/>
+                    <a:lstStyle/>
+                    <a:p>
+                      <a:pPr algn="ctr"/>
+                      <a:r>
+                        <a:rPr lang="es-MX" sz="1800" noProof="0" dirty="0"/>
+                        <a:t>Disponibilidad</a:t>
+                      </a:r>
+                      <a:endParaRPr lang="es-CO" noProof="0" dirty="0"/>
+                    </a:p>
+                  </a:txBody>
+                  <a:tcPr anchor="ctr"/>
+                </a:tc>
+                <a:tc>
+                  <a:txBody>
+                    <a:bodyPr/>
+                    <a:lstStyle/>
+                    <a:p>
+                      <a:pPr algn="ctr"/>
+                      <a:r>
+                        <a:rPr lang="es-MX" dirty="0"/>
+                        <a:t>Sistema activo todo el tiempo</a:t>
+                      </a:r>
+                      <a:endParaRPr lang="es-CO" noProof="0" dirty="0"/>
+                    </a:p>
+                  </a:txBody>
+                  <a:tcPr anchor="ctr"/>
+                </a:tc>
+                <a:tc>
+                  <a:txBody>
+                    <a:bodyPr/>
+                    <a:lstStyle/>
+                    <a:p>
+                      <a:pPr algn="ctr"/>
+                      <a:r>
+                        <a:rPr lang="es-CO" dirty="0"/>
+                        <a:t>Activo &gt; 95%</a:t>
+                      </a:r>
+                      <a:endParaRPr lang="es-CO" noProof="0" dirty="0"/>
+                    </a:p>
+                  </a:txBody>
+                  <a:tcPr anchor="ctr"/>
+                </a:tc>
+                <a:tc>
+                  <a:txBody>
+                    <a:bodyPr/>
+                    <a:lstStyle/>
+                    <a:p>
+                      <a:pPr algn="ctr"/>
+                      <a:r>
+                        <a:rPr lang="es-MX" noProof="0" dirty="0"/>
+                        <a:t>2</a:t>
+                      </a:r>
+                      <a:endParaRPr lang="es-CO" noProof="0" dirty="0"/>
+                    </a:p>
+                  </a:txBody>
+                  <a:tcPr anchor="ctr"/>
+                </a:tc>
+                <a:tc>
+                  <a:txBody>
+                    <a:bodyPr/>
+                    <a:lstStyle/>
+                    <a:p>
+                      <a:pPr algn="ctr"/>
+                      <a:r>
+                        <a:rPr lang="es-MX" noProof="0" dirty="0"/>
+                        <a:t>2</a:t>
+                      </a:r>
+                      <a:endParaRPr lang="es-CO" noProof="0" dirty="0"/>
+                    </a:p>
+                  </a:txBody>
+                  <a:tcPr anchor="ctr"/>
+                </a:tc>
+                <a:tc>
+                  <a:txBody>
+                    <a:bodyPr/>
+                    <a:lstStyle/>
+                    <a:p>
+                      <a:pPr algn="ctr"/>
+                      <a:r>
+                        <a:rPr lang="es-MX" noProof="0" dirty="0"/>
+                        <a:t>0,20</a:t>
+                      </a:r>
+                      <a:endParaRPr lang="es-CO" noProof="0" dirty="0"/>
+                    </a:p>
+                  </a:txBody>
+                  <a:tcPr anchor="ctr"/>
+                </a:tc>
+                <a:tc>
+                  <a:txBody>
+                    <a:bodyPr/>
+                    <a:lstStyle/>
+                    <a:p>
+                      <a:pPr algn="ctr"/>
+                      <a:r>
+                        <a:rPr lang="es-MX" noProof="0" dirty="0"/>
+                        <a:t>0,8</a:t>
+                      </a:r>
+                      <a:endParaRPr lang="es-CO" noProof="0" dirty="0"/>
+                    </a:p>
+                  </a:txBody>
+                  <a:tcPr anchor="ctr"/>
+                </a:tc>
+                <a:extLst>
+                  <a:ext uri="{0D108BD9-81ED-4DB2-BD59-A6C34878D82A}">
+                    <a16:rowId xmlns:a16="http://schemas.microsoft.com/office/drawing/2014/main" val="3293755204"/>
+                  </a:ext>
+                </a:extLst>
+              </a:tr>
+              <a:tr h="381000">
+                <a:tc>
+                  <a:txBody>
+                    <a:bodyPr/>
+                    <a:lstStyle/>
+                    <a:p>
+                      <a:pPr algn="ctr"/>
+                      <a:r>
+                        <a:rPr lang="es-MX" sz="1800" noProof="0" dirty="0"/>
+                        <a:t>Seguridad</a:t>
+                      </a:r>
+                      <a:endParaRPr lang="es-CO" noProof="0" dirty="0"/>
+                    </a:p>
+                  </a:txBody>
+                  <a:tcPr anchor="ctr"/>
+                </a:tc>
+                <a:tc>
+                  <a:txBody>
+                    <a:bodyPr/>
+                    <a:lstStyle/>
+                    <a:p>
+                      <a:pPr algn="ctr"/>
+                      <a:r>
+                        <a:rPr lang="es-MX" dirty="0"/>
+                        <a:t>Protección de datos personales, cifrado, control de accesos</a:t>
+                      </a:r>
+                    </a:p>
+                  </a:txBody>
+                  <a:tcPr anchor="ctr"/>
+                </a:tc>
+                <a:tc>
+                  <a:txBody>
+                    <a:bodyPr/>
+                    <a:lstStyle/>
+                    <a:p>
+                      <a:pPr algn="ctr"/>
+                      <a:r>
+                        <a:rPr lang="es-CO" dirty="0"/>
+                        <a:t>Hash, OWASP</a:t>
+                      </a:r>
+                    </a:p>
+                  </a:txBody>
+                  <a:tcPr anchor="ctr"/>
+                </a:tc>
+                <a:tc>
+                  <a:txBody>
+                    <a:bodyPr/>
+                    <a:lstStyle/>
+                    <a:p>
+                      <a:pPr algn="ctr"/>
+                      <a:r>
+                        <a:rPr lang="es-MX" noProof="0" dirty="0"/>
+                        <a:t>3</a:t>
+                      </a:r>
+                      <a:endParaRPr lang="es-CO" noProof="0" dirty="0"/>
+                    </a:p>
+                  </a:txBody>
+                  <a:tcPr anchor="ctr"/>
+                </a:tc>
+                <a:tc>
+                  <a:txBody>
+                    <a:bodyPr/>
+                    <a:lstStyle/>
+                    <a:p>
+                      <a:pPr algn="ctr"/>
+                      <a:r>
+                        <a:rPr lang="es-MX" noProof="0" dirty="0"/>
+                        <a:t>2</a:t>
+                      </a:r>
+                      <a:endParaRPr lang="es-CO" noProof="0" dirty="0"/>
+                    </a:p>
+                  </a:txBody>
+                  <a:tcPr anchor="ctr"/>
+                </a:tc>
+                <a:tc>
+                  <a:txBody>
+                    <a:bodyPr/>
+                    <a:lstStyle/>
+                    <a:p>
+                      <a:pPr algn="ctr"/>
+                      <a:r>
+                        <a:rPr lang="es-MX" noProof="0" dirty="0"/>
+                        <a:t>0,19</a:t>
+                      </a:r>
+                      <a:endParaRPr lang="es-CO" noProof="0" dirty="0"/>
+                    </a:p>
+                  </a:txBody>
+                  <a:tcPr anchor="ctr"/>
+                </a:tc>
+                <a:tc>
+                  <a:txBody>
+                    <a:bodyPr/>
+                    <a:lstStyle/>
+                    <a:p>
+                      <a:pPr algn="ctr"/>
+                      <a:r>
+                        <a:rPr lang="es-MX" noProof="0" dirty="0"/>
+                        <a:t>0,95</a:t>
+                      </a:r>
+                      <a:endParaRPr lang="es-CO" noProof="0" dirty="0"/>
+                    </a:p>
+                  </a:txBody>
+                  <a:tcPr anchor="ctr"/>
+                </a:tc>
+                <a:extLst>
+                  <a:ext uri="{0D108BD9-81ED-4DB2-BD59-A6C34878D82A}">
+                    <a16:rowId xmlns:a16="http://schemas.microsoft.com/office/drawing/2014/main" val="3268018733"/>
+                  </a:ext>
+                </a:extLst>
+              </a:tr>
+              <a:tr h="381000">
+                <a:tc>
+                  <a:txBody>
+                    <a:bodyPr/>
+                    <a:lstStyle/>
+                    <a:p>
+                      <a:pPr algn="ctr"/>
+                      <a:r>
+                        <a:rPr lang="es-MX" sz="1800" noProof="0" dirty="0"/>
+                        <a:t>Escalabilidad</a:t>
+                      </a:r>
+                      <a:endParaRPr lang="es-CO" noProof="0" dirty="0"/>
+                    </a:p>
+                  </a:txBody>
+                  <a:tcPr anchor="ctr"/>
+                </a:tc>
+                <a:tc>
+                  <a:txBody>
+                    <a:bodyPr/>
+                    <a:lstStyle/>
+                    <a:p>
+                      <a:pPr algn="ctr"/>
+                      <a:r>
+                        <a:rPr lang="es-MX" dirty="0"/>
+                        <a:t>Soporte a miles de usuarios simultáneos sin caída</a:t>
+                      </a:r>
+                    </a:p>
+                  </a:txBody>
+                  <a:tcPr anchor="ctr"/>
+                </a:tc>
+                <a:tc>
+                  <a:txBody>
+                    <a:bodyPr/>
+                    <a:lstStyle/>
+                    <a:p>
+                      <a:pPr algn="ctr"/>
+                      <a:r>
+                        <a:rPr lang="es-CO" dirty="0"/>
+                        <a:t>Hasta 5k usuarios</a:t>
+                      </a:r>
+                      <a:endParaRPr lang="es-CO" noProof="0" dirty="0"/>
+                    </a:p>
+                  </a:txBody>
+                  <a:tcPr anchor="ctr"/>
+                </a:tc>
+                <a:tc>
+                  <a:txBody>
+                    <a:bodyPr/>
+                    <a:lstStyle/>
+                    <a:p>
+                      <a:pPr algn="ctr"/>
+                      <a:r>
+                        <a:rPr lang="es-MX" noProof="0" dirty="0"/>
+                        <a:t>3</a:t>
+                      </a:r>
+                      <a:endParaRPr lang="es-CO" noProof="0" dirty="0"/>
+                    </a:p>
+                  </a:txBody>
+                  <a:tcPr anchor="ctr"/>
+                </a:tc>
+                <a:tc>
+                  <a:txBody>
+                    <a:bodyPr/>
+                    <a:lstStyle/>
+                    <a:p>
+                      <a:pPr algn="ctr"/>
+                      <a:r>
+                        <a:rPr lang="es-MX" noProof="0" dirty="0"/>
+                        <a:t>2</a:t>
+                      </a:r>
+                      <a:endParaRPr lang="es-CO" noProof="0" dirty="0"/>
+                    </a:p>
+                  </a:txBody>
+                  <a:tcPr anchor="ctr"/>
+                </a:tc>
+                <a:tc>
+                  <a:txBody>
+                    <a:bodyPr/>
+                    <a:lstStyle/>
+                    <a:p>
+                      <a:pPr algn="ctr"/>
+                      <a:r>
+                        <a:rPr lang="es-MX" noProof="0" dirty="0"/>
+                        <a:t>0,06</a:t>
+                      </a:r>
+                      <a:endParaRPr lang="es-CO" noProof="0" dirty="0"/>
+                    </a:p>
+                  </a:txBody>
+                  <a:tcPr anchor="ctr"/>
+                </a:tc>
+                <a:tc>
+                  <a:txBody>
+                    <a:bodyPr/>
+                    <a:lstStyle/>
+                    <a:p>
+                      <a:pPr algn="ctr"/>
+                      <a:r>
+                        <a:rPr lang="es-MX" noProof="0" dirty="0"/>
+                        <a:t>0,3</a:t>
+                      </a:r>
+                      <a:endParaRPr lang="es-CO" noProof="0" dirty="0"/>
+                    </a:p>
+                  </a:txBody>
+                  <a:tcPr anchor="ctr"/>
+                </a:tc>
+                <a:extLst>
+                  <a:ext uri="{0D108BD9-81ED-4DB2-BD59-A6C34878D82A}">
+                    <a16:rowId xmlns:a16="http://schemas.microsoft.com/office/drawing/2014/main" val="1378272106"/>
+                  </a:ext>
+                </a:extLst>
+              </a:tr>
+            </a:tbl>
+          </a:graphicData>
+        </a:graphic>
+      </p:graphicFrame>
+    </p:spTree>
+    <p:extLst>
+      <p:ext uri="{BB962C8B-B14F-4D97-AF65-F5344CB8AC3E}">
+        <p14:creationId xmlns:p14="http://schemas.microsoft.com/office/powerpoint/2010/main" val="2703814756"/>
+      </p:ext>
+    </p:extLst>
   </p:cSld>
   <p:clrMapOvr>
     <a:masterClrMapping/>

--- a/Project/Context/NutrIA.context.pptx
+++ b/Project/Context/NutrIA.context.pptx
@@ -323,7 +323,7 @@
             <a:fld id="{1D8BD707-D9CF-40AE-B4C6-C98DA3205C09}" type="datetimeFigureOut">
               <a:rPr lang="en-US" smtClean="0"/>
               <a:pPr/>
-              <a:t>4/8/2025</a:t>
+              <a:t>4/9/2025</a:t>
             </a:fld>
             <a:endParaRPr lang="en-US"/>
           </a:p>
@@ -488,7 +488,7 @@
             <a:fld id="{1D8BD707-D9CF-40AE-B4C6-C98DA3205C09}" type="datetimeFigureOut">
               <a:rPr lang="en-US" smtClean="0"/>
               <a:pPr/>
-              <a:t>4/8/2025</a:t>
+              <a:t>4/9/2025</a:t>
             </a:fld>
             <a:endParaRPr lang="en-US"/>
           </a:p>
@@ -663,7 +663,7 @@
             <a:fld id="{1D8BD707-D9CF-40AE-B4C6-C98DA3205C09}" type="datetimeFigureOut">
               <a:rPr lang="en-US" smtClean="0"/>
               <a:pPr/>
-              <a:t>4/8/2025</a:t>
+              <a:t>4/9/2025</a:t>
             </a:fld>
             <a:endParaRPr lang="en-US"/>
           </a:p>
@@ -828,7 +828,7 @@
             <a:fld id="{1D8BD707-D9CF-40AE-B4C6-C98DA3205C09}" type="datetimeFigureOut">
               <a:rPr lang="en-US" smtClean="0"/>
               <a:pPr/>
-              <a:t>4/8/2025</a:t>
+              <a:t>4/9/2025</a:t>
             </a:fld>
             <a:endParaRPr lang="en-US"/>
           </a:p>
@@ -1070,7 +1070,7 @@
             <a:fld id="{1D8BD707-D9CF-40AE-B4C6-C98DA3205C09}" type="datetimeFigureOut">
               <a:rPr lang="en-US" smtClean="0"/>
               <a:pPr/>
-              <a:t>4/8/2025</a:t>
+              <a:t>4/9/2025</a:t>
             </a:fld>
             <a:endParaRPr lang="en-US"/>
           </a:p>
@@ -1352,7 +1352,7 @@
             <a:fld id="{1D8BD707-D9CF-40AE-B4C6-C98DA3205C09}" type="datetimeFigureOut">
               <a:rPr lang="en-US" smtClean="0"/>
               <a:pPr/>
-              <a:t>4/8/2025</a:t>
+              <a:t>4/9/2025</a:t>
             </a:fld>
             <a:endParaRPr lang="en-US"/>
           </a:p>
@@ -1768,7 +1768,7 @@
             <a:fld id="{1D8BD707-D9CF-40AE-B4C6-C98DA3205C09}" type="datetimeFigureOut">
               <a:rPr lang="en-US" smtClean="0"/>
               <a:pPr/>
-              <a:t>4/8/2025</a:t>
+              <a:t>4/9/2025</a:t>
             </a:fld>
             <a:endParaRPr lang="en-US"/>
           </a:p>
@@ -1882,7 +1882,7 @@
             <a:fld id="{1D8BD707-D9CF-40AE-B4C6-C98DA3205C09}" type="datetimeFigureOut">
               <a:rPr lang="en-US" smtClean="0"/>
               <a:pPr/>
-              <a:t>4/8/2025</a:t>
+              <a:t>4/9/2025</a:t>
             </a:fld>
             <a:endParaRPr lang="en-US"/>
           </a:p>
@@ -1974,7 +1974,7 @@
             <a:fld id="{1D8BD707-D9CF-40AE-B4C6-C98DA3205C09}" type="datetimeFigureOut">
               <a:rPr lang="en-US" smtClean="0"/>
               <a:pPr/>
-              <a:t>4/8/2025</a:t>
+              <a:t>4/9/2025</a:t>
             </a:fld>
             <a:endParaRPr lang="en-US"/>
           </a:p>
@@ -2246,7 +2246,7 @@
             <a:fld id="{1D8BD707-D9CF-40AE-B4C6-C98DA3205C09}" type="datetimeFigureOut">
               <a:rPr lang="en-US" smtClean="0"/>
               <a:pPr/>
-              <a:t>4/8/2025</a:t>
+              <a:t>4/9/2025</a:t>
             </a:fld>
             <a:endParaRPr lang="en-US"/>
           </a:p>
@@ -2495,7 +2495,7 @@
             <a:fld id="{1D8BD707-D9CF-40AE-B4C6-C98DA3205C09}" type="datetimeFigureOut">
               <a:rPr lang="en-US" smtClean="0"/>
               <a:pPr/>
-              <a:t>4/8/2025</a:t>
+              <a:t>4/9/2025</a:t>
             </a:fld>
             <a:endParaRPr lang="en-US"/>
           </a:p>
@@ -2703,7 +2703,7 @@
             <a:fld id="{1D8BD707-D9CF-40AE-B4C6-C98DA3205C09}" type="datetimeFigureOut">
               <a:rPr lang="en-US" smtClean="0"/>
               <a:pPr/>
-              <a:t>4/8/2025</a:t>
+              <a:t>4/9/2025</a:t>
             </a:fld>
             <a:endParaRPr lang="en-US"/>
           </a:p>
@@ -4649,7 +4649,7 @@
           <p:nvPr>
             <p:extLst>
               <p:ext uri="{D42A27DB-BD31-4B8C-83A1-F6EECF244321}">
-                <p14:modId xmlns:p14="http://schemas.microsoft.com/office/powerpoint/2010/main" val="2302683250"/>
+                <p14:modId xmlns:p14="http://schemas.microsoft.com/office/powerpoint/2010/main" val="1104734269"/>
               </p:ext>
             </p:extLst>
           </p:nvPr>
@@ -4832,9 +4832,10 @@
                     <a:p>
                       <a:pPr algn="ctr"/>
                       <a:r>
-                        <a:rPr lang="es-CO" noProof="0" dirty="0"/>
-                        <a:t>QA, Analistas, Desarrolladores Backend</a:t>
-                      </a:r>
+                        <a:rPr lang="es-ES" noProof="0" dirty="0"/>
+                        <a:t>Usuarios finales, entrenador personal, administradores del sistema</a:t>
+                      </a:r>
+                      <a:endParaRPr lang="es-CO" noProof="0" dirty="0"/>
                     </a:p>
                   </a:txBody>
                   <a:tcPr anchor="ctr"/>
@@ -4904,8 +4905,12 @@
                     <a:p>
                       <a:pPr algn="ctr"/>
                       <a:r>
+                        <a:rPr lang="es-ES" noProof="0" dirty="0"/>
+                        <a:t>Nutricionistas, usuarios finales, entrenador personal</a:t>
+                      </a:r>
+                      <a:r>
                         <a:rPr lang="es-CO" noProof="0" dirty="0"/>
-                        <a:t>IA Nutricional, Analistas, Desarrolladores IA</a:t>
+                        <a:t> </a:t>
                       </a:r>
                     </a:p>
                   </a:txBody>
@@ -4977,7 +4982,7 @@
                       <a:pPr algn="ctr"/>
                       <a:r>
                         <a:rPr lang="es-CO" noProof="0" dirty="0"/>
-                        <a:t>Usuarios, QA, Desarrolladores Frontend</a:t>
+                        <a:t>Usuarios finales, nutricionistas, administrador del sistema</a:t>
                       </a:r>
                     </a:p>
                   </a:txBody>
@@ -5039,9 +5044,10 @@
                     <a:p>
                       <a:pPr algn="ctr"/>
                       <a:r>
-                        <a:rPr lang="es-CO" noProof="0" dirty="0"/>
-                        <a:t>Usuarios, QA, Desarrolladores Frontend</a:t>
-                      </a:r>
+                        <a:rPr lang="es-ES" noProof="0" dirty="0"/>
+                        <a:t>Usuarios finales, entrenador personal, administradores del sistema</a:t>
+                      </a:r>
+                      <a:endParaRPr lang="es-CO" noProof="0" dirty="0"/>
                     </a:p>
                   </a:txBody>
                   <a:tcPr anchor="ctr"/>
@@ -5100,9 +5106,10 @@
                     <a:bodyPr/>
                     <a:lstStyle/>
                     <a:p>
+                      <a:pPr algn="ctr"/>
                       <a:r>
                         <a:rPr lang="es-CO" noProof="0" dirty="0"/>
-                        <a:t>IA Nutricional, Analistas, Usuarios</a:t>
+                        <a:t>Nutricionistas, usuarios finales, entrenador personal, administrador del sistema</a:t>
                       </a:r>
                     </a:p>
                   </a:txBody>
@@ -5642,14 +5649,14 @@
           <p:nvPr>
             <p:extLst>
               <p:ext uri="{D42A27DB-BD31-4B8C-83A1-F6EECF244321}">
-                <p14:modId xmlns:p14="http://schemas.microsoft.com/office/powerpoint/2010/main" val="490108884"/>
+                <p14:modId xmlns:p14="http://schemas.microsoft.com/office/powerpoint/2010/main" val="4029319783"/>
               </p:ext>
             </p:extLst>
           </p:nvPr>
         </p:nvGraphicFramePr>
         <p:xfrm>
           <a:off x="1702299" y="2980759"/>
-          <a:ext cx="14967813" cy="6035280"/>
+          <a:ext cx="14967813" cy="6254688"/>
         </p:xfrm>
         <a:graphic>
           <a:graphicData uri="http://schemas.openxmlformats.org/drawingml/2006/table">
@@ -5856,7 +5863,7 @@
                       <a:pPr algn="ctr"/>
                       <a:r>
                         <a:rPr lang="es-CO" noProof="0" dirty="0"/>
-                        <a:t>QA, Desarrolladores Backend, UX</a:t>
+                        <a:t>Usuarios finales, administrador del sistema</a:t>
                       </a:r>
                     </a:p>
                   </a:txBody>
@@ -5933,7 +5940,7 @@
                       <a:pPr algn="ctr"/>
                       <a:r>
                         <a:rPr lang="es-CO" noProof="0" dirty="0"/>
-                        <a:t>Analistas de Seguridad, Sistemas Legales, Desarrolladores Backend</a:t>
+                        <a:t>Usuarios finales, nutricionistas, entidades de salud, administradores del sistema</a:t>
                       </a:r>
                     </a:p>
                   </a:txBody>
@@ -6010,7 +6017,7 @@
                       <a:pPr algn="ctr"/>
                       <a:r>
                         <a:rPr lang="es-CO" noProof="0" dirty="0"/>
-                        <a:t>Arquitectos, QA, Desarrolladores Backend</a:t>
+                        <a:t>Usuarios finales, administradores del sistema</a:t>
                       </a:r>
                     </a:p>
                   </a:txBody>
@@ -6087,7 +6094,7 @@
                       <a:pPr algn="ctr"/>
                       <a:r>
                         <a:rPr lang="es-CO" noProof="0" dirty="0"/>
-                        <a:t>UX, Analistas, Sistemas Legales, Desarrolladores Frontend</a:t>
+                        <a:t>Usuarios finales, administradores del sistema, nutricionistas, entrenadores personales</a:t>
                       </a:r>
                     </a:p>
                   </a:txBody>
@@ -6164,7 +6171,7 @@
                       <a:pPr algn="ctr"/>
                       <a:r>
                         <a:rPr lang="es-CO" noProof="0" dirty="0"/>
-                        <a:t>Arquitectos, QA, Desarrolladores Backend</a:t>
+                        <a:t>Administradores del sistema, usuarios finales, entidades en salud</a:t>
                       </a:r>
                     </a:p>
                   </a:txBody>

--- a/Project/Context/NutrIA.context.pptx
+++ b/Project/Context/NutrIA.context.pptx
@@ -6611,14 +6611,14 @@
           <p:nvPr>
             <p:extLst>
               <p:ext uri="{D42A27DB-BD31-4B8C-83A1-F6EECF244321}">
-                <p14:modId xmlns:p14="http://schemas.microsoft.com/office/powerpoint/2010/main" val="1715633479"/>
+                <p14:modId xmlns:p14="http://schemas.microsoft.com/office/powerpoint/2010/main" val="3072885486"/>
               </p:ext>
             </p:extLst>
           </p:nvPr>
         </p:nvGraphicFramePr>
         <p:xfrm>
           <a:off x="1728198" y="2980759"/>
-          <a:ext cx="14831603" cy="4052501"/>
+          <a:ext cx="14831603" cy="4159181"/>
         </p:xfrm>
         <a:graphic>
           <a:graphicData uri="http://schemas.openxmlformats.org/drawingml/2006/table">
@@ -6928,8 +6928,8 @@
                     <a:p>
                       <a:pPr algn="ctr"/>
                       <a:r>
-                        <a:rPr lang="es-MX" noProof="0" dirty="0"/>
-                        <a:t>Padres o Cuidadores</a:t>
+                        <a:rPr lang="es-MX" noProof="0"/>
+                        <a:t>Entrenadores personales</a:t>
                       </a:r>
                       <a:endParaRPr lang="es-CO" noProof="0" dirty="0"/>
                     </a:p>

--- a/Project/Context/NutrIA.context.pptx
+++ b/Project/Context/NutrIA.context.pptx
@@ -4,6 +4,9 @@
   <p:sldMasterIdLst>
     <p:sldMasterId id="2147483648" r:id="rId1"/>
   </p:sldMasterIdLst>
+  <p:notesMasterIdLst>
+    <p:notesMasterId r:id="rId9"/>
+  </p:notesMasterIdLst>
   <p:sldIdLst>
     <p:sldId id="256" r:id="rId2"/>
     <p:sldId id="257" r:id="rId3"/>
@@ -18,15 +21,15 @@
   <p:embeddedFontLst>
     <p:embeddedFont>
       <p:font typeface="Glacial Indifference" panose="020B0604020202020204" charset="0"/>
-      <p:regular r:id="rId9"/>
+      <p:regular r:id="rId10"/>
     </p:embeddedFont>
     <p:embeddedFont>
       <p:font typeface="Glacial Indifference Bold" panose="020B0604020202020204" charset="0"/>
-      <p:regular r:id="rId10"/>
+      <p:regular r:id="rId11"/>
     </p:embeddedFont>
     <p:embeddedFont>
       <p:font typeface="League Spartan" panose="020B0604020202020204" charset="0"/>
-      <p:regular r:id="rId11"/>
+      <p:regular r:id="rId12"/>
     </p:embeddedFont>
   </p:embeddedFontLst>
   <p:defaultTextStyle>
@@ -141,6 +144,440 @@
     </p:ext>
   </p:extLst>
 </p:presentation>
+</file>
+
+<file path=ppt/notesMasters/notesMaster1.xml><?xml version="1.0" encoding="utf-8"?>
+<p:notesMaster xmlns:a="http://schemas.openxmlformats.org/drawingml/2006/main" xmlns:r="http://schemas.openxmlformats.org/officeDocument/2006/relationships" xmlns:p="http://schemas.openxmlformats.org/presentationml/2006/main">
+  <p:cSld>
+    <p:bg>
+      <p:bgRef idx="1001">
+        <a:schemeClr val="bg1"/>
+      </p:bgRef>
+    </p:bg>
+    <p:spTree>
+      <p:nvGrpSpPr>
+        <p:cNvPr id="1" name=""/>
+        <p:cNvGrpSpPr/>
+        <p:nvPr/>
+      </p:nvGrpSpPr>
+      <p:grpSpPr>
+        <a:xfrm>
+          <a:off x="0" y="0"/>
+          <a:ext cx="0" cy="0"/>
+          <a:chOff x="0" y="0"/>
+          <a:chExt cx="0" cy="0"/>
+        </a:xfrm>
+      </p:grpSpPr>
+      <p:sp>
+        <p:nvSpPr>
+          <p:cNvPr id="2" name="Marcador de encabezado 1"/>
+          <p:cNvSpPr>
+            <a:spLocks noGrp="1"/>
+          </p:cNvSpPr>
+          <p:nvPr>
+            <p:ph type="hdr" sz="quarter"/>
+          </p:nvPr>
+        </p:nvSpPr>
+        <p:spPr>
+          <a:xfrm>
+            <a:off x="0" y="0"/>
+            <a:ext cx="2971800" cy="458788"/>
+          </a:xfrm>
+          <a:prstGeom prst="rect">
+            <a:avLst/>
+          </a:prstGeom>
+        </p:spPr>
+        <p:txBody>
+          <a:bodyPr vert="horz" lIns="91440" tIns="45720" rIns="91440" bIns="45720" rtlCol="0"/>
+          <a:lstStyle>
+            <a:lvl1pPr algn="l">
+              <a:defRPr sz="1200"/>
+            </a:lvl1pPr>
+          </a:lstStyle>
+          <a:p>
+            <a:endParaRPr lang="es-CO"/>
+          </a:p>
+        </p:txBody>
+      </p:sp>
+      <p:sp>
+        <p:nvSpPr>
+          <p:cNvPr id="3" name="Marcador de fecha 2"/>
+          <p:cNvSpPr>
+            <a:spLocks noGrp="1"/>
+          </p:cNvSpPr>
+          <p:nvPr>
+            <p:ph type="dt" idx="1"/>
+          </p:nvPr>
+        </p:nvSpPr>
+        <p:spPr>
+          <a:xfrm>
+            <a:off x="3884613" y="0"/>
+            <a:ext cx="2971800" cy="458788"/>
+          </a:xfrm>
+          <a:prstGeom prst="rect">
+            <a:avLst/>
+          </a:prstGeom>
+        </p:spPr>
+        <p:txBody>
+          <a:bodyPr vert="horz" lIns="91440" tIns="45720" rIns="91440" bIns="45720" rtlCol="0"/>
+          <a:lstStyle>
+            <a:lvl1pPr algn="r">
+              <a:defRPr sz="1200"/>
+            </a:lvl1pPr>
+          </a:lstStyle>
+          <a:p>
+            <a:fld id="{DEE7E1AF-86C7-4DED-ADE0-AED17989966B}" type="datetimeFigureOut">
+              <a:rPr lang="es-CO" smtClean="0"/>
+              <a:t>9/04/2025</a:t>
+            </a:fld>
+            <a:endParaRPr lang="es-CO"/>
+          </a:p>
+        </p:txBody>
+      </p:sp>
+      <p:sp>
+        <p:nvSpPr>
+          <p:cNvPr id="4" name="Marcador de imagen de diapositiva 3"/>
+          <p:cNvSpPr>
+            <a:spLocks noGrp="1" noRot="1" noChangeAspect="1"/>
+          </p:cNvSpPr>
+          <p:nvPr>
+            <p:ph type="sldImg" idx="2"/>
+          </p:nvPr>
+        </p:nvSpPr>
+        <p:spPr>
+          <a:xfrm>
+            <a:off x="685800" y="1143000"/>
+            <a:ext cx="5486400" cy="3086100"/>
+          </a:xfrm>
+          <a:prstGeom prst="rect">
+            <a:avLst/>
+          </a:prstGeom>
+          <a:noFill/>
+          <a:ln w="12700">
+            <a:solidFill>
+              <a:prstClr val="black"/>
+            </a:solidFill>
+          </a:ln>
+        </p:spPr>
+        <p:txBody>
+          <a:bodyPr vert="horz" lIns="91440" tIns="45720" rIns="91440" bIns="45720" rtlCol="0" anchor="ctr"/>
+          <a:lstStyle/>
+          <a:p>
+            <a:endParaRPr lang="es-CO"/>
+          </a:p>
+        </p:txBody>
+      </p:sp>
+      <p:sp>
+        <p:nvSpPr>
+          <p:cNvPr id="5" name="Marcador de notas 4"/>
+          <p:cNvSpPr>
+            <a:spLocks noGrp="1"/>
+          </p:cNvSpPr>
+          <p:nvPr>
+            <p:ph type="body" sz="quarter" idx="3"/>
+          </p:nvPr>
+        </p:nvSpPr>
+        <p:spPr>
+          <a:xfrm>
+            <a:off x="685800" y="4400550"/>
+            <a:ext cx="5486400" cy="3600450"/>
+          </a:xfrm>
+          <a:prstGeom prst="rect">
+            <a:avLst/>
+          </a:prstGeom>
+        </p:spPr>
+        <p:txBody>
+          <a:bodyPr vert="horz" lIns="91440" tIns="45720" rIns="91440" bIns="45720" rtlCol="0"/>
+          <a:lstStyle/>
+          <a:p>
+            <a:pPr lvl="0"/>
+            <a:r>
+              <a:rPr lang="es-ES"/>
+              <a:t>Haga clic para modificar los estilos de texto del patrón</a:t>
+            </a:r>
+          </a:p>
+          <a:p>
+            <a:pPr lvl="1"/>
+            <a:r>
+              <a:rPr lang="es-ES"/>
+              <a:t>Segundo nivel</a:t>
+            </a:r>
+          </a:p>
+          <a:p>
+            <a:pPr lvl="2"/>
+            <a:r>
+              <a:rPr lang="es-ES"/>
+              <a:t>Tercer nivel</a:t>
+            </a:r>
+          </a:p>
+          <a:p>
+            <a:pPr lvl="3"/>
+            <a:r>
+              <a:rPr lang="es-ES"/>
+              <a:t>Cuarto nivel</a:t>
+            </a:r>
+          </a:p>
+          <a:p>
+            <a:pPr lvl="4"/>
+            <a:r>
+              <a:rPr lang="es-ES"/>
+              <a:t>Quinto nivel</a:t>
+            </a:r>
+            <a:endParaRPr lang="es-CO"/>
+          </a:p>
+        </p:txBody>
+      </p:sp>
+      <p:sp>
+        <p:nvSpPr>
+          <p:cNvPr id="6" name="Marcador de pie de página 5"/>
+          <p:cNvSpPr>
+            <a:spLocks noGrp="1"/>
+          </p:cNvSpPr>
+          <p:nvPr>
+            <p:ph type="ftr" sz="quarter" idx="4"/>
+          </p:nvPr>
+        </p:nvSpPr>
+        <p:spPr>
+          <a:xfrm>
+            <a:off x="0" y="8685213"/>
+            <a:ext cx="2971800" cy="458787"/>
+          </a:xfrm>
+          <a:prstGeom prst="rect">
+            <a:avLst/>
+          </a:prstGeom>
+        </p:spPr>
+        <p:txBody>
+          <a:bodyPr vert="horz" lIns="91440" tIns="45720" rIns="91440" bIns="45720" rtlCol="0" anchor="b"/>
+          <a:lstStyle>
+            <a:lvl1pPr algn="l">
+              <a:defRPr sz="1200"/>
+            </a:lvl1pPr>
+          </a:lstStyle>
+          <a:p>
+            <a:endParaRPr lang="es-CO"/>
+          </a:p>
+        </p:txBody>
+      </p:sp>
+      <p:sp>
+        <p:nvSpPr>
+          <p:cNvPr id="7" name="Marcador de número de diapositiva 6"/>
+          <p:cNvSpPr>
+            <a:spLocks noGrp="1"/>
+          </p:cNvSpPr>
+          <p:nvPr>
+            <p:ph type="sldNum" sz="quarter" idx="5"/>
+          </p:nvPr>
+        </p:nvSpPr>
+        <p:spPr>
+          <a:xfrm>
+            <a:off x="3884613" y="8685213"/>
+            <a:ext cx="2971800" cy="458787"/>
+          </a:xfrm>
+          <a:prstGeom prst="rect">
+            <a:avLst/>
+          </a:prstGeom>
+        </p:spPr>
+        <p:txBody>
+          <a:bodyPr vert="horz" lIns="91440" tIns="45720" rIns="91440" bIns="45720" rtlCol="0" anchor="b"/>
+          <a:lstStyle>
+            <a:lvl1pPr algn="r">
+              <a:defRPr sz="1200"/>
+            </a:lvl1pPr>
+          </a:lstStyle>
+          <a:p>
+            <a:fld id="{4600BED6-DE3C-4085-94EE-B5A126D1AF88}" type="slidenum">
+              <a:rPr lang="es-CO" smtClean="0"/>
+              <a:t>‹Nº›</a:t>
+            </a:fld>
+            <a:endParaRPr lang="es-CO"/>
+          </a:p>
+        </p:txBody>
+      </p:sp>
+    </p:spTree>
+    <p:extLst>
+      <p:ext uri="{BB962C8B-B14F-4D97-AF65-F5344CB8AC3E}">
+        <p14:creationId xmlns:p14="http://schemas.microsoft.com/office/powerpoint/2010/main" val="1232342132"/>
+      </p:ext>
+    </p:extLst>
+  </p:cSld>
+  <p:clrMap bg1="lt1" tx1="dk1" bg2="lt2" tx2="dk2" accent1="accent1" accent2="accent2" accent3="accent3" accent4="accent4" accent5="accent5" accent6="accent6" hlink="hlink" folHlink="folHlink"/>
+  <p:notesStyle>
+    <a:lvl1pPr marL="0" algn="l" defTabSz="914400" rtl="0" eaLnBrk="1" latinLnBrk="0" hangingPunct="1">
+      <a:defRPr sz="1200" kern="1200">
+        <a:solidFill>
+          <a:schemeClr val="tx1"/>
+        </a:solidFill>
+        <a:latin typeface="+mn-lt"/>
+        <a:ea typeface="+mn-ea"/>
+        <a:cs typeface="+mn-cs"/>
+      </a:defRPr>
+    </a:lvl1pPr>
+    <a:lvl2pPr marL="457200" algn="l" defTabSz="914400" rtl="0" eaLnBrk="1" latinLnBrk="0" hangingPunct="1">
+      <a:defRPr sz="1200" kern="1200">
+        <a:solidFill>
+          <a:schemeClr val="tx1"/>
+        </a:solidFill>
+        <a:latin typeface="+mn-lt"/>
+        <a:ea typeface="+mn-ea"/>
+        <a:cs typeface="+mn-cs"/>
+      </a:defRPr>
+    </a:lvl2pPr>
+    <a:lvl3pPr marL="914400" algn="l" defTabSz="914400" rtl="0" eaLnBrk="1" latinLnBrk="0" hangingPunct="1">
+      <a:defRPr sz="1200" kern="1200">
+        <a:solidFill>
+          <a:schemeClr val="tx1"/>
+        </a:solidFill>
+        <a:latin typeface="+mn-lt"/>
+        <a:ea typeface="+mn-ea"/>
+        <a:cs typeface="+mn-cs"/>
+      </a:defRPr>
+    </a:lvl3pPr>
+    <a:lvl4pPr marL="1371600" algn="l" defTabSz="914400" rtl="0" eaLnBrk="1" latinLnBrk="0" hangingPunct="1">
+      <a:defRPr sz="1200" kern="1200">
+        <a:solidFill>
+          <a:schemeClr val="tx1"/>
+        </a:solidFill>
+        <a:latin typeface="+mn-lt"/>
+        <a:ea typeface="+mn-ea"/>
+        <a:cs typeface="+mn-cs"/>
+      </a:defRPr>
+    </a:lvl4pPr>
+    <a:lvl5pPr marL="1828800" algn="l" defTabSz="914400" rtl="0" eaLnBrk="1" latinLnBrk="0" hangingPunct="1">
+      <a:defRPr sz="1200" kern="1200">
+        <a:solidFill>
+          <a:schemeClr val="tx1"/>
+        </a:solidFill>
+        <a:latin typeface="+mn-lt"/>
+        <a:ea typeface="+mn-ea"/>
+        <a:cs typeface="+mn-cs"/>
+      </a:defRPr>
+    </a:lvl5pPr>
+    <a:lvl6pPr marL="2286000" algn="l" defTabSz="914400" rtl="0" eaLnBrk="1" latinLnBrk="0" hangingPunct="1">
+      <a:defRPr sz="1200" kern="1200">
+        <a:solidFill>
+          <a:schemeClr val="tx1"/>
+        </a:solidFill>
+        <a:latin typeface="+mn-lt"/>
+        <a:ea typeface="+mn-ea"/>
+        <a:cs typeface="+mn-cs"/>
+      </a:defRPr>
+    </a:lvl6pPr>
+    <a:lvl7pPr marL="2743200" algn="l" defTabSz="914400" rtl="0" eaLnBrk="1" latinLnBrk="0" hangingPunct="1">
+      <a:defRPr sz="1200" kern="1200">
+        <a:solidFill>
+          <a:schemeClr val="tx1"/>
+        </a:solidFill>
+        <a:latin typeface="+mn-lt"/>
+        <a:ea typeface="+mn-ea"/>
+        <a:cs typeface="+mn-cs"/>
+      </a:defRPr>
+    </a:lvl7pPr>
+    <a:lvl8pPr marL="3200400" algn="l" defTabSz="914400" rtl="0" eaLnBrk="1" latinLnBrk="0" hangingPunct="1">
+      <a:defRPr sz="1200" kern="1200">
+        <a:solidFill>
+          <a:schemeClr val="tx1"/>
+        </a:solidFill>
+        <a:latin typeface="+mn-lt"/>
+        <a:ea typeface="+mn-ea"/>
+        <a:cs typeface="+mn-cs"/>
+      </a:defRPr>
+    </a:lvl8pPr>
+    <a:lvl9pPr marL="3657600" algn="l" defTabSz="914400" rtl="0" eaLnBrk="1" latinLnBrk="0" hangingPunct="1">
+      <a:defRPr sz="1200" kern="1200">
+        <a:solidFill>
+          <a:schemeClr val="tx1"/>
+        </a:solidFill>
+        <a:latin typeface="+mn-lt"/>
+        <a:ea typeface="+mn-ea"/>
+        <a:cs typeface="+mn-cs"/>
+      </a:defRPr>
+    </a:lvl9pPr>
+  </p:notesStyle>
+</p:notesMaster>
+</file>
+
+<file path=ppt/notesSlides/notesSlide1.xml><?xml version="1.0" encoding="utf-8"?>
+<p:notes xmlns:a="http://schemas.openxmlformats.org/drawingml/2006/main" xmlns:r="http://schemas.openxmlformats.org/officeDocument/2006/relationships" xmlns:p="http://schemas.openxmlformats.org/presentationml/2006/main">
+  <p:cSld>
+    <p:spTree>
+      <p:nvGrpSpPr>
+        <p:cNvPr id="1" name=""/>
+        <p:cNvGrpSpPr/>
+        <p:nvPr/>
+      </p:nvGrpSpPr>
+      <p:grpSpPr>
+        <a:xfrm>
+          <a:off x="0" y="0"/>
+          <a:ext cx="0" cy="0"/>
+          <a:chOff x="0" y="0"/>
+          <a:chExt cx="0" cy="0"/>
+        </a:xfrm>
+      </p:grpSpPr>
+      <p:sp>
+        <p:nvSpPr>
+          <p:cNvPr id="2" name="Marcador de imagen de diapositiva 1"/>
+          <p:cNvSpPr>
+            <a:spLocks noGrp="1" noRot="1" noChangeAspect="1"/>
+          </p:cNvSpPr>
+          <p:nvPr>
+            <p:ph type="sldImg"/>
+          </p:nvPr>
+        </p:nvSpPr>
+        <p:spPr/>
+      </p:sp>
+      <p:sp>
+        <p:nvSpPr>
+          <p:cNvPr id="3" name="Marcador de notas 2"/>
+          <p:cNvSpPr>
+            <a:spLocks noGrp="1"/>
+          </p:cNvSpPr>
+          <p:nvPr>
+            <p:ph type="body" idx="1"/>
+          </p:nvPr>
+        </p:nvSpPr>
+        <p:spPr/>
+        <p:txBody>
+          <a:bodyPr/>
+          <a:lstStyle/>
+          <a:p>
+            <a:endParaRPr lang="es-CO" dirty="0"/>
+          </a:p>
+        </p:txBody>
+      </p:sp>
+      <p:sp>
+        <p:nvSpPr>
+          <p:cNvPr id="4" name="Marcador de número de diapositiva 3"/>
+          <p:cNvSpPr>
+            <a:spLocks noGrp="1"/>
+          </p:cNvSpPr>
+          <p:nvPr>
+            <p:ph type="sldNum" sz="quarter" idx="5"/>
+          </p:nvPr>
+        </p:nvSpPr>
+        <p:spPr/>
+        <p:txBody>
+          <a:bodyPr/>
+          <a:lstStyle/>
+          <a:p>
+            <a:fld id="{4600BED6-DE3C-4085-94EE-B5A126D1AF88}" type="slidenum">
+              <a:rPr lang="es-CO" smtClean="0"/>
+              <a:t>5</a:t>
+            </a:fld>
+            <a:endParaRPr lang="es-CO"/>
+          </a:p>
+        </p:txBody>
+      </p:sp>
+    </p:spTree>
+    <p:extLst>
+      <p:ext uri="{BB962C8B-B14F-4D97-AF65-F5344CB8AC3E}">
+        <p14:creationId xmlns:p14="http://schemas.microsoft.com/office/powerpoint/2010/main" val="3304102043"/>
+      </p:ext>
+    </p:extLst>
+  </p:cSld>
+  <p:clrMapOvr>
+    <a:masterClrMapping/>
+  </p:clrMapOvr>
+</p:notes>
 </file>
 
 <file path=ppt/slideLayouts/slideLayout1.xml><?xml version="1.0" encoding="utf-8"?>
@@ -3901,7 +4338,7 @@
         <p:spPr>
           <a:xfrm>
             <a:off x="667059" y="2125840"/>
-            <a:ext cx="7882212" cy="7132460"/>
+            <a:ext cx="7882212" cy="7761548"/>
           </a:xfrm>
           <a:prstGeom prst="rect">
             <a:avLst/>
@@ -3940,7 +4377,31 @@
                 <a:cs typeface="Glacial Indifference"/>
                 <a:sym typeface="Glacial Indifference"/>
               </a:rPr>
-              <a:t>oyecto busca desarrollar una herramienta de planificación nutricional personalizada que permita crear planes de comidas saludables basados en las necesidades individuales del usuario, como sus condiciones de salud, preferencias dietéticas y los ingredientes disponibles. A través de una plataforma web interactiva con gráficos y notificaciones, el sistema ofrecerá recomendaciones adaptadas y promoverá el seguimiento de hábitos saludables mediante un sistema de gamificación. La solución busca mejorar la adherencia a dietas equilibradas y facilitar el acceso a información nutricional accesible y personalizada.</a:t>
+              <a:t>oyecto busca desarrollar una herramienta de planificación nutricional personalizada por medio de machine learning</a:t>
+            </a:r>
+            <a:r>
+              <a:rPr lang="es-CO" sz="2694" spc="59" dirty="0">
+                <a:solidFill>
+                  <a:srgbClr val="152540"/>
+                </a:solidFill>
+                <a:latin typeface="Glacial Indifference"/>
+                <a:ea typeface="Glacial Indifference"/>
+                <a:cs typeface="Glacial Indifference"/>
+                <a:sym typeface="Glacial Indifference"/>
+              </a:rPr>
+              <a:t>,</a:t>
+            </a:r>
+            <a:r>
+              <a:rPr lang="es-CO" sz="2694" u="none" strike="noStrike" spc="59" noProof="0" dirty="0">
+                <a:solidFill>
+                  <a:srgbClr val="152540"/>
+                </a:solidFill>
+                <a:latin typeface="Glacial Indifference"/>
+                <a:ea typeface="Glacial Indifference"/>
+                <a:cs typeface="Glacial Indifference"/>
+                <a:sym typeface="Glacial Indifference"/>
+              </a:rPr>
+              <a:t> que permita crear planes de comidas saludables basados en las necesidades individuales del usuario, como sus condiciones de salud, preferencias dietéticas y los ingredientes disponibles. A través de una plataforma web interactiva con gráficos y notificaciones, el sistema ofrecerá recomendaciones adaptadas y promoverá el seguimiento de hábitos saludables mediante un sistema de gamificación. La solución busca mejorar la adherencia a dietas equilibradas y facilitar el acceso a información nutricional accesible y personalizada.</a:t>
             </a:r>
           </a:p>
           <a:p>
@@ -4010,7 +4471,7 @@
         </p:nvSpPr>
         <p:spPr>
           <a:xfrm rot="-2047318">
-            <a:off x="-3775194" y="6616870"/>
+            <a:off x="-3941200" y="7155783"/>
             <a:ext cx="8481393" cy="7340260"/>
           </a:xfrm>
           <a:custGeom>
@@ -5379,10 +5840,10 @@
             </a:pathLst>
           </a:custGeom>
           <a:blipFill>
-            <a:blip r:embed="rId2">
+            <a:blip r:embed="rId3">
               <a:extLst>
                 <a:ext uri="{96DAC541-7B7A-43D3-8B79-37D633B846F1}">
-                  <asvg:svgBlip xmlns:asvg="http://schemas.microsoft.com/office/drawing/2016/SVG/main" r:embed="rId3"/>
+                  <asvg:svgBlip xmlns:asvg="http://schemas.microsoft.com/office/drawing/2016/SVG/main" r:embed="rId4"/>
                 </a:ext>
               </a:extLst>
             </a:blip>
@@ -5479,10 +5940,10 @@
             </a:pathLst>
           </a:custGeom>
           <a:blipFill>
-            <a:blip r:embed="rId2">
+            <a:blip r:embed="rId3">
               <a:extLst>
                 <a:ext uri="{96DAC541-7B7A-43D3-8B79-37D633B846F1}">
-                  <asvg:svgBlip xmlns:asvg="http://schemas.microsoft.com/office/drawing/2016/SVG/main" r:embed="rId3"/>
+                  <asvg:svgBlip xmlns:asvg="http://schemas.microsoft.com/office/drawing/2016/SVG/main" r:embed="rId4"/>
                 </a:ext>
               </a:extLst>
             </a:blip>
@@ -5579,10 +6040,10 @@
             </a:pathLst>
           </a:custGeom>
           <a:blipFill>
-            <a:blip r:embed="rId4">
+            <a:blip r:embed="rId5">
               <a:extLst>
                 <a:ext uri="{96DAC541-7B7A-43D3-8B79-37D633B846F1}">
-                  <asvg:svgBlip xmlns:asvg="http://schemas.microsoft.com/office/drawing/2016/SVG/main" r:embed="rId5"/>
+                  <asvg:svgBlip xmlns:asvg="http://schemas.microsoft.com/office/drawing/2016/SVG/main" r:embed="rId6"/>
                 </a:ext>
               </a:extLst>
             </a:blip>
@@ -6611,7 +7072,7 @@
           <p:nvPr>
             <p:extLst>
               <p:ext uri="{D42A27DB-BD31-4B8C-83A1-F6EECF244321}">
-                <p14:modId xmlns:p14="http://schemas.microsoft.com/office/powerpoint/2010/main" val="3189680499"/>
+                <p14:modId xmlns:p14="http://schemas.microsoft.com/office/powerpoint/2010/main" val="1344047476"/>
               </p:ext>
             </p:extLst>
           </p:nvPr>
@@ -6868,6 +7329,10 @@
                     <a:lstStyle/>
                     <a:p>
                       <a:pPr algn="ctr"/>
+                      <a:r>
+                        <a:rPr lang="es-ES" noProof="0" dirty="0"/>
+                        <a:t>4%</a:t>
+                      </a:r>
                       <a:endParaRPr lang="es-CO" noProof="0" dirty="0"/>
                     </a:p>
                   </a:txBody>
@@ -6881,6 +7346,21 @@
                       <a:pPr algn="ctr"/>
                       <a:r>
                         <a:rPr lang="es-MX" noProof="0" dirty="0"/>
+                        <a:t>3%</a:t>
+                      </a:r>
+                      <a:endParaRPr lang="es-CO" noProof="0" dirty="0"/>
+                    </a:p>
+                  </a:txBody>
+                  <a:tcPr anchor="ctr"/>
+                </a:tc>
+                <a:tc>
+                  <a:txBody>
+                    <a:bodyPr/>
+                    <a:lstStyle/>
+                    <a:p>
+                      <a:pPr algn="ctr"/>
+                      <a:r>
+                        <a:rPr lang="es-ES" noProof="0" dirty="0"/>
                         <a:t>2%</a:t>
                       </a:r>
                       <a:endParaRPr lang="es-CO" noProof="0" dirty="0"/>
@@ -6894,20 +7374,9 @@
                     <a:lstStyle/>
                     <a:p>
                       <a:pPr algn="ctr"/>
-                      <a:endParaRPr lang="es-CO" noProof="0" dirty="0"/>
-                    </a:p>
-                  </a:txBody>
-                  <a:tcPr anchor="ctr"/>
-                </a:tc>
-                <a:tc>
-                  <a:txBody>
-                    <a:bodyPr/>
-                    <a:lstStyle/>
-                    <a:p>
-                      <a:pPr algn="ctr"/>
                       <a:r>
                         <a:rPr lang="es-MX" noProof="0" dirty="0"/>
-                        <a:t>20%</a:t>
+                        <a:t>27%</a:t>
                       </a:r>
                       <a:endParaRPr lang="es-CO" noProof="0" dirty="0"/>
                     </a:p>
@@ -6944,7 +7413,7 @@
                       <a:pPr algn="ctr"/>
                       <a:r>
                         <a:rPr lang="es-MX" noProof="0" dirty="0"/>
-                        <a:t>8%</a:t>
+                        <a:t>5%</a:t>
                       </a:r>
                       <a:endParaRPr lang="es-CO" noProof="0" dirty="0"/>
                     </a:p>
@@ -6959,7 +7428,21 @@
                       <a:pPr algn="ctr"/>
                       <a:r>
                         <a:rPr lang="es-CO" noProof="0" dirty="0"/>
-                        <a:t>6%</a:t>
+                        <a:t>5%</a:t>
+                      </a:r>
+                    </a:p>
+                  </a:txBody>
+                  <a:tcPr anchor="ctr"/>
+                </a:tc>
+                <a:tc>
+                  <a:txBody>
+                    <a:bodyPr/>
+                    <a:lstStyle/>
+                    <a:p>
+                      <a:pPr algn="ctr"/>
+                      <a:r>
+                        <a:rPr lang="es-CO" noProof="0" dirty="0"/>
+                        <a:t>3%</a:t>
                       </a:r>
                     </a:p>
                   </a:txBody>
@@ -6986,19 +7469,9 @@
                     <a:p>
                       <a:pPr algn="ctr"/>
                       <a:r>
-                        <a:rPr lang="es-CO" noProof="0" dirty="0"/>
-                        <a:t>4%</a:t>
-                      </a:r>
-                    </a:p>
-                  </a:txBody>
-                  <a:tcPr anchor="ctr"/>
-                </a:tc>
-                <a:tc>
-                  <a:txBody>
-                    <a:bodyPr/>
-                    <a:lstStyle/>
-                    <a:p>
-                      <a:pPr algn="ctr"/>
+                        <a:rPr lang="es-ES" noProof="0" dirty="0"/>
+                        <a:t>2%</a:t>
+                      </a:r>
                       <a:endParaRPr lang="es-CO" noProof="0" dirty="0"/>
                     </a:p>
                   </a:txBody>
@@ -7012,7 +7485,7 @@
                       <a:pPr algn="ctr"/>
                       <a:r>
                         <a:rPr lang="es-MX" noProof="0" dirty="0"/>
-                        <a:t>20%</a:t>
+                        <a:t>17%</a:t>
                       </a:r>
                       <a:endParaRPr lang="es-CO" noProof="0" dirty="0"/>
                     </a:p>
@@ -7049,7 +7522,7 @@
                       <a:pPr algn="ctr"/>
                       <a:r>
                         <a:rPr lang="es-MX" noProof="0" dirty="0"/>
-                        <a:t>6%</a:t>
+                        <a:t>5%</a:t>
                       </a:r>
                       <a:endParaRPr lang="es-CO" noProof="0" dirty="0"/>
                     </a:p>
@@ -7062,6 +7535,10 @@
                     <a:lstStyle/>
                     <a:p>
                       <a:pPr algn="ctr"/>
+                      <a:r>
+                        <a:rPr lang="es-ES" noProof="0" dirty="0"/>
+                        <a:t>4%</a:t>
+                      </a:r>
                       <a:endParaRPr lang="es-CO" noProof="0" dirty="0"/>
                     </a:p>
                   </a:txBody>
@@ -7075,8 +7552,38 @@
                       <a:pPr algn="ctr"/>
                       <a:r>
                         <a:rPr lang="es-CO" noProof="0" dirty="0"/>
+                        <a:t>3%</a:t>
+                      </a:r>
+                    </a:p>
+                  </a:txBody>
+                  <a:tcPr anchor="ctr"/>
+                </a:tc>
+                <a:tc>
+                  <a:txBody>
+                    <a:bodyPr/>
+                    <a:lstStyle/>
+                    <a:p>
+                      <a:pPr algn="ctr"/>
+                      <a:r>
+                        <a:rPr lang="es-MX" noProof="0" dirty="0"/>
+                        <a:t>3%</a:t>
+                      </a:r>
+                      <a:endParaRPr lang="es-CO" noProof="0" dirty="0"/>
+                    </a:p>
+                  </a:txBody>
+                  <a:tcPr anchor="ctr"/>
+                </a:tc>
+                <a:tc>
+                  <a:txBody>
+                    <a:bodyPr/>
+                    <a:lstStyle/>
+                    <a:p>
+                      <a:pPr algn="ctr"/>
+                      <a:r>
+                        <a:rPr lang="es-ES" noProof="0" dirty="0"/>
                         <a:t>2%</a:t>
                       </a:r>
+                      <a:endParaRPr lang="es-CO" noProof="0" dirty="0"/>
                     </a:p>
                   </a:txBody>
                   <a:tcPr anchor="ctr"/>
@@ -7089,33 +7596,7 @@
                       <a:pPr algn="ctr"/>
                       <a:r>
                         <a:rPr lang="es-MX" noProof="0" dirty="0"/>
-                        <a:t>7%</a:t>
-                      </a:r>
-                      <a:endParaRPr lang="es-CO" noProof="0" dirty="0"/>
-                    </a:p>
-                  </a:txBody>
-                  <a:tcPr anchor="ctr"/>
-                </a:tc>
-                <a:tc>
-                  <a:txBody>
-                    <a:bodyPr/>
-                    <a:lstStyle/>
-                    <a:p>
-                      <a:pPr algn="ctr"/>
-                      <a:endParaRPr lang="es-CO" noProof="0" dirty="0"/>
-                    </a:p>
-                  </a:txBody>
-                  <a:tcPr anchor="ctr"/>
-                </a:tc>
-                <a:tc>
-                  <a:txBody>
-                    <a:bodyPr/>
-                    <a:lstStyle/>
-                    <a:p>
-                      <a:pPr algn="ctr"/>
-                      <a:r>
-                        <a:rPr lang="es-MX" noProof="0" dirty="0"/>
-                        <a:t>15%</a:t>
+                        <a:t>17%</a:t>
                       </a:r>
                       <a:endParaRPr lang="es-CO" noProof="0" dirty="0"/>
                     </a:p>
@@ -7150,6 +7631,10 @@
                     <a:lstStyle/>
                     <a:p>
                       <a:pPr algn="ctr"/>
+                      <a:r>
+                        <a:rPr lang="es-ES" noProof="0" dirty="0"/>
+                        <a:t>2%</a:t>
+                      </a:r>
                       <a:endParaRPr lang="es-CO" noProof="0" dirty="0"/>
                     </a:p>
                   </a:txBody>
@@ -7178,7 +7663,7 @@
                       <a:pPr algn="ctr"/>
                       <a:r>
                         <a:rPr lang="es-MX" noProof="0" dirty="0"/>
-                        <a:t>6%</a:t>
+                        <a:t>3%</a:t>
                       </a:r>
                       <a:endParaRPr lang="es-CO" noProof="0" dirty="0"/>
                     </a:p>
@@ -7193,18 +7678,22 @@
                       <a:pPr algn="ctr"/>
                       <a:r>
                         <a:rPr lang="es-CO" noProof="0" dirty="0"/>
-                        <a:t>6%</a:t>
-                      </a:r>
-                    </a:p>
-                  </a:txBody>
-                  <a:tcPr anchor="ctr"/>
-                </a:tc>
-                <a:tc>
-                  <a:txBody>
-                    <a:bodyPr/>
-                    <a:lstStyle/>
-                    <a:p>
-                      <a:pPr algn="ctr"/>
+                        <a:t>3%</a:t>
+                      </a:r>
+                    </a:p>
+                  </a:txBody>
+                  <a:tcPr anchor="ctr"/>
+                </a:tc>
+                <a:tc>
+                  <a:txBody>
+                    <a:bodyPr/>
+                    <a:lstStyle/>
+                    <a:p>
+                      <a:pPr algn="ctr"/>
+                      <a:r>
+                        <a:rPr lang="es-ES" noProof="0" dirty="0"/>
+                        <a:t>2%</a:t>
+                      </a:r>
                       <a:endParaRPr lang="es-CO" noProof="0" dirty="0"/>
                     </a:p>
                   </a:txBody>
@@ -7218,7 +7707,7 @@
                       <a:pPr algn="ctr"/>
                       <a:r>
                         <a:rPr lang="es-MX" noProof="0" dirty="0"/>
-                        <a:t>15%</a:t>
+                        <a:t>13%</a:t>
                       </a:r>
                       <a:endParaRPr lang="es-CO" noProof="0" dirty="0"/>
                     </a:p>
@@ -7255,7 +7744,7 @@
                       <a:pPr algn="ctr"/>
                       <a:r>
                         <a:rPr lang="es-CO" noProof="0" dirty="0"/>
-                        <a:t>4%</a:t>
+                        <a:t>2%</a:t>
                       </a:r>
                     </a:p>
                   </a:txBody>
@@ -7269,7 +7758,7 @@
                       <a:pPr algn="ctr"/>
                       <a:r>
                         <a:rPr lang="es-MX" noProof="0" dirty="0"/>
-                        <a:t>10%</a:t>
+                        <a:t>5%</a:t>
                       </a:r>
                       <a:endParaRPr lang="es-CO" noProof="0" dirty="0"/>
                     </a:p>
@@ -7284,18 +7773,22 @@
                       <a:pPr algn="ctr"/>
                       <a:r>
                         <a:rPr lang="es-CO" noProof="0" dirty="0"/>
-                        <a:t>10%</a:t>
-                      </a:r>
-                    </a:p>
-                  </a:txBody>
-                  <a:tcPr anchor="ctr"/>
-                </a:tc>
-                <a:tc>
-                  <a:txBody>
-                    <a:bodyPr/>
-                    <a:lstStyle/>
-                    <a:p>
-                      <a:pPr algn="ctr"/>
+                        <a:t>5%</a:t>
+                      </a:r>
+                    </a:p>
+                  </a:txBody>
+                  <a:tcPr anchor="ctr"/>
+                </a:tc>
+                <a:tc>
+                  <a:txBody>
+                    <a:bodyPr/>
+                    <a:lstStyle/>
+                    <a:p>
+                      <a:pPr algn="ctr"/>
+                      <a:r>
+                        <a:rPr lang="es-ES" noProof="0" dirty="0"/>
+                        <a:t>6%</a:t>
+                      </a:r>
                       <a:endParaRPr lang="es-CO" noProof="0" dirty="0"/>
                     </a:p>
                   </a:txBody>
@@ -7309,7 +7802,7 @@
                       <a:pPr algn="ctr"/>
                       <a:r>
                         <a:rPr lang="es-CO" noProof="0" dirty="0"/>
-                        <a:t>6%</a:t>
+                        <a:t>8%</a:t>
                       </a:r>
                     </a:p>
                   </a:txBody>
@@ -7323,7 +7816,7 @@
                       <a:pPr algn="ctr"/>
                       <a:r>
                         <a:rPr lang="es-MX" noProof="0" dirty="0"/>
-                        <a:t>30%</a:t>
+                        <a:t>26%</a:t>
                       </a:r>
                       <a:endParaRPr lang="es-CO" noProof="0" dirty="0"/>
                     </a:p>
@@ -7360,7 +7853,7 @@
                       <a:pPr algn="ctr"/>
                       <a:r>
                         <a:rPr lang="es-MX" noProof="0" dirty="0"/>
-                        <a:t>30%</a:t>
+                        <a:t>26%</a:t>
                       </a:r>
                       <a:endParaRPr lang="es-CO" noProof="0" dirty="0"/>
                     </a:p>
@@ -7375,7 +7868,7 @@
                       <a:pPr algn="ctr"/>
                       <a:r>
                         <a:rPr lang="es-MX" noProof="0" dirty="0"/>
-                        <a:t>25%</a:t>
+                        <a:t>23%</a:t>
                       </a:r>
                       <a:endParaRPr lang="es-CO" noProof="0" dirty="0"/>
                     </a:p>
@@ -7390,7 +7883,7 @@
                       <a:pPr algn="ctr"/>
                       <a:r>
                         <a:rPr lang="es-MX" noProof="0" dirty="0"/>
-                        <a:t>20%</a:t>
+                        <a:t>18%</a:t>
                       </a:r>
                       <a:endParaRPr lang="es-CO" noProof="0" dirty="0"/>
                     </a:p>
@@ -7405,7 +7898,7 @@
                       <a:pPr algn="ctr"/>
                       <a:r>
                         <a:rPr lang="es-MX" noProof="0" dirty="0"/>
-                        <a:t>19%</a:t>
+                        <a:t>17%</a:t>
                       </a:r>
                       <a:endParaRPr lang="es-CO" noProof="0" dirty="0"/>
                     </a:p>
@@ -7420,7 +7913,7 @@
                       <a:pPr algn="ctr"/>
                       <a:r>
                         <a:rPr lang="es-MX" noProof="0" dirty="0"/>
-                        <a:t>6%</a:t>
+                        <a:t>16%</a:t>
                       </a:r>
                       <a:endParaRPr lang="es-CO" noProof="0" dirty="0"/>
                     </a:p>
@@ -7976,14 +8469,14 @@
           <p:nvPr>
             <p:extLst>
               <p:ext uri="{D42A27DB-BD31-4B8C-83A1-F6EECF244321}">
-                <p14:modId xmlns:p14="http://schemas.microsoft.com/office/powerpoint/2010/main" val="3950465169"/>
+                <p14:modId xmlns:p14="http://schemas.microsoft.com/office/powerpoint/2010/main" val="1391007383"/>
               </p:ext>
             </p:extLst>
           </p:nvPr>
         </p:nvGraphicFramePr>
         <p:xfrm>
           <a:off x="1728198" y="3139604"/>
-          <a:ext cx="14831603" cy="4459272"/>
+          <a:ext cx="14831604" cy="4992672"/>
         </p:xfrm>
         <a:graphic>
           <a:graphicData uri="http://schemas.openxmlformats.org/drawingml/2006/table">
@@ -7992,49 +8485,56 @@
                 <a:tableStyleId>{69C7853C-536D-4A76-A0AE-DD22124D55A5}</a:tableStyleId>
               </a:tblPr>
               <a:tblGrid>
-                <a:gridCol w="1929402">
+                <a:gridCol w="1707304">
                   <a:extLst>
                     <a:ext uri="{9D8B030D-6E8A-4147-A177-3AD203B41FA5}">
                       <a16:colId xmlns:a16="http://schemas.microsoft.com/office/drawing/2014/main" val="2397876962"/>
                     </a:ext>
                   </a:extLst>
                 </a:gridCol>
-                <a:gridCol w="3048000">
+                <a:gridCol w="1707304">
+                  <a:extLst>
+                    <a:ext uri="{9D8B030D-6E8A-4147-A177-3AD203B41FA5}">
+                      <a16:colId xmlns:a16="http://schemas.microsoft.com/office/drawing/2014/main" val="990871400"/>
+                    </a:ext>
+                  </a:extLst>
+                </a:gridCol>
+                <a:gridCol w="2697137">
                   <a:extLst>
                     <a:ext uri="{9D8B030D-6E8A-4147-A177-3AD203B41FA5}">
                       <a16:colId xmlns:a16="http://schemas.microsoft.com/office/drawing/2014/main" val="3832847364"/>
                     </a:ext>
                   </a:extLst>
                 </a:gridCol>
-                <a:gridCol w="2667000">
+                <a:gridCol w="2359995">
                   <a:extLst>
                     <a:ext uri="{9D8B030D-6E8A-4147-A177-3AD203B41FA5}">
                       <a16:colId xmlns:a16="http://schemas.microsoft.com/office/drawing/2014/main" val="2243068901"/>
                     </a:ext>
                   </a:extLst>
                 </a:gridCol>
-                <a:gridCol w="1752600">
+                <a:gridCol w="1550854">
                   <a:extLst>
                     <a:ext uri="{9D8B030D-6E8A-4147-A177-3AD203B41FA5}">
                       <a16:colId xmlns:a16="http://schemas.microsoft.com/office/drawing/2014/main" val="3382976668"/>
                     </a:ext>
                   </a:extLst>
                 </a:gridCol>
-                <a:gridCol w="1828800">
+                <a:gridCol w="1618282">
                   <a:extLst>
                     <a:ext uri="{9D8B030D-6E8A-4147-A177-3AD203B41FA5}">
                       <a16:colId xmlns:a16="http://schemas.microsoft.com/office/drawing/2014/main" val="3711637950"/>
                     </a:ext>
                   </a:extLst>
                 </a:gridCol>
-                <a:gridCol w="1752600">
+                <a:gridCol w="1550854">
                   <a:extLst>
                     <a:ext uri="{9D8B030D-6E8A-4147-A177-3AD203B41FA5}">
                       <a16:colId xmlns:a16="http://schemas.microsoft.com/office/drawing/2014/main" val="197522138"/>
                     </a:ext>
                   </a:extLst>
                 </a:gridCol>
-                <a:gridCol w="1853201">
+                <a:gridCol w="1639874">
                   <a:extLst>
                     <a:ext uri="{9D8B030D-6E8A-4147-A177-3AD203B41FA5}">
                       <a16:colId xmlns:a16="http://schemas.microsoft.com/office/drawing/2014/main" val="3380335598"/>
@@ -8073,6 +8573,25 @@
                         </a:lnSpc>
                       </a:pPr>
                       <a:r>
+                        <a:rPr lang="es-ES" sz="2400" noProof="0" dirty="0"/>
+                        <a:t>SUB-CATEGORIA </a:t>
+                      </a:r>
+                      <a:endParaRPr lang="es-CO" sz="2400" noProof="0" dirty="0"/>
+                    </a:p>
+                  </a:txBody>
+                  <a:tcPr anchor="ctr"/>
+                </a:tc>
+                <a:tc>
+                  <a:txBody>
+                    <a:bodyPr/>
+                    <a:lstStyle/>
+                    <a:p>
+                      <a:pPr algn="ctr">
+                        <a:lnSpc>
+                          <a:spcPct val="100000"/>
+                        </a:lnSpc>
+                      </a:pPr>
+                      <a:r>
                         <a:rPr lang="es-MX" sz="2400" noProof="0" dirty="0"/>
                         <a:t>DESCRIPCIÓN</a:t>
                       </a:r>
@@ -8205,6 +8724,21 @@
                     <a:p>
                       <a:pPr algn="ctr"/>
                       <a:r>
+                        <a:rPr lang="es-ES" noProof="0" dirty="0"/>
+                        <a:t>Aprendizaje</a:t>
+                      </a:r>
+                      <a:endParaRPr lang="es-CO" noProof="0" dirty="0"/>
+                    </a:p>
+                  </a:txBody>
+                  <a:tcPr anchor="ctr"/>
+                </a:tc>
+                <a:tc>
+                  <a:txBody>
+                    <a:bodyPr/>
+                    <a:lstStyle/>
+                    <a:p>
+                      <a:pPr algn="ctr"/>
+                      <a:r>
                         <a:rPr lang="es-MX" dirty="0"/>
                         <a:t>Flujo amigable, navegación intuitiva, estética clara</a:t>
                       </a:r>
@@ -8266,7 +8800,7 @@
                       <a:pPr algn="ctr"/>
                       <a:r>
                         <a:rPr lang="es-MX" noProof="0" dirty="0"/>
-                        <a:t>0,30</a:t>
+                        <a:t>0,27</a:t>
                       </a:r>
                       <a:endParaRPr lang="es-CO" noProof="0" dirty="0"/>
                     </a:p>
@@ -8281,7 +8815,7 @@
                       <a:pPr algn="ctr"/>
                       <a:r>
                         <a:rPr lang="es-MX" noProof="0" dirty="0"/>
-                        <a:t>1,5</a:t>
+                        <a:t>1,35</a:t>
                       </a:r>
                       <a:endParaRPr lang="es-CO" noProof="0" dirty="0"/>
                     </a:p>
@@ -8317,6 +8851,21 @@
                     <a:p>
                       <a:pPr algn="ctr"/>
                       <a:r>
+                        <a:rPr lang="es-ES" noProof="0" dirty="0"/>
+                        <a:t>Eficiencia en tiempo de respuesta</a:t>
+                      </a:r>
+                      <a:endParaRPr lang="es-CO" noProof="0" dirty="0"/>
+                    </a:p>
+                  </a:txBody>
+                  <a:tcPr anchor="ctr"/>
+                </a:tc>
+                <a:tc>
+                  <a:txBody>
+                    <a:bodyPr/>
+                    <a:lstStyle/>
+                    <a:p>
+                      <a:pPr algn="ctr"/>
+                      <a:r>
                         <a:rPr lang="es-MX" dirty="0"/>
                         <a:t>Tiempo de respuesta ante generación de menús o acciones críticas</a:t>
                       </a:r>
@@ -8378,7 +8927,7 @@
                       <a:pPr algn="ctr"/>
                       <a:r>
                         <a:rPr lang="es-MX" noProof="0" dirty="0"/>
-                        <a:t>0,25</a:t>
+                        <a:t>0,17</a:t>
                       </a:r>
                       <a:endParaRPr lang="es-CO" noProof="0" dirty="0"/>
                     </a:p>
@@ -8393,7 +8942,7 @@
                       <a:pPr algn="ctr"/>
                       <a:r>
                         <a:rPr lang="es-MX" noProof="0" dirty="0"/>
-                        <a:t>1,5</a:t>
+                        <a:t>1,02</a:t>
                       </a:r>
                       <a:endParaRPr lang="es-CO" noProof="0" dirty="0"/>
                     </a:p>
@@ -8429,6 +8978,21 @@
                     <a:p>
                       <a:pPr algn="ctr"/>
                       <a:r>
+                        <a:rPr lang="es-ES" noProof="0" dirty="0"/>
+                        <a:t>Disponibilidad</a:t>
+                      </a:r>
+                      <a:endParaRPr lang="es-CO" noProof="0" dirty="0"/>
+                    </a:p>
+                  </a:txBody>
+                  <a:tcPr anchor="ctr"/>
+                </a:tc>
+                <a:tc>
+                  <a:txBody>
+                    <a:bodyPr/>
+                    <a:lstStyle/>
+                    <a:p>
+                      <a:pPr algn="ctr"/>
+                      <a:r>
                         <a:rPr lang="es-MX" dirty="0"/>
                         <a:t>Sistema activo todo el tiempo</a:t>
                       </a:r>
@@ -8490,7 +9054,7 @@
                       <a:pPr algn="ctr"/>
                       <a:r>
                         <a:rPr lang="es-MX" noProof="0" dirty="0"/>
-                        <a:t>0,20</a:t>
+                        <a:t>0,17</a:t>
                       </a:r>
                       <a:endParaRPr lang="es-CO" noProof="0" dirty="0"/>
                     </a:p>
@@ -8505,7 +9069,7 @@
                       <a:pPr algn="ctr"/>
                       <a:r>
                         <a:rPr lang="es-MX" noProof="0" dirty="0"/>
-                        <a:t>0,8</a:t>
+                        <a:t>0,68</a:t>
                       </a:r>
                       <a:endParaRPr lang="es-CO" noProof="0" dirty="0"/>
                     </a:p>
@@ -8541,6 +9105,21 @@
                     <a:p>
                       <a:pPr algn="ctr"/>
                       <a:r>
+                        <a:rPr lang="es-ES" noProof="0" dirty="0"/>
+                        <a:t>Protección de la información</a:t>
+                      </a:r>
+                      <a:endParaRPr lang="es-CO" noProof="0" dirty="0"/>
+                    </a:p>
+                  </a:txBody>
+                  <a:tcPr anchor="ctr"/>
+                </a:tc>
+                <a:tc>
+                  <a:txBody>
+                    <a:bodyPr/>
+                    <a:lstStyle/>
+                    <a:p>
+                      <a:pPr algn="ctr"/>
+                      <a:r>
                         <a:rPr lang="es-MX" dirty="0"/>
                         <a:t>Protección de datos personales, cifrado, control de accesos</a:t>
                       </a:r>
@@ -8600,7 +9179,7 @@
                       <a:pPr algn="ctr"/>
                       <a:r>
                         <a:rPr lang="es-MX" noProof="0" dirty="0"/>
-                        <a:t>0,19</a:t>
+                        <a:t>0,13</a:t>
                       </a:r>
                       <a:endParaRPr lang="es-CO" noProof="0" dirty="0"/>
                     </a:p>
@@ -8615,7 +9194,7 @@
                       <a:pPr algn="ctr"/>
                       <a:r>
                         <a:rPr lang="es-MX" noProof="0" dirty="0"/>
-                        <a:t>0,95</a:t>
+                        <a:t>0,65</a:t>
                       </a:r>
                       <a:endParaRPr lang="es-CO" noProof="0" dirty="0"/>
                     </a:p>
@@ -8651,6 +9230,21 @@
                     <a:p>
                       <a:pPr algn="ctr"/>
                       <a:r>
+                        <a:rPr lang="es-ES" noProof="0" dirty="0"/>
+                        <a:t>Capacidad</a:t>
+                      </a:r>
+                      <a:endParaRPr lang="es-CO" noProof="0" dirty="0"/>
+                    </a:p>
+                  </a:txBody>
+                  <a:tcPr anchor="ctr"/>
+                </a:tc>
+                <a:tc>
+                  <a:txBody>
+                    <a:bodyPr/>
+                    <a:lstStyle/>
+                    <a:p>
+                      <a:pPr algn="ctr"/>
+                      <a:r>
                         <a:rPr lang="es-MX" dirty="0"/>
                         <a:t>Soporte a miles de usuarios simultáneos sin caída</a:t>
                       </a:r>
@@ -8711,7 +9305,7 @@
                       <a:pPr algn="ctr"/>
                       <a:r>
                         <a:rPr lang="es-MX" noProof="0" dirty="0"/>
-                        <a:t>0,06</a:t>
+                        <a:t>0,26</a:t>
                       </a:r>
                       <a:endParaRPr lang="es-CO" noProof="0" dirty="0"/>
                     </a:p>
@@ -8726,7 +9320,7 @@
                       <a:pPr algn="ctr"/>
                       <a:r>
                         <a:rPr lang="es-MX" noProof="0" dirty="0"/>
-                        <a:t>0,3</a:t>
+                        <a:t>1,3</a:t>
                       </a:r>
                       <a:endParaRPr lang="es-CO" noProof="0" dirty="0"/>
                     </a:p>
@@ -9037,4 +9631,319 @@
   <a:objectDefaults/>
   <a:extraClrSchemeLst/>
 </a:theme>
+</file>
+
+<file path=ppt/theme/theme2.xml><?xml version="1.0" encoding="utf-8"?>
+<a:theme xmlns:a="http://schemas.openxmlformats.org/drawingml/2006/main" name="Tema de Office">
+  <a:themeElements>
+    <a:clrScheme name="Office">
+      <a:dk1>
+        <a:sysClr val="windowText" lastClr="000000"/>
+      </a:dk1>
+      <a:lt1>
+        <a:sysClr val="window" lastClr="FFFFFF"/>
+      </a:lt1>
+      <a:dk2>
+        <a:srgbClr val="0E2841"/>
+      </a:dk2>
+      <a:lt2>
+        <a:srgbClr val="E8E8E8"/>
+      </a:lt2>
+      <a:accent1>
+        <a:srgbClr val="156082"/>
+      </a:accent1>
+      <a:accent2>
+        <a:srgbClr val="E97132"/>
+      </a:accent2>
+      <a:accent3>
+        <a:srgbClr val="196B24"/>
+      </a:accent3>
+      <a:accent4>
+        <a:srgbClr val="0F9ED5"/>
+      </a:accent4>
+      <a:accent5>
+        <a:srgbClr val="A02B93"/>
+      </a:accent5>
+      <a:accent6>
+        <a:srgbClr val="4EA72E"/>
+      </a:accent6>
+      <a:hlink>
+        <a:srgbClr val="467886"/>
+      </a:hlink>
+      <a:folHlink>
+        <a:srgbClr val="96607D"/>
+      </a:folHlink>
+    </a:clrScheme>
+    <a:fontScheme name="Office">
+      <a:majorFont>
+        <a:latin typeface="Aptos Display" panose="02110004020202020204"/>
+        <a:ea typeface=""/>
+        <a:cs typeface=""/>
+        <a:font script="Jpan" typeface="游ゴシック Light"/>
+        <a:font script="Hang" typeface="맑은 고딕"/>
+        <a:font script="Hans" typeface="等线 Light"/>
+        <a:font script="Hant" typeface="新細明體"/>
+        <a:font script="Arab" typeface="Times New Roman"/>
+        <a:font script="Hebr" typeface="Times New Roman"/>
+        <a:font script="Thai" typeface="Angsana New"/>
+        <a:font script="Ethi" typeface="Nyala"/>
+        <a:font script="Beng" typeface="Vrinda"/>
+        <a:font script="Gujr" typeface="Shruti"/>
+        <a:font script="Khmr" typeface="MoolBoran"/>
+        <a:font script="Knda" typeface="Tunga"/>
+        <a:font script="Guru" typeface="Raavi"/>
+        <a:font script="Cans" typeface="Euphemia"/>
+        <a:font script="Cher" typeface="Plantagenet Cherokee"/>
+        <a:font script="Yiii" typeface="Microsoft Yi Baiti"/>
+        <a:font script="Tibt" typeface="Microsoft Himalaya"/>
+        <a:font script="Thaa" typeface="MV Boli"/>
+        <a:font script="Deva" typeface="Mangal"/>
+        <a:font script="Telu" typeface="Gautami"/>
+        <a:font script="Taml" typeface="Latha"/>
+        <a:font script="Syrc" typeface="Estrangelo Edessa"/>
+        <a:font script="Orya" typeface="Kalinga"/>
+        <a:font script="Mlym" typeface="Kartika"/>
+        <a:font script="Laoo" typeface="DokChampa"/>
+        <a:font script="Sinh" typeface="Iskoola Pota"/>
+        <a:font script="Mong" typeface="Mongolian Baiti"/>
+        <a:font script="Viet" typeface="Times New Roman"/>
+        <a:font script="Uigh" typeface="Microsoft Uighur"/>
+        <a:font script="Geor" typeface="Sylfaen"/>
+        <a:font script="Armn" typeface="Arial"/>
+        <a:font script="Bugi" typeface="Leelawadee UI"/>
+        <a:font script="Bopo" typeface="Microsoft JhengHei"/>
+        <a:font script="Java" typeface="Javanese Text"/>
+        <a:font script="Lisu" typeface="Segoe UI"/>
+        <a:font script="Mymr" typeface="Myanmar Text"/>
+        <a:font script="Nkoo" typeface="Ebrima"/>
+        <a:font script="Olck" typeface="Nirmala UI"/>
+        <a:font script="Osma" typeface="Ebrima"/>
+        <a:font script="Phag" typeface="Phagspa"/>
+        <a:font script="Syrn" typeface="Estrangelo Edessa"/>
+        <a:font script="Syrj" typeface="Estrangelo Edessa"/>
+        <a:font script="Syre" typeface="Estrangelo Edessa"/>
+        <a:font script="Sora" typeface="Nirmala UI"/>
+        <a:font script="Tale" typeface="Microsoft Tai Le"/>
+        <a:font script="Talu" typeface="Microsoft New Tai Lue"/>
+        <a:font script="Tfng" typeface="Ebrima"/>
+      </a:majorFont>
+      <a:minorFont>
+        <a:latin typeface="Aptos" panose="02110004020202020204"/>
+        <a:ea typeface=""/>
+        <a:cs typeface=""/>
+        <a:font script="Jpan" typeface="游ゴシック"/>
+        <a:font script="Hang" typeface="맑은 고딕"/>
+        <a:font script="Hans" typeface="等线"/>
+        <a:font script="Hant" typeface="新細明體"/>
+        <a:font script="Arab" typeface="Arial"/>
+        <a:font script="Hebr" typeface="Arial"/>
+        <a:font script="Thai" typeface="Cordia New"/>
+        <a:font script="Ethi" typeface="Nyala"/>
+        <a:font script="Beng" typeface="Vrinda"/>
+        <a:font script="Gujr" typeface="Shruti"/>
+        <a:font script="Khmr" typeface="DaunPenh"/>
+        <a:font script="Knda" typeface="Tunga"/>
+        <a:font script="Guru" typeface="Raavi"/>
+        <a:font script="Cans" typeface="Euphemia"/>
+        <a:font script="Cher" typeface="Plantagenet Cherokee"/>
+        <a:font script="Yiii" typeface="Microsoft Yi Baiti"/>
+        <a:font script="Tibt" typeface="Microsoft Himalaya"/>
+        <a:font script="Thaa" typeface="MV Boli"/>
+        <a:font script="Deva" typeface="Mangal"/>
+        <a:font script="Telu" typeface="Gautami"/>
+        <a:font script="Taml" typeface="Latha"/>
+        <a:font script="Syrc" typeface="Estrangelo Edessa"/>
+        <a:font script="Orya" typeface="Kalinga"/>
+        <a:font script="Mlym" typeface="Kartika"/>
+        <a:font script="Laoo" typeface="DokChampa"/>
+        <a:font script="Sinh" typeface="Iskoola Pota"/>
+        <a:font script="Mong" typeface="Mongolian Baiti"/>
+        <a:font script="Viet" typeface="Arial"/>
+        <a:font script="Uigh" typeface="Microsoft Uighur"/>
+        <a:font script="Geor" typeface="Sylfaen"/>
+        <a:font script="Armn" typeface="Arial"/>
+        <a:font script="Bugi" typeface="Leelawadee UI"/>
+        <a:font script="Bopo" typeface="Microsoft JhengHei"/>
+        <a:font script="Java" typeface="Javanese Text"/>
+        <a:font script="Lisu" typeface="Segoe UI"/>
+        <a:font script="Mymr" typeface="Myanmar Text"/>
+        <a:font script="Nkoo" typeface="Ebrima"/>
+        <a:font script="Olck" typeface="Nirmala UI"/>
+        <a:font script="Osma" typeface="Ebrima"/>
+        <a:font script="Phag" typeface="Phagspa"/>
+        <a:font script="Syrn" typeface="Estrangelo Edessa"/>
+        <a:font script="Syrj" typeface="Estrangelo Edessa"/>
+        <a:font script="Syre" typeface="Estrangelo Edessa"/>
+        <a:font script="Sora" typeface="Nirmala UI"/>
+        <a:font script="Tale" typeface="Microsoft Tai Le"/>
+        <a:font script="Talu" typeface="Microsoft New Tai Lue"/>
+        <a:font script="Tfng" typeface="Ebrima"/>
+      </a:minorFont>
+    </a:fontScheme>
+    <a:fmtScheme name="Office">
+      <a:fillStyleLst>
+        <a:solidFill>
+          <a:schemeClr val="phClr"/>
+        </a:solidFill>
+        <a:gradFill rotWithShape="1">
+          <a:gsLst>
+            <a:gs pos="0">
+              <a:schemeClr val="phClr">
+                <a:lumMod val="110000"/>
+                <a:satMod val="105000"/>
+                <a:tint val="67000"/>
+              </a:schemeClr>
+            </a:gs>
+            <a:gs pos="50000">
+              <a:schemeClr val="phClr">
+                <a:lumMod val="105000"/>
+                <a:satMod val="103000"/>
+                <a:tint val="73000"/>
+              </a:schemeClr>
+            </a:gs>
+            <a:gs pos="100000">
+              <a:schemeClr val="phClr">
+                <a:lumMod val="105000"/>
+                <a:satMod val="109000"/>
+                <a:tint val="81000"/>
+              </a:schemeClr>
+            </a:gs>
+          </a:gsLst>
+          <a:lin ang="5400000" scaled="0"/>
+        </a:gradFill>
+        <a:gradFill rotWithShape="1">
+          <a:gsLst>
+            <a:gs pos="0">
+              <a:schemeClr val="phClr">
+                <a:satMod val="103000"/>
+                <a:lumMod val="102000"/>
+                <a:tint val="94000"/>
+              </a:schemeClr>
+            </a:gs>
+            <a:gs pos="50000">
+              <a:schemeClr val="phClr">
+                <a:satMod val="110000"/>
+                <a:lumMod val="100000"/>
+                <a:shade val="100000"/>
+              </a:schemeClr>
+            </a:gs>
+            <a:gs pos="100000">
+              <a:schemeClr val="phClr">
+                <a:lumMod val="99000"/>
+                <a:satMod val="120000"/>
+                <a:shade val="78000"/>
+              </a:schemeClr>
+            </a:gs>
+          </a:gsLst>
+          <a:lin ang="5400000" scaled="0"/>
+        </a:gradFill>
+      </a:fillStyleLst>
+      <a:lnStyleLst>
+        <a:ln w="12700" cap="flat" cmpd="sng" algn="ctr">
+          <a:solidFill>
+            <a:schemeClr val="phClr"/>
+          </a:solidFill>
+          <a:prstDash val="solid"/>
+          <a:miter lim="800000"/>
+        </a:ln>
+        <a:ln w="19050" cap="flat" cmpd="sng" algn="ctr">
+          <a:solidFill>
+            <a:schemeClr val="phClr"/>
+          </a:solidFill>
+          <a:prstDash val="solid"/>
+          <a:miter lim="800000"/>
+        </a:ln>
+        <a:ln w="25400" cap="flat" cmpd="sng" algn="ctr">
+          <a:solidFill>
+            <a:schemeClr val="phClr"/>
+          </a:solidFill>
+          <a:prstDash val="solid"/>
+          <a:miter lim="800000"/>
+        </a:ln>
+      </a:lnStyleLst>
+      <a:effectStyleLst>
+        <a:effectStyle>
+          <a:effectLst/>
+        </a:effectStyle>
+        <a:effectStyle>
+          <a:effectLst/>
+        </a:effectStyle>
+        <a:effectStyle>
+          <a:effectLst>
+            <a:outerShdw blurRad="57150" dist="19050" dir="5400000" algn="ctr" rotWithShape="0">
+              <a:srgbClr val="000000">
+                <a:alpha val="63000"/>
+              </a:srgbClr>
+            </a:outerShdw>
+          </a:effectLst>
+        </a:effectStyle>
+      </a:effectStyleLst>
+      <a:bgFillStyleLst>
+        <a:solidFill>
+          <a:schemeClr val="phClr"/>
+        </a:solidFill>
+        <a:solidFill>
+          <a:schemeClr val="phClr">
+            <a:tint val="95000"/>
+            <a:satMod val="170000"/>
+          </a:schemeClr>
+        </a:solidFill>
+        <a:gradFill rotWithShape="1">
+          <a:gsLst>
+            <a:gs pos="0">
+              <a:schemeClr val="phClr">
+                <a:tint val="93000"/>
+                <a:satMod val="150000"/>
+                <a:shade val="98000"/>
+                <a:lumMod val="102000"/>
+              </a:schemeClr>
+            </a:gs>
+            <a:gs pos="50000">
+              <a:schemeClr val="phClr">
+                <a:tint val="98000"/>
+                <a:satMod val="130000"/>
+                <a:shade val="90000"/>
+                <a:lumMod val="103000"/>
+              </a:schemeClr>
+            </a:gs>
+            <a:gs pos="100000">
+              <a:schemeClr val="phClr">
+                <a:shade val="63000"/>
+                <a:satMod val="120000"/>
+              </a:schemeClr>
+            </a:gs>
+          </a:gsLst>
+          <a:lin ang="5400000" scaled="0"/>
+        </a:gradFill>
+      </a:bgFillStyleLst>
+    </a:fmtScheme>
+  </a:themeElements>
+  <a:objectDefaults>
+    <a:lnDef>
+      <a:spPr/>
+      <a:bodyPr/>
+      <a:lstStyle/>
+      <a:style>
+        <a:lnRef idx="2">
+          <a:schemeClr val="accent1"/>
+        </a:lnRef>
+        <a:fillRef idx="0">
+          <a:schemeClr val="accent1"/>
+        </a:fillRef>
+        <a:effectRef idx="1">
+          <a:schemeClr val="accent1"/>
+        </a:effectRef>
+        <a:fontRef idx="minor">
+          <a:schemeClr val="tx1"/>
+        </a:fontRef>
+      </a:style>
+    </a:lnDef>
+  </a:objectDefaults>
+  <a:extraClrSchemeLst/>
+  <a:extLst>
+    <a:ext uri="{05A4C25C-085E-4340-85A3-A5531E510DB2}">
+      <thm15:themeFamily xmlns:thm15="http://schemas.microsoft.com/office/thememl/2012/main" name="Office Theme" id="{2E142A2C-CD16-42D6-873A-C26D2A0506FA}" vid="{1BDDFF52-6CD6-40A5-AB3C-68EB2F1E4D0A}"/>
+    </a:ext>
+  </a:extLst>
+</a:theme>
 </file>
--- a/Project/Context/NutrIA.context.pptx
+++ b/Project/Context/NutrIA.context.pptx
@@ -4,6 +4,9 @@
   <p:sldMasterIdLst>
     <p:sldMasterId id="2147483648" r:id="rId1"/>
   </p:sldMasterIdLst>
+  <p:notesMasterIdLst>
+    <p:notesMasterId r:id="rId9"/>
+  </p:notesMasterIdLst>
   <p:sldIdLst>
     <p:sldId id="256" r:id="rId2"/>
     <p:sldId id="257" r:id="rId3"/>
@@ -18,15 +21,15 @@
   <p:embeddedFontLst>
     <p:embeddedFont>
       <p:font typeface="Glacial Indifference" panose="020B0604020202020204" charset="0"/>
-      <p:regular r:id="rId9"/>
+      <p:regular r:id="rId10"/>
     </p:embeddedFont>
     <p:embeddedFont>
       <p:font typeface="Glacial Indifference Bold" panose="020B0604020202020204" charset="0"/>
-      <p:regular r:id="rId10"/>
+      <p:regular r:id="rId11"/>
     </p:embeddedFont>
     <p:embeddedFont>
       <p:font typeface="League Spartan" panose="020B0604020202020204" charset="0"/>
-      <p:regular r:id="rId11"/>
+      <p:regular r:id="rId12"/>
     </p:embeddedFont>
   </p:embeddedFontLst>
   <p:defaultTextStyle>
@@ -141,6 +144,440 @@
     </p:ext>
   </p:extLst>
 </p:presentation>
+</file>
+
+<file path=ppt/notesMasters/notesMaster1.xml><?xml version="1.0" encoding="utf-8"?>
+<p:notesMaster xmlns:a="http://schemas.openxmlformats.org/drawingml/2006/main" xmlns:r="http://schemas.openxmlformats.org/officeDocument/2006/relationships" xmlns:p="http://schemas.openxmlformats.org/presentationml/2006/main">
+  <p:cSld>
+    <p:bg>
+      <p:bgRef idx="1001">
+        <a:schemeClr val="bg1"/>
+      </p:bgRef>
+    </p:bg>
+    <p:spTree>
+      <p:nvGrpSpPr>
+        <p:cNvPr id="1" name=""/>
+        <p:cNvGrpSpPr/>
+        <p:nvPr/>
+      </p:nvGrpSpPr>
+      <p:grpSpPr>
+        <a:xfrm>
+          <a:off x="0" y="0"/>
+          <a:ext cx="0" cy="0"/>
+          <a:chOff x="0" y="0"/>
+          <a:chExt cx="0" cy="0"/>
+        </a:xfrm>
+      </p:grpSpPr>
+      <p:sp>
+        <p:nvSpPr>
+          <p:cNvPr id="2" name="Marcador de encabezado 1"/>
+          <p:cNvSpPr>
+            <a:spLocks noGrp="1"/>
+          </p:cNvSpPr>
+          <p:nvPr>
+            <p:ph type="hdr" sz="quarter"/>
+          </p:nvPr>
+        </p:nvSpPr>
+        <p:spPr>
+          <a:xfrm>
+            <a:off x="0" y="0"/>
+            <a:ext cx="2971800" cy="458788"/>
+          </a:xfrm>
+          <a:prstGeom prst="rect">
+            <a:avLst/>
+          </a:prstGeom>
+        </p:spPr>
+        <p:txBody>
+          <a:bodyPr vert="horz" lIns="91440" tIns="45720" rIns="91440" bIns="45720" rtlCol="0"/>
+          <a:lstStyle>
+            <a:lvl1pPr algn="l">
+              <a:defRPr sz="1200"/>
+            </a:lvl1pPr>
+          </a:lstStyle>
+          <a:p>
+            <a:endParaRPr lang="es-CO"/>
+          </a:p>
+        </p:txBody>
+      </p:sp>
+      <p:sp>
+        <p:nvSpPr>
+          <p:cNvPr id="3" name="Marcador de fecha 2"/>
+          <p:cNvSpPr>
+            <a:spLocks noGrp="1"/>
+          </p:cNvSpPr>
+          <p:nvPr>
+            <p:ph type="dt" idx="1"/>
+          </p:nvPr>
+        </p:nvSpPr>
+        <p:spPr>
+          <a:xfrm>
+            <a:off x="3884613" y="0"/>
+            <a:ext cx="2971800" cy="458788"/>
+          </a:xfrm>
+          <a:prstGeom prst="rect">
+            <a:avLst/>
+          </a:prstGeom>
+        </p:spPr>
+        <p:txBody>
+          <a:bodyPr vert="horz" lIns="91440" tIns="45720" rIns="91440" bIns="45720" rtlCol="0"/>
+          <a:lstStyle>
+            <a:lvl1pPr algn="r">
+              <a:defRPr sz="1200"/>
+            </a:lvl1pPr>
+          </a:lstStyle>
+          <a:p>
+            <a:fld id="{DEE7E1AF-86C7-4DED-ADE0-AED17989966B}" type="datetimeFigureOut">
+              <a:rPr lang="es-CO" smtClean="0"/>
+              <a:t>9/04/2025</a:t>
+            </a:fld>
+            <a:endParaRPr lang="es-CO"/>
+          </a:p>
+        </p:txBody>
+      </p:sp>
+      <p:sp>
+        <p:nvSpPr>
+          <p:cNvPr id="4" name="Marcador de imagen de diapositiva 3"/>
+          <p:cNvSpPr>
+            <a:spLocks noGrp="1" noRot="1" noChangeAspect="1"/>
+          </p:cNvSpPr>
+          <p:nvPr>
+            <p:ph type="sldImg" idx="2"/>
+          </p:nvPr>
+        </p:nvSpPr>
+        <p:spPr>
+          <a:xfrm>
+            <a:off x="685800" y="1143000"/>
+            <a:ext cx="5486400" cy="3086100"/>
+          </a:xfrm>
+          <a:prstGeom prst="rect">
+            <a:avLst/>
+          </a:prstGeom>
+          <a:noFill/>
+          <a:ln w="12700">
+            <a:solidFill>
+              <a:prstClr val="black"/>
+            </a:solidFill>
+          </a:ln>
+        </p:spPr>
+        <p:txBody>
+          <a:bodyPr vert="horz" lIns="91440" tIns="45720" rIns="91440" bIns="45720" rtlCol="0" anchor="ctr"/>
+          <a:lstStyle/>
+          <a:p>
+            <a:endParaRPr lang="es-CO"/>
+          </a:p>
+        </p:txBody>
+      </p:sp>
+      <p:sp>
+        <p:nvSpPr>
+          <p:cNvPr id="5" name="Marcador de notas 4"/>
+          <p:cNvSpPr>
+            <a:spLocks noGrp="1"/>
+          </p:cNvSpPr>
+          <p:nvPr>
+            <p:ph type="body" sz="quarter" idx="3"/>
+          </p:nvPr>
+        </p:nvSpPr>
+        <p:spPr>
+          <a:xfrm>
+            <a:off x="685800" y="4400550"/>
+            <a:ext cx="5486400" cy="3600450"/>
+          </a:xfrm>
+          <a:prstGeom prst="rect">
+            <a:avLst/>
+          </a:prstGeom>
+        </p:spPr>
+        <p:txBody>
+          <a:bodyPr vert="horz" lIns="91440" tIns="45720" rIns="91440" bIns="45720" rtlCol="0"/>
+          <a:lstStyle/>
+          <a:p>
+            <a:pPr lvl="0"/>
+            <a:r>
+              <a:rPr lang="es-ES"/>
+              <a:t>Haga clic para modificar los estilos de texto del patrón</a:t>
+            </a:r>
+          </a:p>
+          <a:p>
+            <a:pPr lvl="1"/>
+            <a:r>
+              <a:rPr lang="es-ES"/>
+              <a:t>Segundo nivel</a:t>
+            </a:r>
+          </a:p>
+          <a:p>
+            <a:pPr lvl="2"/>
+            <a:r>
+              <a:rPr lang="es-ES"/>
+              <a:t>Tercer nivel</a:t>
+            </a:r>
+          </a:p>
+          <a:p>
+            <a:pPr lvl="3"/>
+            <a:r>
+              <a:rPr lang="es-ES"/>
+              <a:t>Cuarto nivel</a:t>
+            </a:r>
+          </a:p>
+          <a:p>
+            <a:pPr lvl="4"/>
+            <a:r>
+              <a:rPr lang="es-ES"/>
+              <a:t>Quinto nivel</a:t>
+            </a:r>
+            <a:endParaRPr lang="es-CO"/>
+          </a:p>
+        </p:txBody>
+      </p:sp>
+      <p:sp>
+        <p:nvSpPr>
+          <p:cNvPr id="6" name="Marcador de pie de página 5"/>
+          <p:cNvSpPr>
+            <a:spLocks noGrp="1"/>
+          </p:cNvSpPr>
+          <p:nvPr>
+            <p:ph type="ftr" sz="quarter" idx="4"/>
+          </p:nvPr>
+        </p:nvSpPr>
+        <p:spPr>
+          <a:xfrm>
+            <a:off x="0" y="8685213"/>
+            <a:ext cx="2971800" cy="458787"/>
+          </a:xfrm>
+          <a:prstGeom prst="rect">
+            <a:avLst/>
+          </a:prstGeom>
+        </p:spPr>
+        <p:txBody>
+          <a:bodyPr vert="horz" lIns="91440" tIns="45720" rIns="91440" bIns="45720" rtlCol="0" anchor="b"/>
+          <a:lstStyle>
+            <a:lvl1pPr algn="l">
+              <a:defRPr sz="1200"/>
+            </a:lvl1pPr>
+          </a:lstStyle>
+          <a:p>
+            <a:endParaRPr lang="es-CO"/>
+          </a:p>
+        </p:txBody>
+      </p:sp>
+      <p:sp>
+        <p:nvSpPr>
+          <p:cNvPr id="7" name="Marcador de número de diapositiva 6"/>
+          <p:cNvSpPr>
+            <a:spLocks noGrp="1"/>
+          </p:cNvSpPr>
+          <p:nvPr>
+            <p:ph type="sldNum" sz="quarter" idx="5"/>
+          </p:nvPr>
+        </p:nvSpPr>
+        <p:spPr>
+          <a:xfrm>
+            <a:off x="3884613" y="8685213"/>
+            <a:ext cx="2971800" cy="458787"/>
+          </a:xfrm>
+          <a:prstGeom prst="rect">
+            <a:avLst/>
+          </a:prstGeom>
+        </p:spPr>
+        <p:txBody>
+          <a:bodyPr vert="horz" lIns="91440" tIns="45720" rIns="91440" bIns="45720" rtlCol="0" anchor="b"/>
+          <a:lstStyle>
+            <a:lvl1pPr algn="r">
+              <a:defRPr sz="1200"/>
+            </a:lvl1pPr>
+          </a:lstStyle>
+          <a:p>
+            <a:fld id="{4600BED6-DE3C-4085-94EE-B5A126D1AF88}" type="slidenum">
+              <a:rPr lang="es-CO" smtClean="0"/>
+              <a:t>‹Nº›</a:t>
+            </a:fld>
+            <a:endParaRPr lang="es-CO"/>
+          </a:p>
+        </p:txBody>
+      </p:sp>
+    </p:spTree>
+    <p:extLst>
+      <p:ext uri="{BB962C8B-B14F-4D97-AF65-F5344CB8AC3E}">
+        <p14:creationId xmlns:p14="http://schemas.microsoft.com/office/powerpoint/2010/main" val="1232342132"/>
+      </p:ext>
+    </p:extLst>
+  </p:cSld>
+  <p:clrMap bg1="lt1" tx1="dk1" bg2="lt2" tx2="dk2" accent1="accent1" accent2="accent2" accent3="accent3" accent4="accent4" accent5="accent5" accent6="accent6" hlink="hlink" folHlink="folHlink"/>
+  <p:notesStyle>
+    <a:lvl1pPr marL="0" algn="l" defTabSz="914400" rtl="0" eaLnBrk="1" latinLnBrk="0" hangingPunct="1">
+      <a:defRPr sz="1200" kern="1200">
+        <a:solidFill>
+          <a:schemeClr val="tx1"/>
+        </a:solidFill>
+        <a:latin typeface="+mn-lt"/>
+        <a:ea typeface="+mn-ea"/>
+        <a:cs typeface="+mn-cs"/>
+      </a:defRPr>
+    </a:lvl1pPr>
+    <a:lvl2pPr marL="457200" algn="l" defTabSz="914400" rtl="0" eaLnBrk="1" latinLnBrk="0" hangingPunct="1">
+      <a:defRPr sz="1200" kern="1200">
+        <a:solidFill>
+          <a:schemeClr val="tx1"/>
+        </a:solidFill>
+        <a:latin typeface="+mn-lt"/>
+        <a:ea typeface="+mn-ea"/>
+        <a:cs typeface="+mn-cs"/>
+      </a:defRPr>
+    </a:lvl2pPr>
+    <a:lvl3pPr marL="914400" algn="l" defTabSz="914400" rtl="0" eaLnBrk="1" latinLnBrk="0" hangingPunct="1">
+      <a:defRPr sz="1200" kern="1200">
+        <a:solidFill>
+          <a:schemeClr val="tx1"/>
+        </a:solidFill>
+        <a:latin typeface="+mn-lt"/>
+        <a:ea typeface="+mn-ea"/>
+        <a:cs typeface="+mn-cs"/>
+      </a:defRPr>
+    </a:lvl3pPr>
+    <a:lvl4pPr marL="1371600" algn="l" defTabSz="914400" rtl="0" eaLnBrk="1" latinLnBrk="0" hangingPunct="1">
+      <a:defRPr sz="1200" kern="1200">
+        <a:solidFill>
+          <a:schemeClr val="tx1"/>
+        </a:solidFill>
+        <a:latin typeface="+mn-lt"/>
+        <a:ea typeface="+mn-ea"/>
+        <a:cs typeface="+mn-cs"/>
+      </a:defRPr>
+    </a:lvl4pPr>
+    <a:lvl5pPr marL="1828800" algn="l" defTabSz="914400" rtl="0" eaLnBrk="1" latinLnBrk="0" hangingPunct="1">
+      <a:defRPr sz="1200" kern="1200">
+        <a:solidFill>
+          <a:schemeClr val="tx1"/>
+        </a:solidFill>
+        <a:latin typeface="+mn-lt"/>
+        <a:ea typeface="+mn-ea"/>
+        <a:cs typeface="+mn-cs"/>
+      </a:defRPr>
+    </a:lvl5pPr>
+    <a:lvl6pPr marL="2286000" algn="l" defTabSz="914400" rtl="0" eaLnBrk="1" latinLnBrk="0" hangingPunct="1">
+      <a:defRPr sz="1200" kern="1200">
+        <a:solidFill>
+          <a:schemeClr val="tx1"/>
+        </a:solidFill>
+        <a:latin typeface="+mn-lt"/>
+        <a:ea typeface="+mn-ea"/>
+        <a:cs typeface="+mn-cs"/>
+      </a:defRPr>
+    </a:lvl6pPr>
+    <a:lvl7pPr marL="2743200" algn="l" defTabSz="914400" rtl="0" eaLnBrk="1" latinLnBrk="0" hangingPunct="1">
+      <a:defRPr sz="1200" kern="1200">
+        <a:solidFill>
+          <a:schemeClr val="tx1"/>
+        </a:solidFill>
+        <a:latin typeface="+mn-lt"/>
+        <a:ea typeface="+mn-ea"/>
+        <a:cs typeface="+mn-cs"/>
+      </a:defRPr>
+    </a:lvl7pPr>
+    <a:lvl8pPr marL="3200400" algn="l" defTabSz="914400" rtl="0" eaLnBrk="1" latinLnBrk="0" hangingPunct="1">
+      <a:defRPr sz="1200" kern="1200">
+        <a:solidFill>
+          <a:schemeClr val="tx1"/>
+        </a:solidFill>
+        <a:latin typeface="+mn-lt"/>
+        <a:ea typeface="+mn-ea"/>
+        <a:cs typeface="+mn-cs"/>
+      </a:defRPr>
+    </a:lvl8pPr>
+    <a:lvl9pPr marL="3657600" algn="l" defTabSz="914400" rtl="0" eaLnBrk="1" latinLnBrk="0" hangingPunct="1">
+      <a:defRPr sz="1200" kern="1200">
+        <a:solidFill>
+          <a:schemeClr val="tx1"/>
+        </a:solidFill>
+        <a:latin typeface="+mn-lt"/>
+        <a:ea typeface="+mn-ea"/>
+        <a:cs typeface="+mn-cs"/>
+      </a:defRPr>
+    </a:lvl9pPr>
+  </p:notesStyle>
+</p:notesMaster>
+</file>
+
+<file path=ppt/notesSlides/notesSlide1.xml><?xml version="1.0" encoding="utf-8"?>
+<p:notes xmlns:a="http://schemas.openxmlformats.org/drawingml/2006/main" xmlns:r="http://schemas.openxmlformats.org/officeDocument/2006/relationships" xmlns:p="http://schemas.openxmlformats.org/presentationml/2006/main">
+  <p:cSld>
+    <p:spTree>
+      <p:nvGrpSpPr>
+        <p:cNvPr id="1" name=""/>
+        <p:cNvGrpSpPr/>
+        <p:nvPr/>
+      </p:nvGrpSpPr>
+      <p:grpSpPr>
+        <a:xfrm>
+          <a:off x="0" y="0"/>
+          <a:ext cx="0" cy="0"/>
+          <a:chOff x="0" y="0"/>
+          <a:chExt cx="0" cy="0"/>
+        </a:xfrm>
+      </p:grpSpPr>
+      <p:sp>
+        <p:nvSpPr>
+          <p:cNvPr id="2" name="Marcador de imagen de diapositiva 1"/>
+          <p:cNvSpPr>
+            <a:spLocks noGrp="1" noRot="1" noChangeAspect="1"/>
+          </p:cNvSpPr>
+          <p:nvPr>
+            <p:ph type="sldImg"/>
+          </p:nvPr>
+        </p:nvSpPr>
+        <p:spPr/>
+      </p:sp>
+      <p:sp>
+        <p:nvSpPr>
+          <p:cNvPr id="3" name="Marcador de notas 2"/>
+          <p:cNvSpPr>
+            <a:spLocks noGrp="1"/>
+          </p:cNvSpPr>
+          <p:nvPr>
+            <p:ph type="body" idx="1"/>
+          </p:nvPr>
+        </p:nvSpPr>
+        <p:spPr/>
+        <p:txBody>
+          <a:bodyPr/>
+          <a:lstStyle/>
+          <a:p>
+            <a:endParaRPr lang="es-CO" dirty="0"/>
+          </a:p>
+        </p:txBody>
+      </p:sp>
+      <p:sp>
+        <p:nvSpPr>
+          <p:cNvPr id="4" name="Marcador de número de diapositiva 3"/>
+          <p:cNvSpPr>
+            <a:spLocks noGrp="1"/>
+          </p:cNvSpPr>
+          <p:nvPr>
+            <p:ph type="sldNum" sz="quarter" idx="5"/>
+          </p:nvPr>
+        </p:nvSpPr>
+        <p:spPr/>
+        <p:txBody>
+          <a:bodyPr/>
+          <a:lstStyle/>
+          <a:p>
+            <a:fld id="{4600BED6-DE3C-4085-94EE-B5A126D1AF88}" type="slidenum">
+              <a:rPr lang="es-CO" smtClean="0"/>
+              <a:t>5</a:t>
+            </a:fld>
+            <a:endParaRPr lang="es-CO"/>
+          </a:p>
+        </p:txBody>
+      </p:sp>
+    </p:spTree>
+    <p:extLst>
+      <p:ext uri="{BB962C8B-B14F-4D97-AF65-F5344CB8AC3E}">
+        <p14:creationId xmlns:p14="http://schemas.microsoft.com/office/powerpoint/2010/main" val="3304102043"/>
+      </p:ext>
+    </p:extLst>
+  </p:cSld>
+  <p:clrMapOvr>
+    <a:masterClrMapping/>
+  </p:clrMapOvr>
+</p:notes>
 </file>
 
 <file path=ppt/slideLayouts/slideLayout1.xml><?xml version="1.0" encoding="utf-8"?>
@@ -3901,7 +4338,7 @@
         <p:spPr>
           <a:xfrm>
             <a:off x="667059" y="2125840"/>
-            <a:ext cx="7882212" cy="7132460"/>
+            <a:ext cx="7882212" cy="7761548"/>
           </a:xfrm>
           <a:prstGeom prst="rect">
             <a:avLst/>
@@ -3940,7 +4377,31 @@
                 <a:cs typeface="Glacial Indifference"/>
                 <a:sym typeface="Glacial Indifference"/>
               </a:rPr>
-              <a:t>oyecto busca desarrollar una herramienta de planificación nutricional personalizada que permita crear planes de comidas saludables basados en las necesidades individuales del usuario, como sus condiciones de salud, preferencias dietéticas y los ingredientes disponibles. A través de una plataforma web interactiva con gráficos y notificaciones, el sistema ofrecerá recomendaciones adaptadas y promoverá el seguimiento de hábitos saludables mediante un sistema de gamificación. La solución busca mejorar la adherencia a dietas equilibradas y facilitar el acceso a información nutricional accesible y personalizada.</a:t>
+              <a:t>oyecto busca desarrollar una herramienta de planificación nutricional personalizada por medio de machine learning</a:t>
+            </a:r>
+            <a:r>
+              <a:rPr lang="es-CO" sz="2694" spc="59" dirty="0">
+                <a:solidFill>
+                  <a:srgbClr val="152540"/>
+                </a:solidFill>
+                <a:latin typeface="Glacial Indifference"/>
+                <a:ea typeface="Glacial Indifference"/>
+                <a:cs typeface="Glacial Indifference"/>
+                <a:sym typeface="Glacial Indifference"/>
+              </a:rPr>
+              <a:t>,</a:t>
+            </a:r>
+            <a:r>
+              <a:rPr lang="es-CO" sz="2694" u="none" strike="noStrike" spc="59" noProof="0" dirty="0">
+                <a:solidFill>
+                  <a:srgbClr val="152540"/>
+                </a:solidFill>
+                <a:latin typeface="Glacial Indifference"/>
+                <a:ea typeface="Glacial Indifference"/>
+                <a:cs typeface="Glacial Indifference"/>
+                <a:sym typeface="Glacial Indifference"/>
+              </a:rPr>
+              <a:t> que permita crear planes de comidas saludables basados en las necesidades individuales del usuario, como sus condiciones de salud, preferencias dietéticas y los ingredientes disponibles. A través de una plataforma web interactiva con gráficos y notificaciones, el sistema ofrecerá recomendaciones adaptadas y promoverá el seguimiento de hábitos saludables mediante un sistema de gamificación. La solución busca mejorar la adherencia a dietas equilibradas y facilitar el acceso a información nutricional accesible y personalizada.</a:t>
             </a:r>
           </a:p>
           <a:p>
@@ -4010,7 +4471,7 @@
         </p:nvSpPr>
         <p:spPr>
           <a:xfrm rot="-2047318">
-            <a:off x="-3775194" y="6616870"/>
+            <a:off x="-3941200" y="7155783"/>
             <a:ext cx="8481393" cy="7340260"/>
           </a:xfrm>
           <a:custGeom>
@@ -5379,10 +5840,10 @@
             </a:pathLst>
           </a:custGeom>
           <a:blipFill>
-            <a:blip r:embed="rId2">
+            <a:blip r:embed="rId3">
               <a:extLst>
                 <a:ext uri="{96DAC541-7B7A-43D3-8B79-37D633B846F1}">
-                  <asvg:svgBlip xmlns:asvg="http://schemas.microsoft.com/office/drawing/2016/SVG/main" r:embed="rId3"/>
+                  <asvg:svgBlip xmlns:asvg="http://schemas.microsoft.com/office/drawing/2016/SVG/main" r:embed="rId4"/>
                 </a:ext>
               </a:extLst>
             </a:blip>
@@ -5479,10 +5940,10 @@
             </a:pathLst>
           </a:custGeom>
           <a:blipFill>
-            <a:blip r:embed="rId2">
+            <a:blip r:embed="rId3">
               <a:extLst>
                 <a:ext uri="{96DAC541-7B7A-43D3-8B79-37D633B846F1}">
-                  <asvg:svgBlip xmlns:asvg="http://schemas.microsoft.com/office/drawing/2016/SVG/main" r:embed="rId3"/>
+                  <asvg:svgBlip xmlns:asvg="http://schemas.microsoft.com/office/drawing/2016/SVG/main" r:embed="rId4"/>
                 </a:ext>
               </a:extLst>
             </a:blip>
@@ -5579,10 +6040,10 @@
             </a:pathLst>
           </a:custGeom>
           <a:blipFill>
-            <a:blip r:embed="rId4">
+            <a:blip r:embed="rId5">
               <a:extLst>
                 <a:ext uri="{96DAC541-7B7A-43D3-8B79-37D633B846F1}">
-                  <asvg:svgBlip xmlns:asvg="http://schemas.microsoft.com/office/drawing/2016/SVG/main" r:embed="rId5"/>
+                  <asvg:svgBlip xmlns:asvg="http://schemas.microsoft.com/office/drawing/2016/SVG/main" r:embed="rId6"/>
                 </a:ext>
               </a:extLst>
             </a:blip>
@@ -6611,14 +7072,14 @@
           <p:nvPr>
             <p:extLst>
               <p:ext uri="{D42A27DB-BD31-4B8C-83A1-F6EECF244321}">
-                <p14:modId xmlns:p14="http://schemas.microsoft.com/office/powerpoint/2010/main" val="3072885486"/>
+                <p14:modId xmlns:p14="http://schemas.microsoft.com/office/powerpoint/2010/main" val="1344047476"/>
               </p:ext>
             </p:extLst>
           </p:nvPr>
         </p:nvGraphicFramePr>
         <p:xfrm>
           <a:off x="1728198" y="2980759"/>
-          <a:ext cx="14831603" cy="4159181"/>
+          <a:ext cx="14831603" cy="3900101"/>
         </p:xfrm>
         <a:graphic>
           <a:graphicData uri="http://schemas.openxmlformats.org/drawingml/2006/table">
@@ -6868,6 +7329,10 @@
                     <a:lstStyle/>
                     <a:p>
                       <a:pPr algn="ctr"/>
+                      <a:r>
+                        <a:rPr lang="es-ES" noProof="0" dirty="0"/>
+                        <a:t>4%</a:t>
+                      </a:r>
                       <a:endParaRPr lang="es-CO" noProof="0" dirty="0"/>
                     </a:p>
                   </a:txBody>
@@ -6881,6 +7346,21 @@
                       <a:pPr algn="ctr"/>
                       <a:r>
                         <a:rPr lang="es-MX" noProof="0" dirty="0"/>
+                        <a:t>3%</a:t>
+                      </a:r>
+                      <a:endParaRPr lang="es-CO" noProof="0" dirty="0"/>
+                    </a:p>
+                  </a:txBody>
+                  <a:tcPr anchor="ctr"/>
+                </a:tc>
+                <a:tc>
+                  <a:txBody>
+                    <a:bodyPr/>
+                    <a:lstStyle/>
+                    <a:p>
+                      <a:pPr algn="ctr"/>
+                      <a:r>
+                        <a:rPr lang="es-ES" noProof="0" dirty="0"/>
                         <a:t>2%</a:t>
                       </a:r>
                       <a:endParaRPr lang="es-CO" noProof="0" dirty="0"/>
@@ -6894,20 +7374,9 @@
                     <a:lstStyle/>
                     <a:p>
                       <a:pPr algn="ctr"/>
-                      <a:endParaRPr lang="es-CO" noProof="0" dirty="0"/>
-                    </a:p>
-                  </a:txBody>
-                  <a:tcPr anchor="ctr"/>
-                </a:tc>
-                <a:tc>
-                  <a:txBody>
-                    <a:bodyPr/>
-                    <a:lstStyle/>
-                    <a:p>
-                      <a:pPr algn="ctr"/>
                       <a:r>
                         <a:rPr lang="es-MX" noProof="0" dirty="0"/>
-                        <a:t>20%</a:t>
+                        <a:t>27%</a:t>
                       </a:r>
                       <a:endParaRPr lang="es-CO" noProof="0" dirty="0"/>
                     </a:p>
@@ -6928,7 +7397,7 @@
                     <a:p>
                       <a:pPr algn="ctr"/>
                       <a:r>
-                        <a:rPr lang="es-MX" noProof="0"/>
+                        <a:rPr lang="es-MX" noProof="0" dirty="0"/>
                         <a:t>Entrenadores personales</a:t>
                       </a:r>
                       <a:endParaRPr lang="es-CO" noProof="0" dirty="0"/>
@@ -6944,7 +7413,7 @@
                       <a:pPr algn="ctr"/>
                       <a:r>
                         <a:rPr lang="es-MX" noProof="0" dirty="0"/>
-                        <a:t>8%</a:t>
+                        <a:t>5%</a:t>
                       </a:r>
                       <a:endParaRPr lang="es-CO" noProof="0" dirty="0"/>
                     </a:p>
@@ -6959,7 +7428,21 @@
                       <a:pPr algn="ctr"/>
                       <a:r>
                         <a:rPr lang="es-CO" noProof="0" dirty="0"/>
-                        <a:t>6%</a:t>
+                        <a:t>5%</a:t>
+                      </a:r>
+                    </a:p>
+                  </a:txBody>
+                  <a:tcPr anchor="ctr"/>
+                </a:tc>
+                <a:tc>
+                  <a:txBody>
+                    <a:bodyPr/>
+                    <a:lstStyle/>
+                    <a:p>
+                      <a:pPr algn="ctr"/>
+                      <a:r>
+                        <a:rPr lang="es-CO" noProof="0" dirty="0"/>
+                        <a:t>3%</a:t>
                       </a:r>
                     </a:p>
                   </a:txBody>
@@ -6986,19 +7469,9 @@
                     <a:p>
                       <a:pPr algn="ctr"/>
                       <a:r>
-                        <a:rPr lang="es-CO" noProof="0" dirty="0"/>
-                        <a:t>4%</a:t>
-                      </a:r>
-                    </a:p>
-                  </a:txBody>
-                  <a:tcPr anchor="ctr"/>
-                </a:tc>
-                <a:tc>
-                  <a:txBody>
-                    <a:bodyPr/>
-                    <a:lstStyle/>
-                    <a:p>
-                      <a:pPr algn="ctr"/>
+                        <a:rPr lang="es-ES" noProof="0" dirty="0"/>
+                        <a:t>2%</a:t>
+                      </a:r>
                       <a:endParaRPr lang="es-CO" noProof="0" dirty="0"/>
                     </a:p>
                   </a:txBody>
@@ -7012,7 +7485,7 @@
                       <a:pPr algn="ctr"/>
                       <a:r>
                         <a:rPr lang="es-MX" noProof="0" dirty="0"/>
-                        <a:t>20%</a:t>
+                        <a:t>17%</a:t>
                       </a:r>
                       <a:endParaRPr lang="es-CO" noProof="0" dirty="0"/>
                     </a:p>
@@ -7034,7 +7507,7 @@
                       <a:pPr algn="ctr"/>
                       <a:r>
                         <a:rPr lang="es-MX" noProof="0" dirty="0"/>
-                        <a:t>Nutricionistas o Dietistas</a:t>
+                        <a:t>Nutricionistas</a:t>
                       </a:r>
                       <a:endParaRPr lang="es-CO" noProof="0" dirty="0"/>
                     </a:p>
@@ -7049,7 +7522,7 @@
                       <a:pPr algn="ctr"/>
                       <a:r>
                         <a:rPr lang="es-MX" noProof="0" dirty="0"/>
-                        <a:t>6%</a:t>
+                        <a:t>5%</a:t>
                       </a:r>
                       <a:endParaRPr lang="es-CO" noProof="0" dirty="0"/>
                     </a:p>
@@ -7062,6 +7535,10 @@
                     <a:lstStyle/>
                     <a:p>
                       <a:pPr algn="ctr"/>
+                      <a:r>
+                        <a:rPr lang="es-ES" noProof="0" dirty="0"/>
+                        <a:t>4%</a:t>
+                      </a:r>
                       <a:endParaRPr lang="es-CO" noProof="0" dirty="0"/>
                     </a:p>
                   </a:txBody>
@@ -7075,8 +7552,38 @@
                       <a:pPr algn="ctr"/>
                       <a:r>
                         <a:rPr lang="es-CO" noProof="0" dirty="0"/>
+                        <a:t>3%</a:t>
+                      </a:r>
+                    </a:p>
+                  </a:txBody>
+                  <a:tcPr anchor="ctr"/>
+                </a:tc>
+                <a:tc>
+                  <a:txBody>
+                    <a:bodyPr/>
+                    <a:lstStyle/>
+                    <a:p>
+                      <a:pPr algn="ctr"/>
+                      <a:r>
+                        <a:rPr lang="es-MX" noProof="0" dirty="0"/>
+                        <a:t>3%</a:t>
+                      </a:r>
+                      <a:endParaRPr lang="es-CO" noProof="0" dirty="0"/>
+                    </a:p>
+                  </a:txBody>
+                  <a:tcPr anchor="ctr"/>
+                </a:tc>
+                <a:tc>
+                  <a:txBody>
+                    <a:bodyPr/>
+                    <a:lstStyle/>
+                    <a:p>
+                      <a:pPr algn="ctr"/>
+                      <a:r>
+                        <a:rPr lang="es-ES" noProof="0" dirty="0"/>
                         <a:t>2%</a:t>
                       </a:r>
+                      <a:endParaRPr lang="es-CO" noProof="0" dirty="0"/>
                     </a:p>
                   </a:txBody>
                   <a:tcPr anchor="ctr"/>
@@ -7089,33 +7596,7 @@
                       <a:pPr algn="ctr"/>
                       <a:r>
                         <a:rPr lang="es-MX" noProof="0" dirty="0"/>
-                        <a:t>7%</a:t>
-                      </a:r>
-                      <a:endParaRPr lang="es-CO" noProof="0" dirty="0"/>
-                    </a:p>
-                  </a:txBody>
-                  <a:tcPr anchor="ctr"/>
-                </a:tc>
-                <a:tc>
-                  <a:txBody>
-                    <a:bodyPr/>
-                    <a:lstStyle/>
-                    <a:p>
-                      <a:pPr algn="ctr"/>
-                      <a:endParaRPr lang="es-CO" noProof="0" dirty="0"/>
-                    </a:p>
-                  </a:txBody>
-                  <a:tcPr anchor="ctr"/>
-                </a:tc>
-                <a:tc>
-                  <a:txBody>
-                    <a:bodyPr/>
-                    <a:lstStyle/>
-                    <a:p>
-                      <a:pPr algn="ctr"/>
-                      <a:r>
-                        <a:rPr lang="es-MX" noProof="0" dirty="0"/>
-                        <a:t>15%</a:t>
+                        <a:t>17%</a:t>
                       </a:r>
                       <a:endParaRPr lang="es-CO" noProof="0" dirty="0"/>
                     </a:p>
@@ -7150,6 +7631,10 @@
                     <a:lstStyle/>
                     <a:p>
                       <a:pPr algn="ctr"/>
+                      <a:r>
+                        <a:rPr lang="es-ES" noProof="0" dirty="0"/>
+                        <a:t>2%</a:t>
+                      </a:r>
                       <a:endParaRPr lang="es-CO" noProof="0" dirty="0"/>
                     </a:p>
                   </a:txBody>
@@ -7178,7 +7663,7 @@
                       <a:pPr algn="ctr"/>
                       <a:r>
                         <a:rPr lang="es-MX" noProof="0" dirty="0"/>
-                        <a:t>6%</a:t>
+                        <a:t>3%</a:t>
                       </a:r>
                       <a:endParaRPr lang="es-CO" noProof="0" dirty="0"/>
                     </a:p>
@@ -7193,18 +7678,22 @@
                       <a:pPr algn="ctr"/>
                       <a:r>
                         <a:rPr lang="es-CO" noProof="0" dirty="0"/>
-                        <a:t>6%</a:t>
-                      </a:r>
-                    </a:p>
-                  </a:txBody>
-                  <a:tcPr anchor="ctr"/>
-                </a:tc>
-                <a:tc>
-                  <a:txBody>
-                    <a:bodyPr/>
-                    <a:lstStyle/>
-                    <a:p>
-                      <a:pPr algn="ctr"/>
+                        <a:t>3%</a:t>
+                      </a:r>
+                    </a:p>
+                  </a:txBody>
+                  <a:tcPr anchor="ctr"/>
+                </a:tc>
+                <a:tc>
+                  <a:txBody>
+                    <a:bodyPr/>
+                    <a:lstStyle/>
+                    <a:p>
+                      <a:pPr algn="ctr"/>
+                      <a:r>
+                        <a:rPr lang="es-ES" noProof="0" dirty="0"/>
+                        <a:t>2%</a:t>
+                      </a:r>
                       <a:endParaRPr lang="es-CO" noProof="0" dirty="0"/>
                     </a:p>
                   </a:txBody>
@@ -7218,7 +7707,7 @@
                       <a:pPr algn="ctr"/>
                       <a:r>
                         <a:rPr lang="es-MX" noProof="0" dirty="0"/>
-                        <a:t>15%</a:t>
+                        <a:t>13%</a:t>
                       </a:r>
                       <a:endParaRPr lang="es-CO" noProof="0" dirty="0"/>
                     </a:p>
@@ -7255,7 +7744,7 @@
                       <a:pPr algn="ctr"/>
                       <a:r>
                         <a:rPr lang="es-CO" noProof="0" dirty="0"/>
-                        <a:t>4%</a:t>
+                        <a:t>2%</a:t>
                       </a:r>
                     </a:p>
                   </a:txBody>
@@ -7269,7 +7758,7 @@
                       <a:pPr algn="ctr"/>
                       <a:r>
                         <a:rPr lang="es-MX" noProof="0" dirty="0"/>
-                        <a:t>10%</a:t>
+                        <a:t>5%</a:t>
                       </a:r>
                       <a:endParaRPr lang="es-CO" noProof="0" dirty="0"/>
                     </a:p>
@@ -7284,18 +7773,22 @@
                       <a:pPr algn="ctr"/>
                       <a:r>
                         <a:rPr lang="es-CO" noProof="0" dirty="0"/>
-                        <a:t>10%</a:t>
-                      </a:r>
-                    </a:p>
-                  </a:txBody>
-                  <a:tcPr anchor="ctr"/>
-                </a:tc>
-                <a:tc>
-                  <a:txBody>
-                    <a:bodyPr/>
-                    <a:lstStyle/>
-                    <a:p>
-                      <a:pPr algn="ctr"/>
+                        <a:t>5%</a:t>
+                      </a:r>
+                    </a:p>
+                  </a:txBody>
+                  <a:tcPr anchor="ctr"/>
+                </a:tc>
+                <a:tc>
+                  <a:txBody>
+                    <a:bodyPr/>
+                    <a:lstStyle/>
+                    <a:p>
+                      <a:pPr algn="ctr"/>
+                      <a:r>
+                        <a:rPr lang="es-ES" noProof="0" dirty="0"/>
+                        <a:t>6%</a:t>
+                      </a:r>
                       <a:endParaRPr lang="es-CO" noProof="0" dirty="0"/>
                     </a:p>
                   </a:txBody>
@@ -7309,7 +7802,7 @@
                       <a:pPr algn="ctr"/>
                       <a:r>
                         <a:rPr lang="es-CO" noProof="0" dirty="0"/>
-                        <a:t>6%</a:t>
+                        <a:t>8%</a:t>
                       </a:r>
                     </a:p>
                   </a:txBody>
@@ -7323,7 +7816,7 @@
                       <a:pPr algn="ctr"/>
                       <a:r>
                         <a:rPr lang="es-MX" noProof="0" dirty="0"/>
-                        <a:t>30%</a:t>
+                        <a:t>26%</a:t>
                       </a:r>
                       <a:endParaRPr lang="es-CO" noProof="0" dirty="0"/>
                     </a:p>
@@ -7360,7 +7853,7 @@
                       <a:pPr algn="ctr"/>
                       <a:r>
                         <a:rPr lang="es-MX" noProof="0" dirty="0"/>
-                        <a:t>30%</a:t>
+                        <a:t>26%</a:t>
                       </a:r>
                       <a:endParaRPr lang="es-CO" noProof="0" dirty="0"/>
                     </a:p>
@@ -7375,7 +7868,7 @@
                       <a:pPr algn="ctr"/>
                       <a:r>
                         <a:rPr lang="es-MX" noProof="0" dirty="0"/>
-                        <a:t>25%</a:t>
+                        <a:t>23%</a:t>
                       </a:r>
                       <a:endParaRPr lang="es-CO" noProof="0" dirty="0"/>
                     </a:p>
@@ -7390,7 +7883,7 @@
                       <a:pPr algn="ctr"/>
                       <a:r>
                         <a:rPr lang="es-MX" noProof="0" dirty="0"/>
-                        <a:t>20%</a:t>
+                        <a:t>18%</a:t>
                       </a:r>
                       <a:endParaRPr lang="es-CO" noProof="0" dirty="0"/>
                     </a:p>
@@ -7405,7 +7898,7 @@
                       <a:pPr algn="ctr"/>
                       <a:r>
                         <a:rPr lang="es-MX" noProof="0" dirty="0"/>
-                        <a:t>19%</a:t>
+                        <a:t>17%</a:t>
                       </a:r>
                       <a:endParaRPr lang="es-CO" noProof="0" dirty="0"/>
                     </a:p>
@@ -7420,7 +7913,7 @@
                       <a:pPr algn="ctr"/>
                       <a:r>
                         <a:rPr lang="es-MX" noProof="0" dirty="0"/>
-                        <a:t>6%</a:t>
+                        <a:t>16%</a:t>
                       </a:r>
                       <a:endParaRPr lang="es-CO" noProof="0" dirty="0"/>
                     </a:p>
@@ -7976,14 +8469,14 @@
           <p:nvPr>
             <p:extLst>
               <p:ext uri="{D42A27DB-BD31-4B8C-83A1-F6EECF244321}">
-                <p14:modId xmlns:p14="http://schemas.microsoft.com/office/powerpoint/2010/main" val="3950465169"/>
+                <p14:modId xmlns:p14="http://schemas.microsoft.com/office/powerpoint/2010/main" val="1391007383"/>
               </p:ext>
             </p:extLst>
           </p:nvPr>
         </p:nvGraphicFramePr>
         <p:xfrm>
           <a:off x="1728198" y="3139604"/>
-          <a:ext cx="14831603" cy="4459272"/>
+          <a:ext cx="14831604" cy="4992672"/>
         </p:xfrm>
         <a:graphic>
           <a:graphicData uri="http://schemas.openxmlformats.org/drawingml/2006/table">
@@ -7992,49 +8485,56 @@
                 <a:tableStyleId>{69C7853C-536D-4A76-A0AE-DD22124D55A5}</a:tableStyleId>
               </a:tblPr>
               <a:tblGrid>
-                <a:gridCol w="1929402">
+                <a:gridCol w="1707304">
                   <a:extLst>
                     <a:ext uri="{9D8B030D-6E8A-4147-A177-3AD203B41FA5}">
                       <a16:colId xmlns:a16="http://schemas.microsoft.com/office/drawing/2014/main" val="2397876962"/>
                     </a:ext>
                   </a:extLst>
                 </a:gridCol>
-                <a:gridCol w="3048000">
+                <a:gridCol w="1707304">
+                  <a:extLst>
+                    <a:ext uri="{9D8B030D-6E8A-4147-A177-3AD203B41FA5}">
+                      <a16:colId xmlns:a16="http://schemas.microsoft.com/office/drawing/2014/main" val="990871400"/>
+                    </a:ext>
+                  </a:extLst>
+                </a:gridCol>
+                <a:gridCol w="2697137">
                   <a:extLst>
                     <a:ext uri="{9D8B030D-6E8A-4147-A177-3AD203B41FA5}">
                       <a16:colId xmlns:a16="http://schemas.microsoft.com/office/drawing/2014/main" val="3832847364"/>
                     </a:ext>
                   </a:extLst>
                 </a:gridCol>
-                <a:gridCol w="2667000">
+                <a:gridCol w="2359995">
                   <a:extLst>
                     <a:ext uri="{9D8B030D-6E8A-4147-A177-3AD203B41FA5}">
                       <a16:colId xmlns:a16="http://schemas.microsoft.com/office/drawing/2014/main" val="2243068901"/>
                     </a:ext>
                   </a:extLst>
                 </a:gridCol>
-                <a:gridCol w="1752600">
+                <a:gridCol w="1550854">
                   <a:extLst>
                     <a:ext uri="{9D8B030D-6E8A-4147-A177-3AD203B41FA5}">
                       <a16:colId xmlns:a16="http://schemas.microsoft.com/office/drawing/2014/main" val="3382976668"/>
                     </a:ext>
                   </a:extLst>
                 </a:gridCol>
-                <a:gridCol w="1828800">
+                <a:gridCol w="1618282">
                   <a:extLst>
                     <a:ext uri="{9D8B030D-6E8A-4147-A177-3AD203B41FA5}">
                       <a16:colId xmlns:a16="http://schemas.microsoft.com/office/drawing/2014/main" val="3711637950"/>
                     </a:ext>
                   </a:extLst>
                 </a:gridCol>
-                <a:gridCol w="1752600">
+                <a:gridCol w="1550854">
                   <a:extLst>
                     <a:ext uri="{9D8B030D-6E8A-4147-A177-3AD203B41FA5}">
                       <a16:colId xmlns:a16="http://schemas.microsoft.com/office/drawing/2014/main" val="197522138"/>
                     </a:ext>
                   </a:extLst>
                 </a:gridCol>
-                <a:gridCol w="1853201">
+                <a:gridCol w="1639874">
                   <a:extLst>
                     <a:ext uri="{9D8B030D-6E8A-4147-A177-3AD203B41FA5}">
                       <a16:colId xmlns:a16="http://schemas.microsoft.com/office/drawing/2014/main" val="3380335598"/>
@@ -8073,6 +8573,25 @@
                         </a:lnSpc>
                       </a:pPr>
                       <a:r>
+                        <a:rPr lang="es-ES" sz="2400" noProof="0" dirty="0"/>
+                        <a:t>SUB-CATEGORIA </a:t>
+                      </a:r>
+                      <a:endParaRPr lang="es-CO" sz="2400" noProof="0" dirty="0"/>
+                    </a:p>
+                  </a:txBody>
+                  <a:tcPr anchor="ctr"/>
+                </a:tc>
+                <a:tc>
+                  <a:txBody>
+                    <a:bodyPr/>
+                    <a:lstStyle/>
+                    <a:p>
+                      <a:pPr algn="ctr">
+                        <a:lnSpc>
+                          <a:spcPct val="100000"/>
+                        </a:lnSpc>
+                      </a:pPr>
+                      <a:r>
                         <a:rPr lang="es-MX" sz="2400" noProof="0" dirty="0"/>
                         <a:t>DESCRIPCIÓN</a:t>
                       </a:r>
@@ -8205,6 +8724,21 @@
                     <a:p>
                       <a:pPr algn="ctr"/>
                       <a:r>
+                        <a:rPr lang="es-ES" noProof="0" dirty="0"/>
+                        <a:t>Aprendizaje</a:t>
+                      </a:r>
+                      <a:endParaRPr lang="es-CO" noProof="0" dirty="0"/>
+                    </a:p>
+                  </a:txBody>
+                  <a:tcPr anchor="ctr"/>
+                </a:tc>
+                <a:tc>
+                  <a:txBody>
+                    <a:bodyPr/>
+                    <a:lstStyle/>
+                    <a:p>
+                      <a:pPr algn="ctr"/>
+                      <a:r>
                         <a:rPr lang="es-MX" dirty="0"/>
                         <a:t>Flujo amigable, navegación intuitiva, estética clara</a:t>
                       </a:r>
@@ -8266,7 +8800,7 @@
                       <a:pPr algn="ctr"/>
                       <a:r>
                         <a:rPr lang="es-MX" noProof="0" dirty="0"/>
-                        <a:t>0,30</a:t>
+                        <a:t>0,27</a:t>
                       </a:r>
                       <a:endParaRPr lang="es-CO" noProof="0" dirty="0"/>
                     </a:p>
@@ -8281,7 +8815,7 @@
                       <a:pPr algn="ctr"/>
                       <a:r>
                         <a:rPr lang="es-MX" noProof="0" dirty="0"/>
-                        <a:t>1,5</a:t>
+                        <a:t>1,35</a:t>
                       </a:r>
                       <a:endParaRPr lang="es-CO" noProof="0" dirty="0"/>
                     </a:p>
@@ -8317,6 +8851,21 @@
                     <a:p>
                       <a:pPr algn="ctr"/>
                       <a:r>
+                        <a:rPr lang="es-ES" noProof="0" dirty="0"/>
+                        <a:t>Eficiencia en tiempo de respuesta</a:t>
+                      </a:r>
+                      <a:endParaRPr lang="es-CO" noProof="0" dirty="0"/>
+                    </a:p>
+                  </a:txBody>
+                  <a:tcPr anchor="ctr"/>
+                </a:tc>
+                <a:tc>
+                  <a:txBody>
+                    <a:bodyPr/>
+                    <a:lstStyle/>
+                    <a:p>
+                      <a:pPr algn="ctr"/>
+                      <a:r>
                         <a:rPr lang="es-MX" dirty="0"/>
                         <a:t>Tiempo de respuesta ante generación de menús o acciones críticas</a:t>
                       </a:r>
@@ -8378,7 +8927,7 @@
                       <a:pPr algn="ctr"/>
                       <a:r>
                         <a:rPr lang="es-MX" noProof="0" dirty="0"/>
-                        <a:t>0,25</a:t>
+                        <a:t>0,17</a:t>
                       </a:r>
                       <a:endParaRPr lang="es-CO" noProof="0" dirty="0"/>
                     </a:p>
@@ -8393,7 +8942,7 @@
                       <a:pPr algn="ctr"/>
                       <a:r>
                         <a:rPr lang="es-MX" noProof="0" dirty="0"/>
-                        <a:t>1,5</a:t>
+                        <a:t>1,02</a:t>
                       </a:r>
                       <a:endParaRPr lang="es-CO" noProof="0" dirty="0"/>
                     </a:p>
@@ -8429,6 +8978,21 @@
                     <a:p>
                       <a:pPr algn="ctr"/>
                       <a:r>
+                        <a:rPr lang="es-ES" noProof="0" dirty="0"/>
+                        <a:t>Disponibilidad</a:t>
+                      </a:r>
+                      <a:endParaRPr lang="es-CO" noProof="0" dirty="0"/>
+                    </a:p>
+                  </a:txBody>
+                  <a:tcPr anchor="ctr"/>
+                </a:tc>
+                <a:tc>
+                  <a:txBody>
+                    <a:bodyPr/>
+                    <a:lstStyle/>
+                    <a:p>
+                      <a:pPr algn="ctr"/>
+                      <a:r>
                         <a:rPr lang="es-MX" dirty="0"/>
                         <a:t>Sistema activo todo el tiempo</a:t>
                       </a:r>
@@ -8490,7 +9054,7 @@
                       <a:pPr algn="ctr"/>
                       <a:r>
                         <a:rPr lang="es-MX" noProof="0" dirty="0"/>
-                        <a:t>0,20</a:t>
+                        <a:t>0,17</a:t>
                       </a:r>
                       <a:endParaRPr lang="es-CO" noProof="0" dirty="0"/>
                     </a:p>
@@ -8505,7 +9069,7 @@
                       <a:pPr algn="ctr"/>
                       <a:r>
                         <a:rPr lang="es-MX" noProof="0" dirty="0"/>
-                        <a:t>0,8</a:t>
+                        <a:t>0,68</a:t>
                       </a:r>
                       <a:endParaRPr lang="es-CO" noProof="0" dirty="0"/>
                     </a:p>
@@ -8541,6 +9105,21 @@
                     <a:p>
                       <a:pPr algn="ctr"/>
                       <a:r>
+                        <a:rPr lang="es-ES" noProof="0" dirty="0"/>
+                        <a:t>Protección de la información</a:t>
+                      </a:r>
+                      <a:endParaRPr lang="es-CO" noProof="0" dirty="0"/>
+                    </a:p>
+                  </a:txBody>
+                  <a:tcPr anchor="ctr"/>
+                </a:tc>
+                <a:tc>
+                  <a:txBody>
+                    <a:bodyPr/>
+                    <a:lstStyle/>
+                    <a:p>
+                      <a:pPr algn="ctr"/>
+                      <a:r>
                         <a:rPr lang="es-MX" dirty="0"/>
                         <a:t>Protección de datos personales, cifrado, control de accesos</a:t>
                       </a:r>
@@ -8600,7 +9179,7 @@
                       <a:pPr algn="ctr"/>
                       <a:r>
                         <a:rPr lang="es-MX" noProof="0" dirty="0"/>
-                        <a:t>0,19</a:t>
+                        <a:t>0,13</a:t>
                       </a:r>
                       <a:endParaRPr lang="es-CO" noProof="0" dirty="0"/>
                     </a:p>
@@ -8615,7 +9194,7 @@
                       <a:pPr algn="ctr"/>
                       <a:r>
                         <a:rPr lang="es-MX" noProof="0" dirty="0"/>
-                        <a:t>0,95</a:t>
+                        <a:t>0,65</a:t>
                       </a:r>
                       <a:endParaRPr lang="es-CO" noProof="0" dirty="0"/>
                     </a:p>
@@ -8651,6 +9230,21 @@
                     <a:p>
                       <a:pPr algn="ctr"/>
                       <a:r>
+                        <a:rPr lang="es-ES" noProof="0" dirty="0"/>
+                        <a:t>Capacidad</a:t>
+                      </a:r>
+                      <a:endParaRPr lang="es-CO" noProof="0" dirty="0"/>
+                    </a:p>
+                  </a:txBody>
+                  <a:tcPr anchor="ctr"/>
+                </a:tc>
+                <a:tc>
+                  <a:txBody>
+                    <a:bodyPr/>
+                    <a:lstStyle/>
+                    <a:p>
+                      <a:pPr algn="ctr"/>
+                      <a:r>
                         <a:rPr lang="es-MX" dirty="0"/>
                         <a:t>Soporte a miles de usuarios simultáneos sin caída</a:t>
                       </a:r>
@@ -8711,7 +9305,7 @@
                       <a:pPr algn="ctr"/>
                       <a:r>
                         <a:rPr lang="es-MX" noProof="0" dirty="0"/>
-                        <a:t>0,06</a:t>
+                        <a:t>0,26</a:t>
                       </a:r>
                       <a:endParaRPr lang="es-CO" noProof="0" dirty="0"/>
                     </a:p>
@@ -8726,7 +9320,7 @@
                       <a:pPr algn="ctr"/>
                       <a:r>
                         <a:rPr lang="es-MX" noProof="0" dirty="0"/>
-                        <a:t>0,3</a:t>
+                        <a:t>1,3</a:t>
                       </a:r>
                       <a:endParaRPr lang="es-CO" noProof="0" dirty="0"/>
                     </a:p>
@@ -9037,4 +9631,319 @@
   <a:objectDefaults/>
   <a:extraClrSchemeLst/>
 </a:theme>
+</file>
+
+<file path=ppt/theme/theme2.xml><?xml version="1.0" encoding="utf-8"?>
+<a:theme xmlns:a="http://schemas.openxmlformats.org/drawingml/2006/main" name="Tema de Office">
+  <a:themeElements>
+    <a:clrScheme name="Office">
+      <a:dk1>
+        <a:sysClr val="windowText" lastClr="000000"/>
+      </a:dk1>
+      <a:lt1>
+        <a:sysClr val="window" lastClr="FFFFFF"/>
+      </a:lt1>
+      <a:dk2>
+        <a:srgbClr val="0E2841"/>
+      </a:dk2>
+      <a:lt2>
+        <a:srgbClr val="E8E8E8"/>
+      </a:lt2>
+      <a:accent1>
+        <a:srgbClr val="156082"/>
+      </a:accent1>
+      <a:accent2>
+        <a:srgbClr val="E97132"/>
+      </a:accent2>
+      <a:accent3>
+        <a:srgbClr val="196B24"/>
+      </a:accent3>
+      <a:accent4>
+        <a:srgbClr val="0F9ED5"/>
+      </a:accent4>
+      <a:accent5>
+        <a:srgbClr val="A02B93"/>
+      </a:accent5>
+      <a:accent6>
+        <a:srgbClr val="4EA72E"/>
+      </a:accent6>
+      <a:hlink>
+        <a:srgbClr val="467886"/>
+      </a:hlink>
+      <a:folHlink>
+        <a:srgbClr val="96607D"/>
+      </a:folHlink>
+    </a:clrScheme>
+    <a:fontScheme name="Office">
+      <a:majorFont>
+        <a:latin typeface="Aptos Display" panose="02110004020202020204"/>
+        <a:ea typeface=""/>
+        <a:cs typeface=""/>
+        <a:font script="Jpan" typeface="游ゴシック Light"/>
+        <a:font script="Hang" typeface="맑은 고딕"/>
+        <a:font script="Hans" typeface="等线 Light"/>
+        <a:font script="Hant" typeface="新細明體"/>
+        <a:font script="Arab" typeface="Times New Roman"/>
+        <a:font script="Hebr" typeface="Times New Roman"/>
+        <a:font script="Thai" typeface="Angsana New"/>
+        <a:font script="Ethi" typeface="Nyala"/>
+        <a:font script="Beng" typeface="Vrinda"/>
+        <a:font script="Gujr" typeface="Shruti"/>
+        <a:font script="Khmr" typeface="MoolBoran"/>
+        <a:font script="Knda" typeface="Tunga"/>
+        <a:font script="Guru" typeface="Raavi"/>
+        <a:font script="Cans" typeface="Euphemia"/>
+        <a:font script="Cher" typeface="Plantagenet Cherokee"/>
+        <a:font script="Yiii" typeface="Microsoft Yi Baiti"/>
+        <a:font script="Tibt" typeface="Microsoft Himalaya"/>
+        <a:font script="Thaa" typeface="MV Boli"/>
+        <a:font script="Deva" typeface="Mangal"/>
+        <a:font script="Telu" typeface="Gautami"/>
+        <a:font script="Taml" typeface="Latha"/>
+        <a:font script="Syrc" typeface="Estrangelo Edessa"/>
+        <a:font script="Orya" typeface="Kalinga"/>
+        <a:font script="Mlym" typeface="Kartika"/>
+        <a:font script="Laoo" typeface="DokChampa"/>
+        <a:font script="Sinh" typeface="Iskoola Pota"/>
+        <a:font script="Mong" typeface="Mongolian Baiti"/>
+        <a:font script="Viet" typeface="Times New Roman"/>
+        <a:font script="Uigh" typeface="Microsoft Uighur"/>
+        <a:font script="Geor" typeface="Sylfaen"/>
+        <a:font script="Armn" typeface="Arial"/>
+        <a:font script="Bugi" typeface="Leelawadee UI"/>
+        <a:font script="Bopo" typeface="Microsoft JhengHei"/>
+        <a:font script="Java" typeface="Javanese Text"/>
+        <a:font script="Lisu" typeface="Segoe UI"/>
+        <a:font script="Mymr" typeface="Myanmar Text"/>
+        <a:font script="Nkoo" typeface="Ebrima"/>
+        <a:font script="Olck" typeface="Nirmala UI"/>
+        <a:font script="Osma" typeface="Ebrima"/>
+        <a:font script="Phag" typeface="Phagspa"/>
+        <a:font script="Syrn" typeface="Estrangelo Edessa"/>
+        <a:font script="Syrj" typeface="Estrangelo Edessa"/>
+        <a:font script="Syre" typeface="Estrangelo Edessa"/>
+        <a:font script="Sora" typeface="Nirmala UI"/>
+        <a:font script="Tale" typeface="Microsoft Tai Le"/>
+        <a:font script="Talu" typeface="Microsoft New Tai Lue"/>
+        <a:font script="Tfng" typeface="Ebrima"/>
+      </a:majorFont>
+      <a:minorFont>
+        <a:latin typeface="Aptos" panose="02110004020202020204"/>
+        <a:ea typeface=""/>
+        <a:cs typeface=""/>
+        <a:font script="Jpan" typeface="游ゴシック"/>
+        <a:font script="Hang" typeface="맑은 고딕"/>
+        <a:font script="Hans" typeface="等线"/>
+        <a:font script="Hant" typeface="新細明體"/>
+        <a:font script="Arab" typeface="Arial"/>
+        <a:font script="Hebr" typeface="Arial"/>
+        <a:font script="Thai" typeface="Cordia New"/>
+        <a:font script="Ethi" typeface="Nyala"/>
+        <a:font script="Beng" typeface="Vrinda"/>
+        <a:font script="Gujr" typeface="Shruti"/>
+        <a:font script="Khmr" typeface="DaunPenh"/>
+        <a:font script="Knda" typeface="Tunga"/>
+        <a:font script="Guru" typeface="Raavi"/>
+        <a:font script="Cans" typeface="Euphemia"/>
+        <a:font script="Cher" typeface="Plantagenet Cherokee"/>
+        <a:font script="Yiii" typeface="Microsoft Yi Baiti"/>
+        <a:font script="Tibt" typeface="Microsoft Himalaya"/>
+        <a:font script="Thaa" typeface="MV Boli"/>
+        <a:font script="Deva" typeface="Mangal"/>
+        <a:font script="Telu" typeface="Gautami"/>
+        <a:font script="Taml" typeface="Latha"/>
+        <a:font script="Syrc" typeface="Estrangelo Edessa"/>
+        <a:font script="Orya" typeface="Kalinga"/>
+        <a:font script="Mlym" typeface="Kartika"/>
+        <a:font script="Laoo" typeface="DokChampa"/>
+        <a:font script="Sinh" typeface="Iskoola Pota"/>
+        <a:font script="Mong" typeface="Mongolian Baiti"/>
+        <a:font script="Viet" typeface="Arial"/>
+        <a:font script="Uigh" typeface="Microsoft Uighur"/>
+        <a:font script="Geor" typeface="Sylfaen"/>
+        <a:font script="Armn" typeface="Arial"/>
+        <a:font script="Bugi" typeface="Leelawadee UI"/>
+        <a:font script="Bopo" typeface="Microsoft JhengHei"/>
+        <a:font script="Java" typeface="Javanese Text"/>
+        <a:font script="Lisu" typeface="Segoe UI"/>
+        <a:font script="Mymr" typeface="Myanmar Text"/>
+        <a:font script="Nkoo" typeface="Ebrima"/>
+        <a:font script="Olck" typeface="Nirmala UI"/>
+        <a:font script="Osma" typeface="Ebrima"/>
+        <a:font script="Phag" typeface="Phagspa"/>
+        <a:font script="Syrn" typeface="Estrangelo Edessa"/>
+        <a:font script="Syrj" typeface="Estrangelo Edessa"/>
+        <a:font script="Syre" typeface="Estrangelo Edessa"/>
+        <a:font script="Sora" typeface="Nirmala UI"/>
+        <a:font script="Tale" typeface="Microsoft Tai Le"/>
+        <a:font script="Talu" typeface="Microsoft New Tai Lue"/>
+        <a:font script="Tfng" typeface="Ebrima"/>
+      </a:minorFont>
+    </a:fontScheme>
+    <a:fmtScheme name="Office">
+      <a:fillStyleLst>
+        <a:solidFill>
+          <a:schemeClr val="phClr"/>
+        </a:solidFill>
+        <a:gradFill rotWithShape="1">
+          <a:gsLst>
+            <a:gs pos="0">
+              <a:schemeClr val="phClr">
+                <a:lumMod val="110000"/>
+                <a:satMod val="105000"/>
+                <a:tint val="67000"/>
+              </a:schemeClr>
+            </a:gs>
+            <a:gs pos="50000">
+              <a:schemeClr val="phClr">
+                <a:lumMod val="105000"/>
+                <a:satMod val="103000"/>
+                <a:tint val="73000"/>
+              </a:schemeClr>
+            </a:gs>
+            <a:gs pos="100000">
+              <a:schemeClr val="phClr">
+                <a:lumMod val="105000"/>
+                <a:satMod val="109000"/>
+                <a:tint val="81000"/>
+              </a:schemeClr>
+            </a:gs>
+          </a:gsLst>
+          <a:lin ang="5400000" scaled="0"/>
+        </a:gradFill>
+        <a:gradFill rotWithShape="1">
+          <a:gsLst>
+            <a:gs pos="0">
+              <a:schemeClr val="phClr">
+                <a:satMod val="103000"/>
+                <a:lumMod val="102000"/>
+                <a:tint val="94000"/>
+              </a:schemeClr>
+            </a:gs>
+            <a:gs pos="50000">
+              <a:schemeClr val="phClr">
+                <a:satMod val="110000"/>
+                <a:lumMod val="100000"/>
+                <a:shade val="100000"/>
+              </a:schemeClr>
+            </a:gs>
+            <a:gs pos="100000">
+              <a:schemeClr val="phClr">
+                <a:lumMod val="99000"/>
+                <a:satMod val="120000"/>
+                <a:shade val="78000"/>
+              </a:schemeClr>
+            </a:gs>
+          </a:gsLst>
+          <a:lin ang="5400000" scaled="0"/>
+        </a:gradFill>
+      </a:fillStyleLst>
+      <a:lnStyleLst>
+        <a:ln w="12700" cap="flat" cmpd="sng" algn="ctr">
+          <a:solidFill>
+            <a:schemeClr val="phClr"/>
+          </a:solidFill>
+          <a:prstDash val="solid"/>
+          <a:miter lim="800000"/>
+        </a:ln>
+        <a:ln w="19050" cap="flat" cmpd="sng" algn="ctr">
+          <a:solidFill>
+            <a:schemeClr val="phClr"/>
+          </a:solidFill>
+          <a:prstDash val="solid"/>
+          <a:miter lim="800000"/>
+        </a:ln>
+        <a:ln w="25400" cap="flat" cmpd="sng" algn="ctr">
+          <a:solidFill>
+            <a:schemeClr val="phClr"/>
+          </a:solidFill>
+          <a:prstDash val="solid"/>
+          <a:miter lim="800000"/>
+        </a:ln>
+      </a:lnStyleLst>
+      <a:effectStyleLst>
+        <a:effectStyle>
+          <a:effectLst/>
+        </a:effectStyle>
+        <a:effectStyle>
+          <a:effectLst/>
+        </a:effectStyle>
+        <a:effectStyle>
+          <a:effectLst>
+            <a:outerShdw blurRad="57150" dist="19050" dir="5400000" algn="ctr" rotWithShape="0">
+              <a:srgbClr val="000000">
+                <a:alpha val="63000"/>
+              </a:srgbClr>
+            </a:outerShdw>
+          </a:effectLst>
+        </a:effectStyle>
+      </a:effectStyleLst>
+      <a:bgFillStyleLst>
+        <a:solidFill>
+          <a:schemeClr val="phClr"/>
+        </a:solidFill>
+        <a:solidFill>
+          <a:schemeClr val="phClr">
+            <a:tint val="95000"/>
+            <a:satMod val="170000"/>
+          </a:schemeClr>
+        </a:solidFill>
+        <a:gradFill rotWithShape="1">
+          <a:gsLst>
+            <a:gs pos="0">
+              <a:schemeClr val="phClr">
+                <a:tint val="93000"/>
+                <a:satMod val="150000"/>
+                <a:shade val="98000"/>
+                <a:lumMod val="102000"/>
+              </a:schemeClr>
+            </a:gs>
+            <a:gs pos="50000">
+              <a:schemeClr val="phClr">
+                <a:tint val="98000"/>
+                <a:satMod val="130000"/>
+                <a:shade val="90000"/>
+                <a:lumMod val="103000"/>
+              </a:schemeClr>
+            </a:gs>
+            <a:gs pos="100000">
+              <a:schemeClr val="phClr">
+                <a:shade val="63000"/>
+                <a:satMod val="120000"/>
+              </a:schemeClr>
+            </a:gs>
+          </a:gsLst>
+          <a:lin ang="5400000" scaled="0"/>
+        </a:gradFill>
+      </a:bgFillStyleLst>
+    </a:fmtScheme>
+  </a:themeElements>
+  <a:objectDefaults>
+    <a:lnDef>
+      <a:spPr/>
+      <a:bodyPr/>
+      <a:lstStyle/>
+      <a:style>
+        <a:lnRef idx="2">
+          <a:schemeClr val="accent1"/>
+        </a:lnRef>
+        <a:fillRef idx="0">
+          <a:schemeClr val="accent1"/>
+        </a:fillRef>
+        <a:effectRef idx="1">
+          <a:schemeClr val="accent1"/>
+        </a:effectRef>
+        <a:fontRef idx="minor">
+          <a:schemeClr val="tx1"/>
+        </a:fontRef>
+      </a:style>
+    </a:lnDef>
+  </a:objectDefaults>
+  <a:extraClrSchemeLst/>
+  <a:extLst>
+    <a:ext uri="{05A4C25C-085E-4340-85A3-A5531E510DB2}">
+      <thm15:themeFamily xmlns:thm15="http://schemas.microsoft.com/office/thememl/2012/main" name="Office Theme" id="{2E142A2C-CD16-42D6-873A-C26D2A0506FA}" vid="{1BDDFF52-6CD6-40A5-AB3C-68EB2F1E4D0A}"/>
+    </a:ext>
+  </a:extLst>
+</a:theme>
 </file>
--- a/Project/Context/NutrIA.context.pptx
+++ b/Project/Context/NutrIA.context.pptx
@@ -228,7 +228,7 @@
           <a:p>
             <a:fld id="{DEE7E1AF-86C7-4DED-ADE0-AED17989966B}" type="datetimeFigureOut">
               <a:rPr lang="es-CO" smtClean="0"/>
-              <a:t>9/04/2025</a:t>
+              <a:t>27/04/2025</a:t>
             </a:fld>
             <a:endParaRPr lang="es-CO"/>
           </a:p>
@@ -760,7 +760,7 @@
             <a:fld id="{1D8BD707-D9CF-40AE-B4C6-C98DA3205C09}" type="datetimeFigureOut">
               <a:rPr lang="en-US" smtClean="0"/>
               <a:pPr/>
-              <a:t>4/9/2025</a:t>
+              <a:t>4/27/2025</a:t>
             </a:fld>
             <a:endParaRPr lang="en-US"/>
           </a:p>
@@ -925,7 +925,7 @@
             <a:fld id="{1D8BD707-D9CF-40AE-B4C6-C98DA3205C09}" type="datetimeFigureOut">
               <a:rPr lang="en-US" smtClean="0"/>
               <a:pPr/>
-              <a:t>4/9/2025</a:t>
+              <a:t>4/27/2025</a:t>
             </a:fld>
             <a:endParaRPr lang="en-US"/>
           </a:p>
@@ -1100,7 +1100,7 @@
             <a:fld id="{1D8BD707-D9CF-40AE-B4C6-C98DA3205C09}" type="datetimeFigureOut">
               <a:rPr lang="en-US" smtClean="0"/>
               <a:pPr/>
-              <a:t>4/9/2025</a:t>
+              <a:t>4/27/2025</a:t>
             </a:fld>
             <a:endParaRPr lang="en-US"/>
           </a:p>
@@ -1265,7 +1265,7 @@
             <a:fld id="{1D8BD707-D9CF-40AE-B4C6-C98DA3205C09}" type="datetimeFigureOut">
               <a:rPr lang="en-US" smtClean="0"/>
               <a:pPr/>
-              <a:t>4/9/2025</a:t>
+              <a:t>4/27/2025</a:t>
             </a:fld>
             <a:endParaRPr lang="en-US"/>
           </a:p>
@@ -1507,7 +1507,7 @@
             <a:fld id="{1D8BD707-D9CF-40AE-B4C6-C98DA3205C09}" type="datetimeFigureOut">
               <a:rPr lang="en-US" smtClean="0"/>
               <a:pPr/>
-              <a:t>4/9/2025</a:t>
+              <a:t>4/27/2025</a:t>
             </a:fld>
             <a:endParaRPr lang="en-US"/>
           </a:p>
@@ -1789,7 +1789,7 @@
             <a:fld id="{1D8BD707-D9CF-40AE-B4C6-C98DA3205C09}" type="datetimeFigureOut">
               <a:rPr lang="en-US" smtClean="0"/>
               <a:pPr/>
-              <a:t>4/9/2025</a:t>
+              <a:t>4/27/2025</a:t>
             </a:fld>
             <a:endParaRPr lang="en-US"/>
           </a:p>
@@ -2205,7 +2205,7 @@
             <a:fld id="{1D8BD707-D9CF-40AE-B4C6-C98DA3205C09}" type="datetimeFigureOut">
               <a:rPr lang="en-US" smtClean="0"/>
               <a:pPr/>
-              <a:t>4/9/2025</a:t>
+              <a:t>4/27/2025</a:t>
             </a:fld>
             <a:endParaRPr lang="en-US"/>
           </a:p>
@@ -2319,7 +2319,7 @@
             <a:fld id="{1D8BD707-D9CF-40AE-B4C6-C98DA3205C09}" type="datetimeFigureOut">
               <a:rPr lang="en-US" smtClean="0"/>
               <a:pPr/>
-              <a:t>4/9/2025</a:t>
+              <a:t>4/27/2025</a:t>
             </a:fld>
             <a:endParaRPr lang="en-US"/>
           </a:p>
@@ -2411,7 +2411,7 @@
             <a:fld id="{1D8BD707-D9CF-40AE-B4C6-C98DA3205C09}" type="datetimeFigureOut">
               <a:rPr lang="en-US" smtClean="0"/>
               <a:pPr/>
-              <a:t>4/9/2025</a:t>
+              <a:t>4/27/2025</a:t>
             </a:fld>
             <a:endParaRPr lang="en-US"/>
           </a:p>
@@ -2683,7 +2683,7 @@
             <a:fld id="{1D8BD707-D9CF-40AE-B4C6-C98DA3205C09}" type="datetimeFigureOut">
               <a:rPr lang="en-US" smtClean="0"/>
               <a:pPr/>
-              <a:t>4/9/2025</a:t>
+              <a:t>4/27/2025</a:t>
             </a:fld>
             <a:endParaRPr lang="en-US"/>
           </a:p>
@@ -2932,7 +2932,7 @@
             <a:fld id="{1D8BD707-D9CF-40AE-B4C6-C98DA3205C09}" type="datetimeFigureOut">
               <a:rPr lang="en-US" smtClean="0"/>
               <a:pPr/>
-              <a:t>4/9/2025</a:t>
+              <a:t>4/27/2025</a:t>
             </a:fld>
             <a:endParaRPr lang="en-US"/>
           </a:p>
@@ -3140,7 +3140,7 @@
             <a:fld id="{1D8BD707-D9CF-40AE-B4C6-C98DA3205C09}" type="datetimeFigureOut">
               <a:rPr lang="en-US" smtClean="0"/>
               <a:pPr/>
-              <a:t>4/9/2025</a:t>
+              <a:t>4/27/2025</a:t>
             </a:fld>
             <a:endParaRPr lang="en-US"/>
           </a:p>
@@ -7072,7 +7072,7 @@
           <p:nvPr>
             <p:extLst>
               <p:ext uri="{D42A27DB-BD31-4B8C-83A1-F6EECF244321}">
-                <p14:modId xmlns:p14="http://schemas.microsoft.com/office/powerpoint/2010/main" val="1344047476"/>
+                <p14:modId xmlns:p14="http://schemas.microsoft.com/office/powerpoint/2010/main" val="4071814329"/>
               </p:ext>
             </p:extLst>
           </p:nvPr>
@@ -7301,7 +7301,7 @@
                       <a:pPr algn="ctr"/>
                       <a:r>
                         <a:rPr lang="es-MX" noProof="0" dirty="0"/>
-                        <a:t>12%</a:t>
+                        <a:t>44,4%</a:t>
                       </a:r>
                       <a:endParaRPr lang="es-CO" noProof="0" dirty="0"/>
                     </a:p>
@@ -7316,7 +7316,7 @@
                       <a:pPr algn="ctr"/>
                       <a:r>
                         <a:rPr lang="es-MX" noProof="0" dirty="0"/>
-                        <a:t>6%</a:t>
+                        <a:t>22,2%</a:t>
                       </a:r>
                       <a:endParaRPr lang="es-CO" noProof="0" dirty="0"/>
                     </a:p>
@@ -7331,7 +7331,7 @@
                       <a:pPr algn="ctr"/>
                       <a:r>
                         <a:rPr lang="es-ES" noProof="0" dirty="0"/>
-                        <a:t>4%</a:t>
+                        <a:t>14,8%</a:t>
                       </a:r>
                       <a:endParaRPr lang="es-CO" noProof="0" dirty="0"/>
                     </a:p>
@@ -7346,7 +7346,7 @@
                       <a:pPr algn="ctr"/>
                       <a:r>
                         <a:rPr lang="es-MX" noProof="0" dirty="0"/>
-                        <a:t>3%</a:t>
+                        <a:t>11,1%</a:t>
                       </a:r>
                       <a:endParaRPr lang="es-CO" noProof="0" dirty="0"/>
                     </a:p>
@@ -7361,7 +7361,7 @@
                       <a:pPr algn="ctr"/>
                       <a:r>
                         <a:rPr lang="es-ES" noProof="0" dirty="0"/>
-                        <a:t>2%</a:t>
+                        <a:t>7,4%</a:t>
                       </a:r>
                       <a:endParaRPr lang="es-CO" noProof="0" dirty="0"/>
                     </a:p>
@@ -7376,7 +7376,7 @@
                       <a:pPr algn="ctr"/>
                       <a:r>
                         <a:rPr lang="es-MX" noProof="0" dirty="0"/>
-                        <a:t>27%</a:t>
+                        <a:t>100%</a:t>
                       </a:r>
                       <a:endParaRPr lang="es-CO" noProof="0" dirty="0"/>
                     </a:p>
@@ -7413,7 +7413,7 @@
                       <a:pPr algn="ctr"/>
                       <a:r>
                         <a:rPr lang="es-MX" noProof="0" dirty="0"/>
-                        <a:t>5%</a:t>
+                        <a:t>29,4%</a:t>
                       </a:r>
                       <a:endParaRPr lang="es-CO" noProof="0" dirty="0"/>
                     </a:p>
@@ -7428,7 +7428,7 @@
                       <a:pPr algn="ctr"/>
                       <a:r>
                         <a:rPr lang="es-CO" noProof="0" dirty="0"/>
-                        <a:t>5%</a:t>
+                        <a:t>29,4%</a:t>
                       </a:r>
                     </a:p>
                   </a:txBody>
@@ -7442,7 +7442,7 @@
                       <a:pPr algn="ctr"/>
                       <a:r>
                         <a:rPr lang="es-CO" noProof="0" dirty="0"/>
-                        <a:t>3%</a:t>
+                        <a:t>17,6%</a:t>
                       </a:r>
                     </a:p>
                   </a:txBody>
@@ -7456,7 +7456,7 @@
                       <a:pPr algn="ctr"/>
                       <a:r>
                         <a:rPr lang="es-CO" noProof="0" dirty="0"/>
-                        <a:t>2%</a:t>
+                        <a:t>11,8%</a:t>
                       </a:r>
                     </a:p>
                   </a:txBody>
@@ -7470,7 +7470,7 @@
                       <a:pPr algn="ctr"/>
                       <a:r>
                         <a:rPr lang="es-ES" noProof="0" dirty="0"/>
-                        <a:t>2%</a:t>
+                        <a:t>11,8%</a:t>
                       </a:r>
                       <a:endParaRPr lang="es-CO" noProof="0" dirty="0"/>
                     </a:p>
@@ -7485,7 +7485,7 @@
                       <a:pPr algn="ctr"/>
                       <a:r>
                         <a:rPr lang="es-MX" noProof="0" dirty="0"/>
-                        <a:t>17%</a:t>
+                        <a:t>100%</a:t>
                       </a:r>
                       <a:endParaRPr lang="es-CO" noProof="0" dirty="0"/>
                     </a:p>
@@ -7522,7 +7522,7 @@
                       <a:pPr algn="ctr"/>
                       <a:r>
                         <a:rPr lang="es-MX" noProof="0" dirty="0"/>
-                        <a:t>5%</a:t>
+                        <a:t>29,4%</a:t>
                       </a:r>
                       <a:endParaRPr lang="es-CO" noProof="0" dirty="0"/>
                     </a:p>
@@ -7537,7 +7537,7 @@
                       <a:pPr algn="ctr"/>
                       <a:r>
                         <a:rPr lang="es-ES" noProof="0" dirty="0"/>
-                        <a:t>4%</a:t>
+                        <a:t>23,5%</a:t>
                       </a:r>
                       <a:endParaRPr lang="es-CO" noProof="0" dirty="0"/>
                     </a:p>
@@ -7552,7 +7552,7 @@
                       <a:pPr algn="ctr"/>
                       <a:r>
                         <a:rPr lang="es-CO" noProof="0" dirty="0"/>
-                        <a:t>3%</a:t>
+                        <a:t>17,6%</a:t>
                       </a:r>
                     </a:p>
                   </a:txBody>
@@ -7566,7 +7566,7 @@
                       <a:pPr algn="ctr"/>
                       <a:r>
                         <a:rPr lang="es-MX" noProof="0" dirty="0"/>
-                        <a:t>3%</a:t>
+                        <a:t>17,6%</a:t>
                       </a:r>
                       <a:endParaRPr lang="es-CO" noProof="0" dirty="0"/>
                     </a:p>
@@ -7581,7 +7581,7 @@
                       <a:pPr algn="ctr"/>
                       <a:r>
                         <a:rPr lang="es-ES" noProof="0" dirty="0"/>
-                        <a:t>2%</a:t>
+                        <a:t>11,8%</a:t>
                       </a:r>
                       <a:endParaRPr lang="es-CO" noProof="0" dirty="0"/>
                     </a:p>
@@ -7596,7 +7596,7 @@
                       <a:pPr algn="ctr"/>
                       <a:r>
                         <a:rPr lang="es-MX" noProof="0" dirty="0"/>
-                        <a:t>17%</a:t>
+                        <a:t>100%</a:t>
                       </a:r>
                       <a:endParaRPr lang="es-CO" noProof="0" dirty="0"/>
                     </a:p>
@@ -7633,7 +7633,7 @@
                       <a:pPr algn="ctr"/>
                       <a:r>
                         <a:rPr lang="es-ES" noProof="0" dirty="0"/>
-                        <a:t>2%</a:t>
+                        <a:t>15,4%</a:t>
                       </a:r>
                       <a:endParaRPr lang="es-CO" noProof="0" dirty="0"/>
                     </a:p>
@@ -7648,7 +7648,7 @@
                       <a:pPr algn="ctr"/>
                       <a:r>
                         <a:rPr lang="es-MX" noProof="0" dirty="0"/>
-                        <a:t>3%</a:t>
+                        <a:t>23,1%</a:t>
                       </a:r>
                       <a:endParaRPr lang="es-CO" noProof="0" dirty="0"/>
                     </a:p>
@@ -7663,7 +7663,7 @@
                       <a:pPr algn="ctr"/>
                       <a:r>
                         <a:rPr lang="es-MX" noProof="0" dirty="0"/>
-                        <a:t>3%</a:t>
+                        <a:t>23,1%</a:t>
                       </a:r>
                       <a:endParaRPr lang="es-CO" noProof="0" dirty="0"/>
                     </a:p>
@@ -7678,7 +7678,7 @@
                       <a:pPr algn="ctr"/>
                       <a:r>
                         <a:rPr lang="es-CO" noProof="0" dirty="0"/>
-                        <a:t>3%</a:t>
+                        <a:t>23,1%</a:t>
                       </a:r>
                     </a:p>
                   </a:txBody>
@@ -7692,7 +7692,7 @@
                       <a:pPr algn="ctr"/>
                       <a:r>
                         <a:rPr lang="es-ES" noProof="0" dirty="0"/>
-                        <a:t>2%</a:t>
+                        <a:t>15,4%</a:t>
                       </a:r>
                       <a:endParaRPr lang="es-CO" noProof="0" dirty="0"/>
                     </a:p>
@@ -7707,7 +7707,7 @@
                       <a:pPr algn="ctr"/>
                       <a:r>
                         <a:rPr lang="es-MX" noProof="0" dirty="0"/>
-                        <a:t>13%</a:t>
+                        <a:t>100%</a:t>
                       </a:r>
                       <a:endParaRPr lang="es-CO" noProof="0" dirty="0"/>
                     </a:p>
@@ -7744,7 +7744,7 @@
                       <a:pPr algn="ctr"/>
                       <a:r>
                         <a:rPr lang="es-CO" noProof="0" dirty="0"/>
-                        <a:t>2%</a:t>
+                        <a:t>7,7%</a:t>
                       </a:r>
                     </a:p>
                   </a:txBody>
@@ -7758,7 +7758,7 @@
                       <a:pPr algn="ctr"/>
                       <a:r>
                         <a:rPr lang="es-MX" noProof="0" dirty="0"/>
-                        <a:t>5%</a:t>
+                        <a:t>19,2%</a:t>
                       </a:r>
                       <a:endParaRPr lang="es-CO" noProof="0" dirty="0"/>
                     </a:p>
@@ -7773,7 +7773,7 @@
                       <a:pPr algn="ctr"/>
                       <a:r>
                         <a:rPr lang="es-CO" noProof="0" dirty="0"/>
-                        <a:t>5%</a:t>
+                        <a:t>19,2%</a:t>
                       </a:r>
                     </a:p>
                   </a:txBody>
@@ -7787,7 +7787,7 @@
                       <a:pPr algn="ctr"/>
                       <a:r>
                         <a:rPr lang="es-ES" noProof="0" dirty="0"/>
-                        <a:t>6%</a:t>
+                        <a:t>23,1%</a:t>
                       </a:r>
                       <a:endParaRPr lang="es-CO" noProof="0" dirty="0"/>
                     </a:p>
@@ -7802,7 +7802,7 @@
                       <a:pPr algn="ctr"/>
                       <a:r>
                         <a:rPr lang="es-CO" noProof="0" dirty="0"/>
-                        <a:t>8%</a:t>
+                        <a:t>30,8%</a:t>
                       </a:r>
                     </a:p>
                   </a:txBody>
@@ -7816,7 +7816,7 @@
                       <a:pPr algn="ctr"/>
                       <a:r>
                         <a:rPr lang="es-MX" noProof="0" dirty="0"/>
-                        <a:t>26%</a:t>
+                        <a:t>100%</a:t>
                       </a:r>
                       <a:endParaRPr lang="es-CO" noProof="0" dirty="0"/>
                     </a:p>
@@ -7853,7 +7853,7 @@
                       <a:pPr algn="ctr"/>
                       <a:r>
                         <a:rPr lang="es-MX" noProof="0" dirty="0"/>
-                        <a:t>26%</a:t>
+                        <a:t>25,26%</a:t>
                       </a:r>
                       <a:endParaRPr lang="es-CO" noProof="0" dirty="0"/>
                     </a:p>
@@ -7868,7 +7868,7 @@
                       <a:pPr algn="ctr"/>
                       <a:r>
                         <a:rPr lang="es-MX" noProof="0" dirty="0"/>
-                        <a:t>23%</a:t>
+                        <a:t>23,48%</a:t>
                       </a:r>
                       <a:endParaRPr lang="es-CO" noProof="0" dirty="0"/>
                     </a:p>
@@ -7883,7 +7883,7 @@
                       <a:pPr algn="ctr"/>
                       <a:r>
                         <a:rPr lang="es-MX" noProof="0" dirty="0"/>
-                        <a:t>18%</a:t>
+                        <a:t>18,46%</a:t>
                       </a:r>
                       <a:endParaRPr lang="es-CO" noProof="0" dirty="0"/>
                     </a:p>
@@ -7898,7 +7898,7 @@
                       <a:pPr algn="ctr"/>
                       <a:r>
                         <a:rPr lang="es-MX" noProof="0" dirty="0"/>
-                        <a:t>17%</a:t>
+                        <a:t>17,34%</a:t>
                       </a:r>
                       <a:endParaRPr lang="es-CO" noProof="0" dirty="0"/>
                     </a:p>
@@ -7913,7 +7913,7 @@
                       <a:pPr algn="ctr"/>
                       <a:r>
                         <a:rPr lang="es-MX" noProof="0" dirty="0"/>
-                        <a:t>16%</a:t>
+                        <a:t>15,44%</a:t>
                       </a:r>
                       <a:endParaRPr lang="es-CO" noProof="0" dirty="0"/>
                     </a:p>
@@ -8469,7 +8469,7 @@
           <p:nvPr>
             <p:extLst>
               <p:ext uri="{D42A27DB-BD31-4B8C-83A1-F6EECF244321}">
-                <p14:modId xmlns:p14="http://schemas.microsoft.com/office/powerpoint/2010/main" val="1391007383"/>
+                <p14:modId xmlns:p14="http://schemas.microsoft.com/office/powerpoint/2010/main" val="3134756834"/>
               </p:ext>
             </p:extLst>
           </p:nvPr>
@@ -8710,7 +8710,7 @@
                       <a:pPr algn="ctr"/>
                       <a:r>
                         <a:rPr lang="es-MX" sz="1800" noProof="0" dirty="0"/>
-                        <a:t>Usabilidad</a:t>
+                        <a:t>Rendimiento</a:t>
                       </a:r>
                       <a:endParaRPr lang="es-CO" noProof="0" dirty="0"/>
                     </a:p>
@@ -8725,7 +8725,7 @@
                       <a:pPr algn="ctr"/>
                       <a:r>
                         <a:rPr lang="es-ES" noProof="0" dirty="0"/>
-                        <a:t>Aprendizaje</a:t>
+                        <a:t>Eficiencia en tiempo de respuesta</a:t>
                       </a:r>
                       <a:endParaRPr lang="es-CO" noProof="0" dirty="0"/>
                     </a:p>
@@ -8740,7 +8740,7 @@
                       <a:pPr algn="ctr"/>
                       <a:r>
                         <a:rPr lang="es-MX" dirty="0"/>
-                        <a:t>Flujo amigable, navegación intuitiva, estética clara</a:t>
+                        <a:t>Tiempo de respuesta ante generación de menús o acciones críticas</a:t>
                       </a:r>
                       <a:endParaRPr lang="es-CO" noProof="0" dirty="0"/>
                     </a:p>
@@ -8754,8 +8754,8 @@
                     <a:p>
                       <a:pPr algn="ctr"/>
                       <a:r>
-                        <a:rPr lang="es-MX" dirty="0"/>
-                        <a:t>Tiempo de aprendizaje &lt; 5 minutos</a:t>
+                        <a:rPr lang="es-CO" dirty="0"/>
+                        <a:t>&lt; 2 segundos</a:t>
                       </a:r>
                       <a:endParaRPr lang="es-CO" noProof="0" dirty="0"/>
                     </a:p>
@@ -8769,7 +8769,7 @@
                     <a:p>
                       <a:pPr algn="ctr"/>
                       <a:r>
-                        <a:rPr lang="es-CO" dirty="0"/>
+                        <a:rPr lang="es-MX" noProof="0" dirty="0"/>
                         <a:t>3</a:t>
                       </a:r>
                       <a:endParaRPr lang="es-CO" noProof="0" dirty="0"/>
@@ -8785,7 +8785,7 @@
                       <a:pPr algn="ctr"/>
                       <a:r>
                         <a:rPr lang="es-MX" noProof="0" dirty="0"/>
-                        <a:t>2</a:t>
+                        <a:t>3</a:t>
                       </a:r>
                       <a:endParaRPr lang="es-CO" noProof="0" dirty="0"/>
                     </a:p>
@@ -8800,7 +8800,7 @@
                       <a:pPr algn="ctr"/>
                       <a:r>
                         <a:rPr lang="es-MX" noProof="0" dirty="0"/>
-                        <a:t>0,27</a:t>
+                        <a:t>0,2348</a:t>
                       </a:r>
                       <a:endParaRPr lang="es-CO" noProof="0" dirty="0"/>
                     </a:p>
@@ -8815,7 +8815,7 @@
                       <a:pPr algn="ctr"/>
                       <a:r>
                         <a:rPr lang="es-MX" noProof="0" dirty="0"/>
-                        <a:t>1,35</a:t>
+                        <a:t>1,4088</a:t>
                       </a:r>
                       <a:endParaRPr lang="es-CO" noProof="0" dirty="0"/>
                     </a:p>
@@ -8824,7 +8824,7 @@
                 </a:tc>
                 <a:extLst>
                   <a:ext uri="{0D108BD9-81ED-4DB2-BD59-A6C34878D82A}">
-                    <a16:rowId xmlns:a16="http://schemas.microsoft.com/office/drawing/2014/main" val="3784190673"/>
+                    <a16:rowId xmlns:a16="http://schemas.microsoft.com/office/drawing/2014/main" val="758735929"/>
                   </a:ext>
                 </a:extLst>
               </a:tr>
@@ -8837,7 +8837,7 @@
                       <a:pPr algn="ctr"/>
                       <a:r>
                         <a:rPr lang="es-MX" sz="1800" noProof="0" dirty="0"/>
-                        <a:t>Rendimiento</a:t>
+                        <a:t>Usabilidad</a:t>
                       </a:r>
                       <a:endParaRPr lang="es-CO" noProof="0" dirty="0"/>
                     </a:p>
@@ -8852,7 +8852,7 @@
                       <a:pPr algn="ctr"/>
                       <a:r>
                         <a:rPr lang="es-ES" noProof="0" dirty="0"/>
-                        <a:t>Eficiencia en tiempo de respuesta</a:t>
+                        <a:t>Aprendizaje</a:t>
                       </a:r>
                       <a:endParaRPr lang="es-CO" noProof="0" dirty="0"/>
                     </a:p>
@@ -8867,7 +8867,7 @@
                       <a:pPr algn="ctr"/>
                       <a:r>
                         <a:rPr lang="es-MX" dirty="0"/>
-                        <a:t>Tiempo de respuesta ante generación de menús o acciones críticas</a:t>
+                        <a:t>Flujo amigable, navegación intuitiva, estética clara</a:t>
                       </a:r>
                       <a:endParaRPr lang="es-CO" noProof="0" dirty="0"/>
                     </a:p>
@@ -8881,8 +8881,23 @@
                     <a:p>
                       <a:pPr algn="ctr"/>
                       <a:r>
+                        <a:rPr lang="es-MX" dirty="0"/>
+                        <a:t>Tiempo de aprendizaje &lt; 5 minutos</a:t>
+                      </a:r>
+                      <a:endParaRPr lang="es-CO" noProof="0" dirty="0"/>
+                    </a:p>
+                  </a:txBody>
+                  <a:tcPr anchor="ctr"/>
+                </a:tc>
+                <a:tc>
+                  <a:txBody>
+                    <a:bodyPr/>
+                    <a:lstStyle/>
+                    <a:p>
+                      <a:pPr algn="ctr"/>
+                      <a:r>
                         <a:rPr lang="es-CO" dirty="0"/>
-                        <a:t>&lt; 2 segundos</a:t>
+                        <a:t>3</a:t>
                       </a:r>
                       <a:endParaRPr lang="es-CO" noProof="0" dirty="0"/>
                     </a:p>
@@ -8897,7 +8912,7 @@
                       <a:pPr algn="ctr"/>
                       <a:r>
                         <a:rPr lang="es-MX" noProof="0" dirty="0"/>
-                        <a:t>3</a:t>
+                        <a:t>2</a:t>
                       </a:r>
                       <a:endParaRPr lang="es-CO" noProof="0" dirty="0"/>
                     </a:p>
@@ -8912,7 +8927,7 @@
                       <a:pPr algn="ctr"/>
                       <a:r>
                         <a:rPr lang="es-MX" noProof="0" dirty="0"/>
-                        <a:t>3</a:t>
+                        <a:t>0,2526</a:t>
                       </a:r>
                       <a:endParaRPr lang="es-CO" noProof="0" dirty="0"/>
                     </a:p>
@@ -8927,22 +8942,7 @@
                       <a:pPr algn="ctr"/>
                       <a:r>
                         <a:rPr lang="es-MX" noProof="0" dirty="0"/>
-                        <a:t>0,17</a:t>
-                      </a:r>
-                      <a:endParaRPr lang="es-CO" noProof="0" dirty="0"/>
-                    </a:p>
-                  </a:txBody>
-                  <a:tcPr anchor="ctr"/>
-                </a:tc>
-                <a:tc>
-                  <a:txBody>
-                    <a:bodyPr/>
-                    <a:lstStyle/>
-                    <a:p>
-                      <a:pPr algn="ctr"/>
-                      <a:r>
-                        <a:rPr lang="es-MX" noProof="0" dirty="0"/>
-                        <a:t>1,02</a:t>
+                        <a:t>1,263</a:t>
                       </a:r>
                       <a:endParaRPr lang="es-CO" noProof="0" dirty="0"/>
                     </a:p>
@@ -8964,7 +8964,7 @@
                       <a:pPr algn="ctr"/>
                       <a:r>
                         <a:rPr lang="es-MX" sz="1800" noProof="0" dirty="0"/>
-                        <a:t>Disponibilidad</a:t>
+                        <a:t>Seguridad</a:t>
                       </a:r>
                       <a:endParaRPr lang="es-CO" noProof="0" dirty="0"/>
                     </a:p>
@@ -8979,7 +8979,7 @@
                       <a:pPr algn="ctr"/>
                       <a:r>
                         <a:rPr lang="es-ES" noProof="0" dirty="0"/>
-                        <a:t>Disponibilidad</a:t>
+                        <a:t>Protección de la información</a:t>
                       </a:r>
                       <a:endParaRPr lang="es-CO" noProof="0" dirty="0"/>
                     </a:p>
@@ -8994,9 +8994,8 @@
                       <a:pPr algn="ctr"/>
                       <a:r>
                         <a:rPr lang="es-MX" dirty="0"/>
-                        <a:t>Sistema activo todo el tiempo</a:t>
-                      </a:r>
-                      <a:endParaRPr lang="es-CO" noProof="0" dirty="0"/>
+                        <a:t>Protección de datos personales, cifrado, control de accesos</a:t>
+                      </a:r>
                     </a:p>
                   </a:txBody>
                   <a:tcPr anchor="ctr"/>
@@ -9009,7 +9008,21 @@
                       <a:pPr algn="ctr"/>
                       <a:r>
                         <a:rPr lang="es-CO" dirty="0"/>
-                        <a:t>Activo &gt; 95%</a:t>
+                        <a:t>Hash, OWASP</a:t>
+                      </a:r>
+                    </a:p>
+                  </a:txBody>
+                  <a:tcPr anchor="ctr"/>
+                </a:tc>
+                <a:tc>
+                  <a:txBody>
+                    <a:bodyPr/>
+                    <a:lstStyle/>
+                    <a:p>
+                      <a:pPr algn="ctr"/>
+                      <a:r>
+                        <a:rPr lang="es-MX" noProof="0" dirty="0"/>
+                        <a:t>3</a:t>
                       </a:r>
                       <a:endParaRPr lang="es-CO" noProof="0" dirty="0"/>
                     </a:p>
@@ -9039,7 +9052,7 @@
                       <a:pPr algn="ctr"/>
                       <a:r>
                         <a:rPr lang="es-MX" noProof="0" dirty="0"/>
-                        <a:t>2</a:t>
+                        <a:t>0,1734</a:t>
                       </a:r>
                       <a:endParaRPr lang="es-CO" noProof="0" dirty="0"/>
                     </a:p>
@@ -9054,147 +9067,7 @@
                       <a:pPr algn="ctr"/>
                       <a:r>
                         <a:rPr lang="es-MX" noProof="0" dirty="0"/>
-                        <a:t>0,17</a:t>
-                      </a:r>
-                      <a:endParaRPr lang="es-CO" noProof="0" dirty="0"/>
-                    </a:p>
-                  </a:txBody>
-                  <a:tcPr anchor="ctr"/>
-                </a:tc>
-                <a:tc>
-                  <a:txBody>
-                    <a:bodyPr/>
-                    <a:lstStyle/>
-                    <a:p>
-                      <a:pPr algn="ctr"/>
-                      <a:r>
-                        <a:rPr lang="es-MX" noProof="0" dirty="0"/>
-                        <a:t>0,68</a:t>
-                      </a:r>
-                      <a:endParaRPr lang="es-CO" noProof="0" dirty="0"/>
-                    </a:p>
-                  </a:txBody>
-                  <a:tcPr anchor="ctr"/>
-                </a:tc>
-                <a:extLst>
-                  <a:ext uri="{0D108BD9-81ED-4DB2-BD59-A6C34878D82A}">
-                    <a16:rowId xmlns:a16="http://schemas.microsoft.com/office/drawing/2014/main" val="3293755204"/>
-                  </a:ext>
-                </a:extLst>
-              </a:tr>
-              <a:tr h="381000">
-                <a:tc>
-                  <a:txBody>
-                    <a:bodyPr/>
-                    <a:lstStyle/>
-                    <a:p>
-                      <a:pPr algn="ctr"/>
-                      <a:r>
-                        <a:rPr lang="es-MX" sz="1800" noProof="0" dirty="0"/>
-                        <a:t>Seguridad</a:t>
-                      </a:r>
-                      <a:endParaRPr lang="es-CO" noProof="0" dirty="0"/>
-                    </a:p>
-                  </a:txBody>
-                  <a:tcPr anchor="ctr"/>
-                </a:tc>
-                <a:tc>
-                  <a:txBody>
-                    <a:bodyPr/>
-                    <a:lstStyle/>
-                    <a:p>
-                      <a:pPr algn="ctr"/>
-                      <a:r>
-                        <a:rPr lang="es-ES" noProof="0" dirty="0"/>
-                        <a:t>Protección de la información</a:t>
-                      </a:r>
-                      <a:endParaRPr lang="es-CO" noProof="0" dirty="0"/>
-                    </a:p>
-                  </a:txBody>
-                  <a:tcPr anchor="ctr"/>
-                </a:tc>
-                <a:tc>
-                  <a:txBody>
-                    <a:bodyPr/>
-                    <a:lstStyle/>
-                    <a:p>
-                      <a:pPr algn="ctr"/>
-                      <a:r>
-                        <a:rPr lang="es-MX" dirty="0"/>
-                        <a:t>Protección de datos personales, cifrado, control de accesos</a:t>
-                      </a:r>
-                    </a:p>
-                  </a:txBody>
-                  <a:tcPr anchor="ctr"/>
-                </a:tc>
-                <a:tc>
-                  <a:txBody>
-                    <a:bodyPr/>
-                    <a:lstStyle/>
-                    <a:p>
-                      <a:pPr algn="ctr"/>
-                      <a:r>
-                        <a:rPr lang="es-CO" dirty="0"/>
-                        <a:t>Hash, OWASP</a:t>
-                      </a:r>
-                    </a:p>
-                  </a:txBody>
-                  <a:tcPr anchor="ctr"/>
-                </a:tc>
-                <a:tc>
-                  <a:txBody>
-                    <a:bodyPr/>
-                    <a:lstStyle/>
-                    <a:p>
-                      <a:pPr algn="ctr"/>
-                      <a:r>
-                        <a:rPr lang="es-MX" noProof="0" dirty="0"/>
-                        <a:t>3</a:t>
-                      </a:r>
-                      <a:endParaRPr lang="es-CO" noProof="0" dirty="0"/>
-                    </a:p>
-                  </a:txBody>
-                  <a:tcPr anchor="ctr"/>
-                </a:tc>
-                <a:tc>
-                  <a:txBody>
-                    <a:bodyPr/>
-                    <a:lstStyle/>
-                    <a:p>
-                      <a:pPr algn="ctr"/>
-                      <a:r>
-                        <a:rPr lang="es-MX" noProof="0" dirty="0"/>
-                        <a:t>2</a:t>
-                      </a:r>
-                      <a:endParaRPr lang="es-CO" noProof="0" dirty="0"/>
-                    </a:p>
-                  </a:txBody>
-                  <a:tcPr anchor="ctr"/>
-                </a:tc>
-                <a:tc>
-                  <a:txBody>
-                    <a:bodyPr/>
-                    <a:lstStyle/>
-                    <a:p>
-                      <a:pPr algn="ctr"/>
-                      <a:r>
-                        <a:rPr lang="es-MX" noProof="0" dirty="0"/>
-                        <a:t>0,13</a:t>
-                      </a:r>
-                      <a:endParaRPr lang="es-CO" noProof="0" dirty="0"/>
-                    </a:p>
-                  </a:txBody>
-                  <a:tcPr anchor="ctr"/>
-                </a:tc>
-                <a:tc>
-                  <a:txBody>
-                    <a:bodyPr/>
-                    <a:lstStyle/>
-                    <a:p>
-                      <a:pPr algn="ctr"/>
-                      <a:r>
-                        <a:rPr lang="es-MX" noProof="0" dirty="0"/>
-                        <a:t>0,65</a:t>
+                        <a:t>0,867</a:t>
                       </a:r>
                       <a:endParaRPr lang="es-CO" noProof="0" dirty="0"/>
                     </a:p>
@@ -9305,7 +9178,7 @@
                       <a:pPr algn="ctr"/>
                       <a:r>
                         <a:rPr lang="es-MX" noProof="0" dirty="0"/>
-                        <a:t>0,26</a:t>
+                        <a:t>0,1544</a:t>
                       </a:r>
                       <a:endParaRPr lang="es-CO" noProof="0" dirty="0"/>
                     </a:p>
@@ -9320,7 +9193,7 @@
                       <a:pPr algn="ctr"/>
                       <a:r>
                         <a:rPr lang="es-MX" noProof="0" dirty="0"/>
-                        <a:t>1,3</a:t>
+                        <a:t>0,772</a:t>
                       </a:r>
                       <a:endParaRPr lang="es-CO" noProof="0" dirty="0"/>
                     </a:p>
@@ -9330,6 +9203,133 @@
                 <a:extLst>
                   <a:ext uri="{0D108BD9-81ED-4DB2-BD59-A6C34878D82A}">
                     <a16:rowId xmlns:a16="http://schemas.microsoft.com/office/drawing/2014/main" val="1378272106"/>
+                  </a:ext>
+                </a:extLst>
+              </a:tr>
+              <a:tr h="381000">
+                <a:tc>
+                  <a:txBody>
+                    <a:bodyPr/>
+                    <a:lstStyle/>
+                    <a:p>
+                      <a:pPr algn="ctr"/>
+                      <a:r>
+                        <a:rPr lang="es-MX" sz="1800" noProof="0" dirty="0"/>
+                        <a:t>Disponibilidad</a:t>
+                      </a:r>
+                      <a:endParaRPr lang="es-CO" noProof="0" dirty="0"/>
+                    </a:p>
+                  </a:txBody>
+                  <a:tcPr anchor="ctr"/>
+                </a:tc>
+                <a:tc>
+                  <a:txBody>
+                    <a:bodyPr/>
+                    <a:lstStyle/>
+                    <a:p>
+                      <a:pPr algn="ctr"/>
+                      <a:r>
+                        <a:rPr lang="es-ES" noProof="0" dirty="0"/>
+                        <a:t>Disponibilidad</a:t>
+                      </a:r>
+                      <a:endParaRPr lang="es-CO" noProof="0" dirty="0"/>
+                    </a:p>
+                  </a:txBody>
+                  <a:tcPr anchor="ctr"/>
+                </a:tc>
+                <a:tc>
+                  <a:txBody>
+                    <a:bodyPr/>
+                    <a:lstStyle/>
+                    <a:p>
+                      <a:pPr algn="ctr"/>
+                      <a:r>
+                        <a:rPr lang="es-MX" dirty="0"/>
+                        <a:t>Sistema activo todo el tiempo</a:t>
+                      </a:r>
+                      <a:endParaRPr lang="es-CO" noProof="0" dirty="0"/>
+                    </a:p>
+                  </a:txBody>
+                  <a:tcPr anchor="ctr"/>
+                </a:tc>
+                <a:tc>
+                  <a:txBody>
+                    <a:bodyPr/>
+                    <a:lstStyle/>
+                    <a:p>
+                      <a:pPr algn="ctr"/>
+                      <a:r>
+                        <a:rPr lang="es-CO" dirty="0"/>
+                        <a:t>Activo &gt; 95%</a:t>
+                      </a:r>
+                      <a:endParaRPr lang="es-CO" noProof="0" dirty="0"/>
+                    </a:p>
+                  </a:txBody>
+                  <a:tcPr anchor="ctr"/>
+                </a:tc>
+                <a:tc>
+                  <a:txBody>
+                    <a:bodyPr/>
+                    <a:lstStyle/>
+                    <a:p>
+                      <a:pPr algn="ctr"/>
+                      <a:r>
+                        <a:rPr lang="es-MX" noProof="0" dirty="0"/>
+                        <a:t>2</a:t>
+                      </a:r>
+                      <a:endParaRPr lang="es-CO" noProof="0" dirty="0"/>
+                    </a:p>
+                  </a:txBody>
+                  <a:tcPr anchor="ctr"/>
+                </a:tc>
+                <a:tc>
+                  <a:txBody>
+                    <a:bodyPr/>
+                    <a:lstStyle/>
+                    <a:p>
+                      <a:pPr algn="ctr"/>
+                      <a:r>
+                        <a:rPr lang="es-MX" noProof="0" dirty="0"/>
+                        <a:t>2</a:t>
+                      </a:r>
+                      <a:endParaRPr lang="es-CO" noProof="0" dirty="0"/>
+                    </a:p>
+                  </a:txBody>
+                  <a:tcPr anchor="ctr"/>
+                </a:tc>
+                <a:tc>
+                  <a:txBody>
+                    <a:bodyPr/>
+                    <a:lstStyle/>
+                    <a:p>
+                      <a:pPr algn="ctr"/>
+                      <a:r>
+                        <a:rPr lang="es-MX" noProof="0" dirty="0"/>
+                        <a:t>0,1846</a:t>
+                      </a:r>
+                      <a:endParaRPr lang="es-CO" noProof="0" dirty="0"/>
+                    </a:p>
+                  </a:txBody>
+                  <a:tcPr anchor="ctr"/>
+                </a:tc>
+                <a:tc>
+                  <a:txBody>
+                    <a:bodyPr/>
+                    <a:lstStyle/>
+                    <a:p>
+                      <a:pPr algn="ctr"/>
+                      <a:r>
+                        <a:rPr lang="es-MX" noProof="0" dirty="0"/>
+                        <a:t>0,7384</a:t>
+                      </a:r>
+                      <a:endParaRPr lang="es-CO" noProof="0" dirty="0"/>
+                    </a:p>
+                  </a:txBody>
+                  <a:tcPr anchor="ctr"/>
+                </a:tc>
+                <a:extLst>
+                  <a:ext uri="{0D108BD9-81ED-4DB2-BD59-A6C34878D82A}">
+                    <a16:rowId xmlns:a16="http://schemas.microsoft.com/office/drawing/2014/main" val="1527583818"/>
                   </a:ext>
                 </a:extLst>
               </a:tr>
